--- a/PPTs/04 Forms.pptx
+++ b/PPTs/04 Forms.pptx
@@ -5,7 +5,7 @@
     <p:sldMasterId id="2147483672" r:id="rId1"/>
   </p:sldMasterIdLst>
   <p:notesMasterIdLst>
-    <p:notesMasterId r:id="rId37"/>
+    <p:notesMasterId r:id="rId41"/>
   </p:notesMasterIdLst>
   <p:sldIdLst>
     <p:sldId id="256" r:id="rId2"/>
@@ -33,16 +33,20 @@
     <p:sldId id="276" r:id="rId24"/>
     <p:sldId id="277" r:id="rId25"/>
     <p:sldId id="278" r:id="rId26"/>
-    <p:sldId id="279" r:id="rId27"/>
-    <p:sldId id="280" r:id="rId28"/>
-    <p:sldId id="281" r:id="rId29"/>
-    <p:sldId id="282" r:id="rId30"/>
-    <p:sldId id="285" r:id="rId31"/>
-    <p:sldId id="284" r:id="rId32"/>
-    <p:sldId id="286" r:id="rId33"/>
-    <p:sldId id="287" r:id="rId34"/>
-    <p:sldId id="289" r:id="rId35"/>
-    <p:sldId id="292" r:id="rId36"/>
+    <p:sldId id="296" r:id="rId27"/>
+    <p:sldId id="279" r:id="rId28"/>
+    <p:sldId id="280" r:id="rId29"/>
+    <p:sldId id="281" r:id="rId30"/>
+    <p:sldId id="282" r:id="rId31"/>
+    <p:sldId id="285" r:id="rId32"/>
+    <p:sldId id="284" r:id="rId33"/>
+    <p:sldId id="286" r:id="rId34"/>
+    <p:sldId id="287" r:id="rId35"/>
+    <p:sldId id="289" r:id="rId36"/>
+    <p:sldId id="292" r:id="rId37"/>
+    <p:sldId id="293" r:id="rId38"/>
+    <p:sldId id="294" r:id="rId39"/>
+    <p:sldId id="295" r:id="rId40"/>
   </p:sldIdLst>
   <p:sldSz cx="9144000" cy="6858000" type="screen4x3"/>
   <p:notesSz cx="6858000" cy="9144000"/>
@@ -247,7 +251,7 @@
             <a:fld id="{4991502B-FFA8-47B9-B4E5-980CA415BAFF}" type="datetimeFigureOut">
               <a:rPr lang="en-US" smtClean="0"/>
               <a:pPr/>
-              <a:t>5/12/2017</a:t>
+              <a:t>5/14/2017</a:t>
             </a:fld>
             <a:endParaRPr lang="en-US"/>
           </a:p>
@@ -4494,7 +4498,7 @@
           <a:p>
             <a:r>
               <a:rPr lang="en-US" dirty="0"/>
-              <a:t>TD Approach (Form State)</a:t>
+              <a:t>Form State</a:t>
             </a:r>
             <a:endParaRPr lang="he-IL" dirty="0"/>
           </a:p>
@@ -4646,30 +4650,802 @@
           </a:p>
         </p:txBody>
       </p:sp>
-      <p:pic>
-        <p:nvPicPr>
-          <p:cNvPr id="9" name="Picture 8"/>
-          <p:cNvPicPr>
-            <a:picLocks noChangeAspect="1"/>
-          </p:cNvPicPr>
+      <p:sp>
+        <p:nvSpPr>
+          <p:cNvPr id="6" name="Rectangle 1"/>
+          <p:cNvSpPr>
+            <a:spLocks noChangeArrowheads="1"/>
+          </p:cNvSpPr>
           <p:nvPr/>
-        </p:nvPicPr>
-        <p:blipFill>
-          <a:blip r:embed="rId2"/>
-          <a:stretch>
-            <a:fillRect/>
-          </a:stretch>
-        </p:blipFill>
-        <p:spPr>
+        </p:nvSpPr>
+        <p:spPr bwMode="auto">
           <a:xfrm>
-            <a:off x="1475655" y="3140968"/>
-            <a:ext cx="2462263" cy="3456384"/>
+            <a:off x="526097" y="2924944"/>
+            <a:ext cx="3024336" cy="3693319"/>
           </a:xfrm>
           <a:prstGeom prst="rect">
             <a:avLst/>
           </a:prstGeom>
+          <a:solidFill>
+            <a:srgbClr val="FFFFFF"/>
+          </a:solidFill>
+          <a:ln>
+            <a:noFill/>
+          </a:ln>
+          <a:effectLst/>
+          <a:extLst>
+            <a:ext uri="{91240B29-F687-4F45-9708-019B960494DF}">
+              <a14:hiddenLine xmlns:a14="http://schemas.microsoft.com/office/drawing/2010/main" w="9525">
+                <a:solidFill>
+                  <a:schemeClr val="tx1"/>
+                </a:solidFill>
+                <a:miter lim="800000"/>
+                <a:headEnd/>
+                <a:tailEnd/>
+              </a14:hiddenLine>
+            </a:ext>
+            <a:ext uri="{AF507438-7753-43E0-B8FC-AC1667EBCBE1}">
+              <a14:hiddenEffects xmlns:a14="http://schemas.microsoft.com/office/drawing/2010/main">
+                <a:effectLst>
+                  <a:outerShdw dist="35921" dir="2700000" algn="ctr" rotWithShape="0">
+                    <a:schemeClr val="bg2"/>
+                  </a:outerShdw>
+                </a:effectLst>
+              </a14:hiddenEffects>
+            </a:ext>
+          </a:extLst>
         </p:spPr>
-      </p:pic>
+        <p:txBody>
+          <a:bodyPr vert="horz" wrap="square" lIns="0" tIns="0" rIns="0" bIns="0" numCol="1" anchor="ctr" anchorCtr="0" compatLnSpc="1">
+            <a:prstTxWarp prst="textNoShape">
+              <a:avLst/>
+            </a:prstTxWarp>
+            <a:spAutoFit/>
+          </a:bodyPr>
+          <a:lstStyle/>
+          <a:p>
+            <a:pPr marL="0" marR="0" lvl="0" indent="0" algn="l" defTabSz="914400" rtl="0" eaLnBrk="0" fontAlgn="base" latinLnBrk="0" hangingPunct="0">
+              <a:lnSpc>
+                <a:spcPct val="100000"/>
+              </a:lnSpc>
+              <a:spcBef>
+                <a:spcPct val="0"/>
+              </a:spcBef>
+              <a:spcAft>
+                <a:spcPct val="0"/>
+              </a:spcAft>
+              <a:buClrTx/>
+              <a:buSzTx/>
+              <a:buFontTx/>
+              <a:buNone/>
+              <a:tabLst/>
+            </a:pPr>
+            <a:r>
+              <a:rPr kumimoji="0" lang="en-US" altLang="en-US" sz="1200" b="0" i="0" u="none" strike="noStrike" cap="none" normalizeH="0" baseline="0" dirty="0">
+                <a:ln>
+                  <a:noFill/>
+                </a:ln>
+                <a:solidFill>
+                  <a:srgbClr val="000000"/>
+                </a:solidFill>
+                <a:effectLst/>
+                <a:latin typeface="Arial Unicode MS"/>
+                <a:ea typeface="Times New Roman" panose="02020603050405020304" pitchFamily="18" charset="0"/>
+                <a:cs typeface="Courier New" panose="02070309020205020404" pitchFamily="49" charset="0"/>
+              </a:rPr>
+              <a:t>email:FormControl</a:t>
+            </a:r>
+            <a:br>
+              <a:rPr kumimoji="0" lang="en-US" altLang="en-US" sz="1200" b="0" i="0" u="none" strike="noStrike" cap="none" normalizeH="0" baseline="0" dirty="0">
+                <a:ln>
+                  <a:noFill/>
+                </a:ln>
+                <a:solidFill>
+                  <a:srgbClr val="000000"/>
+                </a:solidFill>
+                <a:effectLst/>
+                <a:latin typeface="Arial Unicode MS"/>
+                <a:ea typeface="Times New Roman" panose="02020603050405020304" pitchFamily="18" charset="0"/>
+                <a:cs typeface="Courier New" panose="02070309020205020404" pitchFamily="49" charset="0"/>
+              </a:rPr>
+            </a:br>
+            <a:r>
+              <a:rPr kumimoji="0" lang="en-US" altLang="en-US" sz="1200" b="0" i="0" u="none" strike="noStrike" cap="none" normalizeH="0" baseline="0" dirty="0">
+                <a:ln>
+                  <a:noFill/>
+                </a:ln>
+                <a:solidFill>
+                  <a:srgbClr val="000000"/>
+                </a:solidFill>
+                <a:effectLst/>
+                <a:latin typeface="Arial Unicode MS"/>
+                <a:ea typeface="Times New Roman" panose="02020603050405020304" pitchFamily="18" charset="0"/>
+                <a:cs typeface="Courier New" panose="02070309020205020404" pitchFamily="49" charset="0"/>
+              </a:rPr>
+              <a:t>  </a:t>
+            </a:r>
+            <a:r>
+              <a:rPr kumimoji="0" lang="en-US" altLang="en-US" sz="1200" b="1" i="0" u="none" strike="noStrike" cap="none" normalizeH="0" baseline="0" dirty="0">
+                <a:ln>
+                  <a:noFill/>
+                </a:ln>
+                <a:solidFill>
+                  <a:srgbClr val="000000"/>
+                </a:solidFill>
+                <a:effectLst/>
+                <a:latin typeface="Arial Unicode MS"/>
+                <a:ea typeface="Times New Roman" panose="02020603050405020304" pitchFamily="18" charset="0"/>
+                <a:cs typeface="Courier New" panose="02070309020205020404" pitchFamily="49" charset="0"/>
+              </a:rPr>
+              <a:t>asyncValidator</a:t>
+            </a:r>
+            <a:r>
+              <a:rPr kumimoji="0" lang="en-US" altLang="en-US" sz="1200" b="0" i="0" u="none" strike="noStrike" cap="none" normalizeH="0" baseline="0" dirty="0">
+                <a:ln>
+                  <a:noFill/>
+                </a:ln>
+                <a:solidFill>
+                  <a:srgbClr val="000000"/>
+                </a:solidFill>
+                <a:effectLst/>
+                <a:latin typeface="Arial Unicode MS"/>
+                <a:ea typeface="Times New Roman" panose="02020603050405020304" pitchFamily="18" charset="0"/>
+                <a:cs typeface="Courier New" panose="02070309020205020404" pitchFamily="49" charset="0"/>
+              </a:rPr>
+              <a:t>:</a:t>
+            </a:r>
+            <a:r>
+              <a:rPr kumimoji="0" lang="en-US" altLang="en-US" sz="1200" b="1" i="0" u="none" strike="noStrike" cap="none" normalizeH="0" baseline="0" dirty="0">
+                <a:ln>
+                  <a:noFill/>
+                </a:ln>
+                <a:solidFill>
+                  <a:srgbClr val="000080"/>
+                </a:solidFill>
+                <a:effectLst/>
+                <a:latin typeface="Arial Unicode MS"/>
+                <a:ea typeface="Times New Roman" panose="02020603050405020304" pitchFamily="18" charset="0"/>
+                <a:cs typeface="Courier New" panose="02070309020205020404" pitchFamily="49" charset="0"/>
+              </a:rPr>
+              <a:t>null</a:t>
+            </a:r>
+            <a:br>
+              <a:rPr kumimoji="0" lang="en-US" altLang="en-US" sz="1200" b="1" i="0" u="none" strike="noStrike" cap="none" normalizeH="0" baseline="0" dirty="0">
+                <a:ln>
+                  <a:noFill/>
+                </a:ln>
+                <a:solidFill>
+                  <a:srgbClr val="000080"/>
+                </a:solidFill>
+                <a:effectLst/>
+                <a:latin typeface="Arial Unicode MS"/>
+                <a:ea typeface="Times New Roman" panose="02020603050405020304" pitchFamily="18" charset="0"/>
+                <a:cs typeface="Courier New" panose="02070309020205020404" pitchFamily="49" charset="0"/>
+              </a:rPr>
+            </a:br>
+            <a:r>
+              <a:rPr kumimoji="0" lang="en-US" altLang="en-US" sz="1200" b="1" i="0" u="none" strike="noStrike" cap="none" normalizeH="0" baseline="0" dirty="0">
+                <a:ln>
+                  <a:noFill/>
+                </a:ln>
+                <a:solidFill>
+                  <a:srgbClr val="000080"/>
+                </a:solidFill>
+                <a:effectLst/>
+                <a:latin typeface="Arial Unicode MS"/>
+                <a:ea typeface="Times New Roman" panose="02020603050405020304" pitchFamily="18" charset="0"/>
+                <a:cs typeface="Courier New" panose="02070309020205020404" pitchFamily="49" charset="0"/>
+              </a:rPr>
+              <a:t>  </a:t>
+            </a:r>
+            <a:r>
+              <a:rPr kumimoji="0" lang="en-US" altLang="en-US" sz="1200" b="0" i="0" u="none" strike="noStrike" cap="none" normalizeH="0" baseline="0" dirty="0">
+                <a:ln>
+                  <a:noFill/>
+                </a:ln>
+                <a:solidFill>
+                  <a:srgbClr val="000000"/>
+                </a:solidFill>
+                <a:effectLst/>
+                <a:latin typeface="Arial Unicode MS"/>
+                <a:ea typeface="Times New Roman" panose="02020603050405020304" pitchFamily="18" charset="0"/>
+                <a:cs typeface="Courier New" panose="02070309020205020404" pitchFamily="49" charset="0"/>
+              </a:rPr>
+              <a:t>dirty:(...)</a:t>
+            </a:r>
+            <a:br>
+              <a:rPr kumimoji="0" lang="en-US" altLang="en-US" sz="1200" b="0" i="0" u="none" strike="noStrike" cap="none" normalizeH="0" baseline="0" dirty="0">
+                <a:ln>
+                  <a:noFill/>
+                </a:ln>
+                <a:solidFill>
+                  <a:srgbClr val="000000"/>
+                </a:solidFill>
+                <a:effectLst/>
+                <a:latin typeface="Arial Unicode MS"/>
+                <a:ea typeface="Times New Roman" panose="02020603050405020304" pitchFamily="18" charset="0"/>
+                <a:cs typeface="Courier New" panose="02070309020205020404" pitchFamily="49" charset="0"/>
+              </a:rPr>
+            </a:br>
+            <a:r>
+              <a:rPr kumimoji="0" lang="en-US" altLang="en-US" sz="1200" b="0" i="0" u="none" strike="noStrike" cap="none" normalizeH="0" baseline="0" dirty="0">
+                <a:ln>
+                  <a:noFill/>
+                </a:ln>
+                <a:solidFill>
+                  <a:srgbClr val="000000"/>
+                </a:solidFill>
+                <a:effectLst/>
+                <a:latin typeface="Arial Unicode MS"/>
+                <a:ea typeface="Times New Roman" panose="02020603050405020304" pitchFamily="18" charset="0"/>
+                <a:cs typeface="Courier New" panose="02070309020205020404" pitchFamily="49" charset="0"/>
+              </a:rPr>
+              <a:t>  disabled:(...)</a:t>
+            </a:r>
+            <a:br>
+              <a:rPr kumimoji="0" lang="en-US" altLang="en-US" sz="1200" b="0" i="0" u="none" strike="noStrike" cap="none" normalizeH="0" baseline="0" dirty="0">
+                <a:ln>
+                  <a:noFill/>
+                </a:ln>
+                <a:solidFill>
+                  <a:srgbClr val="000000"/>
+                </a:solidFill>
+                <a:effectLst/>
+                <a:latin typeface="Arial Unicode MS"/>
+                <a:ea typeface="Times New Roman" panose="02020603050405020304" pitchFamily="18" charset="0"/>
+                <a:cs typeface="Courier New" panose="02070309020205020404" pitchFamily="49" charset="0"/>
+              </a:rPr>
+            </a:br>
+            <a:r>
+              <a:rPr kumimoji="0" lang="en-US" altLang="en-US" sz="1200" b="0" i="0" u="none" strike="noStrike" cap="none" normalizeH="0" baseline="0" dirty="0">
+                <a:ln>
+                  <a:noFill/>
+                </a:ln>
+                <a:solidFill>
+                  <a:srgbClr val="000000"/>
+                </a:solidFill>
+                <a:effectLst/>
+                <a:latin typeface="Arial Unicode MS"/>
+                <a:ea typeface="Times New Roman" panose="02020603050405020304" pitchFamily="18" charset="0"/>
+                <a:cs typeface="Courier New" panose="02070309020205020404" pitchFamily="49" charset="0"/>
+              </a:rPr>
+              <a:t>  enabled:(...)</a:t>
+            </a:r>
+            <a:br>
+              <a:rPr kumimoji="0" lang="en-US" altLang="en-US" sz="1200" b="0" i="0" u="none" strike="noStrike" cap="none" normalizeH="0" baseline="0" dirty="0">
+                <a:ln>
+                  <a:noFill/>
+                </a:ln>
+                <a:solidFill>
+                  <a:srgbClr val="000000"/>
+                </a:solidFill>
+                <a:effectLst/>
+                <a:latin typeface="Arial Unicode MS"/>
+                <a:ea typeface="Times New Roman" panose="02020603050405020304" pitchFamily="18" charset="0"/>
+                <a:cs typeface="Courier New" panose="02070309020205020404" pitchFamily="49" charset="0"/>
+              </a:rPr>
+            </a:br>
+            <a:r>
+              <a:rPr kumimoji="0" lang="en-US" altLang="en-US" sz="1200" b="0" i="0" u="none" strike="noStrike" cap="none" normalizeH="0" baseline="0" dirty="0">
+                <a:ln>
+                  <a:noFill/>
+                </a:ln>
+                <a:solidFill>
+                  <a:srgbClr val="000000"/>
+                </a:solidFill>
+                <a:effectLst/>
+                <a:latin typeface="Arial Unicode MS"/>
+                <a:ea typeface="Times New Roman" panose="02020603050405020304" pitchFamily="18" charset="0"/>
+                <a:cs typeface="Courier New" panose="02070309020205020404" pitchFamily="49" charset="0"/>
+              </a:rPr>
+              <a:t>  errors:(...)</a:t>
+            </a:r>
+            <a:br>
+              <a:rPr kumimoji="0" lang="en-US" altLang="en-US" sz="1200" b="0" i="0" u="none" strike="noStrike" cap="none" normalizeH="0" baseline="0" dirty="0">
+                <a:ln>
+                  <a:noFill/>
+                </a:ln>
+                <a:solidFill>
+                  <a:srgbClr val="000000"/>
+                </a:solidFill>
+                <a:effectLst/>
+                <a:latin typeface="Arial Unicode MS"/>
+                <a:ea typeface="Times New Roman" panose="02020603050405020304" pitchFamily="18" charset="0"/>
+                <a:cs typeface="Courier New" panose="02070309020205020404" pitchFamily="49" charset="0"/>
+              </a:rPr>
+            </a:br>
+            <a:r>
+              <a:rPr kumimoji="0" lang="en-US" altLang="en-US" sz="1200" b="0" i="0" u="none" strike="noStrike" cap="none" normalizeH="0" baseline="0" dirty="0">
+                <a:ln>
+                  <a:noFill/>
+                </a:ln>
+                <a:solidFill>
+                  <a:srgbClr val="000000"/>
+                </a:solidFill>
+                <a:effectLst/>
+                <a:latin typeface="Arial Unicode MS"/>
+                <a:ea typeface="Times New Roman" panose="02020603050405020304" pitchFamily="18" charset="0"/>
+                <a:cs typeface="Courier New" panose="02070309020205020404" pitchFamily="49" charset="0"/>
+              </a:rPr>
+              <a:t>  invalid:(...)</a:t>
+            </a:r>
+            <a:br>
+              <a:rPr kumimoji="0" lang="en-US" altLang="en-US" sz="1200" b="0" i="0" u="none" strike="noStrike" cap="none" normalizeH="0" baseline="0" dirty="0">
+                <a:ln>
+                  <a:noFill/>
+                </a:ln>
+                <a:solidFill>
+                  <a:srgbClr val="000000"/>
+                </a:solidFill>
+                <a:effectLst/>
+                <a:latin typeface="Arial Unicode MS"/>
+                <a:ea typeface="Times New Roman" panose="02020603050405020304" pitchFamily="18" charset="0"/>
+                <a:cs typeface="Courier New" panose="02070309020205020404" pitchFamily="49" charset="0"/>
+              </a:rPr>
+            </a:br>
+            <a:r>
+              <a:rPr kumimoji="0" lang="en-US" altLang="en-US" sz="1200" b="0" i="0" u="none" strike="noStrike" cap="none" normalizeH="0" baseline="0" dirty="0">
+                <a:ln>
+                  <a:noFill/>
+                </a:ln>
+                <a:solidFill>
+                  <a:srgbClr val="000000"/>
+                </a:solidFill>
+                <a:effectLst/>
+                <a:latin typeface="Arial Unicode MS"/>
+                <a:ea typeface="Times New Roman" panose="02020603050405020304" pitchFamily="18" charset="0"/>
+                <a:cs typeface="Courier New" panose="02070309020205020404" pitchFamily="49" charset="0"/>
+              </a:rPr>
+              <a:t>  parent:(...)</a:t>
+            </a:r>
+            <a:br>
+              <a:rPr kumimoji="0" lang="en-US" altLang="en-US" sz="1200" b="0" i="0" u="none" strike="noStrike" cap="none" normalizeH="0" baseline="0" dirty="0">
+                <a:ln>
+                  <a:noFill/>
+                </a:ln>
+                <a:solidFill>
+                  <a:srgbClr val="000000"/>
+                </a:solidFill>
+                <a:effectLst/>
+                <a:latin typeface="Arial Unicode MS"/>
+                <a:ea typeface="Times New Roman" panose="02020603050405020304" pitchFamily="18" charset="0"/>
+                <a:cs typeface="Courier New" panose="02070309020205020404" pitchFamily="49" charset="0"/>
+              </a:rPr>
+            </a:br>
+            <a:r>
+              <a:rPr kumimoji="0" lang="en-US" altLang="en-US" sz="1200" b="0" i="0" u="none" strike="noStrike" cap="none" normalizeH="0" baseline="0" dirty="0">
+                <a:ln>
+                  <a:noFill/>
+                </a:ln>
+                <a:solidFill>
+                  <a:srgbClr val="000000"/>
+                </a:solidFill>
+                <a:effectLst/>
+                <a:latin typeface="Arial Unicode MS"/>
+                <a:ea typeface="Times New Roman" panose="02020603050405020304" pitchFamily="18" charset="0"/>
+                <a:cs typeface="Courier New" panose="02070309020205020404" pitchFamily="49" charset="0"/>
+              </a:rPr>
+              <a:t>  pending:(...)</a:t>
+            </a:r>
+            <a:br>
+              <a:rPr kumimoji="0" lang="en-US" altLang="en-US" sz="1200" b="0" i="0" u="none" strike="noStrike" cap="none" normalizeH="0" baseline="0" dirty="0">
+                <a:ln>
+                  <a:noFill/>
+                </a:ln>
+                <a:solidFill>
+                  <a:srgbClr val="000000"/>
+                </a:solidFill>
+                <a:effectLst/>
+                <a:latin typeface="Arial Unicode MS"/>
+                <a:ea typeface="Times New Roman" panose="02020603050405020304" pitchFamily="18" charset="0"/>
+                <a:cs typeface="Courier New" panose="02070309020205020404" pitchFamily="49" charset="0"/>
+              </a:rPr>
+            </a:br>
+            <a:r>
+              <a:rPr kumimoji="0" lang="en-US" altLang="en-US" sz="1200" b="0" i="0" u="none" strike="noStrike" cap="none" normalizeH="0" baseline="0" dirty="0">
+                <a:ln>
+                  <a:noFill/>
+                </a:ln>
+                <a:solidFill>
+                  <a:srgbClr val="000000"/>
+                </a:solidFill>
+                <a:effectLst/>
+                <a:latin typeface="Arial Unicode MS"/>
+                <a:ea typeface="Times New Roman" panose="02020603050405020304" pitchFamily="18" charset="0"/>
+                <a:cs typeface="Courier New" panose="02070309020205020404" pitchFamily="49" charset="0"/>
+              </a:rPr>
+              <a:t>  pristine:(...)</a:t>
+            </a:r>
+            <a:br>
+              <a:rPr kumimoji="0" lang="en-US" altLang="en-US" sz="1200" b="0" i="0" u="none" strike="noStrike" cap="none" normalizeH="0" baseline="0" dirty="0">
+                <a:ln>
+                  <a:noFill/>
+                </a:ln>
+                <a:solidFill>
+                  <a:srgbClr val="000000"/>
+                </a:solidFill>
+                <a:effectLst/>
+                <a:latin typeface="Arial Unicode MS"/>
+                <a:ea typeface="Times New Roman" panose="02020603050405020304" pitchFamily="18" charset="0"/>
+                <a:cs typeface="Courier New" panose="02070309020205020404" pitchFamily="49" charset="0"/>
+              </a:rPr>
+            </a:br>
+            <a:r>
+              <a:rPr kumimoji="0" lang="en-US" altLang="en-US" sz="1200" b="0" i="0" u="none" strike="noStrike" cap="none" normalizeH="0" baseline="0" dirty="0">
+                <a:ln>
+                  <a:noFill/>
+                </a:ln>
+                <a:solidFill>
+                  <a:srgbClr val="000000"/>
+                </a:solidFill>
+                <a:effectLst/>
+                <a:latin typeface="Arial Unicode MS"/>
+                <a:ea typeface="Times New Roman" panose="02020603050405020304" pitchFamily="18" charset="0"/>
+                <a:cs typeface="Courier New" panose="02070309020205020404" pitchFamily="49" charset="0"/>
+              </a:rPr>
+              <a:t>  root:(...)</a:t>
+            </a:r>
+            <a:br>
+              <a:rPr kumimoji="0" lang="en-US" altLang="en-US" sz="1200" b="0" i="0" u="none" strike="noStrike" cap="none" normalizeH="0" baseline="0" dirty="0">
+                <a:ln>
+                  <a:noFill/>
+                </a:ln>
+                <a:solidFill>
+                  <a:srgbClr val="000000"/>
+                </a:solidFill>
+                <a:effectLst/>
+                <a:latin typeface="Arial Unicode MS"/>
+                <a:ea typeface="Times New Roman" panose="02020603050405020304" pitchFamily="18" charset="0"/>
+                <a:cs typeface="Courier New" panose="02070309020205020404" pitchFamily="49" charset="0"/>
+              </a:rPr>
+            </a:br>
+            <a:r>
+              <a:rPr kumimoji="0" lang="en-US" altLang="en-US" sz="1200" b="0" i="0" u="none" strike="noStrike" cap="none" normalizeH="0" baseline="0" dirty="0">
+                <a:ln>
+                  <a:noFill/>
+                </a:ln>
+                <a:solidFill>
+                  <a:srgbClr val="000000"/>
+                </a:solidFill>
+                <a:effectLst/>
+                <a:latin typeface="Arial Unicode MS"/>
+                <a:ea typeface="Times New Roman" panose="02020603050405020304" pitchFamily="18" charset="0"/>
+                <a:cs typeface="Courier New" panose="02070309020205020404" pitchFamily="49" charset="0"/>
+              </a:rPr>
+              <a:t>  status:(...)</a:t>
+            </a:r>
+            <a:br>
+              <a:rPr kumimoji="0" lang="en-US" altLang="en-US" sz="1200" b="0" i="0" u="none" strike="noStrike" cap="none" normalizeH="0" baseline="0" dirty="0">
+                <a:ln>
+                  <a:noFill/>
+                </a:ln>
+                <a:solidFill>
+                  <a:srgbClr val="000000"/>
+                </a:solidFill>
+                <a:effectLst/>
+                <a:latin typeface="Arial Unicode MS"/>
+                <a:ea typeface="Times New Roman" panose="02020603050405020304" pitchFamily="18" charset="0"/>
+                <a:cs typeface="Courier New" panose="02070309020205020404" pitchFamily="49" charset="0"/>
+              </a:rPr>
+            </a:br>
+            <a:r>
+              <a:rPr kumimoji="0" lang="en-US" altLang="en-US" sz="1200" b="0" i="0" u="none" strike="noStrike" cap="none" normalizeH="0" baseline="0" dirty="0">
+                <a:ln>
+                  <a:noFill/>
+                </a:ln>
+                <a:solidFill>
+                  <a:srgbClr val="000000"/>
+                </a:solidFill>
+                <a:effectLst/>
+                <a:latin typeface="Arial Unicode MS"/>
+                <a:ea typeface="Times New Roman" panose="02020603050405020304" pitchFamily="18" charset="0"/>
+                <a:cs typeface="Courier New" panose="02070309020205020404" pitchFamily="49" charset="0"/>
+              </a:rPr>
+              <a:t>  statusChanges:(...)</a:t>
+            </a:r>
+            <a:br>
+              <a:rPr kumimoji="0" lang="en-US" altLang="en-US" sz="1200" b="0" i="0" u="none" strike="noStrike" cap="none" normalizeH="0" baseline="0" dirty="0">
+                <a:ln>
+                  <a:noFill/>
+                </a:ln>
+                <a:solidFill>
+                  <a:srgbClr val="000000"/>
+                </a:solidFill>
+                <a:effectLst/>
+                <a:latin typeface="Arial Unicode MS"/>
+                <a:ea typeface="Times New Roman" panose="02020603050405020304" pitchFamily="18" charset="0"/>
+                <a:cs typeface="Courier New" panose="02070309020205020404" pitchFamily="49" charset="0"/>
+              </a:rPr>
+            </a:br>
+            <a:r>
+              <a:rPr kumimoji="0" lang="en-US" altLang="en-US" sz="1200" b="0" i="0" u="none" strike="noStrike" cap="none" normalizeH="0" baseline="0" dirty="0">
+                <a:ln>
+                  <a:noFill/>
+                </a:ln>
+                <a:solidFill>
+                  <a:srgbClr val="000000"/>
+                </a:solidFill>
+                <a:effectLst/>
+                <a:latin typeface="Arial Unicode MS"/>
+                <a:ea typeface="Times New Roman" panose="02020603050405020304" pitchFamily="18" charset="0"/>
+                <a:cs typeface="Courier New" panose="02070309020205020404" pitchFamily="49" charset="0"/>
+              </a:rPr>
+              <a:t>  touched:(...)</a:t>
+            </a:r>
+            <a:br>
+              <a:rPr kumimoji="0" lang="en-US" altLang="en-US" sz="1200" b="0" i="0" u="none" strike="noStrike" cap="none" normalizeH="0" baseline="0" dirty="0">
+                <a:ln>
+                  <a:noFill/>
+                </a:ln>
+                <a:solidFill>
+                  <a:srgbClr val="000000"/>
+                </a:solidFill>
+                <a:effectLst/>
+                <a:latin typeface="Arial Unicode MS"/>
+                <a:ea typeface="Times New Roman" panose="02020603050405020304" pitchFamily="18" charset="0"/>
+                <a:cs typeface="Courier New" panose="02070309020205020404" pitchFamily="49" charset="0"/>
+              </a:rPr>
+            </a:br>
+            <a:r>
+              <a:rPr kumimoji="0" lang="en-US" altLang="en-US" sz="1200" b="0" i="0" u="none" strike="noStrike" cap="none" normalizeH="0" baseline="0" dirty="0">
+                <a:ln>
+                  <a:noFill/>
+                </a:ln>
+                <a:solidFill>
+                  <a:srgbClr val="000000"/>
+                </a:solidFill>
+                <a:effectLst/>
+                <a:latin typeface="Arial Unicode MS"/>
+                <a:ea typeface="Times New Roman" panose="02020603050405020304" pitchFamily="18" charset="0"/>
+                <a:cs typeface="Courier New" panose="02070309020205020404" pitchFamily="49" charset="0"/>
+              </a:rPr>
+              <a:t>  untouched:(...)</a:t>
+            </a:r>
+            <a:br>
+              <a:rPr kumimoji="0" lang="en-US" altLang="en-US" sz="1200" b="0" i="0" u="none" strike="noStrike" cap="none" normalizeH="0" baseline="0" dirty="0">
+                <a:ln>
+                  <a:noFill/>
+                </a:ln>
+                <a:solidFill>
+                  <a:srgbClr val="000000"/>
+                </a:solidFill>
+                <a:effectLst/>
+                <a:latin typeface="Arial Unicode MS"/>
+                <a:ea typeface="Times New Roman" panose="02020603050405020304" pitchFamily="18" charset="0"/>
+                <a:cs typeface="Courier New" panose="02070309020205020404" pitchFamily="49" charset="0"/>
+              </a:rPr>
+            </a:br>
+            <a:r>
+              <a:rPr kumimoji="0" lang="en-US" altLang="en-US" sz="1200" b="0" i="0" u="none" strike="noStrike" cap="none" normalizeH="0" baseline="0" dirty="0">
+                <a:ln>
+                  <a:noFill/>
+                </a:ln>
+                <a:solidFill>
+                  <a:srgbClr val="000000"/>
+                </a:solidFill>
+                <a:effectLst/>
+                <a:latin typeface="Arial Unicode MS"/>
+                <a:ea typeface="Times New Roman" panose="02020603050405020304" pitchFamily="18" charset="0"/>
+                <a:cs typeface="Courier New" panose="02070309020205020404" pitchFamily="49" charset="0"/>
+              </a:rPr>
+              <a:t>  valid:(...)</a:t>
+            </a:r>
+            <a:br>
+              <a:rPr kumimoji="0" lang="en-US" altLang="en-US" sz="1200" b="0" i="0" u="none" strike="noStrike" cap="none" normalizeH="0" baseline="0" dirty="0">
+                <a:ln>
+                  <a:noFill/>
+                </a:ln>
+                <a:solidFill>
+                  <a:srgbClr val="000000"/>
+                </a:solidFill>
+                <a:effectLst/>
+                <a:latin typeface="Arial Unicode MS"/>
+                <a:ea typeface="Times New Roman" panose="02020603050405020304" pitchFamily="18" charset="0"/>
+                <a:cs typeface="Courier New" panose="02070309020205020404" pitchFamily="49" charset="0"/>
+              </a:rPr>
+            </a:br>
+            <a:r>
+              <a:rPr kumimoji="0" lang="en-US" altLang="en-US" sz="1200" b="0" i="0" u="none" strike="noStrike" cap="none" normalizeH="0" baseline="0" dirty="0">
+                <a:ln>
+                  <a:noFill/>
+                </a:ln>
+                <a:solidFill>
+                  <a:srgbClr val="000000"/>
+                </a:solidFill>
+                <a:effectLst/>
+                <a:latin typeface="Arial Unicode MS"/>
+                <a:ea typeface="Times New Roman" panose="02020603050405020304" pitchFamily="18" charset="0"/>
+                <a:cs typeface="Courier New" panose="02070309020205020404" pitchFamily="49" charset="0"/>
+              </a:rPr>
+              <a:t>  validator:</a:t>
+            </a:r>
+            <a:r>
+              <a:rPr kumimoji="0" lang="en-US" altLang="en-US" sz="1200" b="0" i="1" u="none" strike="noStrike" cap="none" normalizeH="0" baseline="0" dirty="0">
+                <a:ln>
+                  <a:noFill/>
+                </a:ln>
+                <a:solidFill>
+                  <a:srgbClr val="000080"/>
+                </a:solidFill>
+                <a:effectLst/>
+                <a:latin typeface="Arial Unicode MS"/>
+                <a:ea typeface="Times New Roman" panose="02020603050405020304" pitchFamily="18" charset="0"/>
+                <a:cs typeface="Courier New" panose="02070309020205020404" pitchFamily="49" charset="0"/>
+              </a:rPr>
+              <a:t>function </a:t>
+            </a:r>
+            <a:r>
+              <a:rPr kumimoji="0" lang="en-US" altLang="en-US" sz="1200" b="0" i="0" u="none" strike="noStrike" cap="none" normalizeH="0" baseline="0" dirty="0">
+                <a:ln>
+                  <a:noFill/>
+                </a:ln>
+                <a:solidFill>
+                  <a:srgbClr val="000000"/>
+                </a:solidFill>
+                <a:effectLst/>
+                <a:latin typeface="Arial Unicode MS"/>
+                <a:ea typeface="Times New Roman" panose="02020603050405020304" pitchFamily="18" charset="0"/>
+                <a:cs typeface="Courier New" panose="02070309020205020404" pitchFamily="49" charset="0"/>
+              </a:rPr>
+              <a:t>(control)</a:t>
+            </a:r>
+            <a:br>
+              <a:rPr kumimoji="0" lang="en-US" altLang="en-US" sz="1200" b="0" i="0" u="none" strike="noStrike" cap="none" normalizeH="0" baseline="0" dirty="0">
+                <a:ln>
+                  <a:noFill/>
+                </a:ln>
+                <a:solidFill>
+                  <a:srgbClr val="000000"/>
+                </a:solidFill>
+                <a:effectLst/>
+                <a:latin typeface="Arial Unicode MS"/>
+                <a:ea typeface="Times New Roman" panose="02020603050405020304" pitchFamily="18" charset="0"/>
+                <a:cs typeface="Courier New" panose="02070309020205020404" pitchFamily="49" charset="0"/>
+              </a:rPr>
+            </a:br>
+            <a:r>
+              <a:rPr kumimoji="0" lang="en-US" altLang="en-US" sz="1200" b="0" i="0" u="none" strike="noStrike" cap="none" normalizeH="0" baseline="0" dirty="0">
+                <a:ln>
+                  <a:noFill/>
+                </a:ln>
+                <a:solidFill>
+                  <a:srgbClr val="000000"/>
+                </a:solidFill>
+                <a:effectLst/>
+                <a:latin typeface="Arial Unicode MS"/>
+                <a:ea typeface="Times New Roman" panose="02020603050405020304" pitchFamily="18" charset="0"/>
+                <a:cs typeface="Courier New" panose="02070309020205020404" pitchFamily="49" charset="0"/>
+              </a:rPr>
+              <a:t>  value:(...)</a:t>
+            </a:r>
+            <a:br>
+              <a:rPr kumimoji="0" lang="en-US" altLang="en-US" sz="1200" b="0" i="0" u="none" strike="noStrike" cap="none" normalizeH="0" baseline="0" dirty="0">
+                <a:ln>
+                  <a:noFill/>
+                </a:ln>
+                <a:solidFill>
+                  <a:srgbClr val="000000"/>
+                </a:solidFill>
+                <a:effectLst/>
+                <a:latin typeface="Arial Unicode MS"/>
+                <a:ea typeface="Times New Roman" panose="02020603050405020304" pitchFamily="18" charset="0"/>
+                <a:cs typeface="Courier New" panose="02070309020205020404" pitchFamily="49" charset="0"/>
+              </a:rPr>
+            </a:br>
+            <a:r>
+              <a:rPr kumimoji="0" lang="en-US" altLang="en-US" sz="1200" b="0" i="0" u="none" strike="noStrike" cap="none" normalizeH="0" baseline="0" dirty="0">
+                <a:ln>
+                  <a:noFill/>
+                </a:ln>
+                <a:solidFill>
+                  <a:srgbClr val="000000"/>
+                </a:solidFill>
+                <a:effectLst/>
+                <a:latin typeface="Arial Unicode MS"/>
+                <a:ea typeface="Times New Roman" panose="02020603050405020304" pitchFamily="18" charset="0"/>
+                <a:cs typeface="Courier New" panose="02070309020205020404" pitchFamily="49" charset="0"/>
+              </a:rPr>
+              <a:t>  valueChanges:(...)</a:t>
+            </a:r>
+            <a:br>
+              <a:rPr kumimoji="0" lang="en-US" altLang="en-US" sz="1200" b="0" i="0" u="none" strike="noStrike" cap="none" normalizeH="0" baseline="0" dirty="0">
+                <a:ln>
+                  <a:noFill/>
+                </a:ln>
+                <a:solidFill>
+                  <a:srgbClr val="000000"/>
+                </a:solidFill>
+                <a:effectLst/>
+                <a:latin typeface="Arial Unicode MS"/>
+                <a:ea typeface="Times New Roman" panose="02020603050405020304" pitchFamily="18" charset="0"/>
+                <a:cs typeface="Courier New" panose="02070309020205020404" pitchFamily="49" charset="0"/>
+              </a:rPr>
+            </a:br>
+            <a:r>
+              <a:rPr kumimoji="0" lang="en-US" altLang="en-US" sz="1200" b="0" i="0" u="none" strike="noStrike" cap="none" normalizeH="0" baseline="0" dirty="0">
+                <a:ln>
+                  <a:noFill/>
+                </a:ln>
+                <a:solidFill>
+                  <a:srgbClr val="000000"/>
+                </a:solidFill>
+                <a:effectLst/>
+                <a:latin typeface="Arial Unicode MS"/>
+                <a:ea typeface="Times New Roman" panose="02020603050405020304" pitchFamily="18" charset="0"/>
+                <a:cs typeface="Courier New" panose="02070309020205020404" pitchFamily="49" charset="0"/>
+              </a:rPr>
+              <a:t>  </a:t>
+            </a:r>
+            <a:r>
+              <a:rPr kumimoji="0" lang="en-US" altLang="en-US" sz="1200" b="1" i="0" u="none" strike="noStrike" cap="none" normalizeH="0" baseline="0" dirty="0">
+                <a:ln>
+                  <a:noFill/>
+                </a:ln>
+                <a:solidFill>
+                  <a:srgbClr val="000000"/>
+                </a:solidFill>
+                <a:effectLst/>
+                <a:latin typeface="Arial Unicode MS"/>
+                <a:ea typeface="Times New Roman" panose="02020603050405020304" pitchFamily="18" charset="0"/>
+                <a:cs typeface="Courier New" panose="02070309020205020404" pitchFamily="49" charset="0"/>
+              </a:rPr>
+              <a:t>_errors</a:t>
+            </a:r>
+            <a:r>
+              <a:rPr kumimoji="0" lang="en-US" altLang="en-US" sz="1200" b="0" i="0" u="none" strike="noStrike" cap="none" normalizeH="0" baseline="0" dirty="0">
+                <a:ln>
+                  <a:noFill/>
+                </a:ln>
+                <a:solidFill>
+                  <a:srgbClr val="000000"/>
+                </a:solidFill>
+                <a:effectLst/>
+                <a:latin typeface="Arial Unicode MS"/>
+                <a:ea typeface="Times New Roman" panose="02020603050405020304" pitchFamily="18" charset="0"/>
+                <a:cs typeface="Courier New" panose="02070309020205020404" pitchFamily="49" charset="0"/>
+              </a:rPr>
+              <a:t>:</a:t>
+            </a:r>
+            <a:r>
+              <a:rPr kumimoji="0" lang="en-US" altLang="en-US" sz="1200" b="1" i="0" u="none" strike="noStrike" cap="none" normalizeH="0" baseline="0" dirty="0">
+                <a:ln>
+                  <a:noFill/>
+                </a:ln>
+                <a:solidFill>
+                  <a:srgbClr val="000080"/>
+                </a:solidFill>
+                <a:effectLst/>
+                <a:latin typeface="Arial Unicode MS"/>
+                <a:ea typeface="Times New Roman" panose="02020603050405020304" pitchFamily="18" charset="0"/>
+                <a:cs typeface="Courier New" panose="02070309020205020404" pitchFamily="49" charset="0"/>
+              </a:rPr>
+              <a:t>null</a:t>
+            </a:r>
+            <a:r>
+              <a:rPr kumimoji="0" lang="en-US" altLang="en-US" sz="1200" b="0" i="0" u="none" strike="noStrike" cap="none" normalizeH="0" baseline="0" dirty="0">
+                <a:ln>
+                  <a:noFill/>
+                </a:ln>
+                <a:solidFill>
+                  <a:schemeClr val="tx1"/>
+                </a:solidFill>
+                <a:effectLst/>
+              </a:rPr>
+              <a:t> </a:t>
+            </a:r>
+            <a:endParaRPr kumimoji="0" lang="en-US" altLang="en-US" sz="1200" b="0" i="0" u="none" strike="noStrike" cap="none" normalizeH="0" baseline="0" dirty="0">
+              <a:ln>
+                <a:noFill/>
+              </a:ln>
+              <a:solidFill>
+                <a:schemeClr val="tx1"/>
+              </a:solidFill>
+              <a:effectLst/>
+              <a:latin typeface="Arial" panose="020B0604020202020204" pitchFamily="34" charset="0"/>
+            </a:endParaRPr>
+          </a:p>
+        </p:txBody>
+      </p:sp>
     </p:spTree>
     <p:extLst>
       <p:ext uri="{BB962C8B-B14F-4D97-AF65-F5344CB8AC3E}">
@@ -4719,15 +5495,11 @@
           <a:p>
             <a:r>
               <a:rPr lang="en-US" sz="3600" dirty="0"/>
-              <a:t>TD Approach (Access with @</a:t>
+              <a:t>Access with @</a:t>
             </a:r>
             <a:r>
               <a:rPr lang="en-US" sz="3600" dirty="0" err="1"/>
               <a:t>viewChild</a:t>
-            </a:r>
-            <a:r>
-              <a:rPr lang="en-US" sz="3600" dirty="0"/>
-              <a:t>)</a:t>
             </a:r>
             <a:endParaRPr lang="he-IL" sz="3600" dirty="0"/>
           </a:p>
@@ -4894,13 +5666,15 @@
       <p:cxnSp>
         <p:nvCxnSpPr>
           <p:cNvPr id="12" name="Straight Arrow Connector 11"/>
-          <p:cNvCxnSpPr/>
+          <p:cNvCxnSpPr>
+            <a:cxnSpLocks/>
+          </p:cNvCxnSpPr>
           <p:nvPr/>
         </p:nvCxnSpPr>
         <p:spPr>
           <a:xfrm flipH="1">
-            <a:off x="2267744" y="4149080"/>
-            <a:ext cx="4320480" cy="1872208"/>
+            <a:off x="2411760" y="4149080"/>
+            <a:ext cx="4176464" cy="1584176"/>
           </a:xfrm>
           <a:prstGeom prst="straightConnector1">
             <a:avLst/>
@@ -5118,6 +5892,17 @@
                 <a:cs typeface="Arial" panose="020B0604020202020204" pitchFamily="34" charset="0"/>
               </a:rPr>
             </a:br>
+            <a:r>
+              <a:rPr lang="en-US" sz="1400" b="1" dirty="0">
+                <a:solidFill>
+                  <a:srgbClr val="008000"/>
+                </a:solidFill>
+                <a:latin typeface="Calibri" panose="020F0502020204030204" pitchFamily="34" charset="0"/>
+                <a:ea typeface="Calibri" panose="020F0502020204030204" pitchFamily="34" charset="0"/>
+                <a:cs typeface="Arial" panose="020B0604020202020204" pitchFamily="34" charset="0"/>
+              </a:rPr>
+              <a:t/>
+            </a:r>
             <a:br>
               <a:rPr lang="en-US" sz="1400" b="1" dirty="0">
                 <a:solidFill>
@@ -5397,6 +6182,17 @@
                 <a:cs typeface="Arial" panose="020B0604020202020204" pitchFamily="34" charset="0"/>
               </a:rPr>
             </a:br>
+            <a:r>
+              <a:rPr lang="en-US" sz="1400" dirty="0">
+                <a:solidFill>
+                  <a:srgbClr val="000000"/>
+                </a:solidFill>
+                <a:latin typeface="Calibri" panose="020F0502020204030204" pitchFamily="34" charset="0"/>
+                <a:ea typeface="Calibri" panose="020F0502020204030204" pitchFamily="34" charset="0"/>
+                <a:cs typeface="Arial" panose="020B0604020202020204" pitchFamily="34" charset="0"/>
+              </a:rPr>
+              <a:t/>
+            </a:r>
             <a:br>
               <a:rPr lang="en-US" sz="1400" dirty="0">
                 <a:solidFill>
@@ -5536,6 +6332,17 @@
                 <a:cs typeface="Arial" panose="020B0604020202020204" pitchFamily="34" charset="0"/>
               </a:rPr>
             </a:br>
+            <a:r>
+              <a:rPr lang="en-US" sz="1400" dirty="0">
+                <a:solidFill>
+                  <a:srgbClr val="000000"/>
+                </a:solidFill>
+                <a:latin typeface="Calibri" panose="020F0502020204030204" pitchFamily="34" charset="0"/>
+                <a:ea typeface="Calibri" panose="020F0502020204030204" pitchFamily="34" charset="0"/>
+                <a:cs typeface="Arial" panose="020B0604020202020204" pitchFamily="34" charset="0"/>
+              </a:rPr>
+              <a:t/>
+            </a:r>
             <a:br>
               <a:rPr lang="en-US" sz="1400" dirty="0">
                 <a:solidFill>
@@ -5578,6 +6385,17 @@
                 <a:cs typeface="Arial" panose="020B0604020202020204" pitchFamily="34" charset="0"/>
               </a:rPr>
               <a:t>(){</a:t>
+            </a:r>
+            <a:r>
+              <a:rPr lang="en-US" sz="1400" i="1" dirty="0">
+                <a:solidFill>
+                  <a:srgbClr val="808080"/>
+                </a:solidFill>
+                <a:latin typeface="Calibri" panose="020F0502020204030204" pitchFamily="34" charset="0"/>
+                <a:ea typeface="Calibri" panose="020F0502020204030204" pitchFamily="34" charset="0"/>
+                <a:cs typeface="Arial" panose="020B0604020202020204" pitchFamily="34" charset="0"/>
+              </a:rPr>
+              <a:t/>
             </a:r>
             <a:br>
               <a:rPr lang="en-US" sz="1400" i="1" dirty="0">
@@ -5783,7 +6601,7 @@
           <a:p>
             <a:r>
               <a:rPr lang="en-US" dirty="0"/>
-              <a:t>TD Approach (Validators)</a:t>
+              <a:t>Validators</a:t>
             </a:r>
             <a:endParaRPr lang="he-IL" dirty="0"/>
           </a:p>
@@ -5940,7 +6758,7 @@
           <a:p>
             <a:r>
               <a:rPr lang="en-US" dirty="0"/>
-              <a:t>TD Approach (Validators)</a:t>
+              <a:t>Validators</a:t>
             </a:r>
             <a:endParaRPr lang="he-IL" dirty="0"/>
           </a:p>
@@ -6071,30 +6889,6 @@
           </a:p>
         </p:txBody>
       </p:sp>
-      <p:pic>
-        <p:nvPicPr>
-          <p:cNvPr id="8" name="Picture 7"/>
-          <p:cNvPicPr>
-            <a:picLocks noChangeAspect="1"/>
-          </p:cNvPicPr>
-          <p:nvPr/>
-        </p:nvPicPr>
-        <p:blipFill>
-          <a:blip r:embed="rId2"/>
-          <a:stretch>
-            <a:fillRect/>
-          </a:stretch>
-        </p:blipFill>
-        <p:spPr>
-          <a:xfrm>
-            <a:off x="4192701" y="3447444"/>
-            <a:ext cx="4595254" cy="948561"/>
-          </a:xfrm>
-          <a:prstGeom prst="rect">
-            <a:avLst/>
-          </a:prstGeom>
-        </p:spPr>
-      </p:pic>
       <p:sp>
         <p:nvSpPr>
           <p:cNvPr id="10" name="TextBox 9"/>
@@ -6598,6 +7392,593 @@
           </a:p>
         </p:txBody>
       </p:sp>
+      <p:sp>
+        <p:nvSpPr>
+          <p:cNvPr id="6" name="Rectangle 1"/>
+          <p:cNvSpPr>
+            <a:spLocks noChangeArrowheads="1"/>
+          </p:cNvSpPr>
+          <p:nvPr/>
+        </p:nvSpPr>
+        <p:spPr bwMode="auto">
+          <a:xfrm>
+            <a:off x="4379038" y="3170373"/>
+            <a:ext cx="4355976" cy="1077218"/>
+          </a:xfrm>
+          <a:prstGeom prst="rect">
+            <a:avLst/>
+          </a:prstGeom>
+          <a:solidFill>
+            <a:srgbClr val="FFFFFF"/>
+          </a:solidFill>
+          <a:ln>
+            <a:noFill/>
+          </a:ln>
+          <a:effectLst/>
+          <a:extLst>
+            <a:ext uri="{91240B29-F687-4F45-9708-019B960494DF}">
+              <a14:hiddenLine xmlns:a14="http://schemas.microsoft.com/office/drawing/2010/main" w="9525">
+                <a:solidFill>
+                  <a:schemeClr val="tx1"/>
+                </a:solidFill>
+                <a:miter lim="800000"/>
+                <a:headEnd/>
+                <a:tailEnd/>
+              </a14:hiddenLine>
+            </a:ext>
+            <a:ext uri="{AF507438-7753-43E0-B8FC-AC1667EBCBE1}">
+              <a14:hiddenEffects xmlns:a14="http://schemas.microsoft.com/office/drawing/2010/main">
+                <a:effectLst>
+                  <a:outerShdw dist="35921" dir="2700000" algn="ctr" rotWithShape="0">
+                    <a:schemeClr val="bg2"/>
+                  </a:outerShdw>
+                </a:effectLst>
+              </a14:hiddenEffects>
+            </a:ext>
+          </a:extLst>
+        </p:spPr>
+        <p:txBody>
+          <a:bodyPr vert="horz" wrap="square" lIns="0" tIns="0" rIns="0" bIns="0" numCol="1" anchor="ctr" anchorCtr="0" compatLnSpc="1">
+            <a:prstTxWarp prst="textNoShape">
+              <a:avLst/>
+            </a:prstTxWarp>
+            <a:spAutoFit/>
+          </a:bodyPr>
+          <a:lstStyle/>
+          <a:p>
+            <a:pPr marL="0" marR="0" lvl="0" indent="0" algn="l" defTabSz="914400" rtl="0" eaLnBrk="0" fontAlgn="base" latinLnBrk="0" hangingPunct="0">
+              <a:lnSpc>
+                <a:spcPct val="100000"/>
+              </a:lnSpc>
+              <a:spcBef>
+                <a:spcPct val="0"/>
+              </a:spcBef>
+              <a:spcAft>
+                <a:spcPct val="0"/>
+              </a:spcAft>
+              <a:buClrTx/>
+              <a:buSzTx/>
+              <a:buFontTx/>
+              <a:buNone/>
+              <a:tabLst/>
+            </a:pPr>
+            <a:r>
+              <a:rPr kumimoji="0" lang="en-US" altLang="en-US" sz="1400" b="0" i="0" u="none" strike="noStrike" cap="none" normalizeH="0" baseline="0">
+                <a:ln>
+                  <a:noFill/>
+                </a:ln>
+                <a:solidFill>
+                  <a:srgbClr val="000000"/>
+                </a:solidFill>
+                <a:effectLst/>
+                <a:latin typeface="Arial Unicode MS"/>
+                <a:ea typeface="Times New Roman" panose="02020603050405020304" pitchFamily="18" charset="0"/>
+                <a:cs typeface="Courier New" panose="02070309020205020404" pitchFamily="49" charset="0"/>
+              </a:rPr>
+              <a:t>&lt;input _ngcontent-c0=</a:t>
+            </a:r>
+            <a:r>
+              <a:rPr kumimoji="0" lang="en-US" altLang="en-US" sz="1400" b="1" i="0" u="none" strike="noStrike" cap="none" normalizeH="0" baseline="0">
+                <a:ln>
+                  <a:noFill/>
+                </a:ln>
+                <a:solidFill>
+                  <a:srgbClr val="008000"/>
+                </a:solidFill>
+                <a:effectLst/>
+                <a:latin typeface="Arial Unicode MS"/>
+                <a:ea typeface="Times New Roman" panose="02020603050405020304" pitchFamily="18" charset="0"/>
+                <a:cs typeface="Courier New" panose="02070309020205020404" pitchFamily="49" charset="0"/>
+              </a:rPr>
+              <a:t>"" </a:t>
+            </a:r>
+            <a:r>
+              <a:rPr kumimoji="0" lang="en-US" altLang="en-US" sz="1400" b="1" i="0" u="none" strike="noStrike" cap="none" normalizeH="0" baseline="0">
+                <a:ln>
+                  <a:noFill/>
+                </a:ln>
+                <a:solidFill>
+                  <a:srgbClr val="000080"/>
+                </a:solidFill>
+                <a:effectLst/>
+                <a:latin typeface="Arial Unicode MS"/>
+                <a:ea typeface="Times New Roman" panose="02020603050405020304" pitchFamily="18" charset="0"/>
+                <a:cs typeface="Courier New" panose="02070309020205020404" pitchFamily="49" charset="0"/>
+              </a:rPr>
+              <a:t>class</a:t>
+            </a:r>
+            <a:r>
+              <a:rPr kumimoji="0" lang="en-US" altLang="en-US" sz="1400" b="0" i="0" u="none" strike="noStrike" cap="none" normalizeH="0" baseline="0">
+                <a:ln>
+                  <a:noFill/>
+                </a:ln>
+                <a:solidFill>
+                  <a:srgbClr val="000000"/>
+                </a:solidFill>
+                <a:effectLst/>
+                <a:latin typeface="Arial Unicode MS"/>
+                <a:ea typeface="Times New Roman" panose="02020603050405020304" pitchFamily="18" charset="0"/>
+                <a:cs typeface="Courier New" panose="02070309020205020404" pitchFamily="49" charset="0"/>
+              </a:rPr>
+              <a:t>=</a:t>
+            </a:r>
+            <a:r>
+              <a:rPr kumimoji="0" lang="en-US" altLang="en-US" sz="1400" b="1" i="0" u="none" strike="noStrike" cap="none" normalizeH="0" baseline="0">
+                <a:ln>
+                  <a:noFill/>
+                </a:ln>
+                <a:solidFill>
+                  <a:srgbClr val="008000"/>
+                </a:solidFill>
+                <a:effectLst/>
+                <a:latin typeface="Arial Unicode MS"/>
+                <a:ea typeface="Times New Roman" panose="02020603050405020304" pitchFamily="18" charset="0"/>
+                <a:cs typeface="Courier New" panose="02070309020205020404" pitchFamily="49" charset="0"/>
+              </a:rPr>
+              <a:t>"form-control " </a:t>
+            </a:r>
+            <a:r>
+              <a:rPr kumimoji="0" lang="en-US" altLang="en-US" sz="1400" b="0" i="0" u="none" strike="noStrike" cap="none" normalizeH="0" baseline="0">
+                <a:ln>
+                  <a:noFill/>
+                </a:ln>
+                <a:solidFill>
+                  <a:srgbClr val="000000"/>
+                </a:solidFill>
+                <a:effectLst/>
+                <a:latin typeface="Arial Unicode MS"/>
+                <a:ea typeface="Times New Roman" panose="02020603050405020304" pitchFamily="18" charset="0"/>
+                <a:cs typeface="Courier New" panose="02070309020205020404" pitchFamily="49" charset="0"/>
+              </a:rPr>
+              <a:t>+</a:t>
+            </a:r>
+            <a:br>
+              <a:rPr kumimoji="0" lang="en-US" altLang="en-US" sz="1400" b="0" i="0" u="none" strike="noStrike" cap="none" normalizeH="0" baseline="0">
+                <a:ln>
+                  <a:noFill/>
+                </a:ln>
+                <a:solidFill>
+                  <a:srgbClr val="000000"/>
+                </a:solidFill>
+                <a:effectLst/>
+                <a:latin typeface="Arial Unicode MS"/>
+                <a:ea typeface="Times New Roman" panose="02020603050405020304" pitchFamily="18" charset="0"/>
+                <a:cs typeface="Courier New" panose="02070309020205020404" pitchFamily="49" charset="0"/>
+              </a:rPr>
+            </a:br>
+            <a:r>
+              <a:rPr kumimoji="0" lang="en-US" altLang="en-US" sz="1400" b="0" i="0" u="none" strike="noStrike" cap="none" normalizeH="0" baseline="0">
+                <a:ln>
+                  <a:noFill/>
+                </a:ln>
+                <a:solidFill>
+                  <a:srgbClr val="000000"/>
+                </a:solidFill>
+                <a:effectLst/>
+                <a:latin typeface="Arial Unicode MS"/>
+                <a:ea typeface="Times New Roman" panose="02020603050405020304" pitchFamily="18" charset="0"/>
+                <a:cs typeface="Courier New" panose="02070309020205020404" pitchFamily="49" charset="0"/>
+              </a:rPr>
+              <a:t>  </a:t>
+            </a:r>
+            <a:r>
+              <a:rPr kumimoji="0" lang="en-US" altLang="en-US" sz="1400" b="1" i="0" u="none" strike="noStrike" cap="none" normalizeH="0" baseline="0">
+                <a:ln>
+                  <a:noFill/>
+                </a:ln>
+                <a:solidFill>
+                  <a:srgbClr val="008000"/>
+                </a:solidFill>
+                <a:effectLst/>
+                <a:latin typeface="Arial Unicode MS"/>
+                <a:ea typeface="Times New Roman" panose="02020603050405020304" pitchFamily="18" charset="0"/>
+                <a:cs typeface="Courier New" panose="02070309020205020404" pitchFamily="49" charset="0"/>
+              </a:rPr>
+              <a:t>"ng-dirty ng-valid ng-touched" </a:t>
+            </a:r>
+            <a:r>
+              <a:rPr kumimoji="0" lang="en-US" altLang="en-US" sz="1400" b="1" i="0" u="none" strike="noStrike" cap="none" normalizeH="0" baseline="0">
+                <a:ln>
+                  <a:noFill/>
+                </a:ln>
+                <a:solidFill>
+                  <a:srgbClr val="660E7A"/>
+                </a:solidFill>
+                <a:effectLst/>
+                <a:latin typeface="Arial Unicode MS"/>
+                <a:ea typeface="Times New Roman" panose="02020603050405020304" pitchFamily="18" charset="0"/>
+                <a:cs typeface="Courier New" panose="02070309020205020404" pitchFamily="49" charset="0"/>
+              </a:rPr>
+              <a:t>id</a:t>
+            </a:r>
+            <a:r>
+              <a:rPr kumimoji="0" lang="en-US" altLang="en-US" sz="1400" b="0" i="0" u="none" strike="noStrike" cap="none" normalizeH="0" baseline="0">
+                <a:ln>
+                  <a:noFill/>
+                </a:ln>
+                <a:solidFill>
+                  <a:srgbClr val="000000"/>
+                </a:solidFill>
+                <a:effectLst/>
+                <a:latin typeface="Arial Unicode MS"/>
+                <a:ea typeface="Times New Roman" panose="02020603050405020304" pitchFamily="18" charset="0"/>
+                <a:cs typeface="Courier New" panose="02070309020205020404" pitchFamily="49" charset="0"/>
+              </a:rPr>
+              <a:t>=</a:t>
+            </a:r>
+            <a:r>
+              <a:rPr kumimoji="0" lang="en-US" altLang="en-US" sz="1400" b="1" i="0" u="none" strike="noStrike" cap="none" normalizeH="0" baseline="0">
+                <a:ln>
+                  <a:noFill/>
+                </a:ln>
+                <a:solidFill>
+                  <a:srgbClr val="008000"/>
+                </a:solidFill>
+                <a:effectLst/>
+                <a:latin typeface="Arial Unicode MS"/>
+                <a:ea typeface="Times New Roman" panose="02020603050405020304" pitchFamily="18" charset="0"/>
+                <a:cs typeface="Courier New" panose="02070309020205020404" pitchFamily="49" charset="0"/>
+              </a:rPr>
+              <a:t>"username"</a:t>
+            </a:r>
+            <a:br>
+              <a:rPr kumimoji="0" lang="en-US" altLang="en-US" sz="1400" b="1" i="0" u="none" strike="noStrike" cap="none" normalizeH="0" baseline="0">
+                <a:ln>
+                  <a:noFill/>
+                </a:ln>
+                <a:solidFill>
+                  <a:srgbClr val="008000"/>
+                </a:solidFill>
+                <a:effectLst/>
+                <a:latin typeface="Arial Unicode MS"/>
+                <a:ea typeface="Times New Roman" panose="02020603050405020304" pitchFamily="18" charset="0"/>
+                <a:cs typeface="Courier New" panose="02070309020205020404" pitchFamily="49" charset="0"/>
+              </a:rPr>
+            </a:br>
+            <a:r>
+              <a:rPr kumimoji="0" lang="en-US" altLang="en-US" sz="1400" b="1" i="0" u="none" strike="noStrike" cap="none" normalizeH="0" baseline="0">
+                <a:ln>
+                  <a:noFill/>
+                </a:ln>
+                <a:solidFill>
+                  <a:srgbClr val="660E7A"/>
+                </a:solidFill>
+                <a:effectLst/>
+                <a:latin typeface="Arial Unicode MS"/>
+                <a:ea typeface="Times New Roman" panose="02020603050405020304" pitchFamily="18" charset="0"/>
+                <a:cs typeface="Courier New" panose="02070309020205020404" pitchFamily="49" charset="0"/>
+              </a:rPr>
+              <a:t>name</a:t>
+            </a:r>
+            <a:r>
+              <a:rPr kumimoji="0" lang="en-US" altLang="en-US" sz="1400" b="0" i="0" u="none" strike="noStrike" cap="none" normalizeH="0" baseline="0">
+                <a:ln>
+                  <a:noFill/>
+                </a:ln>
+                <a:solidFill>
+                  <a:srgbClr val="000000"/>
+                </a:solidFill>
+                <a:effectLst/>
+                <a:latin typeface="Arial Unicode MS"/>
+                <a:ea typeface="Times New Roman" panose="02020603050405020304" pitchFamily="18" charset="0"/>
+                <a:cs typeface="Courier New" panose="02070309020205020404" pitchFamily="49" charset="0"/>
+              </a:rPr>
+              <a:t>=</a:t>
+            </a:r>
+            <a:r>
+              <a:rPr kumimoji="0" lang="en-US" altLang="en-US" sz="1400" b="1" i="0" u="none" strike="noStrike" cap="none" normalizeH="0" baseline="0">
+                <a:ln>
+                  <a:noFill/>
+                </a:ln>
+                <a:solidFill>
+                  <a:srgbClr val="008000"/>
+                </a:solidFill>
+                <a:effectLst/>
+                <a:latin typeface="Arial Unicode MS"/>
+                <a:ea typeface="Times New Roman" panose="02020603050405020304" pitchFamily="18" charset="0"/>
+                <a:cs typeface="Courier New" panose="02070309020205020404" pitchFamily="49" charset="0"/>
+              </a:rPr>
+              <a:t>"username" </a:t>
+            </a:r>
+            <a:r>
+              <a:rPr kumimoji="0" lang="en-US" altLang="en-US" sz="1400" b="1" i="0" u="none" strike="noStrike" cap="none" normalizeH="0" baseline="0">
+                <a:ln>
+                  <a:noFill/>
+                </a:ln>
+                <a:solidFill>
+                  <a:srgbClr val="660E7A"/>
+                </a:solidFill>
+                <a:effectLst/>
+                <a:latin typeface="Arial Unicode MS"/>
+                <a:ea typeface="Times New Roman" panose="02020603050405020304" pitchFamily="18" charset="0"/>
+                <a:cs typeface="Courier New" panose="02070309020205020404" pitchFamily="49" charset="0"/>
+              </a:rPr>
+              <a:t>ngmodel</a:t>
+            </a:r>
+            <a:r>
+              <a:rPr kumimoji="0" lang="en-US" altLang="en-US" sz="1400" b="0" i="0" u="none" strike="noStrike" cap="none" normalizeH="0" baseline="0">
+                <a:ln>
+                  <a:noFill/>
+                </a:ln>
+                <a:solidFill>
+                  <a:srgbClr val="000000"/>
+                </a:solidFill>
+                <a:effectLst/>
+                <a:latin typeface="Arial Unicode MS"/>
+                <a:ea typeface="Times New Roman" panose="02020603050405020304" pitchFamily="18" charset="0"/>
+                <a:cs typeface="Courier New" panose="02070309020205020404" pitchFamily="49" charset="0"/>
+              </a:rPr>
+              <a:t>=</a:t>
+            </a:r>
+            <a:r>
+              <a:rPr kumimoji="0" lang="en-US" altLang="en-US" sz="1400" b="1" i="0" u="none" strike="noStrike" cap="none" normalizeH="0" baseline="0">
+                <a:ln>
+                  <a:noFill/>
+                </a:ln>
+                <a:solidFill>
+                  <a:srgbClr val="008000"/>
+                </a:solidFill>
+                <a:effectLst/>
+                <a:latin typeface="Arial Unicode MS"/>
+                <a:ea typeface="Times New Roman" panose="02020603050405020304" pitchFamily="18" charset="0"/>
+                <a:cs typeface="Courier New" panose="02070309020205020404" pitchFamily="49" charset="0"/>
+              </a:rPr>
+              <a:t>"" </a:t>
+            </a:r>
+            <a:r>
+              <a:rPr kumimoji="0" lang="en-US" altLang="en-US" sz="1400" b="1" i="0" u="none" strike="noStrike" cap="none" normalizeH="0" baseline="0">
+                <a:ln>
+                  <a:noFill/>
+                </a:ln>
+                <a:solidFill>
+                  <a:srgbClr val="660E7A"/>
+                </a:solidFill>
+                <a:effectLst/>
+                <a:latin typeface="Arial Unicode MS"/>
+                <a:ea typeface="Times New Roman" panose="02020603050405020304" pitchFamily="18" charset="0"/>
+                <a:cs typeface="Courier New" panose="02070309020205020404" pitchFamily="49" charset="0"/>
+              </a:rPr>
+              <a:t>required</a:t>
+            </a:r>
+            <a:r>
+              <a:rPr kumimoji="0" lang="en-US" altLang="en-US" sz="1400" b="0" i="0" u="none" strike="noStrike" cap="none" normalizeH="0" baseline="0">
+                <a:ln>
+                  <a:noFill/>
+                </a:ln>
+                <a:solidFill>
+                  <a:srgbClr val="000000"/>
+                </a:solidFill>
+                <a:effectLst/>
+                <a:latin typeface="Arial Unicode MS"/>
+                <a:ea typeface="Times New Roman" panose="02020603050405020304" pitchFamily="18" charset="0"/>
+                <a:cs typeface="Courier New" panose="02070309020205020404" pitchFamily="49" charset="0"/>
+              </a:rPr>
+              <a:t>=</a:t>
+            </a:r>
+            <a:r>
+              <a:rPr kumimoji="0" lang="en-US" altLang="en-US" sz="1400" b="1" i="0" u="none" strike="noStrike" cap="none" normalizeH="0" baseline="0">
+                <a:ln>
+                  <a:noFill/>
+                </a:ln>
+                <a:solidFill>
+                  <a:srgbClr val="008000"/>
+                </a:solidFill>
+                <a:effectLst/>
+                <a:latin typeface="Arial Unicode MS"/>
+                <a:ea typeface="Times New Roman" panose="02020603050405020304" pitchFamily="18" charset="0"/>
+                <a:cs typeface="Courier New" panose="02070309020205020404" pitchFamily="49" charset="0"/>
+              </a:rPr>
+              <a:t>"" </a:t>
+            </a:r>
+            <a:r>
+              <a:rPr kumimoji="0" lang="en-US" altLang="en-US" sz="1400" b="1" i="0" u="none" strike="noStrike" cap="none" normalizeH="0" baseline="0">
+                <a:ln>
+                  <a:noFill/>
+                </a:ln>
+                <a:solidFill>
+                  <a:srgbClr val="660E7A"/>
+                </a:solidFill>
+                <a:effectLst/>
+                <a:latin typeface="Arial Unicode MS"/>
+                <a:ea typeface="Times New Roman" panose="02020603050405020304" pitchFamily="18" charset="0"/>
+                <a:cs typeface="Courier New" panose="02070309020205020404" pitchFamily="49" charset="0"/>
+              </a:rPr>
+              <a:t>type</a:t>
+            </a:r>
+            <a:r>
+              <a:rPr kumimoji="0" lang="en-US" altLang="en-US" sz="1400" b="0" i="0" u="none" strike="noStrike" cap="none" normalizeH="0" baseline="0">
+                <a:ln>
+                  <a:noFill/>
+                </a:ln>
+                <a:solidFill>
+                  <a:srgbClr val="000000"/>
+                </a:solidFill>
+                <a:effectLst/>
+                <a:latin typeface="Arial Unicode MS"/>
+                <a:ea typeface="Times New Roman" panose="02020603050405020304" pitchFamily="18" charset="0"/>
+                <a:cs typeface="Courier New" panose="02070309020205020404" pitchFamily="49" charset="0"/>
+              </a:rPr>
+              <a:t>=</a:t>
+            </a:r>
+            <a:r>
+              <a:rPr kumimoji="0" lang="en-US" altLang="en-US" sz="1400" b="1" i="0" u="none" strike="noStrike" cap="none" normalizeH="0" baseline="0">
+                <a:ln>
+                  <a:noFill/>
+                </a:ln>
+                <a:solidFill>
+                  <a:srgbClr val="008000"/>
+                </a:solidFill>
+                <a:effectLst/>
+                <a:latin typeface="Arial Unicode MS"/>
+                <a:ea typeface="Times New Roman" panose="02020603050405020304" pitchFamily="18" charset="0"/>
+                <a:cs typeface="Courier New" panose="02070309020205020404" pitchFamily="49" charset="0"/>
+              </a:rPr>
+              <a:t>"text" </a:t>
+            </a:r>
+            <a:r>
+              <a:rPr kumimoji="0" lang="en-US" altLang="en-US" sz="1400" b="0" i="0" u="none" strike="noStrike" cap="none" normalizeH="0" baseline="0">
+                <a:ln>
+                  <a:noFill/>
+                </a:ln>
+                <a:solidFill>
+                  <a:srgbClr val="000000"/>
+                </a:solidFill>
+                <a:effectLst/>
+                <a:latin typeface="Arial Unicode MS"/>
+                <a:ea typeface="Times New Roman" panose="02020603050405020304" pitchFamily="18" charset="0"/>
+                <a:cs typeface="Courier New" panose="02070309020205020404" pitchFamily="49" charset="0"/>
+              </a:rPr>
+              <a:t>ng-reflect-required=</a:t>
+            </a:r>
+            <a:r>
+              <a:rPr kumimoji="0" lang="en-US" altLang="en-US" sz="1400" b="1" i="0" u="none" strike="noStrike" cap="none" normalizeH="0" baseline="0">
+                <a:ln>
+                  <a:noFill/>
+                </a:ln>
+                <a:solidFill>
+                  <a:srgbClr val="008000"/>
+                </a:solidFill>
+                <a:effectLst/>
+                <a:latin typeface="Arial Unicode MS"/>
+                <a:ea typeface="Times New Roman" panose="02020603050405020304" pitchFamily="18" charset="0"/>
+                <a:cs typeface="Courier New" panose="02070309020205020404" pitchFamily="49" charset="0"/>
+              </a:rPr>
+              <a:t>""</a:t>
+            </a:r>
+            <a:br>
+              <a:rPr kumimoji="0" lang="en-US" altLang="en-US" sz="1400" b="1" i="0" u="none" strike="noStrike" cap="none" normalizeH="0" baseline="0">
+                <a:ln>
+                  <a:noFill/>
+                </a:ln>
+                <a:solidFill>
+                  <a:srgbClr val="008000"/>
+                </a:solidFill>
+                <a:effectLst/>
+                <a:latin typeface="Arial Unicode MS"/>
+                <a:ea typeface="Times New Roman" panose="02020603050405020304" pitchFamily="18" charset="0"/>
+                <a:cs typeface="Courier New" panose="02070309020205020404" pitchFamily="49" charset="0"/>
+              </a:rPr>
+            </a:br>
+            <a:r>
+              <a:rPr kumimoji="0" lang="en-US" altLang="en-US" sz="1400" b="0" i="0" u="none" strike="noStrike" cap="none" normalizeH="0" baseline="0">
+                <a:ln>
+                  <a:noFill/>
+                </a:ln>
+                <a:solidFill>
+                  <a:srgbClr val="000000"/>
+                </a:solidFill>
+                <a:effectLst/>
+                <a:latin typeface="Arial Unicode MS"/>
+                <a:ea typeface="Times New Roman" panose="02020603050405020304" pitchFamily="18" charset="0"/>
+                <a:cs typeface="Courier New" panose="02070309020205020404" pitchFamily="49" charset="0"/>
+              </a:rPr>
+              <a:t>ng-reflect-name=</a:t>
+            </a:r>
+            <a:r>
+              <a:rPr kumimoji="0" lang="en-US" altLang="en-US" sz="1400" b="1" i="0" u="none" strike="noStrike" cap="none" normalizeH="0" baseline="0">
+                <a:ln>
+                  <a:noFill/>
+                </a:ln>
+                <a:solidFill>
+                  <a:srgbClr val="008000"/>
+                </a:solidFill>
+                <a:effectLst/>
+                <a:latin typeface="Arial Unicode MS"/>
+                <a:ea typeface="Times New Roman" panose="02020603050405020304" pitchFamily="18" charset="0"/>
+                <a:cs typeface="Courier New" panose="02070309020205020404" pitchFamily="49" charset="0"/>
+              </a:rPr>
+              <a:t>"username" </a:t>
+            </a:r>
+            <a:r>
+              <a:rPr kumimoji="0" lang="en-US" altLang="en-US" sz="1400" b="0" i="0" u="none" strike="noStrike" cap="none" normalizeH="0" baseline="0">
+                <a:ln>
+                  <a:noFill/>
+                </a:ln>
+                <a:solidFill>
+                  <a:srgbClr val="000000"/>
+                </a:solidFill>
+                <a:effectLst/>
+                <a:latin typeface="Arial Unicode MS"/>
+                <a:ea typeface="Times New Roman" panose="02020603050405020304" pitchFamily="18" charset="0"/>
+                <a:cs typeface="Courier New" panose="02070309020205020404" pitchFamily="49" charset="0"/>
+              </a:rPr>
+              <a:t>ng-reflect-model=</a:t>
+            </a:r>
+            <a:r>
+              <a:rPr kumimoji="0" lang="en-US" altLang="en-US" sz="1400" b="1" i="0" u="none" strike="noStrike" cap="none" normalizeH="0" baseline="0">
+                <a:ln>
+                  <a:noFill/>
+                </a:ln>
+                <a:solidFill>
+                  <a:srgbClr val="008000"/>
+                </a:solidFill>
+                <a:effectLst/>
+                <a:latin typeface="Arial Unicode MS"/>
+                <a:ea typeface="Times New Roman" panose="02020603050405020304" pitchFamily="18" charset="0"/>
+                <a:cs typeface="Courier New" panose="02070309020205020404" pitchFamily="49" charset="0"/>
+              </a:rPr>
+              <a:t>""</a:t>
+            </a:r>
+            <a:r>
+              <a:rPr kumimoji="0" lang="en-US" altLang="en-US" sz="1400" b="0" i="0" u="none" strike="noStrike" cap="none" normalizeH="0" baseline="0">
+                <a:ln>
+                  <a:noFill/>
+                </a:ln>
+                <a:solidFill>
+                  <a:srgbClr val="000000"/>
+                </a:solidFill>
+                <a:effectLst/>
+                <a:latin typeface="Arial Unicode MS"/>
+                <a:ea typeface="Times New Roman" panose="02020603050405020304" pitchFamily="18" charset="0"/>
+                <a:cs typeface="Courier New" panose="02070309020205020404" pitchFamily="49" charset="0"/>
+              </a:rPr>
+              <a:t>&gt;</a:t>
+            </a:r>
+            <a:r>
+              <a:rPr kumimoji="0" lang="en-US" altLang="en-US" sz="1400" b="0" i="0" u="none" strike="noStrike" cap="none" normalizeH="0" baseline="0">
+                <a:ln>
+                  <a:noFill/>
+                </a:ln>
+                <a:solidFill>
+                  <a:schemeClr val="tx1"/>
+                </a:solidFill>
+                <a:effectLst/>
+              </a:rPr>
+              <a:t> </a:t>
+            </a:r>
+            <a:endParaRPr kumimoji="0" lang="en-US" altLang="en-US" sz="1400" b="0" i="0" u="none" strike="noStrike" cap="none" normalizeH="0" baseline="0">
+              <a:ln>
+                <a:noFill/>
+              </a:ln>
+              <a:solidFill>
+                <a:schemeClr val="tx1"/>
+              </a:solidFill>
+              <a:effectLst/>
+              <a:latin typeface="Arial" panose="020B0604020202020204" pitchFamily="34" charset="0"/>
+            </a:endParaRPr>
+          </a:p>
+        </p:txBody>
+      </p:sp>
     </p:spTree>
     <p:extLst>
       <p:ext uri="{BB962C8B-B14F-4D97-AF65-F5344CB8AC3E}">
@@ -6652,7 +8033,7 @@
           <a:p>
             <a:r>
               <a:rPr lang="en-US" dirty="0"/>
-              <a:t>TD Approach (using element control state to manipulate the DOM)</a:t>
+              <a:t>using element control state to manipulate the DOM</a:t>
             </a:r>
             <a:endParaRPr lang="he-IL" dirty="0"/>
           </a:p>
@@ -7088,7 +8469,7 @@
           <a:p>
             <a:r>
               <a:rPr lang="en-US" sz="3600" dirty="0"/>
-              <a:t>TD Approach (Validation-error messages)</a:t>
+              <a:t>Validation-error messages</a:t>
             </a:r>
             <a:endParaRPr lang="he-IL" sz="3600" dirty="0"/>
           </a:p>
@@ -7872,8 +9253,12 @@
           <a:lstStyle/>
           <a:p>
             <a:r>
+              <a:rPr lang="en-US" sz="3200" dirty="0" err="1"/>
+              <a:t>ngModel</a:t>
+            </a:r>
+            <a:r>
               <a:rPr lang="en-US" sz="3200" dirty="0"/>
-              <a:t>TD Approach (ngModel &amp; Property bindings)</a:t>
+              <a:t> &amp; Property bindings</a:t>
             </a:r>
             <a:endParaRPr lang="he-IL" sz="3200" dirty="0"/>
           </a:p>
@@ -8227,8 +9612,12 @@
           <a:lstStyle/>
           <a:p>
             <a:r>
+              <a:rPr lang="en-US" sz="3200" dirty="0" err="1"/>
+              <a:t>ngModel</a:t>
+            </a:r>
+            <a:r>
               <a:rPr lang="en-US" sz="3200" dirty="0"/>
-              <a:t>TD Approach (ngModel two way binding)</a:t>
+              <a:t> two way binding</a:t>
             </a:r>
             <a:endParaRPr lang="he-IL" sz="3200" dirty="0"/>
           </a:p>
@@ -8693,6 +10082,17 @@
                 <a:cs typeface="Arial" panose="020B0604020202020204" pitchFamily="34" charset="0"/>
               </a:rPr>
             </a:br>
+            <a:r>
+              <a:rPr lang="en-US" sz="1600" dirty="0">
+                <a:solidFill>
+                  <a:srgbClr val="000000"/>
+                </a:solidFill>
+                <a:latin typeface="Calibri" panose="020F0502020204030204" pitchFamily="34" charset="0"/>
+                <a:ea typeface="Calibri" panose="020F0502020204030204" pitchFamily="34" charset="0"/>
+                <a:cs typeface="Arial" panose="020B0604020202020204" pitchFamily="34" charset="0"/>
+              </a:rPr>
+              <a:t/>
+            </a:r>
             <a:br>
               <a:rPr lang="en-US" sz="1600" dirty="0">
                 <a:solidFill>
@@ -9036,7 +10436,7 @@
           <a:p>
             <a:r>
               <a:rPr lang="en-US" dirty="0"/>
-              <a:t>TD Approach (Grouping controls)</a:t>
+              <a:t>Grouping controls</a:t>
             </a:r>
             <a:endParaRPr lang="he-IL" dirty="0"/>
           </a:p>
@@ -9189,7 +10589,7 @@
           <a:p>
             <a:r>
               <a:rPr lang="en-US" dirty="0"/>
-              <a:t>TD Approach (Grouping controls)</a:t>
+              <a:t>Grouping controls</a:t>
             </a:r>
             <a:endParaRPr lang="he-IL" dirty="0"/>
           </a:p>
@@ -11477,8 +12877,13 @@
             <a:pPr lvl="1"/>
             <a:r>
               <a:rPr lang="en-US" dirty="0"/>
-              <a:t>Template Driven(TD)</a:t>
-            </a:r>
+              <a:t>Template </a:t>
+            </a:r>
+            <a:r>
+              <a:rPr lang="en-US" dirty="0" smtClean="0"/>
+              <a:t>Driven</a:t>
+            </a:r>
+            <a:endParaRPr lang="en-US" dirty="0"/>
           </a:p>
           <a:p>
             <a:pPr lvl="1"/>
@@ -11536,7 +12941,7 @@
           <a:p>
             <a:r>
               <a:rPr lang="en-US" dirty="0"/>
-              <a:t>TD Approach (Grouping controls)</a:t>
+              <a:t>Grouping controls</a:t>
             </a:r>
             <a:endParaRPr lang="he-IL" dirty="0"/>
           </a:p>
@@ -11627,71 +13032,6 @@
           </a:p>
         </p:txBody>
       </p:sp>
-      <p:pic>
-        <p:nvPicPr>
-          <p:cNvPr id="6" name="Picture 5"/>
-          <p:cNvPicPr>
-            <a:picLocks noChangeAspect="1"/>
-          </p:cNvPicPr>
-          <p:nvPr/>
-        </p:nvPicPr>
-        <p:blipFill>
-          <a:blip r:embed="rId2"/>
-          <a:stretch>
-            <a:fillRect/>
-          </a:stretch>
-        </p:blipFill>
-        <p:spPr>
-          <a:xfrm>
-            <a:off x="2123728" y="1624135"/>
-            <a:ext cx="4445491" cy="4982154"/>
-          </a:xfrm>
-          <a:prstGeom prst="rect">
-            <a:avLst/>
-          </a:prstGeom>
-        </p:spPr>
-      </p:pic>
-      <p:sp>
-        <p:nvSpPr>
-          <p:cNvPr id="7" name="Rectangle 6"/>
-          <p:cNvSpPr/>
-          <p:nvPr/>
-        </p:nvSpPr>
-        <p:spPr>
-          <a:xfrm>
-            <a:off x="2195736" y="4869160"/>
-            <a:ext cx="1872208" cy="1080120"/>
-          </a:xfrm>
-          <a:prstGeom prst="rect">
-            <a:avLst/>
-          </a:prstGeom>
-          <a:noFill/>
-        </p:spPr>
-        <p:style>
-          <a:lnRef idx="2">
-            <a:schemeClr val="accent1">
-              <a:shade val="50000"/>
-            </a:schemeClr>
-          </a:lnRef>
-          <a:fillRef idx="1">
-            <a:schemeClr val="accent1"/>
-          </a:fillRef>
-          <a:effectRef idx="0">
-            <a:schemeClr val="accent1"/>
-          </a:effectRef>
-          <a:fontRef idx="minor">
-            <a:schemeClr val="lt1"/>
-          </a:fontRef>
-        </p:style>
-        <p:txBody>
-          <a:bodyPr rtlCol="0" anchor="ctr"/>
-          <a:lstStyle/>
-          <a:p>
-            <a:pPr algn="ctr"/>
-            <a:endParaRPr lang="en-US"/>
-          </a:p>
-        </p:txBody>
-      </p:sp>
       <p:sp>
         <p:nvSpPr>
           <p:cNvPr id="8" name="Rectangle 7"/>
@@ -11700,7 +13040,7 @@
         </p:nvSpPr>
         <p:spPr>
           <a:xfrm>
-            <a:off x="5292080" y="4653136"/>
+            <a:off x="5292080" y="2815532"/>
             <a:ext cx="3384376" cy="1584176"/>
           </a:xfrm>
           <a:prstGeom prst="rect">
@@ -11760,16 +13100,703 @@
           </a:p>
         </p:txBody>
       </p:sp>
+      <p:sp>
+        <p:nvSpPr>
+          <p:cNvPr id="9" name="Rectangle 1"/>
+          <p:cNvSpPr>
+            <a:spLocks noChangeArrowheads="1"/>
+          </p:cNvSpPr>
+          <p:nvPr/>
+        </p:nvSpPr>
+        <p:spPr bwMode="auto">
+          <a:xfrm>
+            <a:off x="115094" y="2630205"/>
+            <a:ext cx="4161284" cy="2492990"/>
+          </a:xfrm>
+          <a:prstGeom prst="rect">
+            <a:avLst/>
+          </a:prstGeom>
+          <a:solidFill>
+            <a:srgbClr val="FFFFFF"/>
+          </a:solidFill>
+          <a:ln>
+            <a:noFill/>
+          </a:ln>
+          <a:effectLst/>
+          <a:extLst>
+            <a:ext uri="{91240B29-F687-4F45-9708-019B960494DF}">
+              <a14:hiddenLine xmlns:a14="http://schemas.microsoft.com/office/drawing/2010/main" w="9525">
+                <a:solidFill>
+                  <a:schemeClr val="tx1"/>
+                </a:solidFill>
+                <a:miter lim="800000"/>
+                <a:headEnd/>
+                <a:tailEnd/>
+              </a14:hiddenLine>
+            </a:ext>
+            <a:ext uri="{AF507438-7753-43E0-B8FC-AC1667EBCBE1}">
+              <a14:hiddenEffects xmlns:a14="http://schemas.microsoft.com/office/drawing/2010/main">
+                <a:effectLst>
+                  <a:outerShdw dist="35921" dir="2700000" algn="ctr" rotWithShape="0">
+                    <a:schemeClr val="bg2"/>
+                  </a:outerShdw>
+                </a:effectLst>
+              </a14:hiddenEffects>
+            </a:ext>
+          </a:extLst>
+        </p:spPr>
+        <p:txBody>
+          <a:bodyPr vert="horz" wrap="square" lIns="0" tIns="0" rIns="0" bIns="0" numCol="1" anchor="ctr" anchorCtr="0" compatLnSpc="1">
+            <a:prstTxWarp prst="textNoShape">
+              <a:avLst/>
+            </a:prstTxWarp>
+            <a:spAutoFit/>
+          </a:bodyPr>
+          <a:lstStyle/>
+          <a:p>
+            <a:pPr marL="0" marR="0" lvl="0" indent="0" algn="l" defTabSz="914400" rtl="0" eaLnBrk="0" fontAlgn="base" latinLnBrk="0" hangingPunct="0">
+              <a:lnSpc>
+                <a:spcPct val="100000"/>
+              </a:lnSpc>
+              <a:spcBef>
+                <a:spcPct val="0"/>
+              </a:spcBef>
+              <a:spcAft>
+                <a:spcPct val="0"/>
+              </a:spcAft>
+              <a:buClrTx/>
+              <a:buSzTx/>
+              <a:buFontTx/>
+              <a:buNone/>
+              <a:tabLst/>
+            </a:pPr>
+            <a:r>
+              <a:rPr kumimoji="0" lang="en-US" altLang="en-US" b="0" i="0" u="none" strike="noStrike" cap="none" normalizeH="0" baseline="0" dirty="0">
+                <a:ln>
+                  <a:noFill/>
+                </a:ln>
+                <a:solidFill>
+                  <a:srgbClr val="000000"/>
+                </a:solidFill>
+                <a:effectLst/>
+                <a:latin typeface="Arial Unicode MS"/>
+                <a:ea typeface="Times New Roman" panose="02020603050405020304" pitchFamily="18" charset="0"/>
+                <a:cs typeface="Courier New" panose="02070309020205020404" pitchFamily="49" charset="0"/>
+              </a:rPr>
+              <a:t>value:Object</a:t>
+            </a:r>
+            <a:br>
+              <a:rPr kumimoji="0" lang="en-US" altLang="en-US" b="0" i="0" u="none" strike="noStrike" cap="none" normalizeH="0" baseline="0" dirty="0">
+                <a:ln>
+                  <a:noFill/>
+                </a:ln>
+                <a:solidFill>
+                  <a:srgbClr val="000000"/>
+                </a:solidFill>
+                <a:effectLst/>
+                <a:latin typeface="Arial Unicode MS"/>
+                <a:ea typeface="Times New Roman" panose="02020603050405020304" pitchFamily="18" charset="0"/>
+                <a:cs typeface="Courier New" panose="02070309020205020404" pitchFamily="49" charset="0"/>
+              </a:rPr>
+            </a:br>
+            <a:r>
+              <a:rPr kumimoji="0" lang="en-US" altLang="en-US" b="0" i="0" u="none" strike="noStrike" cap="none" normalizeH="0" baseline="0" dirty="0">
+                <a:ln>
+                  <a:noFill/>
+                </a:ln>
+                <a:solidFill>
+                  <a:srgbClr val="000000"/>
+                </a:solidFill>
+                <a:effectLst/>
+                <a:latin typeface="Arial Unicode MS"/>
+                <a:ea typeface="Times New Roman" panose="02020603050405020304" pitchFamily="18" charset="0"/>
+                <a:cs typeface="Courier New" panose="02070309020205020404" pitchFamily="49" charset="0"/>
+              </a:rPr>
+              <a:t>  </a:t>
+            </a:r>
+            <a:r>
+              <a:rPr kumimoji="0" lang="en-US" altLang="en-US" b="1" i="0" u="none" strike="noStrike" cap="none" normalizeH="0" baseline="0" dirty="0" err="1">
+                <a:ln>
+                  <a:noFill/>
+                </a:ln>
+                <a:solidFill>
+                  <a:srgbClr val="000000"/>
+                </a:solidFill>
+                <a:effectLst/>
+                <a:latin typeface="Arial Unicode MS"/>
+                <a:ea typeface="Times New Roman" panose="02020603050405020304" pitchFamily="18" charset="0"/>
+                <a:cs typeface="Courier New" panose="02070309020205020404" pitchFamily="49" charset="0"/>
+              </a:rPr>
+              <a:t>answerQuestion</a:t>
+            </a:r>
+            <a:r>
+              <a:rPr kumimoji="0" lang="en-US" altLang="en-US" b="0" i="0" u="none" strike="noStrike" cap="none" normalizeH="0" baseline="0" dirty="0">
+                <a:ln>
+                  <a:noFill/>
+                </a:ln>
+                <a:solidFill>
+                  <a:srgbClr val="000000"/>
+                </a:solidFill>
+                <a:effectLst/>
+                <a:latin typeface="Arial Unicode MS"/>
+                <a:ea typeface="Times New Roman" panose="02020603050405020304" pitchFamily="18" charset="0"/>
+                <a:cs typeface="Courier New" panose="02070309020205020404" pitchFamily="49" charset="0"/>
+              </a:rPr>
+              <a:t>:</a:t>
+            </a:r>
+            <a:r>
+              <a:rPr kumimoji="0" lang="en-US" altLang="en-US" b="1" i="0" u="none" strike="noStrike" cap="none" normalizeH="0" baseline="0" dirty="0">
+                <a:ln>
+                  <a:noFill/>
+                </a:ln>
+                <a:solidFill>
+                  <a:srgbClr val="008000"/>
+                </a:solidFill>
+                <a:effectLst/>
+                <a:latin typeface="Arial Unicode MS"/>
+                <a:ea typeface="Times New Roman" panose="02020603050405020304" pitchFamily="18" charset="0"/>
+                <a:cs typeface="Courier New" panose="02070309020205020404" pitchFamily="49" charset="0"/>
+              </a:rPr>
+              <a:t>"hello world"</a:t>
+            </a:r>
+            <a:br>
+              <a:rPr kumimoji="0" lang="en-US" altLang="en-US" b="1" i="0" u="none" strike="noStrike" cap="none" normalizeH="0" baseline="0" dirty="0">
+                <a:ln>
+                  <a:noFill/>
+                </a:ln>
+                <a:solidFill>
+                  <a:srgbClr val="008000"/>
+                </a:solidFill>
+                <a:effectLst/>
+                <a:latin typeface="Arial Unicode MS"/>
+                <a:ea typeface="Times New Roman" panose="02020603050405020304" pitchFamily="18" charset="0"/>
+                <a:cs typeface="Courier New" panose="02070309020205020404" pitchFamily="49" charset="0"/>
+              </a:rPr>
+            </a:br>
+            <a:r>
+              <a:rPr kumimoji="0" lang="en-US" altLang="en-US" b="1" i="0" u="none" strike="noStrike" cap="none" normalizeH="0" baseline="0" dirty="0">
+                <a:ln>
+                  <a:noFill/>
+                </a:ln>
+                <a:solidFill>
+                  <a:srgbClr val="008000"/>
+                </a:solidFill>
+                <a:effectLst/>
+                <a:latin typeface="Arial Unicode MS"/>
+                <a:ea typeface="Times New Roman" panose="02020603050405020304" pitchFamily="18" charset="0"/>
+                <a:cs typeface="Courier New" panose="02070309020205020404" pitchFamily="49" charset="0"/>
+              </a:rPr>
+              <a:t>  </a:t>
+            </a:r>
+            <a:r>
+              <a:rPr kumimoji="0" lang="en-US" altLang="en-US" b="1" i="0" u="none" strike="noStrike" cap="none" normalizeH="0" baseline="0" dirty="0" err="1">
+                <a:ln>
+                  <a:noFill/>
+                </a:ln>
+                <a:solidFill>
+                  <a:srgbClr val="000000"/>
+                </a:solidFill>
+                <a:effectLst/>
+                <a:latin typeface="Arial Unicode MS"/>
+                <a:ea typeface="Times New Roman" panose="02020603050405020304" pitchFamily="18" charset="0"/>
+                <a:cs typeface="Courier New" panose="02070309020205020404" pitchFamily="49" charset="0"/>
+              </a:rPr>
+              <a:t>gender</a:t>
+            </a:r>
+            <a:r>
+              <a:rPr kumimoji="0" lang="en-US" altLang="en-US" b="0" i="0" u="none" strike="noStrike" cap="none" normalizeH="0" baseline="0" dirty="0" err="1">
+                <a:ln>
+                  <a:noFill/>
+                </a:ln>
+                <a:solidFill>
+                  <a:srgbClr val="000000"/>
+                </a:solidFill>
+                <a:effectLst/>
+                <a:latin typeface="Arial Unicode MS"/>
+                <a:ea typeface="Times New Roman" panose="02020603050405020304" pitchFamily="18" charset="0"/>
+                <a:cs typeface="Courier New" panose="02070309020205020404" pitchFamily="49" charset="0"/>
+              </a:rPr>
+              <a:t>:</a:t>
+            </a:r>
+            <a:r>
+              <a:rPr kumimoji="0" lang="en-US" altLang="en-US" b="1" i="0" u="none" strike="noStrike" cap="none" normalizeH="0" baseline="0" dirty="0" err="1">
+                <a:ln>
+                  <a:noFill/>
+                </a:ln>
+                <a:solidFill>
+                  <a:srgbClr val="008000"/>
+                </a:solidFill>
+                <a:effectLst/>
+                <a:latin typeface="Arial Unicode MS"/>
+                <a:ea typeface="Times New Roman" panose="02020603050405020304" pitchFamily="18" charset="0"/>
+                <a:cs typeface="Courier New" panose="02070309020205020404" pitchFamily="49" charset="0"/>
+              </a:rPr>
+              <a:t>"Male</a:t>
+            </a:r>
+            <a:r>
+              <a:rPr kumimoji="0" lang="en-US" altLang="en-US" b="1" i="0" u="none" strike="noStrike" cap="none" normalizeH="0" baseline="0" dirty="0">
+                <a:ln>
+                  <a:noFill/>
+                </a:ln>
+                <a:solidFill>
+                  <a:srgbClr val="008000"/>
+                </a:solidFill>
+                <a:effectLst/>
+                <a:latin typeface="Arial Unicode MS"/>
+                <a:ea typeface="Times New Roman" panose="02020603050405020304" pitchFamily="18" charset="0"/>
+                <a:cs typeface="Courier New" panose="02070309020205020404" pitchFamily="49" charset="0"/>
+              </a:rPr>
+              <a:t>"</a:t>
+            </a:r>
+            <a:br>
+              <a:rPr kumimoji="0" lang="en-US" altLang="en-US" b="1" i="0" u="none" strike="noStrike" cap="none" normalizeH="0" baseline="0" dirty="0">
+                <a:ln>
+                  <a:noFill/>
+                </a:ln>
+                <a:solidFill>
+                  <a:srgbClr val="008000"/>
+                </a:solidFill>
+                <a:effectLst/>
+                <a:latin typeface="Arial Unicode MS"/>
+                <a:ea typeface="Times New Roman" panose="02020603050405020304" pitchFamily="18" charset="0"/>
+                <a:cs typeface="Courier New" panose="02070309020205020404" pitchFamily="49" charset="0"/>
+              </a:rPr>
+            </a:br>
+            <a:r>
+              <a:rPr kumimoji="0" lang="en-US" altLang="en-US" b="1" i="0" u="none" strike="noStrike" cap="none" normalizeH="0" baseline="0" dirty="0">
+                <a:ln>
+                  <a:noFill/>
+                </a:ln>
+                <a:solidFill>
+                  <a:srgbClr val="008000"/>
+                </a:solidFill>
+                <a:effectLst/>
+                <a:latin typeface="Arial Unicode MS"/>
+                <a:ea typeface="Times New Roman" panose="02020603050405020304" pitchFamily="18" charset="0"/>
+                <a:cs typeface="Courier New" panose="02070309020205020404" pitchFamily="49" charset="0"/>
+              </a:rPr>
+              <a:t>  </a:t>
+            </a:r>
+            <a:r>
+              <a:rPr kumimoji="0" lang="en-US" altLang="en-US" b="1" i="0" u="none" strike="noStrike" cap="none" normalizeH="0" baseline="0" dirty="0">
+                <a:ln>
+                  <a:noFill/>
+                </a:ln>
+                <a:solidFill>
+                  <a:srgbClr val="000000"/>
+                </a:solidFill>
+                <a:effectLst/>
+                <a:latin typeface="Arial Unicode MS"/>
+                <a:ea typeface="Times New Roman" panose="02020603050405020304" pitchFamily="18" charset="0"/>
+                <a:cs typeface="Courier New" panose="02070309020205020404" pitchFamily="49" charset="0"/>
+              </a:rPr>
+              <a:t>secret</a:t>
+            </a:r>
+            <a:r>
+              <a:rPr kumimoji="0" lang="en-US" altLang="en-US" b="0" i="0" u="none" strike="noStrike" cap="none" normalizeH="0" baseline="0" dirty="0">
+                <a:ln>
+                  <a:noFill/>
+                </a:ln>
+                <a:solidFill>
+                  <a:srgbClr val="000000"/>
+                </a:solidFill>
+                <a:effectLst/>
+                <a:latin typeface="Arial Unicode MS"/>
+                <a:ea typeface="Times New Roman" panose="02020603050405020304" pitchFamily="18" charset="0"/>
+                <a:cs typeface="Courier New" panose="02070309020205020404" pitchFamily="49" charset="0"/>
+              </a:rPr>
+              <a:t>:</a:t>
+            </a:r>
+            <a:r>
+              <a:rPr kumimoji="0" lang="en-US" altLang="en-US" b="1" i="0" u="none" strike="noStrike" cap="none" normalizeH="0" baseline="0" dirty="0">
+                <a:ln>
+                  <a:noFill/>
+                </a:ln>
+                <a:solidFill>
+                  <a:srgbClr val="008000"/>
+                </a:solidFill>
+                <a:effectLst/>
+                <a:latin typeface="Arial Unicode MS"/>
+                <a:ea typeface="Times New Roman" panose="02020603050405020304" pitchFamily="18" charset="0"/>
+                <a:cs typeface="Courier New" panose="02070309020205020404" pitchFamily="49" charset="0"/>
+              </a:rPr>
+              <a:t>"teacher"</a:t>
+            </a:r>
+            <a:br>
+              <a:rPr kumimoji="0" lang="en-US" altLang="en-US" b="1" i="0" u="none" strike="noStrike" cap="none" normalizeH="0" baseline="0" dirty="0">
+                <a:ln>
+                  <a:noFill/>
+                </a:ln>
+                <a:solidFill>
+                  <a:srgbClr val="008000"/>
+                </a:solidFill>
+                <a:effectLst/>
+                <a:latin typeface="Arial Unicode MS"/>
+                <a:ea typeface="Times New Roman" panose="02020603050405020304" pitchFamily="18" charset="0"/>
+                <a:cs typeface="Courier New" panose="02070309020205020404" pitchFamily="49" charset="0"/>
+              </a:rPr>
+            </a:br>
+            <a:r>
+              <a:rPr kumimoji="0" lang="en-US" altLang="en-US" b="1" i="0" u="none" strike="noStrike" cap="none" normalizeH="0" baseline="0" dirty="0">
+                <a:ln>
+                  <a:noFill/>
+                </a:ln>
+                <a:solidFill>
+                  <a:srgbClr val="008000"/>
+                </a:solidFill>
+                <a:effectLst/>
+                <a:latin typeface="Arial Unicode MS"/>
+                <a:ea typeface="Times New Roman" panose="02020603050405020304" pitchFamily="18" charset="0"/>
+                <a:cs typeface="Courier New" panose="02070309020205020404" pitchFamily="49" charset="0"/>
+              </a:rPr>
+              <a:t>  </a:t>
+            </a:r>
+            <a:r>
+              <a:rPr kumimoji="0" lang="en-US" altLang="en-US" b="1" i="0" u="none" strike="noStrike" cap="none" normalizeH="0" baseline="0" dirty="0" err="1">
+                <a:ln>
+                  <a:noFill/>
+                </a:ln>
+                <a:solidFill>
+                  <a:srgbClr val="000000"/>
+                </a:solidFill>
+                <a:effectLst/>
+                <a:latin typeface="Arial Unicode MS"/>
+                <a:ea typeface="Times New Roman" panose="02020603050405020304" pitchFamily="18" charset="0"/>
+                <a:cs typeface="Courier New" panose="02070309020205020404" pitchFamily="49" charset="0"/>
+              </a:rPr>
+              <a:t>userData</a:t>
+            </a:r>
+            <a:r>
+              <a:rPr kumimoji="0" lang="en-US" altLang="en-US" b="0" i="0" u="none" strike="noStrike" cap="none" normalizeH="0" baseline="0" dirty="0" err="1">
+                <a:ln>
+                  <a:noFill/>
+                </a:ln>
+                <a:solidFill>
+                  <a:srgbClr val="000000"/>
+                </a:solidFill>
+                <a:effectLst/>
+                <a:latin typeface="Arial Unicode MS"/>
+                <a:ea typeface="Times New Roman" panose="02020603050405020304" pitchFamily="18" charset="0"/>
+                <a:cs typeface="Courier New" panose="02070309020205020404" pitchFamily="49" charset="0"/>
+              </a:rPr>
+              <a:t>:Object</a:t>
+            </a:r>
+            <a:r>
+              <a:rPr kumimoji="0" lang="en-US" altLang="en-US" b="0" i="0" u="none" strike="noStrike" cap="none" normalizeH="0" baseline="0" dirty="0">
+                <a:ln>
+                  <a:noFill/>
+                </a:ln>
+                <a:solidFill>
+                  <a:srgbClr val="000000"/>
+                </a:solidFill>
+                <a:effectLst/>
+                <a:latin typeface="Arial Unicode MS"/>
+                <a:ea typeface="Times New Roman" panose="02020603050405020304" pitchFamily="18" charset="0"/>
+                <a:cs typeface="Courier New" panose="02070309020205020404" pitchFamily="49" charset="0"/>
+              </a:rPr>
+              <a:t/>
+            </a:r>
+            <a:br>
+              <a:rPr kumimoji="0" lang="en-US" altLang="en-US" b="0" i="0" u="none" strike="noStrike" cap="none" normalizeH="0" baseline="0" dirty="0">
+                <a:ln>
+                  <a:noFill/>
+                </a:ln>
+                <a:solidFill>
+                  <a:srgbClr val="000000"/>
+                </a:solidFill>
+                <a:effectLst/>
+                <a:latin typeface="Arial Unicode MS"/>
+                <a:ea typeface="Times New Roman" panose="02020603050405020304" pitchFamily="18" charset="0"/>
+                <a:cs typeface="Courier New" panose="02070309020205020404" pitchFamily="49" charset="0"/>
+              </a:rPr>
+            </a:br>
+            <a:r>
+              <a:rPr kumimoji="0" lang="en-US" altLang="en-US" b="0" i="0" u="none" strike="noStrike" cap="none" normalizeH="0" baseline="0" dirty="0">
+                <a:ln>
+                  <a:noFill/>
+                </a:ln>
+                <a:solidFill>
+                  <a:srgbClr val="000000"/>
+                </a:solidFill>
+                <a:effectLst/>
+                <a:latin typeface="Arial Unicode MS"/>
+                <a:ea typeface="Times New Roman" panose="02020603050405020304" pitchFamily="18" charset="0"/>
+                <a:cs typeface="Courier New" panose="02070309020205020404" pitchFamily="49" charset="0"/>
+              </a:rPr>
+              <a:t>    </a:t>
+            </a:r>
+            <a:r>
+              <a:rPr kumimoji="0" lang="en-US" altLang="en-US" b="1" i="0" u="none" strike="noStrike" cap="none" normalizeH="0" baseline="0" dirty="0">
+                <a:ln>
+                  <a:noFill/>
+                </a:ln>
+                <a:solidFill>
+                  <a:srgbClr val="000000"/>
+                </a:solidFill>
+                <a:effectLst/>
+                <a:latin typeface="Arial Unicode MS"/>
+                <a:ea typeface="Times New Roman" panose="02020603050405020304" pitchFamily="18" charset="0"/>
+                <a:cs typeface="Courier New" panose="02070309020205020404" pitchFamily="49" charset="0"/>
+              </a:rPr>
+              <a:t>email</a:t>
+            </a:r>
+            <a:r>
+              <a:rPr kumimoji="0" lang="en-US" altLang="en-US" b="0" i="0" u="none" strike="noStrike" cap="none" normalizeH="0" baseline="0" dirty="0">
+                <a:ln>
+                  <a:noFill/>
+                </a:ln>
+                <a:solidFill>
+                  <a:srgbClr val="000000"/>
+                </a:solidFill>
+                <a:effectLst/>
+                <a:latin typeface="Arial Unicode MS"/>
+                <a:ea typeface="Times New Roman" panose="02020603050405020304" pitchFamily="18" charset="0"/>
+                <a:cs typeface="Courier New" panose="02070309020205020404" pitchFamily="49" charset="0"/>
+              </a:rPr>
+              <a:t>:</a:t>
+            </a:r>
+            <a:r>
+              <a:rPr kumimoji="0" lang="en-US" altLang="en-US" b="1" i="0" u="none" strike="noStrike" cap="none" normalizeH="0" baseline="0" dirty="0">
+                <a:ln>
+                  <a:noFill/>
+                </a:ln>
+                <a:solidFill>
+                  <a:srgbClr val="008000"/>
+                </a:solidFill>
+                <a:effectLst/>
+                <a:latin typeface="Arial Unicode MS"/>
+                <a:ea typeface="Times New Roman" panose="02020603050405020304" pitchFamily="18" charset="0"/>
+                <a:cs typeface="Courier New" panose="02070309020205020404" pitchFamily="49" charset="0"/>
+              </a:rPr>
+              <a:t>"Oric@gmail.com"</a:t>
+            </a:r>
+            <a:br>
+              <a:rPr kumimoji="0" lang="en-US" altLang="en-US" b="1" i="0" u="none" strike="noStrike" cap="none" normalizeH="0" baseline="0" dirty="0">
+                <a:ln>
+                  <a:noFill/>
+                </a:ln>
+                <a:solidFill>
+                  <a:srgbClr val="008000"/>
+                </a:solidFill>
+                <a:effectLst/>
+                <a:latin typeface="Arial Unicode MS"/>
+                <a:ea typeface="Times New Roman" panose="02020603050405020304" pitchFamily="18" charset="0"/>
+                <a:cs typeface="Courier New" panose="02070309020205020404" pitchFamily="49" charset="0"/>
+              </a:rPr>
+            </a:br>
+            <a:r>
+              <a:rPr kumimoji="0" lang="en-US" altLang="en-US" b="1" i="0" u="none" strike="noStrike" cap="none" normalizeH="0" baseline="0" dirty="0">
+                <a:ln>
+                  <a:noFill/>
+                </a:ln>
+                <a:solidFill>
+                  <a:srgbClr val="008000"/>
+                </a:solidFill>
+                <a:effectLst/>
+                <a:latin typeface="Arial Unicode MS"/>
+                <a:ea typeface="Times New Roman" panose="02020603050405020304" pitchFamily="18" charset="0"/>
+                <a:cs typeface="Courier New" panose="02070309020205020404" pitchFamily="49" charset="0"/>
+              </a:rPr>
+              <a:t>    </a:t>
+            </a:r>
+            <a:r>
+              <a:rPr kumimoji="0" lang="en-US" altLang="en-US" b="1" i="0" u="none" strike="noStrike" cap="none" normalizeH="0" baseline="0" dirty="0">
+                <a:ln>
+                  <a:noFill/>
+                </a:ln>
+                <a:solidFill>
+                  <a:srgbClr val="000000"/>
+                </a:solidFill>
+                <a:effectLst/>
+                <a:latin typeface="Arial Unicode MS"/>
+                <a:ea typeface="Times New Roman" panose="02020603050405020304" pitchFamily="18" charset="0"/>
+                <a:cs typeface="Courier New" panose="02070309020205020404" pitchFamily="49" charset="0"/>
+              </a:rPr>
+              <a:t>username</a:t>
+            </a:r>
+            <a:r>
+              <a:rPr kumimoji="0" lang="en-US" altLang="en-US" b="0" i="0" u="none" strike="noStrike" cap="none" normalizeH="0" baseline="0" dirty="0">
+                <a:ln>
+                  <a:noFill/>
+                </a:ln>
+                <a:solidFill>
+                  <a:srgbClr val="000000"/>
+                </a:solidFill>
+                <a:effectLst/>
+                <a:latin typeface="Arial Unicode MS"/>
+                <a:ea typeface="Times New Roman" panose="02020603050405020304" pitchFamily="18" charset="0"/>
+                <a:cs typeface="Courier New" panose="02070309020205020404" pitchFamily="49" charset="0"/>
+              </a:rPr>
+              <a:t>:</a:t>
+            </a:r>
+            <a:r>
+              <a:rPr kumimoji="0" lang="en-US" altLang="en-US" b="1" i="0" u="none" strike="noStrike" cap="none" normalizeH="0" baseline="0" dirty="0">
+                <a:ln>
+                  <a:noFill/>
+                </a:ln>
+                <a:solidFill>
+                  <a:srgbClr val="008000"/>
+                </a:solidFill>
+                <a:effectLst/>
+                <a:latin typeface="Arial Unicode MS"/>
+                <a:ea typeface="Times New Roman" panose="02020603050405020304" pitchFamily="18" charset="0"/>
+                <a:cs typeface="Courier New" panose="02070309020205020404" pitchFamily="49" charset="0"/>
+              </a:rPr>
+              <a:t>"oric"</a:t>
+            </a:r>
+            <a:br>
+              <a:rPr kumimoji="0" lang="en-US" altLang="en-US" b="1" i="0" u="none" strike="noStrike" cap="none" normalizeH="0" baseline="0" dirty="0">
+                <a:ln>
+                  <a:noFill/>
+                </a:ln>
+                <a:solidFill>
+                  <a:srgbClr val="008000"/>
+                </a:solidFill>
+                <a:effectLst/>
+                <a:latin typeface="Arial Unicode MS"/>
+                <a:ea typeface="Times New Roman" panose="02020603050405020304" pitchFamily="18" charset="0"/>
+                <a:cs typeface="Courier New" panose="02070309020205020404" pitchFamily="49" charset="0"/>
+              </a:rPr>
+            </a:br>
+            <a:r>
+              <a:rPr kumimoji="0" lang="en-US" altLang="en-US" b="1" i="0" u="none" strike="noStrike" cap="none" normalizeH="0" baseline="0" dirty="0">
+                <a:ln>
+                  <a:noFill/>
+                </a:ln>
+                <a:solidFill>
+                  <a:srgbClr val="008000"/>
+                </a:solidFill>
+                <a:effectLst/>
+                <a:latin typeface="Arial Unicode MS"/>
+                <a:ea typeface="Times New Roman" panose="02020603050405020304" pitchFamily="18" charset="0"/>
+                <a:cs typeface="Courier New" panose="02070309020205020404" pitchFamily="49" charset="0"/>
+              </a:rPr>
+              <a:t>  </a:t>
+            </a:r>
+            <a:r>
+              <a:rPr kumimoji="0" lang="en-US" altLang="en-US" b="1" i="0" u="none" strike="noStrike" cap="none" normalizeH="0" baseline="0" dirty="0">
+                <a:ln>
+                  <a:noFill/>
+                </a:ln>
+                <a:solidFill>
+                  <a:srgbClr val="000000"/>
+                </a:solidFill>
+                <a:effectLst/>
+                <a:latin typeface="Arial Unicode MS"/>
+                <a:ea typeface="Times New Roman" panose="02020603050405020304" pitchFamily="18" charset="0"/>
+                <a:cs typeface="Courier New" panose="02070309020205020404" pitchFamily="49" charset="0"/>
+              </a:rPr>
+              <a:t>__proto__</a:t>
+            </a:r>
+            <a:r>
+              <a:rPr kumimoji="0" lang="en-US" altLang="en-US" b="0" i="0" u="none" strike="noStrike" cap="none" normalizeH="0" baseline="0" dirty="0">
+                <a:ln>
+                  <a:noFill/>
+                </a:ln>
+                <a:solidFill>
+                  <a:srgbClr val="000000"/>
+                </a:solidFill>
+                <a:effectLst/>
+                <a:latin typeface="Arial Unicode MS"/>
+                <a:ea typeface="Times New Roman" panose="02020603050405020304" pitchFamily="18" charset="0"/>
+                <a:cs typeface="Courier New" panose="02070309020205020404" pitchFamily="49" charset="0"/>
+              </a:rPr>
+              <a:t>:Object</a:t>
+            </a:r>
+            <a:br>
+              <a:rPr kumimoji="0" lang="en-US" altLang="en-US" b="0" i="0" u="none" strike="noStrike" cap="none" normalizeH="0" baseline="0" dirty="0">
+                <a:ln>
+                  <a:noFill/>
+                </a:ln>
+                <a:solidFill>
+                  <a:srgbClr val="000000"/>
+                </a:solidFill>
+                <a:effectLst/>
+                <a:latin typeface="Arial Unicode MS"/>
+                <a:ea typeface="Times New Roman" panose="02020603050405020304" pitchFamily="18" charset="0"/>
+                <a:cs typeface="Courier New" panose="02070309020205020404" pitchFamily="49" charset="0"/>
+              </a:rPr>
+            </a:br>
+            <a:r>
+              <a:rPr kumimoji="0" lang="en-US" altLang="en-US" b="0" i="0" u="none" strike="noStrike" cap="none" normalizeH="0" baseline="0" dirty="0">
+                <a:ln>
+                  <a:noFill/>
+                </a:ln>
+                <a:solidFill>
+                  <a:srgbClr val="000000"/>
+                </a:solidFill>
+                <a:effectLst/>
+                <a:latin typeface="Arial Unicode MS"/>
+                <a:ea typeface="Times New Roman" panose="02020603050405020304" pitchFamily="18" charset="0"/>
+                <a:cs typeface="Courier New" panose="02070309020205020404" pitchFamily="49" charset="0"/>
+              </a:rPr>
+              <a:t>  </a:t>
+            </a:r>
+            <a:r>
+              <a:rPr kumimoji="0" lang="en-US" altLang="en-US" b="1" i="0" u="none" strike="noStrike" cap="none" normalizeH="0" baseline="0" dirty="0">
+                <a:ln>
+                  <a:noFill/>
+                </a:ln>
+                <a:solidFill>
+                  <a:srgbClr val="000000"/>
+                </a:solidFill>
+                <a:effectLst/>
+                <a:latin typeface="Arial Unicode MS"/>
+                <a:ea typeface="Times New Roman" panose="02020603050405020304" pitchFamily="18" charset="0"/>
+                <a:cs typeface="Courier New" panose="02070309020205020404" pitchFamily="49" charset="0"/>
+              </a:rPr>
+              <a:t>__proto__</a:t>
+            </a:r>
+            <a:r>
+              <a:rPr kumimoji="0" lang="en-US" altLang="en-US" b="0" i="0" u="none" strike="noStrike" cap="none" normalizeH="0" baseline="0" dirty="0">
+                <a:ln>
+                  <a:noFill/>
+                </a:ln>
+                <a:solidFill>
+                  <a:srgbClr val="000000"/>
+                </a:solidFill>
+                <a:effectLst/>
+                <a:latin typeface="Arial Unicode MS"/>
+                <a:ea typeface="Times New Roman" panose="02020603050405020304" pitchFamily="18" charset="0"/>
+                <a:cs typeface="Courier New" panose="02070309020205020404" pitchFamily="49" charset="0"/>
+              </a:rPr>
+              <a:t>:Object</a:t>
+            </a:r>
+            <a:r>
+              <a:rPr kumimoji="0" lang="en-US" altLang="en-US" b="0" i="0" u="none" strike="noStrike" cap="none" normalizeH="0" baseline="0" dirty="0">
+                <a:ln>
+                  <a:noFill/>
+                </a:ln>
+                <a:solidFill>
+                  <a:schemeClr val="tx1"/>
+                </a:solidFill>
+                <a:effectLst/>
+              </a:rPr>
+              <a:t> </a:t>
+            </a:r>
+            <a:endParaRPr kumimoji="0" lang="en-US" altLang="en-US" b="0" i="0" u="none" strike="noStrike" cap="none" normalizeH="0" baseline="0" dirty="0">
+              <a:ln>
+                <a:noFill/>
+              </a:ln>
+              <a:solidFill>
+                <a:schemeClr val="tx1"/>
+              </a:solidFill>
+              <a:effectLst/>
+              <a:latin typeface="Arial" panose="020B0604020202020204" pitchFamily="34" charset="0"/>
+            </a:endParaRPr>
+          </a:p>
+        </p:txBody>
+      </p:sp>
       <p:cxnSp>
         <p:nvCxnSpPr>
-          <p:cNvPr id="10" name="Straight Arrow Connector 9"/>
+          <p:cNvPr id="12" name="Straight Arrow Connector 11"/>
           <p:cNvCxnSpPr/>
           <p:nvPr/>
         </p:nvCxnSpPr>
         <p:spPr>
           <a:xfrm flipH="1">
-            <a:off x="4139952" y="5445224"/>
-            <a:ext cx="1080120" cy="0"/>
+            <a:off x="2195736" y="3876700"/>
+            <a:ext cx="2815902" cy="0"/>
           </a:xfrm>
           <a:prstGeom prst="straightConnector1">
             <a:avLst/>
@@ -11840,7 +13867,7 @@
           <a:p>
             <a:r>
               <a:rPr lang="en-US" dirty="0"/>
-              <a:t>TD Approach (Radio Buttons)</a:t>
+              <a:t>Radio Buttons</a:t>
             </a:r>
             <a:endParaRPr lang="he-IL" dirty="0"/>
           </a:p>
@@ -12242,6 +14269,21 @@
                 <a:cs typeface="Courier New" panose="02070309020205020404" pitchFamily="49" charset="0"/>
               </a:rPr>
             </a:br>
+            <a:r>
+              <a:rPr kumimoji="0" lang="en-US" altLang="en-US" sz="1200" b="0" i="0" u="none" strike="noStrike" cap="none" normalizeH="0" baseline="0" dirty="0">
+                <a:ln>
+                  <a:noFill/>
+                </a:ln>
+                <a:solidFill>
+                  <a:srgbClr val="000000"/>
+                </a:solidFill>
+                <a:effectLst/>
+                <a:latin typeface="Arial Unicode MS"/>
+                <a:ea typeface="Times New Roman" panose="02020603050405020304" pitchFamily="18" charset="0"/>
+                <a:cs typeface="Courier New" panose="02070309020205020404" pitchFamily="49" charset="0"/>
+              </a:rPr>
+              <a:t/>
+            </a:r>
             <a:br>
               <a:rPr kumimoji="0" lang="en-US" altLang="en-US" sz="1200" b="0" i="0" u="none" strike="noStrike" cap="none" normalizeH="0" baseline="0" dirty="0">
                 <a:ln>
@@ -12811,7 +14853,7 @@
           <a:p>
             <a:r>
               <a:rPr lang="en-US" dirty="0"/>
-              <a:t>TD Approach (Extract the data)</a:t>
+              <a:t>Extract the data</a:t>
             </a:r>
             <a:endParaRPr lang="he-IL" dirty="0"/>
           </a:p>
@@ -12951,7 +14993,7 @@
           <a:p>
             <a:r>
               <a:rPr lang="en-US" dirty="0"/>
-              <a:t>TD Approach (Extract the data)</a:t>
+              <a:t>Extract the data</a:t>
             </a:r>
             <a:endParaRPr lang="he-IL" dirty="0"/>
           </a:p>
@@ -13126,6 +15168,21 @@
                 <a:cs typeface="Courier New" panose="02070309020205020404" pitchFamily="49" charset="0"/>
               </a:rPr>
             </a:br>
+            <a:r>
+              <a:rPr kumimoji="0" lang="en-US" altLang="en-US" sz="1100" b="0" i="0" u="none" strike="noStrike" cap="none" normalizeH="0" baseline="0" dirty="0">
+                <a:ln>
+                  <a:noFill/>
+                </a:ln>
+                <a:solidFill>
+                  <a:srgbClr val="000000"/>
+                </a:solidFill>
+                <a:effectLst/>
+                <a:latin typeface="Arial Unicode MS"/>
+                <a:ea typeface="Times New Roman" panose="02020603050405020304" pitchFamily="18" charset="0"/>
+                <a:cs typeface="Courier New" panose="02070309020205020404" pitchFamily="49" charset="0"/>
+              </a:rPr>
+              <a:t/>
+            </a:r>
             <a:br>
               <a:rPr kumimoji="0" lang="en-US" altLang="en-US" sz="1100" b="0" i="0" u="none" strike="noStrike" cap="none" normalizeH="0" baseline="0" dirty="0">
                 <a:ln>
@@ -13615,6 +15672,21 @@
                 <a:cs typeface="Courier New" panose="02070309020205020404" pitchFamily="49" charset="0"/>
               </a:rPr>
             </a:br>
+            <a:r>
+              <a:rPr kumimoji="0" lang="en-US" altLang="en-US" sz="1100" b="0" i="0" u="none" strike="noStrike" cap="none" normalizeH="0" baseline="0" dirty="0">
+                <a:ln>
+                  <a:noFill/>
+                </a:ln>
+                <a:solidFill>
+                  <a:srgbClr val="000000"/>
+                </a:solidFill>
+                <a:effectLst/>
+                <a:latin typeface="Arial Unicode MS"/>
+                <a:ea typeface="Times New Roman" panose="02020603050405020304" pitchFamily="18" charset="0"/>
+                <a:cs typeface="Courier New" panose="02070309020205020404" pitchFamily="49" charset="0"/>
+              </a:rPr>
+              <a:t/>
+            </a:r>
             <a:br>
               <a:rPr kumimoji="0" lang="en-US" altLang="en-US" sz="1100" b="0" i="0" u="none" strike="noStrike" cap="none" normalizeH="0" baseline="0" dirty="0">
                 <a:ln>
@@ -14029,6 +16101,21 @@
                 <a:cs typeface="Courier New" panose="02070309020205020404" pitchFamily="49" charset="0"/>
               </a:rPr>
             </a:br>
+            <a:r>
+              <a:rPr kumimoji="0" lang="en-US" altLang="en-US" sz="1100" b="1" i="0" u="none" strike="noStrike" cap="none" normalizeH="0" baseline="0" dirty="0">
+                <a:ln>
+                  <a:noFill/>
+                </a:ln>
+                <a:solidFill>
+                  <a:srgbClr val="008000"/>
+                </a:solidFill>
+                <a:effectLst/>
+                <a:latin typeface="Arial Unicode MS"/>
+                <a:ea typeface="Times New Roman" panose="02020603050405020304" pitchFamily="18" charset="0"/>
+                <a:cs typeface="Courier New" panose="02070309020205020404" pitchFamily="49" charset="0"/>
+              </a:rPr>
+              <a:t/>
+            </a:r>
             <a:br>
               <a:rPr kumimoji="0" lang="en-US" altLang="en-US" sz="1100" b="1" i="0" u="none" strike="noStrike" cap="none" normalizeH="0" baseline="0" dirty="0">
                 <a:ln>
@@ -16264,7 +18351,7 @@
           <a:p>
             <a:r>
               <a:rPr lang="en-US" dirty="0"/>
-              <a:t>TD Approach (Extract the data)</a:t>
+              <a:t>Extract the data</a:t>
             </a:r>
             <a:endParaRPr lang="he-IL" dirty="0"/>
           </a:p>
@@ -16658,7 +18745,12 @@
             <p:ph sz="quarter" idx="1"/>
           </p:nvPr>
         </p:nvSpPr>
-        <p:spPr/>
+        <p:spPr>
+          <a:xfrm>
+            <a:off x="107504" y="1600200"/>
+            <a:ext cx="8658544" cy="5141168"/>
+          </a:xfrm>
+        </p:spPr>
         <p:txBody>
           <a:bodyPr/>
           <a:lstStyle/>
@@ -16669,13 +18761,25 @@
             </a:r>
           </a:p>
           <a:p>
-            <a:endParaRPr lang="en-US" dirty="0"/>
-          </a:p>
-          <a:p>
             <a:r>
               <a:rPr lang="en-US" dirty="0"/>
               <a:t>Angular provides us tools to create such a form with ease</a:t>
             </a:r>
+          </a:p>
+          <a:p>
+            <a:r>
+              <a:rPr lang="en-US" dirty="0"/>
+              <a:t>The reactive approach suitable for  large scale application</a:t>
+            </a:r>
+          </a:p>
+          <a:p>
+            <a:endParaRPr lang="en-US" dirty="0"/>
+          </a:p>
+          <a:p>
+            <a:pPr marL="0" indent="0">
+              <a:buNone/>
+            </a:pPr>
+            <a:endParaRPr lang="en-US" dirty="0"/>
           </a:p>
           <a:p>
             <a:endParaRPr lang="en-US" dirty="0"/>
@@ -16729,9 +18833,8 @@
           <a:p>
             <a:r>
               <a:rPr lang="en-US" dirty="0"/>
-              <a:t>Reactive Form (setup)</a:t>
-            </a:r>
-            <a:endParaRPr lang="he-IL" dirty="0"/>
+              <a:t>Why reactive form approach?</a:t>
+            </a:r>
           </a:p>
         </p:txBody>
       </p:sp>
@@ -16783,6 +18886,174 @@
               <a:rPr lang="en-US" smtClean="0"/>
               <a:pPr/>
               <a:t>26</a:t>
+            </a:fld>
+            <a:endParaRPr lang="en-US"/>
+          </a:p>
+        </p:txBody>
+      </p:sp>
+      <p:sp>
+        <p:nvSpPr>
+          <p:cNvPr id="5" name="Content Placeholder 4"/>
+          <p:cNvSpPr>
+            <a:spLocks noGrp="1"/>
+          </p:cNvSpPr>
+          <p:nvPr>
+            <p:ph sz="quarter" idx="1"/>
+          </p:nvPr>
+        </p:nvSpPr>
+        <p:spPr>
+          <a:xfrm>
+            <a:off x="0" y="1600200"/>
+            <a:ext cx="8766048" cy="5257800"/>
+          </a:xfrm>
+        </p:spPr>
+        <p:txBody>
+          <a:bodyPr/>
+          <a:lstStyle/>
+          <a:p>
+            <a:r>
+              <a:rPr lang="en-US" dirty="0"/>
+              <a:t>The TD approach adds validators to the html template which eventually become more unreadable as we adding more validators</a:t>
+            </a:r>
+          </a:p>
+          <a:p>
+            <a:pPr marL="0" indent="0">
+              <a:buNone/>
+            </a:pPr>
+            <a:endParaRPr lang="en-US" dirty="0"/>
+          </a:p>
+          <a:p>
+            <a:r>
+              <a:rPr lang="en-US" dirty="0"/>
+              <a:t> the form validation logic cannot be unit tested. The only way to test this logic is to run an end to end test with a browser</a:t>
+            </a:r>
+          </a:p>
+          <a:p>
+            <a:pPr marL="0" indent="0">
+              <a:buNone/>
+            </a:pPr>
+            <a:endParaRPr lang="en-US" dirty="0"/>
+          </a:p>
+          <a:p>
+            <a:r>
+              <a:rPr lang="en-US" dirty="0"/>
+              <a:t>The reactive approach provides the ability to unit test the form </a:t>
+            </a:r>
+            <a:r>
+              <a:rPr lang="en-US" i="1" dirty="0"/>
+              <a:t>validation</a:t>
+            </a:r>
+            <a:r>
+              <a:rPr lang="en-US" dirty="0"/>
+              <a:t> logic</a:t>
+            </a:r>
+          </a:p>
+          <a:p>
+            <a:endParaRPr lang="en-US" dirty="0"/>
+          </a:p>
+        </p:txBody>
+      </p:sp>
+    </p:spTree>
+    <p:extLst>
+      <p:ext uri="{BB962C8B-B14F-4D97-AF65-F5344CB8AC3E}">
+        <p14:creationId xmlns:p14="http://schemas.microsoft.com/office/powerpoint/2010/main" val="3850827318"/>
+      </p:ext>
+    </p:extLst>
+  </p:cSld>
+  <p:clrMapOvr>
+    <a:masterClrMapping/>
+  </p:clrMapOvr>
+</p:sld>
+</file>
+
+<file path=ppt/slides/slide27.xml><?xml version="1.0" encoding="utf-8"?>
+<p:sld xmlns:a="http://schemas.openxmlformats.org/drawingml/2006/main" xmlns:r="http://schemas.openxmlformats.org/officeDocument/2006/relationships" xmlns:p="http://schemas.openxmlformats.org/presentationml/2006/main">
+  <p:cSld>
+    <p:spTree>
+      <p:nvGrpSpPr>
+        <p:cNvPr id="1" name=""/>
+        <p:cNvGrpSpPr/>
+        <p:nvPr/>
+      </p:nvGrpSpPr>
+      <p:grpSpPr>
+        <a:xfrm>
+          <a:off x="0" y="0"/>
+          <a:ext cx="0" cy="0"/>
+          <a:chOff x="0" y="0"/>
+          <a:chExt cx="0" cy="0"/>
+        </a:xfrm>
+      </p:grpSpPr>
+      <p:sp>
+        <p:nvSpPr>
+          <p:cNvPr id="2" name="Title 1"/>
+          <p:cNvSpPr>
+            <a:spLocks noGrp="1"/>
+          </p:cNvSpPr>
+          <p:nvPr>
+            <p:ph type="title"/>
+          </p:nvPr>
+        </p:nvSpPr>
+        <p:spPr/>
+        <p:txBody>
+          <a:bodyPr/>
+          <a:lstStyle/>
+          <a:p>
+            <a:r>
+              <a:rPr lang="en-US" dirty="0"/>
+              <a:t>setup</a:t>
+            </a:r>
+            <a:endParaRPr lang="he-IL" dirty="0"/>
+          </a:p>
+        </p:txBody>
+      </p:sp>
+      <p:sp>
+        <p:nvSpPr>
+          <p:cNvPr id="3" name="Footer Placeholder 2"/>
+          <p:cNvSpPr>
+            <a:spLocks noGrp="1"/>
+          </p:cNvSpPr>
+          <p:nvPr>
+            <p:ph type="ftr" sz="quarter" idx="11"/>
+          </p:nvPr>
+        </p:nvSpPr>
+        <p:spPr/>
+        <p:txBody>
+          <a:bodyPr/>
+          <a:lstStyle/>
+          <a:p>
+            <a:r>
+              <a:rPr lang="en-US" dirty="0"/>
+              <a:t>© 2017 Ori </a:t>
+            </a:r>
+            <a:r>
+              <a:rPr lang="en-US" dirty="0" err="1"/>
+              <a:t>Calvo</a:t>
+            </a:r>
+            <a:endParaRPr lang="en-US" dirty="0"/>
+          </a:p>
+        </p:txBody>
+      </p:sp>
+      <p:sp>
+        <p:nvSpPr>
+          <p:cNvPr id="4" name="Slide Number Placeholder 3"/>
+          <p:cNvSpPr>
+            <a:spLocks noGrp="1"/>
+          </p:cNvSpPr>
+          <p:nvPr>
+            <p:ph type="sldNum" sz="quarter" idx="12"/>
+          </p:nvPr>
+        </p:nvSpPr>
+        <p:spPr/>
+        <p:txBody>
+          <a:bodyPr>
+            <a:normAutofit fontScale="85000" lnSpcReduction="20000"/>
+          </a:bodyPr>
+          <a:lstStyle/>
+          <a:p>
+            <a:fld id="{6EDEC3BC-0694-4586-AE63-02B4D54ABF43}" type="slidenum">
+              <a:rPr lang="en-US" smtClean="0"/>
+              <a:pPr/>
+              <a:t>27</a:t>
             </a:fld>
             <a:endParaRPr lang="en-US"/>
           </a:p>
@@ -17116,6 +19387,21 @@
                 <a:cs typeface="Courier New" panose="02070309020205020404" pitchFamily="49" charset="0"/>
               </a:rPr>
             </a:br>
+            <a:r>
+              <a:rPr kumimoji="0" lang="en-US" altLang="en-US" sz="1600" b="0" i="0" u="none" strike="noStrike" cap="none" normalizeH="0" baseline="0" dirty="0">
+                <a:ln>
+                  <a:noFill/>
+                </a:ln>
+                <a:solidFill>
+                  <a:srgbClr val="000000"/>
+                </a:solidFill>
+                <a:effectLst/>
+                <a:latin typeface="Arial Unicode MS"/>
+                <a:ea typeface="Times New Roman" panose="02020603050405020304" pitchFamily="18" charset="0"/>
+                <a:cs typeface="Courier New" panose="02070309020205020404" pitchFamily="49" charset="0"/>
+              </a:rPr>
+              <a:t/>
+            </a:r>
             <a:br>
               <a:rPr kumimoji="0" lang="en-US" altLang="en-US" sz="1600" b="0" i="0" u="none" strike="noStrike" cap="none" normalizeH="0" baseline="0" dirty="0">
                 <a:ln>
@@ -17346,6 +19632,17 @@
                 <a:cs typeface="Arial" panose="020B0604020202020204" pitchFamily="34" charset="0"/>
               </a:rPr>
             </a:br>
+            <a:r>
+              <a:rPr lang="en-US" sz="1400" dirty="0">
+                <a:solidFill>
+                  <a:srgbClr val="000000"/>
+                </a:solidFill>
+                <a:latin typeface="Calibri" panose="020F0502020204030204" pitchFamily="34" charset="0"/>
+                <a:ea typeface="Calibri" panose="020F0502020204030204" pitchFamily="34" charset="0"/>
+                <a:cs typeface="Arial" panose="020B0604020202020204" pitchFamily="34" charset="0"/>
+              </a:rPr>
+              <a:t/>
+            </a:r>
             <a:br>
               <a:rPr lang="en-US" sz="1400" dirty="0">
                 <a:solidFill>
@@ -17982,7 +20279,7 @@
 </p:sld>
 </file>
 
-<file path=ppt/slides/slide27.xml><?xml version="1.0" encoding="utf-8"?>
+<file path=ppt/slides/slide28.xml><?xml version="1.0" encoding="utf-8"?>
 <p:sld xmlns:a="http://schemas.openxmlformats.org/drawingml/2006/main" xmlns:r="http://schemas.openxmlformats.org/officeDocument/2006/relationships" xmlns:p="http://schemas.openxmlformats.org/presentationml/2006/main">
   <p:cSld>
     <p:spTree>
@@ -18016,7 +20313,7 @@
           <a:p>
             <a:r>
               <a:rPr lang="en-US" dirty="0"/>
-              <a:t>Reactive Form (Creating the form)</a:t>
+              <a:t>Creating the form</a:t>
             </a:r>
             <a:endParaRPr lang="he-IL" dirty="0"/>
           </a:p>
@@ -18069,7 +20366,7 @@
             <a:fld id="{6EDEC3BC-0694-4586-AE63-02B4D54ABF43}" type="slidenum">
               <a:rPr lang="en-US" smtClean="0"/>
               <a:pPr/>
-              <a:t>27</a:t>
+              <a:t>28</a:t>
             </a:fld>
             <a:endParaRPr lang="en-US"/>
           </a:p>
@@ -18791,161 +21088,6 @@
 </p:sld>
 </file>
 
-<file path=ppt/slides/slide28.xml><?xml version="1.0" encoding="utf-8"?>
-<p:sld xmlns:a="http://schemas.openxmlformats.org/drawingml/2006/main" xmlns:r="http://schemas.openxmlformats.org/officeDocument/2006/relationships" xmlns:p="http://schemas.openxmlformats.org/presentationml/2006/main">
-  <p:cSld>
-    <p:spTree>
-      <p:nvGrpSpPr>
-        <p:cNvPr id="1" name=""/>
-        <p:cNvGrpSpPr/>
-        <p:nvPr/>
-      </p:nvGrpSpPr>
-      <p:grpSpPr>
-        <a:xfrm>
-          <a:off x="0" y="0"/>
-          <a:ext cx="0" cy="0"/>
-          <a:chOff x="0" y="0"/>
-          <a:chExt cx="0" cy="0"/>
-        </a:xfrm>
-      </p:grpSpPr>
-      <p:sp>
-        <p:nvSpPr>
-          <p:cNvPr id="2" name="Title 1"/>
-          <p:cNvSpPr>
-            <a:spLocks noGrp="1"/>
-          </p:cNvSpPr>
-          <p:nvPr>
-            <p:ph type="title"/>
-          </p:nvPr>
-        </p:nvSpPr>
-        <p:spPr/>
-        <p:txBody>
-          <a:bodyPr/>
-          <a:lstStyle/>
-          <a:p>
-            <a:r>
-              <a:rPr lang="en-US" dirty="0"/>
-              <a:t>Reactive Form (Creating the form)</a:t>
-            </a:r>
-          </a:p>
-        </p:txBody>
-      </p:sp>
-      <p:sp>
-        <p:nvSpPr>
-          <p:cNvPr id="3" name="Footer Placeholder 2"/>
-          <p:cNvSpPr>
-            <a:spLocks noGrp="1"/>
-          </p:cNvSpPr>
-          <p:nvPr>
-            <p:ph type="ftr" sz="quarter" idx="11"/>
-          </p:nvPr>
-        </p:nvSpPr>
-        <p:spPr/>
-        <p:txBody>
-          <a:bodyPr/>
-          <a:lstStyle/>
-          <a:p>
-            <a:r>
-              <a:rPr lang="en-US" dirty="0"/>
-              <a:t>© 2017 Ori </a:t>
-            </a:r>
-            <a:r>
-              <a:rPr lang="en-US" dirty="0" err="1"/>
-              <a:t>Calvo</a:t>
-            </a:r>
-            <a:endParaRPr lang="en-US" dirty="0"/>
-          </a:p>
-        </p:txBody>
-      </p:sp>
-      <p:sp>
-        <p:nvSpPr>
-          <p:cNvPr id="4" name="Slide Number Placeholder 3"/>
-          <p:cNvSpPr>
-            <a:spLocks noGrp="1"/>
-          </p:cNvSpPr>
-          <p:nvPr>
-            <p:ph type="sldNum" sz="quarter" idx="12"/>
-          </p:nvPr>
-        </p:nvSpPr>
-        <p:spPr/>
-        <p:txBody>
-          <a:bodyPr>
-            <a:normAutofit fontScale="85000" lnSpcReduction="20000"/>
-          </a:bodyPr>
-          <a:lstStyle/>
-          <a:p>
-            <a:fld id="{6EDEC3BC-0694-4586-AE63-02B4D54ABF43}" type="slidenum">
-              <a:rPr lang="en-US" smtClean="0"/>
-              <a:pPr/>
-              <a:t>28</a:t>
-            </a:fld>
-            <a:endParaRPr lang="en-US"/>
-          </a:p>
-        </p:txBody>
-      </p:sp>
-      <p:sp>
-        <p:nvSpPr>
-          <p:cNvPr id="5" name="Content Placeholder 4"/>
-          <p:cNvSpPr>
-            <a:spLocks noGrp="1"/>
-          </p:cNvSpPr>
-          <p:nvPr>
-            <p:ph sz="quarter" idx="1"/>
-          </p:nvPr>
-        </p:nvSpPr>
-        <p:spPr>
-          <a:xfrm>
-            <a:off x="251520" y="1600200"/>
-            <a:ext cx="8514528" cy="5141168"/>
-          </a:xfrm>
-        </p:spPr>
-        <p:txBody>
-          <a:bodyPr/>
-          <a:lstStyle/>
-          <a:p>
-            <a:r>
-              <a:rPr lang="en-US" dirty="0"/>
-              <a:t>As of now, angular cannot identify which control belongs to an element</a:t>
-            </a:r>
-          </a:p>
-          <a:p>
-            <a:r>
-              <a:rPr lang="en-US" dirty="0"/>
-              <a:t> When creating a form in angular, while angular detects &lt;form&gt; tags the default behavior as we learned earlier is automatically creating a form. Which is not the correct behavior among the reactive approach</a:t>
-            </a:r>
-          </a:p>
-          <a:p>
-            <a:r>
-              <a:rPr lang="en-US" dirty="0"/>
-              <a:t>Luckily, we can use the directive ‘</a:t>
-            </a:r>
-            <a:r>
-              <a:rPr lang="en-US" dirty="0" err="1"/>
-              <a:t>formGroup</a:t>
-            </a:r>
-            <a:r>
-              <a:rPr lang="en-US" dirty="0"/>
-              <a:t>’. It is most important to encapsulate the directive with the property bindings square brackets for implementing our form in it</a:t>
-            </a:r>
-          </a:p>
-          <a:p>
-            <a:endParaRPr lang="en-US" dirty="0"/>
-          </a:p>
-        </p:txBody>
-      </p:sp>
-    </p:spTree>
-    <p:extLst>
-      <p:ext uri="{BB962C8B-B14F-4D97-AF65-F5344CB8AC3E}">
-        <p14:creationId xmlns:p14="http://schemas.microsoft.com/office/powerpoint/2010/main" val="1329221546"/>
-      </p:ext>
-    </p:extLst>
-  </p:cSld>
-  <p:clrMapOvr>
-    <a:masterClrMapping/>
-  </p:clrMapOvr>
-</p:sld>
-</file>
-
 <file path=ppt/slides/slide29.xml><?xml version="1.0" encoding="utf-8"?>
 <p:sld xmlns:a="http://schemas.openxmlformats.org/drawingml/2006/main" xmlns:r="http://schemas.openxmlformats.org/officeDocument/2006/relationships" xmlns:p="http://schemas.openxmlformats.org/presentationml/2006/main">
   <p:cSld>
@@ -18980,9 +21122,8 @@
           <a:p>
             <a:r>
               <a:rPr lang="en-US" dirty="0"/>
-              <a:t>Reactive Form (Creating the form)</a:t>
-            </a:r>
-            <a:endParaRPr lang="he-IL" dirty="0"/>
+              <a:t>Creating the form</a:t>
+            </a:r>
           </a:p>
         </p:txBody>
       </p:sp>
@@ -19034,6 +21175,316 @@
               <a:rPr lang="en-US" smtClean="0"/>
               <a:pPr/>
               <a:t>29</a:t>
+            </a:fld>
+            <a:endParaRPr lang="en-US"/>
+          </a:p>
+        </p:txBody>
+      </p:sp>
+      <p:sp>
+        <p:nvSpPr>
+          <p:cNvPr id="5" name="Content Placeholder 4"/>
+          <p:cNvSpPr>
+            <a:spLocks noGrp="1"/>
+          </p:cNvSpPr>
+          <p:nvPr>
+            <p:ph sz="quarter" idx="1"/>
+          </p:nvPr>
+        </p:nvSpPr>
+        <p:spPr>
+          <a:xfrm>
+            <a:off x="251520" y="1600200"/>
+            <a:ext cx="8514528" cy="5141168"/>
+          </a:xfrm>
+        </p:spPr>
+        <p:txBody>
+          <a:bodyPr/>
+          <a:lstStyle/>
+          <a:p>
+            <a:r>
+              <a:rPr lang="en-US" dirty="0"/>
+              <a:t>As of now, angular cannot identify which control belongs to an element</a:t>
+            </a:r>
+          </a:p>
+          <a:p>
+            <a:r>
+              <a:rPr lang="en-US" dirty="0"/>
+              <a:t> When creating a form in angular, while angular detects &lt;form&gt; tags the default behavior as we learned earlier is automatically creating a form. Which is not the correct behavior among the reactive approach</a:t>
+            </a:r>
+          </a:p>
+          <a:p>
+            <a:r>
+              <a:rPr lang="en-US" dirty="0"/>
+              <a:t>Luckily, we can use the directive ‘</a:t>
+            </a:r>
+            <a:r>
+              <a:rPr lang="en-US" dirty="0" err="1"/>
+              <a:t>formGroup</a:t>
+            </a:r>
+            <a:r>
+              <a:rPr lang="en-US" dirty="0"/>
+              <a:t>’. It is most important to encapsulate the directive with the property bindings square brackets for implementing our form in it</a:t>
+            </a:r>
+          </a:p>
+          <a:p>
+            <a:endParaRPr lang="en-US" dirty="0"/>
+          </a:p>
+        </p:txBody>
+      </p:sp>
+    </p:spTree>
+    <p:extLst>
+      <p:ext uri="{BB962C8B-B14F-4D97-AF65-F5344CB8AC3E}">
+        <p14:creationId xmlns:p14="http://schemas.microsoft.com/office/powerpoint/2010/main" val="1329221546"/>
+      </p:ext>
+    </p:extLst>
+  </p:cSld>
+  <p:clrMapOvr>
+    <a:masterClrMapping/>
+  </p:clrMapOvr>
+</p:sld>
+</file>
+
+<file path=ppt/slides/slide3.xml><?xml version="1.0" encoding="utf-8"?>
+<p:sld xmlns:a="http://schemas.openxmlformats.org/drawingml/2006/main" xmlns:r="http://schemas.openxmlformats.org/officeDocument/2006/relationships" xmlns:p="http://schemas.openxmlformats.org/presentationml/2006/main">
+  <p:cSld>
+    <p:spTree>
+      <p:nvGrpSpPr>
+        <p:cNvPr id="1" name=""/>
+        <p:cNvGrpSpPr/>
+        <p:nvPr/>
+      </p:nvGrpSpPr>
+      <p:grpSpPr>
+        <a:xfrm>
+          <a:off x="0" y="0"/>
+          <a:ext cx="0" cy="0"/>
+          <a:chOff x="0" y="0"/>
+          <a:chExt cx="0" cy="0"/>
+        </a:xfrm>
+      </p:grpSpPr>
+      <p:sp>
+        <p:nvSpPr>
+          <p:cNvPr id="2" name="Title 1"/>
+          <p:cNvSpPr>
+            <a:spLocks noGrp="1"/>
+          </p:cNvSpPr>
+          <p:nvPr>
+            <p:ph type="title"/>
+          </p:nvPr>
+        </p:nvSpPr>
+        <p:spPr/>
+        <p:txBody>
+          <a:bodyPr/>
+          <a:lstStyle/>
+          <a:p>
+            <a:r>
+              <a:rPr lang="en-US" dirty="0"/>
+              <a:t>Template Driven vs. Reactive Form</a:t>
+            </a:r>
+            <a:endParaRPr lang="he-IL" dirty="0"/>
+          </a:p>
+        </p:txBody>
+      </p:sp>
+      <p:sp>
+        <p:nvSpPr>
+          <p:cNvPr id="3" name="Footer Placeholder 2"/>
+          <p:cNvSpPr>
+            <a:spLocks noGrp="1"/>
+          </p:cNvSpPr>
+          <p:nvPr>
+            <p:ph type="ftr" sz="quarter" idx="11"/>
+          </p:nvPr>
+        </p:nvSpPr>
+        <p:spPr/>
+        <p:txBody>
+          <a:bodyPr/>
+          <a:lstStyle/>
+          <a:p>
+            <a:r>
+              <a:rPr lang="en-US" dirty="0"/>
+              <a:t>© 2017 Ori </a:t>
+            </a:r>
+            <a:r>
+              <a:rPr lang="en-US" dirty="0" err="1"/>
+              <a:t>Calvo</a:t>
+            </a:r>
+            <a:endParaRPr lang="en-US" dirty="0"/>
+          </a:p>
+        </p:txBody>
+      </p:sp>
+      <p:sp>
+        <p:nvSpPr>
+          <p:cNvPr id="4" name="Slide Number Placeholder 3"/>
+          <p:cNvSpPr>
+            <a:spLocks noGrp="1"/>
+          </p:cNvSpPr>
+          <p:nvPr>
+            <p:ph type="sldNum" sz="quarter" idx="12"/>
+          </p:nvPr>
+        </p:nvSpPr>
+        <p:spPr/>
+        <p:txBody>
+          <a:bodyPr>
+            <a:normAutofit fontScale="85000" lnSpcReduction="20000"/>
+          </a:bodyPr>
+          <a:lstStyle/>
+          <a:p>
+            <a:fld id="{6EDEC3BC-0694-4586-AE63-02B4D54ABF43}" type="slidenum">
+              <a:rPr lang="en-US" smtClean="0"/>
+              <a:pPr/>
+              <a:t>3</a:t>
+            </a:fld>
+            <a:endParaRPr lang="en-US"/>
+          </a:p>
+        </p:txBody>
+      </p:sp>
+      <p:sp>
+        <p:nvSpPr>
+          <p:cNvPr id="5" name="Content Placeholder 4"/>
+          <p:cNvSpPr>
+            <a:spLocks noGrp="1"/>
+          </p:cNvSpPr>
+          <p:nvPr>
+            <p:ph sz="quarter" idx="1"/>
+          </p:nvPr>
+        </p:nvSpPr>
+        <p:spPr/>
+        <p:txBody>
+          <a:bodyPr/>
+          <a:lstStyle/>
+          <a:p>
+            <a:r>
+              <a:rPr lang="en-US" dirty="0" smtClean="0"/>
+              <a:t>Template-Driven </a:t>
+            </a:r>
+            <a:r>
+              <a:rPr lang="en-US" dirty="0"/>
+              <a:t>approach simply infers the form object from the DOM</a:t>
+            </a:r>
+          </a:p>
+          <a:p>
+            <a:pPr marL="0" indent="0">
+              <a:buNone/>
+            </a:pPr>
+            <a:endParaRPr lang="en-US" dirty="0"/>
+          </a:p>
+          <a:p>
+            <a:pPr marL="0" indent="0">
+              <a:buNone/>
+            </a:pPr>
+            <a:endParaRPr lang="en-US" dirty="0"/>
+          </a:p>
+          <a:p>
+            <a:r>
+              <a:rPr lang="en-US" dirty="0" smtClean="0"/>
+              <a:t>Reactive-Form is </a:t>
+            </a:r>
+            <a:r>
+              <a:rPr lang="en-US" dirty="0"/>
+              <a:t>created programmatically and synchronized with the DOM. We define the structure of the form in typescript code and manually connect it with the html form</a:t>
+            </a:r>
+          </a:p>
+        </p:txBody>
+      </p:sp>
+    </p:spTree>
+    <p:extLst>
+      <p:ext uri="{BB962C8B-B14F-4D97-AF65-F5344CB8AC3E}">
+        <p14:creationId xmlns:p14="http://schemas.microsoft.com/office/powerpoint/2010/main" val="3057580341"/>
+      </p:ext>
+    </p:extLst>
+  </p:cSld>
+  <p:clrMapOvr>
+    <a:masterClrMapping/>
+  </p:clrMapOvr>
+</p:sld>
+</file>
+
+<file path=ppt/slides/slide30.xml><?xml version="1.0" encoding="utf-8"?>
+<p:sld xmlns:a="http://schemas.openxmlformats.org/drawingml/2006/main" xmlns:r="http://schemas.openxmlformats.org/officeDocument/2006/relationships" xmlns:p="http://schemas.openxmlformats.org/presentationml/2006/main">
+  <p:cSld>
+    <p:spTree>
+      <p:nvGrpSpPr>
+        <p:cNvPr id="1" name=""/>
+        <p:cNvGrpSpPr/>
+        <p:nvPr/>
+      </p:nvGrpSpPr>
+      <p:grpSpPr>
+        <a:xfrm>
+          <a:off x="0" y="0"/>
+          <a:ext cx="0" cy="0"/>
+          <a:chOff x="0" y="0"/>
+          <a:chExt cx="0" cy="0"/>
+        </a:xfrm>
+      </p:grpSpPr>
+      <p:sp>
+        <p:nvSpPr>
+          <p:cNvPr id="2" name="Title 1"/>
+          <p:cNvSpPr>
+            <a:spLocks noGrp="1"/>
+          </p:cNvSpPr>
+          <p:nvPr>
+            <p:ph type="title"/>
+          </p:nvPr>
+        </p:nvSpPr>
+        <p:spPr/>
+        <p:txBody>
+          <a:bodyPr/>
+          <a:lstStyle/>
+          <a:p>
+            <a:r>
+              <a:rPr lang="en-US" dirty="0"/>
+              <a:t>Creating the form</a:t>
+            </a:r>
+            <a:endParaRPr lang="he-IL" dirty="0"/>
+          </a:p>
+        </p:txBody>
+      </p:sp>
+      <p:sp>
+        <p:nvSpPr>
+          <p:cNvPr id="3" name="Footer Placeholder 2"/>
+          <p:cNvSpPr>
+            <a:spLocks noGrp="1"/>
+          </p:cNvSpPr>
+          <p:nvPr>
+            <p:ph type="ftr" sz="quarter" idx="11"/>
+          </p:nvPr>
+        </p:nvSpPr>
+        <p:spPr/>
+        <p:txBody>
+          <a:bodyPr/>
+          <a:lstStyle/>
+          <a:p>
+            <a:r>
+              <a:rPr lang="en-US" dirty="0"/>
+              <a:t>© 2017 Ori </a:t>
+            </a:r>
+            <a:r>
+              <a:rPr lang="en-US" dirty="0" err="1"/>
+              <a:t>Calvo</a:t>
+            </a:r>
+            <a:endParaRPr lang="en-US" dirty="0"/>
+          </a:p>
+        </p:txBody>
+      </p:sp>
+      <p:sp>
+        <p:nvSpPr>
+          <p:cNvPr id="4" name="Slide Number Placeholder 3"/>
+          <p:cNvSpPr>
+            <a:spLocks noGrp="1"/>
+          </p:cNvSpPr>
+          <p:nvPr>
+            <p:ph type="sldNum" sz="quarter" idx="12"/>
+          </p:nvPr>
+        </p:nvSpPr>
+        <p:spPr/>
+        <p:txBody>
+          <a:bodyPr>
+            <a:normAutofit fontScale="85000" lnSpcReduction="20000"/>
+          </a:bodyPr>
+          <a:lstStyle/>
+          <a:p>
+            <a:fld id="{6EDEC3BC-0694-4586-AE63-02B4D54ABF43}" type="slidenum">
+              <a:rPr lang="en-US" smtClean="0"/>
+              <a:pPr/>
+              <a:t>30</a:t>
             </a:fld>
             <a:endParaRPr lang="en-US"/>
           </a:p>
@@ -19069,7 +21520,15 @@
           <a:p>
             <a:r>
               <a:rPr lang="en-US" dirty="0"/>
-              <a:t>Setting up a controls in the form take another directive called ‘formControlName’, which will bind the control to the specific chosen formGroup property</a:t>
+              <a:t>Setting up a controls in the form take another directive called ‘formControlName’, which will bind the control to the specific chosen </a:t>
+            </a:r>
+            <a:r>
+              <a:rPr lang="en-US" dirty="0" err="1"/>
+              <a:t>formGroup</a:t>
+            </a:r>
+            <a:r>
+              <a:rPr lang="en-US" dirty="0"/>
+              <a:t> property</a:t>
             </a:r>
             <a:endParaRPr lang="he-IL" dirty="0"/>
           </a:p>
@@ -19127,7 +21586,29 @@
                 <a:ea typeface="Calibri" panose="020F0502020204030204" pitchFamily="34" charset="0"/>
                 <a:cs typeface="Arial" panose="020B0604020202020204" pitchFamily="34" charset="0"/>
               </a:rPr>
-              <a:t>[formGroup]=</a:t>
+              <a:t>[</a:t>
+            </a:r>
+            <a:r>
+              <a:rPr lang="en-US" b="1" dirty="0" err="1">
+                <a:solidFill>
+                  <a:srgbClr val="0000FF"/>
+                </a:solidFill>
+                <a:latin typeface="Calibri" panose="020F0502020204030204" pitchFamily="34" charset="0"/>
+                <a:ea typeface="Calibri" panose="020F0502020204030204" pitchFamily="34" charset="0"/>
+                <a:cs typeface="Arial" panose="020B0604020202020204" pitchFamily="34" charset="0"/>
+              </a:rPr>
+              <a:t>formGroup</a:t>
+            </a:r>
+            <a:r>
+              <a:rPr lang="en-US" b="1" dirty="0">
+                <a:solidFill>
+                  <a:srgbClr val="0000FF"/>
+                </a:solidFill>
+                <a:latin typeface="Calibri" panose="020F0502020204030204" pitchFamily="34" charset="0"/>
+                <a:ea typeface="Calibri" panose="020F0502020204030204" pitchFamily="34" charset="0"/>
+                <a:cs typeface="Arial" panose="020B0604020202020204" pitchFamily="34" charset="0"/>
+              </a:rPr>
+              <a:t>]=</a:t>
             </a:r>
             <a:r>
               <a:rPr lang="en-US" b="1" dirty="0">
@@ -19690,301 +22171,6 @@
 </p:sld>
 </file>
 
-<file path=ppt/slides/slide3.xml><?xml version="1.0" encoding="utf-8"?>
-<p:sld xmlns:a="http://schemas.openxmlformats.org/drawingml/2006/main" xmlns:r="http://schemas.openxmlformats.org/officeDocument/2006/relationships" xmlns:p="http://schemas.openxmlformats.org/presentationml/2006/main">
-  <p:cSld>
-    <p:spTree>
-      <p:nvGrpSpPr>
-        <p:cNvPr id="1" name=""/>
-        <p:cNvGrpSpPr/>
-        <p:nvPr/>
-      </p:nvGrpSpPr>
-      <p:grpSpPr>
-        <a:xfrm>
-          <a:off x="0" y="0"/>
-          <a:ext cx="0" cy="0"/>
-          <a:chOff x="0" y="0"/>
-          <a:chExt cx="0" cy="0"/>
-        </a:xfrm>
-      </p:grpSpPr>
-      <p:sp>
-        <p:nvSpPr>
-          <p:cNvPr id="2" name="Title 1"/>
-          <p:cNvSpPr>
-            <a:spLocks noGrp="1"/>
-          </p:cNvSpPr>
-          <p:nvPr>
-            <p:ph type="title"/>
-          </p:nvPr>
-        </p:nvSpPr>
-        <p:spPr/>
-        <p:txBody>
-          <a:bodyPr/>
-          <a:lstStyle/>
-          <a:p>
-            <a:r>
-              <a:rPr lang="en-US" dirty="0"/>
-              <a:t>Template Driven vs. Reactive Form</a:t>
-            </a:r>
-            <a:endParaRPr lang="he-IL" dirty="0"/>
-          </a:p>
-        </p:txBody>
-      </p:sp>
-      <p:sp>
-        <p:nvSpPr>
-          <p:cNvPr id="3" name="Footer Placeholder 2"/>
-          <p:cNvSpPr>
-            <a:spLocks noGrp="1"/>
-          </p:cNvSpPr>
-          <p:nvPr>
-            <p:ph type="ftr" sz="quarter" idx="11"/>
-          </p:nvPr>
-        </p:nvSpPr>
-        <p:spPr/>
-        <p:txBody>
-          <a:bodyPr/>
-          <a:lstStyle/>
-          <a:p>
-            <a:r>
-              <a:rPr lang="en-US" dirty="0"/>
-              <a:t>© 2017 Ori </a:t>
-            </a:r>
-            <a:r>
-              <a:rPr lang="en-US" dirty="0" err="1"/>
-              <a:t>Calvo</a:t>
-            </a:r>
-            <a:endParaRPr lang="en-US" dirty="0"/>
-          </a:p>
-        </p:txBody>
-      </p:sp>
-      <p:sp>
-        <p:nvSpPr>
-          <p:cNvPr id="4" name="Slide Number Placeholder 3"/>
-          <p:cNvSpPr>
-            <a:spLocks noGrp="1"/>
-          </p:cNvSpPr>
-          <p:nvPr>
-            <p:ph type="sldNum" sz="quarter" idx="12"/>
-          </p:nvPr>
-        </p:nvSpPr>
-        <p:spPr/>
-        <p:txBody>
-          <a:bodyPr>
-            <a:normAutofit fontScale="85000" lnSpcReduction="20000"/>
-          </a:bodyPr>
-          <a:lstStyle/>
-          <a:p>
-            <a:fld id="{6EDEC3BC-0694-4586-AE63-02B4D54ABF43}" type="slidenum">
-              <a:rPr lang="en-US" smtClean="0"/>
-              <a:pPr/>
-              <a:t>3</a:t>
-            </a:fld>
-            <a:endParaRPr lang="en-US"/>
-          </a:p>
-        </p:txBody>
-      </p:sp>
-      <p:sp>
-        <p:nvSpPr>
-          <p:cNvPr id="5" name="Content Placeholder 4"/>
-          <p:cNvSpPr>
-            <a:spLocks noGrp="1"/>
-          </p:cNvSpPr>
-          <p:nvPr>
-            <p:ph sz="quarter" idx="1"/>
-          </p:nvPr>
-        </p:nvSpPr>
-        <p:spPr/>
-        <p:txBody>
-          <a:bodyPr/>
-          <a:lstStyle/>
-          <a:p>
-            <a:r>
-              <a:rPr lang="en-US" dirty="0"/>
-              <a:t>Template- Driven approach simply infers the form object from the DOM</a:t>
-            </a:r>
-          </a:p>
-          <a:p>
-            <a:pPr marL="0" indent="0">
-              <a:buNone/>
-            </a:pPr>
-            <a:endParaRPr lang="en-US" dirty="0"/>
-          </a:p>
-          <a:p>
-            <a:pPr marL="0" indent="0">
-              <a:buNone/>
-            </a:pPr>
-            <a:endParaRPr lang="en-US" dirty="0"/>
-          </a:p>
-          <a:p>
-            <a:r>
-              <a:rPr lang="en-US" dirty="0"/>
-              <a:t>Reactive- Form is created programmatically and synchronized with the DOM. We define the structure of the form in typescript code and manually connect it with the html form</a:t>
-            </a:r>
-          </a:p>
-        </p:txBody>
-      </p:sp>
-    </p:spTree>
-    <p:extLst>
-      <p:ext uri="{BB962C8B-B14F-4D97-AF65-F5344CB8AC3E}">
-        <p14:creationId xmlns:p14="http://schemas.microsoft.com/office/powerpoint/2010/main" val="3057580341"/>
-      </p:ext>
-    </p:extLst>
-  </p:cSld>
-  <p:clrMapOvr>
-    <a:masterClrMapping/>
-  </p:clrMapOvr>
-</p:sld>
-</file>
-
-<file path=ppt/slides/slide30.xml><?xml version="1.0" encoding="utf-8"?>
-<p:sld xmlns:a="http://schemas.openxmlformats.org/drawingml/2006/main" xmlns:r="http://schemas.openxmlformats.org/officeDocument/2006/relationships" xmlns:p="http://schemas.openxmlformats.org/presentationml/2006/main">
-  <p:cSld>
-    <p:spTree>
-      <p:nvGrpSpPr>
-        <p:cNvPr id="1" name=""/>
-        <p:cNvGrpSpPr/>
-        <p:nvPr/>
-      </p:nvGrpSpPr>
-      <p:grpSpPr>
-        <a:xfrm>
-          <a:off x="0" y="0"/>
-          <a:ext cx="0" cy="0"/>
-          <a:chOff x="0" y="0"/>
-          <a:chExt cx="0" cy="0"/>
-        </a:xfrm>
-      </p:grpSpPr>
-      <p:sp>
-        <p:nvSpPr>
-          <p:cNvPr id="2" name="Title 1"/>
-          <p:cNvSpPr>
-            <a:spLocks noGrp="1"/>
-          </p:cNvSpPr>
-          <p:nvPr>
-            <p:ph type="title"/>
-          </p:nvPr>
-        </p:nvSpPr>
-        <p:spPr/>
-        <p:txBody>
-          <a:bodyPr/>
-          <a:lstStyle/>
-          <a:p>
-            <a:r>
-              <a:rPr lang="en-US" dirty="0"/>
-              <a:t>Reactive Form (Submit)</a:t>
-            </a:r>
-            <a:endParaRPr lang="he-IL" dirty="0"/>
-          </a:p>
-        </p:txBody>
-      </p:sp>
-      <p:sp>
-        <p:nvSpPr>
-          <p:cNvPr id="3" name="Footer Placeholder 2"/>
-          <p:cNvSpPr>
-            <a:spLocks noGrp="1"/>
-          </p:cNvSpPr>
-          <p:nvPr>
-            <p:ph type="ftr" sz="quarter" idx="11"/>
-          </p:nvPr>
-        </p:nvSpPr>
-        <p:spPr/>
-        <p:txBody>
-          <a:bodyPr/>
-          <a:lstStyle/>
-          <a:p>
-            <a:r>
-              <a:rPr lang="en-US" dirty="0"/>
-              <a:t>© 2017 Ori </a:t>
-            </a:r>
-            <a:r>
-              <a:rPr lang="en-US" dirty="0" err="1"/>
-              <a:t>Calvo</a:t>
-            </a:r>
-            <a:endParaRPr lang="en-US" dirty="0"/>
-          </a:p>
-        </p:txBody>
-      </p:sp>
-      <p:sp>
-        <p:nvSpPr>
-          <p:cNvPr id="4" name="Slide Number Placeholder 3"/>
-          <p:cNvSpPr>
-            <a:spLocks noGrp="1"/>
-          </p:cNvSpPr>
-          <p:nvPr>
-            <p:ph type="sldNum" sz="quarter" idx="12"/>
-          </p:nvPr>
-        </p:nvSpPr>
-        <p:spPr/>
-        <p:txBody>
-          <a:bodyPr>
-            <a:normAutofit fontScale="85000" lnSpcReduction="20000"/>
-          </a:bodyPr>
-          <a:lstStyle/>
-          <a:p>
-            <a:fld id="{6EDEC3BC-0694-4586-AE63-02B4D54ABF43}" type="slidenum">
-              <a:rPr lang="en-US" smtClean="0"/>
-              <a:pPr/>
-              <a:t>30</a:t>
-            </a:fld>
-            <a:endParaRPr lang="en-US"/>
-          </a:p>
-        </p:txBody>
-      </p:sp>
-      <p:sp>
-        <p:nvSpPr>
-          <p:cNvPr id="5" name="Content Placeholder 4"/>
-          <p:cNvSpPr>
-            <a:spLocks noGrp="1"/>
-          </p:cNvSpPr>
-          <p:nvPr>
-            <p:ph sz="quarter" idx="1"/>
-          </p:nvPr>
-        </p:nvSpPr>
-        <p:spPr/>
-        <p:txBody>
-          <a:bodyPr/>
-          <a:lstStyle/>
-          <a:p>
-            <a:r>
-              <a:rPr lang="en-US" dirty="0"/>
-              <a:t>Similarly to the TD approach an ‘ngSubmit’ event must be set in order to submit a form</a:t>
-            </a:r>
-          </a:p>
-          <a:p>
-            <a:r>
-              <a:rPr lang="en-US" dirty="0"/>
-              <a:t>However, setting up a local reference as before is not needed. That is because:</a:t>
-            </a:r>
-          </a:p>
-          <a:p>
-            <a:pPr lvl="1"/>
-            <a:r>
-              <a:rPr lang="en-US" dirty="0"/>
-              <a:t>The default behavior of angular for creating a form is no longer active</a:t>
-            </a:r>
-          </a:p>
-          <a:p>
-            <a:pPr lvl="1"/>
-            <a:r>
-              <a:rPr lang="en-US" dirty="0"/>
-              <a:t>Thanks to the reactive approach, the form is created in typescript, therefore, all methods and properties are available at hand </a:t>
-            </a:r>
-            <a:endParaRPr lang="he-IL" dirty="0"/>
-          </a:p>
-        </p:txBody>
-      </p:sp>
-    </p:spTree>
-    <p:extLst>
-      <p:ext uri="{BB962C8B-B14F-4D97-AF65-F5344CB8AC3E}">
-        <p14:creationId xmlns:p14="http://schemas.microsoft.com/office/powerpoint/2010/main" val="4105706933"/>
-      </p:ext>
-    </p:extLst>
-  </p:cSld>
-  <p:clrMapOvr>
-    <a:masterClrMapping/>
-  </p:clrMapOvr>
-</p:sld>
-</file>
-
 <file path=ppt/slides/slide31.xml><?xml version="1.0" encoding="utf-8"?>
 <p:sld xmlns:a="http://schemas.openxmlformats.org/drawingml/2006/main" xmlns:r="http://schemas.openxmlformats.org/officeDocument/2006/relationships" xmlns:p="http://schemas.openxmlformats.org/presentationml/2006/main">
   <p:cSld>
@@ -20019,7 +22205,7 @@
           <a:p>
             <a:r>
               <a:rPr lang="en-US" dirty="0"/>
-              <a:t>Reactive Form (Submit)</a:t>
+              <a:t>Submit</a:t>
             </a:r>
             <a:endParaRPr lang="he-IL" dirty="0"/>
           </a:p>
@@ -20080,336 +22266,51 @@
       </p:sp>
       <p:sp>
         <p:nvSpPr>
-          <p:cNvPr id="6" name="Rectangle 5"/>
-          <p:cNvSpPr/>
-          <p:nvPr/>
+          <p:cNvPr id="5" name="Content Placeholder 4"/>
+          <p:cNvSpPr>
+            <a:spLocks noGrp="1"/>
+          </p:cNvSpPr>
+          <p:nvPr>
+            <p:ph sz="quarter" idx="1"/>
+          </p:nvPr>
         </p:nvSpPr>
-        <p:spPr>
-          <a:xfrm>
-            <a:off x="179512" y="2348880"/>
-            <a:ext cx="6264696" cy="369332"/>
-          </a:xfrm>
-          <a:prstGeom prst="rect">
-            <a:avLst/>
-          </a:prstGeom>
-        </p:spPr>
+        <p:spPr/>
         <p:txBody>
-          <a:bodyPr wrap="square">
-            <a:spAutoFit/>
-          </a:bodyPr>
+          <a:bodyPr/>
           <a:lstStyle/>
           <a:p>
             <a:r>
-              <a:rPr lang="en-US" dirty="0">
-                <a:solidFill>
-                  <a:srgbClr val="000000"/>
-                </a:solidFill>
-                <a:latin typeface="Calibri" panose="020F0502020204030204" pitchFamily="34" charset="0"/>
-                <a:ea typeface="Calibri" panose="020F0502020204030204" pitchFamily="34" charset="0"/>
-                <a:cs typeface="Arial" panose="020B0604020202020204" pitchFamily="34" charset="0"/>
-              </a:rPr>
-              <a:t>&lt;</a:t>
-            </a:r>
-            <a:r>
-              <a:rPr lang="en-US" b="1" dirty="0">
-                <a:solidFill>
-                  <a:srgbClr val="000080"/>
-                </a:solidFill>
-                <a:latin typeface="Calibri" panose="020F0502020204030204" pitchFamily="34" charset="0"/>
-                <a:ea typeface="Calibri" panose="020F0502020204030204" pitchFamily="34" charset="0"/>
-                <a:cs typeface="Arial" panose="020B0604020202020204" pitchFamily="34" charset="0"/>
-              </a:rPr>
-              <a:t>form </a:t>
-            </a:r>
-            <a:r>
-              <a:rPr lang="en-US" b="1" dirty="0">
-                <a:solidFill>
-                  <a:srgbClr val="0000FF"/>
-                </a:solidFill>
-                <a:latin typeface="Calibri" panose="020F0502020204030204" pitchFamily="34" charset="0"/>
-                <a:ea typeface="Calibri" panose="020F0502020204030204" pitchFamily="34" charset="0"/>
-                <a:cs typeface="Arial" panose="020B0604020202020204" pitchFamily="34" charset="0"/>
-              </a:rPr>
-              <a:t>[formGroup]=</a:t>
-            </a:r>
-            <a:r>
-              <a:rPr lang="en-US" b="1" dirty="0">
-                <a:solidFill>
-                  <a:srgbClr val="008000"/>
-                </a:solidFill>
-                <a:latin typeface="Calibri" panose="020F0502020204030204" pitchFamily="34" charset="0"/>
-                <a:ea typeface="Calibri" panose="020F0502020204030204" pitchFamily="34" charset="0"/>
-                <a:cs typeface="Arial" panose="020B0604020202020204" pitchFamily="34" charset="0"/>
-              </a:rPr>
-              <a:t>"signUpForm" </a:t>
-            </a:r>
-            <a:r>
-              <a:rPr lang="en-US" b="1" dirty="0">
-                <a:solidFill>
-                  <a:srgbClr val="0000FF"/>
-                </a:solidFill>
-                <a:latin typeface="Calibri" panose="020F0502020204030204" pitchFamily="34" charset="0"/>
-                <a:ea typeface="Calibri" panose="020F0502020204030204" pitchFamily="34" charset="0"/>
-                <a:cs typeface="Arial" panose="020B0604020202020204" pitchFamily="34" charset="0"/>
-              </a:rPr>
-              <a:t>(ngSubmit)=</a:t>
-            </a:r>
-            <a:r>
-              <a:rPr lang="en-US" b="1" dirty="0">
-                <a:solidFill>
-                  <a:srgbClr val="008000"/>
-                </a:solidFill>
-                <a:latin typeface="Calibri" panose="020F0502020204030204" pitchFamily="34" charset="0"/>
-                <a:ea typeface="Calibri" panose="020F0502020204030204" pitchFamily="34" charset="0"/>
-                <a:cs typeface="Arial" panose="020B0604020202020204" pitchFamily="34" charset="0"/>
-              </a:rPr>
-              <a:t>"onSubmit()"</a:t>
-            </a:r>
-            <a:r>
-              <a:rPr lang="en-US" dirty="0">
-                <a:solidFill>
-                  <a:srgbClr val="000000"/>
-                </a:solidFill>
-                <a:latin typeface="Calibri" panose="020F0502020204030204" pitchFamily="34" charset="0"/>
-                <a:ea typeface="Calibri" panose="020F0502020204030204" pitchFamily="34" charset="0"/>
-                <a:cs typeface="Arial" panose="020B0604020202020204" pitchFamily="34" charset="0"/>
-              </a:rPr>
-              <a:t>&gt;</a:t>
-            </a:r>
-            <a:endParaRPr lang="en-US" dirty="0"/>
-          </a:p>
-        </p:txBody>
-      </p:sp>
-      <p:sp>
-        <p:nvSpPr>
-          <p:cNvPr id="8" name="TextBox 7"/>
-          <p:cNvSpPr txBox="1"/>
-          <p:nvPr/>
-        </p:nvSpPr>
-        <p:spPr>
-          <a:xfrm>
-            <a:off x="1403648" y="1988840"/>
-            <a:ext cx="3672408" cy="369332"/>
-          </a:xfrm>
-          <a:prstGeom prst="rect">
-            <a:avLst/>
-          </a:prstGeom>
-          <a:noFill/>
-        </p:spPr>
-        <p:txBody>
-          <a:bodyPr wrap="square" rtlCol="0">
-            <a:spAutoFit/>
-          </a:bodyPr>
-          <a:lstStyle/>
-          <a:p>
-            <a:pPr algn="ctr"/>
-            <a:r>
-              <a:rPr lang="en-US" b="1" u="sng" dirty="0"/>
-              <a:t>Index.html</a:t>
-            </a:r>
-          </a:p>
-        </p:txBody>
-      </p:sp>
-      <p:sp>
-        <p:nvSpPr>
-          <p:cNvPr id="9" name="Rectangle 8"/>
-          <p:cNvSpPr/>
-          <p:nvPr/>
-        </p:nvSpPr>
-        <p:spPr>
-          <a:xfrm>
-            <a:off x="231812" y="3580211"/>
-            <a:ext cx="4572000" cy="923330"/>
-          </a:xfrm>
-          <a:prstGeom prst="rect">
-            <a:avLst/>
-          </a:prstGeom>
-        </p:spPr>
-        <p:txBody>
-          <a:bodyPr>
-            <a:spAutoFit/>
-          </a:bodyPr>
-          <a:lstStyle/>
-          <a:p>
-            <a:r>
-              <a:rPr lang="en-US" dirty="0">
-                <a:solidFill>
-                  <a:srgbClr val="000000"/>
-                </a:solidFill>
-                <a:latin typeface="Calibri" panose="020F0502020204030204" pitchFamily="34" charset="0"/>
-                <a:ea typeface="Calibri" panose="020F0502020204030204" pitchFamily="34" charset="0"/>
-                <a:cs typeface="Arial" panose="020B0604020202020204" pitchFamily="34" charset="0"/>
-              </a:rPr>
-              <a:t>onSubmit(){</a:t>
-            </a:r>
-            <a:br>
-              <a:rPr lang="en-US" dirty="0">
-                <a:solidFill>
-                  <a:srgbClr val="000000"/>
-                </a:solidFill>
-                <a:latin typeface="Calibri" panose="020F0502020204030204" pitchFamily="34" charset="0"/>
-                <a:ea typeface="Calibri" panose="020F0502020204030204" pitchFamily="34" charset="0"/>
-                <a:cs typeface="Arial" panose="020B0604020202020204" pitchFamily="34" charset="0"/>
-              </a:rPr>
-            </a:br>
-            <a:r>
-              <a:rPr lang="en-US" dirty="0">
-                <a:solidFill>
-                  <a:srgbClr val="000000"/>
-                </a:solidFill>
-                <a:latin typeface="Calibri" panose="020F0502020204030204" pitchFamily="34" charset="0"/>
-                <a:ea typeface="Calibri" panose="020F0502020204030204" pitchFamily="34" charset="0"/>
-                <a:cs typeface="Arial" panose="020B0604020202020204" pitchFamily="34" charset="0"/>
-              </a:rPr>
-              <a:t>  </a:t>
-            </a:r>
-            <a:r>
-              <a:rPr lang="en-US" b="1" i="1" dirty="0">
-                <a:solidFill>
-                  <a:srgbClr val="660E7A"/>
-                </a:solidFill>
-                <a:latin typeface="Calibri" panose="020F0502020204030204" pitchFamily="34" charset="0"/>
-                <a:ea typeface="Calibri" panose="020F0502020204030204" pitchFamily="34" charset="0"/>
-                <a:cs typeface="Arial" panose="020B0604020202020204" pitchFamily="34" charset="0"/>
-              </a:rPr>
-              <a:t>console</a:t>
-            </a:r>
-            <a:r>
-              <a:rPr lang="en-US" dirty="0">
-                <a:solidFill>
-                  <a:srgbClr val="000000"/>
-                </a:solidFill>
-                <a:latin typeface="Calibri" panose="020F0502020204030204" pitchFamily="34" charset="0"/>
-                <a:ea typeface="Calibri" panose="020F0502020204030204" pitchFamily="34" charset="0"/>
-                <a:cs typeface="Arial" panose="020B0604020202020204" pitchFamily="34" charset="0"/>
-              </a:rPr>
-              <a:t>.</a:t>
-            </a:r>
-            <a:r>
-              <a:rPr lang="en-US" dirty="0">
-                <a:solidFill>
-                  <a:srgbClr val="7A7A43"/>
-                </a:solidFill>
-                <a:latin typeface="Calibri" panose="020F0502020204030204" pitchFamily="34" charset="0"/>
-                <a:ea typeface="Calibri" panose="020F0502020204030204" pitchFamily="34" charset="0"/>
-                <a:cs typeface="Arial" panose="020B0604020202020204" pitchFamily="34" charset="0"/>
-              </a:rPr>
-              <a:t>log</a:t>
-            </a:r>
-            <a:r>
-              <a:rPr lang="en-US" dirty="0">
-                <a:solidFill>
-                  <a:srgbClr val="000000"/>
-                </a:solidFill>
-                <a:latin typeface="Calibri" panose="020F0502020204030204" pitchFamily="34" charset="0"/>
-                <a:ea typeface="Calibri" panose="020F0502020204030204" pitchFamily="34" charset="0"/>
-                <a:cs typeface="Arial" panose="020B0604020202020204" pitchFamily="34" charset="0"/>
-              </a:rPr>
-              <a:t>(</a:t>
-            </a:r>
-            <a:r>
-              <a:rPr lang="en-US" b="1" dirty="0">
-                <a:solidFill>
-                  <a:srgbClr val="000080"/>
-                </a:solidFill>
-                <a:latin typeface="Calibri" panose="020F0502020204030204" pitchFamily="34" charset="0"/>
-                <a:ea typeface="Calibri" panose="020F0502020204030204" pitchFamily="34" charset="0"/>
-                <a:cs typeface="Arial" panose="020B0604020202020204" pitchFamily="34" charset="0"/>
-              </a:rPr>
-              <a:t>this</a:t>
-            </a:r>
-            <a:r>
-              <a:rPr lang="en-US" dirty="0">
-                <a:solidFill>
-                  <a:srgbClr val="000000"/>
-                </a:solidFill>
-                <a:latin typeface="Calibri" panose="020F0502020204030204" pitchFamily="34" charset="0"/>
-                <a:ea typeface="Calibri" panose="020F0502020204030204" pitchFamily="34" charset="0"/>
-                <a:cs typeface="Arial" panose="020B0604020202020204" pitchFamily="34" charset="0"/>
-              </a:rPr>
-              <a:t>.</a:t>
-            </a:r>
-            <a:r>
-              <a:rPr lang="en-US" b="1" dirty="0">
-                <a:solidFill>
-                  <a:srgbClr val="660E7A"/>
-                </a:solidFill>
-                <a:latin typeface="Calibri" panose="020F0502020204030204" pitchFamily="34" charset="0"/>
-                <a:ea typeface="Calibri" panose="020F0502020204030204" pitchFamily="34" charset="0"/>
-                <a:cs typeface="Arial" panose="020B0604020202020204" pitchFamily="34" charset="0"/>
-              </a:rPr>
-              <a:t>signUpForm</a:t>
-            </a:r>
-            <a:r>
-              <a:rPr lang="en-US" dirty="0">
-                <a:solidFill>
-                  <a:srgbClr val="000000"/>
-                </a:solidFill>
-                <a:latin typeface="Calibri" panose="020F0502020204030204" pitchFamily="34" charset="0"/>
-                <a:ea typeface="Calibri" panose="020F0502020204030204" pitchFamily="34" charset="0"/>
-                <a:cs typeface="Arial" panose="020B0604020202020204" pitchFamily="34" charset="0"/>
-              </a:rPr>
-              <a:t>)</a:t>
-            </a:r>
-            <a:br>
-              <a:rPr lang="en-US" dirty="0">
-                <a:solidFill>
-                  <a:srgbClr val="000000"/>
-                </a:solidFill>
-                <a:latin typeface="Calibri" panose="020F0502020204030204" pitchFamily="34" charset="0"/>
-                <a:ea typeface="Calibri" panose="020F0502020204030204" pitchFamily="34" charset="0"/>
-                <a:cs typeface="Arial" panose="020B0604020202020204" pitchFamily="34" charset="0"/>
-              </a:rPr>
-            </a:br>
-            <a:r>
-              <a:rPr lang="en-US" dirty="0">
-                <a:solidFill>
-                  <a:srgbClr val="000000"/>
-                </a:solidFill>
-                <a:latin typeface="Calibri" panose="020F0502020204030204" pitchFamily="34" charset="0"/>
-                <a:ea typeface="Calibri" panose="020F0502020204030204" pitchFamily="34" charset="0"/>
-                <a:cs typeface="Arial" panose="020B0604020202020204" pitchFamily="34" charset="0"/>
-              </a:rPr>
-              <a:t>}</a:t>
-            </a:r>
-            <a:endParaRPr lang="en-US" dirty="0"/>
-          </a:p>
-        </p:txBody>
-      </p:sp>
-      <p:sp>
-        <p:nvSpPr>
-          <p:cNvPr id="10" name="TextBox 9"/>
-          <p:cNvSpPr txBox="1"/>
-          <p:nvPr/>
-        </p:nvSpPr>
-        <p:spPr>
-          <a:xfrm>
-            <a:off x="2339752" y="3077537"/>
-            <a:ext cx="2232248" cy="369332"/>
-          </a:xfrm>
-          <a:prstGeom prst="rect">
-            <a:avLst/>
-          </a:prstGeom>
-          <a:noFill/>
-        </p:spPr>
-        <p:txBody>
-          <a:bodyPr wrap="square" rtlCol="0">
-            <a:spAutoFit/>
-          </a:bodyPr>
-          <a:lstStyle/>
-          <a:p>
-            <a:r>
-              <a:rPr lang="en-US" b="1" u="sng" dirty="0" err="1"/>
-              <a:t>app.component.ts</a:t>
-            </a:r>
-            <a:endParaRPr lang="en-US" b="1" u="sng" dirty="0"/>
+              <a:rPr lang="en-US" dirty="0"/>
+              <a:t>Similarly to the TD approach an ‘ngSubmit’ event must be set in order to submit a form</a:t>
+            </a:r>
+          </a:p>
+          <a:p>
+            <a:r>
+              <a:rPr lang="en-US" dirty="0"/>
+              <a:t>However, setting up a local reference as before is not needed. That is because:</a:t>
+            </a:r>
+          </a:p>
+          <a:p>
+            <a:pPr lvl="1"/>
+            <a:r>
+              <a:rPr lang="en-US" dirty="0"/>
+              <a:t>The default behavior of angular for creating a form is no longer active</a:t>
+            </a:r>
+          </a:p>
+          <a:p>
+            <a:pPr lvl="1"/>
+            <a:r>
+              <a:rPr lang="en-US" dirty="0"/>
+              <a:t>Thanks to the reactive approach, the form is created in typescript, therefore, all methods and properties are available at hand </a:t>
+            </a:r>
+            <a:endParaRPr lang="he-IL" dirty="0"/>
           </a:p>
         </p:txBody>
       </p:sp>
     </p:spTree>
     <p:extLst>
       <p:ext uri="{BB962C8B-B14F-4D97-AF65-F5344CB8AC3E}">
-        <p14:creationId xmlns:p14="http://schemas.microsoft.com/office/powerpoint/2010/main" val="460609721"/>
+        <p14:creationId xmlns:p14="http://schemas.microsoft.com/office/powerpoint/2010/main" val="4105706933"/>
       </p:ext>
     </p:extLst>
   </p:cSld>
@@ -20453,7 +22354,7 @@
           <a:p>
             <a:r>
               <a:rPr lang="en-US" dirty="0"/>
-              <a:t>Reactive Form (Validators)</a:t>
+              <a:t>Submit</a:t>
             </a:r>
             <a:endParaRPr lang="he-IL" dirty="0"/>
           </a:p>
@@ -20507,6 +22408,462 @@
               <a:rPr lang="en-US" smtClean="0"/>
               <a:pPr/>
               <a:t>32</a:t>
+            </a:fld>
+            <a:endParaRPr lang="en-US"/>
+          </a:p>
+        </p:txBody>
+      </p:sp>
+      <p:sp>
+        <p:nvSpPr>
+          <p:cNvPr id="6" name="Rectangle 5"/>
+          <p:cNvSpPr/>
+          <p:nvPr/>
+        </p:nvSpPr>
+        <p:spPr>
+          <a:xfrm>
+            <a:off x="179512" y="2348880"/>
+            <a:ext cx="6264696" cy="369332"/>
+          </a:xfrm>
+          <a:prstGeom prst="rect">
+            <a:avLst/>
+          </a:prstGeom>
+        </p:spPr>
+        <p:txBody>
+          <a:bodyPr wrap="square">
+            <a:spAutoFit/>
+          </a:bodyPr>
+          <a:lstStyle/>
+          <a:p>
+            <a:r>
+              <a:rPr lang="en-US" dirty="0">
+                <a:solidFill>
+                  <a:srgbClr val="000000"/>
+                </a:solidFill>
+                <a:latin typeface="Calibri" panose="020F0502020204030204" pitchFamily="34" charset="0"/>
+                <a:ea typeface="Calibri" panose="020F0502020204030204" pitchFamily="34" charset="0"/>
+                <a:cs typeface="Arial" panose="020B0604020202020204" pitchFamily="34" charset="0"/>
+              </a:rPr>
+              <a:t>&lt;</a:t>
+            </a:r>
+            <a:r>
+              <a:rPr lang="en-US" b="1" dirty="0">
+                <a:solidFill>
+                  <a:srgbClr val="000080"/>
+                </a:solidFill>
+                <a:latin typeface="Calibri" panose="020F0502020204030204" pitchFamily="34" charset="0"/>
+                <a:ea typeface="Calibri" panose="020F0502020204030204" pitchFamily="34" charset="0"/>
+                <a:cs typeface="Arial" panose="020B0604020202020204" pitchFamily="34" charset="0"/>
+              </a:rPr>
+              <a:t>form </a:t>
+            </a:r>
+            <a:r>
+              <a:rPr lang="en-US" b="1" dirty="0">
+                <a:solidFill>
+                  <a:srgbClr val="0000FF"/>
+                </a:solidFill>
+                <a:latin typeface="Calibri" panose="020F0502020204030204" pitchFamily="34" charset="0"/>
+                <a:ea typeface="Calibri" panose="020F0502020204030204" pitchFamily="34" charset="0"/>
+                <a:cs typeface="Arial" panose="020B0604020202020204" pitchFamily="34" charset="0"/>
+              </a:rPr>
+              <a:t>[</a:t>
+            </a:r>
+            <a:r>
+              <a:rPr lang="en-US" b="1" dirty="0" err="1">
+                <a:solidFill>
+                  <a:srgbClr val="0000FF"/>
+                </a:solidFill>
+                <a:latin typeface="Calibri" panose="020F0502020204030204" pitchFamily="34" charset="0"/>
+                <a:ea typeface="Calibri" panose="020F0502020204030204" pitchFamily="34" charset="0"/>
+                <a:cs typeface="Arial" panose="020B0604020202020204" pitchFamily="34" charset="0"/>
+              </a:rPr>
+              <a:t>formGroup</a:t>
+            </a:r>
+            <a:r>
+              <a:rPr lang="en-US" b="1" dirty="0">
+                <a:solidFill>
+                  <a:srgbClr val="0000FF"/>
+                </a:solidFill>
+                <a:latin typeface="Calibri" panose="020F0502020204030204" pitchFamily="34" charset="0"/>
+                <a:ea typeface="Calibri" panose="020F0502020204030204" pitchFamily="34" charset="0"/>
+                <a:cs typeface="Arial" panose="020B0604020202020204" pitchFamily="34" charset="0"/>
+              </a:rPr>
+              <a:t>]=</a:t>
+            </a:r>
+            <a:r>
+              <a:rPr lang="en-US" b="1" dirty="0">
+                <a:solidFill>
+                  <a:srgbClr val="008000"/>
+                </a:solidFill>
+                <a:latin typeface="Calibri" panose="020F0502020204030204" pitchFamily="34" charset="0"/>
+                <a:ea typeface="Calibri" panose="020F0502020204030204" pitchFamily="34" charset="0"/>
+                <a:cs typeface="Arial" panose="020B0604020202020204" pitchFamily="34" charset="0"/>
+              </a:rPr>
+              <a:t>"signUpForm" </a:t>
+            </a:r>
+            <a:r>
+              <a:rPr lang="en-US" b="1" dirty="0">
+                <a:solidFill>
+                  <a:srgbClr val="0000FF"/>
+                </a:solidFill>
+                <a:latin typeface="Calibri" panose="020F0502020204030204" pitchFamily="34" charset="0"/>
+                <a:ea typeface="Calibri" panose="020F0502020204030204" pitchFamily="34" charset="0"/>
+                <a:cs typeface="Arial" panose="020B0604020202020204" pitchFamily="34" charset="0"/>
+              </a:rPr>
+              <a:t>(ngSubmit)=</a:t>
+            </a:r>
+            <a:r>
+              <a:rPr lang="en-US" b="1" dirty="0">
+                <a:solidFill>
+                  <a:srgbClr val="008000"/>
+                </a:solidFill>
+                <a:latin typeface="Calibri" panose="020F0502020204030204" pitchFamily="34" charset="0"/>
+                <a:ea typeface="Calibri" panose="020F0502020204030204" pitchFamily="34" charset="0"/>
+                <a:cs typeface="Arial" panose="020B0604020202020204" pitchFamily="34" charset="0"/>
+              </a:rPr>
+              <a:t>"onSubmit()"</a:t>
+            </a:r>
+            <a:r>
+              <a:rPr lang="en-US" dirty="0">
+                <a:solidFill>
+                  <a:srgbClr val="000000"/>
+                </a:solidFill>
+                <a:latin typeface="Calibri" panose="020F0502020204030204" pitchFamily="34" charset="0"/>
+                <a:ea typeface="Calibri" panose="020F0502020204030204" pitchFamily="34" charset="0"/>
+                <a:cs typeface="Arial" panose="020B0604020202020204" pitchFamily="34" charset="0"/>
+              </a:rPr>
+              <a:t>&gt;</a:t>
+            </a:r>
+            <a:endParaRPr lang="en-US" dirty="0"/>
+          </a:p>
+        </p:txBody>
+      </p:sp>
+      <p:sp>
+        <p:nvSpPr>
+          <p:cNvPr id="8" name="TextBox 7"/>
+          <p:cNvSpPr txBox="1"/>
+          <p:nvPr/>
+        </p:nvSpPr>
+        <p:spPr>
+          <a:xfrm>
+            <a:off x="1403648" y="1988840"/>
+            <a:ext cx="3672408" cy="369332"/>
+          </a:xfrm>
+          <a:prstGeom prst="rect">
+            <a:avLst/>
+          </a:prstGeom>
+          <a:noFill/>
+        </p:spPr>
+        <p:txBody>
+          <a:bodyPr wrap="square" rtlCol="0">
+            <a:spAutoFit/>
+          </a:bodyPr>
+          <a:lstStyle/>
+          <a:p>
+            <a:pPr algn="ctr"/>
+            <a:r>
+              <a:rPr lang="en-US" b="1" u="sng" dirty="0"/>
+              <a:t>Index.html</a:t>
+            </a:r>
+          </a:p>
+        </p:txBody>
+      </p:sp>
+      <p:sp>
+        <p:nvSpPr>
+          <p:cNvPr id="9" name="Rectangle 8"/>
+          <p:cNvSpPr/>
+          <p:nvPr/>
+        </p:nvSpPr>
+        <p:spPr>
+          <a:xfrm>
+            <a:off x="231812" y="3580211"/>
+            <a:ext cx="4572000" cy="923330"/>
+          </a:xfrm>
+          <a:prstGeom prst="rect">
+            <a:avLst/>
+          </a:prstGeom>
+        </p:spPr>
+        <p:txBody>
+          <a:bodyPr>
+            <a:spAutoFit/>
+          </a:bodyPr>
+          <a:lstStyle/>
+          <a:p>
+            <a:r>
+              <a:rPr lang="en-US" dirty="0">
+                <a:solidFill>
+                  <a:srgbClr val="000000"/>
+                </a:solidFill>
+                <a:latin typeface="Calibri" panose="020F0502020204030204" pitchFamily="34" charset="0"/>
+                <a:ea typeface="Calibri" panose="020F0502020204030204" pitchFamily="34" charset="0"/>
+                <a:cs typeface="Arial" panose="020B0604020202020204" pitchFamily="34" charset="0"/>
+              </a:rPr>
+              <a:t>onSubmit(){</a:t>
+            </a:r>
+            <a:br>
+              <a:rPr lang="en-US" dirty="0">
+                <a:solidFill>
+                  <a:srgbClr val="000000"/>
+                </a:solidFill>
+                <a:latin typeface="Calibri" panose="020F0502020204030204" pitchFamily="34" charset="0"/>
+                <a:ea typeface="Calibri" panose="020F0502020204030204" pitchFamily="34" charset="0"/>
+                <a:cs typeface="Arial" panose="020B0604020202020204" pitchFamily="34" charset="0"/>
+              </a:rPr>
+            </a:br>
+            <a:r>
+              <a:rPr lang="en-US" dirty="0">
+                <a:solidFill>
+                  <a:srgbClr val="000000"/>
+                </a:solidFill>
+                <a:latin typeface="Calibri" panose="020F0502020204030204" pitchFamily="34" charset="0"/>
+                <a:ea typeface="Calibri" panose="020F0502020204030204" pitchFamily="34" charset="0"/>
+                <a:cs typeface="Arial" panose="020B0604020202020204" pitchFamily="34" charset="0"/>
+              </a:rPr>
+              <a:t>  </a:t>
+            </a:r>
+            <a:r>
+              <a:rPr lang="en-US" b="1" i="1" dirty="0">
+                <a:solidFill>
+                  <a:srgbClr val="660E7A"/>
+                </a:solidFill>
+                <a:latin typeface="Calibri" panose="020F0502020204030204" pitchFamily="34" charset="0"/>
+                <a:ea typeface="Calibri" panose="020F0502020204030204" pitchFamily="34" charset="0"/>
+                <a:cs typeface="Arial" panose="020B0604020202020204" pitchFamily="34" charset="0"/>
+              </a:rPr>
+              <a:t>console</a:t>
+            </a:r>
+            <a:r>
+              <a:rPr lang="en-US" dirty="0">
+                <a:solidFill>
+                  <a:srgbClr val="000000"/>
+                </a:solidFill>
+                <a:latin typeface="Calibri" panose="020F0502020204030204" pitchFamily="34" charset="0"/>
+                <a:ea typeface="Calibri" panose="020F0502020204030204" pitchFamily="34" charset="0"/>
+                <a:cs typeface="Arial" panose="020B0604020202020204" pitchFamily="34" charset="0"/>
+              </a:rPr>
+              <a:t>.</a:t>
+            </a:r>
+            <a:r>
+              <a:rPr lang="en-US" dirty="0">
+                <a:solidFill>
+                  <a:srgbClr val="7A7A43"/>
+                </a:solidFill>
+                <a:latin typeface="Calibri" panose="020F0502020204030204" pitchFamily="34" charset="0"/>
+                <a:ea typeface="Calibri" panose="020F0502020204030204" pitchFamily="34" charset="0"/>
+                <a:cs typeface="Arial" panose="020B0604020202020204" pitchFamily="34" charset="0"/>
+              </a:rPr>
+              <a:t>log</a:t>
+            </a:r>
+            <a:r>
+              <a:rPr lang="en-US" dirty="0">
+                <a:solidFill>
+                  <a:srgbClr val="000000"/>
+                </a:solidFill>
+                <a:latin typeface="Calibri" panose="020F0502020204030204" pitchFamily="34" charset="0"/>
+                <a:ea typeface="Calibri" panose="020F0502020204030204" pitchFamily="34" charset="0"/>
+                <a:cs typeface="Arial" panose="020B0604020202020204" pitchFamily="34" charset="0"/>
+              </a:rPr>
+              <a:t>(</a:t>
+            </a:r>
+            <a:r>
+              <a:rPr lang="en-US" b="1" dirty="0" err="1">
+                <a:solidFill>
+                  <a:srgbClr val="000080"/>
+                </a:solidFill>
+                <a:latin typeface="Calibri" panose="020F0502020204030204" pitchFamily="34" charset="0"/>
+                <a:ea typeface="Calibri" panose="020F0502020204030204" pitchFamily="34" charset="0"/>
+                <a:cs typeface="Arial" panose="020B0604020202020204" pitchFamily="34" charset="0"/>
+              </a:rPr>
+              <a:t>this</a:t>
+            </a:r>
+            <a:r>
+              <a:rPr lang="en-US" dirty="0" err="1">
+                <a:solidFill>
+                  <a:srgbClr val="000000"/>
+                </a:solidFill>
+                <a:latin typeface="Calibri" panose="020F0502020204030204" pitchFamily="34" charset="0"/>
+                <a:ea typeface="Calibri" panose="020F0502020204030204" pitchFamily="34" charset="0"/>
+                <a:cs typeface="Arial" panose="020B0604020202020204" pitchFamily="34" charset="0"/>
+              </a:rPr>
+              <a:t>.</a:t>
+            </a:r>
+            <a:r>
+              <a:rPr lang="en-US" b="1" dirty="0" err="1">
+                <a:solidFill>
+                  <a:srgbClr val="660E7A"/>
+                </a:solidFill>
+                <a:latin typeface="Calibri" panose="020F0502020204030204" pitchFamily="34" charset="0"/>
+                <a:ea typeface="Calibri" panose="020F0502020204030204" pitchFamily="34" charset="0"/>
+                <a:cs typeface="Arial" panose="020B0604020202020204" pitchFamily="34" charset="0"/>
+              </a:rPr>
+              <a:t>signUpForm</a:t>
+            </a:r>
+            <a:r>
+              <a:rPr lang="en-US" dirty="0">
+                <a:solidFill>
+                  <a:srgbClr val="000000"/>
+                </a:solidFill>
+                <a:latin typeface="Calibri" panose="020F0502020204030204" pitchFamily="34" charset="0"/>
+                <a:ea typeface="Calibri" panose="020F0502020204030204" pitchFamily="34" charset="0"/>
+                <a:cs typeface="Arial" panose="020B0604020202020204" pitchFamily="34" charset="0"/>
+              </a:rPr>
+              <a:t>)</a:t>
+            </a:r>
+            <a:br>
+              <a:rPr lang="en-US" dirty="0">
+                <a:solidFill>
+                  <a:srgbClr val="000000"/>
+                </a:solidFill>
+                <a:latin typeface="Calibri" panose="020F0502020204030204" pitchFamily="34" charset="0"/>
+                <a:ea typeface="Calibri" panose="020F0502020204030204" pitchFamily="34" charset="0"/>
+                <a:cs typeface="Arial" panose="020B0604020202020204" pitchFamily="34" charset="0"/>
+              </a:rPr>
+            </a:br>
+            <a:r>
+              <a:rPr lang="en-US" dirty="0">
+                <a:solidFill>
+                  <a:srgbClr val="000000"/>
+                </a:solidFill>
+                <a:latin typeface="Calibri" panose="020F0502020204030204" pitchFamily="34" charset="0"/>
+                <a:ea typeface="Calibri" panose="020F0502020204030204" pitchFamily="34" charset="0"/>
+                <a:cs typeface="Arial" panose="020B0604020202020204" pitchFamily="34" charset="0"/>
+              </a:rPr>
+              <a:t>}</a:t>
+            </a:r>
+            <a:endParaRPr lang="en-US" dirty="0"/>
+          </a:p>
+        </p:txBody>
+      </p:sp>
+      <p:sp>
+        <p:nvSpPr>
+          <p:cNvPr id="10" name="TextBox 9"/>
+          <p:cNvSpPr txBox="1"/>
+          <p:nvPr/>
+        </p:nvSpPr>
+        <p:spPr>
+          <a:xfrm>
+            <a:off x="2339752" y="3077537"/>
+            <a:ext cx="2232248" cy="369332"/>
+          </a:xfrm>
+          <a:prstGeom prst="rect">
+            <a:avLst/>
+          </a:prstGeom>
+          <a:noFill/>
+        </p:spPr>
+        <p:txBody>
+          <a:bodyPr wrap="square" rtlCol="0">
+            <a:spAutoFit/>
+          </a:bodyPr>
+          <a:lstStyle/>
+          <a:p>
+            <a:r>
+              <a:rPr lang="en-US" b="1" u="sng" dirty="0" err="1"/>
+              <a:t>app.component.ts</a:t>
+            </a:r>
+            <a:endParaRPr lang="en-US" b="1" u="sng" dirty="0"/>
+          </a:p>
+        </p:txBody>
+      </p:sp>
+    </p:spTree>
+    <p:extLst>
+      <p:ext uri="{BB962C8B-B14F-4D97-AF65-F5344CB8AC3E}">
+        <p14:creationId xmlns:p14="http://schemas.microsoft.com/office/powerpoint/2010/main" val="460609721"/>
+      </p:ext>
+    </p:extLst>
+  </p:cSld>
+  <p:clrMapOvr>
+    <a:masterClrMapping/>
+  </p:clrMapOvr>
+</p:sld>
+</file>
+
+<file path=ppt/slides/slide33.xml><?xml version="1.0" encoding="utf-8"?>
+<p:sld xmlns:a="http://schemas.openxmlformats.org/drawingml/2006/main" xmlns:r="http://schemas.openxmlformats.org/officeDocument/2006/relationships" xmlns:p="http://schemas.openxmlformats.org/presentationml/2006/main">
+  <p:cSld>
+    <p:spTree>
+      <p:nvGrpSpPr>
+        <p:cNvPr id="1" name=""/>
+        <p:cNvGrpSpPr/>
+        <p:nvPr/>
+      </p:nvGrpSpPr>
+      <p:grpSpPr>
+        <a:xfrm>
+          <a:off x="0" y="0"/>
+          <a:ext cx="0" cy="0"/>
+          <a:chOff x="0" y="0"/>
+          <a:chExt cx="0" cy="0"/>
+        </a:xfrm>
+      </p:grpSpPr>
+      <p:sp>
+        <p:nvSpPr>
+          <p:cNvPr id="2" name="Title 1"/>
+          <p:cNvSpPr>
+            <a:spLocks noGrp="1"/>
+          </p:cNvSpPr>
+          <p:nvPr>
+            <p:ph type="title"/>
+          </p:nvPr>
+        </p:nvSpPr>
+        <p:spPr/>
+        <p:txBody>
+          <a:bodyPr/>
+          <a:lstStyle/>
+          <a:p>
+            <a:r>
+              <a:rPr lang="en-US" dirty="0"/>
+              <a:t>Validators</a:t>
+            </a:r>
+            <a:endParaRPr lang="he-IL" dirty="0"/>
+          </a:p>
+        </p:txBody>
+      </p:sp>
+      <p:sp>
+        <p:nvSpPr>
+          <p:cNvPr id="3" name="Footer Placeholder 2"/>
+          <p:cNvSpPr>
+            <a:spLocks noGrp="1"/>
+          </p:cNvSpPr>
+          <p:nvPr>
+            <p:ph type="ftr" sz="quarter" idx="11"/>
+          </p:nvPr>
+        </p:nvSpPr>
+        <p:spPr/>
+        <p:txBody>
+          <a:bodyPr/>
+          <a:lstStyle/>
+          <a:p>
+            <a:r>
+              <a:rPr lang="en-US" dirty="0"/>
+              <a:t>© 2017 Ori </a:t>
+            </a:r>
+            <a:r>
+              <a:rPr lang="en-US" dirty="0" err="1"/>
+              <a:t>Calvo</a:t>
+            </a:r>
+            <a:endParaRPr lang="en-US" dirty="0"/>
+          </a:p>
+        </p:txBody>
+      </p:sp>
+      <p:sp>
+        <p:nvSpPr>
+          <p:cNvPr id="4" name="Slide Number Placeholder 3"/>
+          <p:cNvSpPr>
+            <a:spLocks noGrp="1"/>
+          </p:cNvSpPr>
+          <p:nvPr>
+            <p:ph type="sldNum" sz="quarter" idx="12"/>
+          </p:nvPr>
+        </p:nvSpPr>
+        <p:spPr/>
+        <p:txBody>
+          <a:bodyPr>
+            <a:normAutofit fontScale="85000" lnSpcReduction="20000"/>
+          </a:bodyPr>
+          <a:lstStyle/>
+          <a:p>
+            <a:fld id="{6EDEC3BC-0694-4586-AE63-02B4D54ABF43}" type="slidenum">
+              <a:rPr lang="en-US" smtClean="0"/>
+              <a:pPr/>
+              <a:t>33</a:t>
             </a:fld>
             <a:endParaRPr lang="en-US"/>
           </a:p>
@@ -20769,6 +23126,17 @@
             </a:r>
           </a:p>
           <a:p>
+            <a:r>
+              <a:rPr lang="en-US" sz="1600" dirty="0">
+                <a:solidFill>
+                  <a:srgbClr val="000000"/>
+                </a:solidFill>
+                <a:latin typeface="Calibri" panose="020F0502020204030204" pitchFamily="34" charset="0"/>
+                <a:ea typeface="Calibri" panose="020F0502020204030204" pitchFamily="34" charset="0"/>
+                <a:cs typeface="Arial" panose="020B0604020202020204" pitchFamily="34" charset="0"/>
+              </a:rPr>
+              <a:t/>
+            </a:r>
             <a:br>
               <a:rPr lang="en-US" sz="1600" dirty="0">
                 <a:solidFill>
@@ -21116,7 +23484,29 @@
                 <a:ea typeface="Calibri" panose="020F0502020204030204" pitchFamily="34" charset="0"/>
                 <a:cs typeface="Arial" panose="020B0604020202020204" pitchFamily="34" charset="0"/>
               </a:rPr>
-              <a:t>{ FormGroup,FormControl, Validators } </a:t>
+              <a:t>{ </a:t>
+            </a:r>
+            <a:r>
+              <a:rPr lang="en-US" sz="1600" dirty="0" err="1">
+                <a:solidFill>
+                  <a:srgbClr val="000000"/>
+                </a:solidFill>
+                <a:latin typeface="Calibri" panose="020F0502020204030204" pitchFamily="34" charset="0"/>
+                <a:ea typeface="Calibri" panose="020F0502020204030204" pitchFamily="34" charset="0"/>
+                <a:cs typeface="Arial" panose="020B0604020202020204" pitchFamily="34" charset="0"/>
+              </a:rPr>
+              <a:t>FormGroup,FormControl</a:t>
+            </a:r>
+            <a:r>
+              <a:rPr lang="en-US" sz="1600" dirty="0">
+                <a:solidFill>
+                  <a:srgbClr val="000000"/>
+                </a:solidFill>
+                <a:latin typeface="Calibri" panose="020F0502020204030204" pitchFamily="34" charset="0"/>
+                <a:ea typeface="Calibri" panose="020F0502020204030204" pitchFamily="34" charset="0"/>
+                <a:cs typeface="Arial" panose="020B0604020202020204" pitchFamily="34" charset="0"/>
+              </a:rPr>
+              <a:t>, Validators } </a:t>
             </a:r>
             <a:r>
               <a:rPr lang="en-US" sz="1600" b="1" dirty="0">
@@ -21327,7 +23717,7 @@
 </p:sld>
 </file>
 
-<file path=ppt/slides/slide33.xml><?xml version="1.0" encoding="utf-8"?>
+<file path=ppt/slides/slide34.xml><?xml version="1.0" encoding="utf-8"?>
 <p:sld xmlns:a="http://schemas.openxmlformats.org/drawingml/2006/main" xmlns:r="http://schemas.openxmlformats.org/officeDocument/2006/relationships" xmlns:p="http://schemas.openxmlformats.org/presentationml/2006/main">
   <p:cSld>
     <p:spTree>
@@ -21361,7 +23751,7 @@
           <a:p>
             <a:r>
               <a:rPr lang="en-US" dirty="0"/>
-              <a:t>Reactive Form (Access Controls)</a:t>
+              <a:t>Access Controls</a:t>
             </a:r>
             <a:endParaRPr lang="he-IL" dirty="0"/>
           </a:p>
@@ -21414,7 +23804,7 @@
             <a:fld id="{6EDEC3BC-0694-4586-AE63-02B4D54ABF43}" type="slidenum">
               <a:rPr lang="en-US" smtClean="0"/>
               <a:pPr/>
-              <a:t>33</a:t>
+              <a:t>34</a:t>
             </a:fld>
             <a:endParaRPr lang="en-US"/>
           </a:p>
@@ -21824,7 +24214,51 @@
                 <a:ea typeface="Calibri" panose="020F0502020204030204" pitchFamily="34" charset="0"/>
                 <a:cs typeface="Arial" panose="020B0604020202020204" pitchFamily="34" charset="0"/>
               </a:rPr>
-              <a:t>"!signUpForm.get('username').valid &amp;&amp;    	         signUpForm.get('username').touched"</a:t>
+              <a:t>"!</a:t>
+            </a:r>
+            <a:r>
+              <a:rPr lang="en-US" sz="1600" b="1" dirty="0" err="1">
+                <a:solidFill>
+                  <a:srgbClr val="008000"/>
+                </a:solidFill>
+                <a:latin typeface="Calibri" panose="020F0502020204030204" pitchFamily="34" charset="0"/>
+                <a:ea typeface="Calibri" panose="020F0502020204030204" pitchFamily="34" charset="0"/>
+                <a:cs typeface="Arial" panose="020B0604020202020204" pitchFamily="34" charset="0"/>
+              </a:rPr>
+              <a:t>signUpForm.get</a:t>
+            </a:r>
+            <a:r>
+              <a:rPr lang="en-US" sz="1600" b="1" dirty="0">
+                <a:solidFill>
+                  <a:srgbClr val="008000"/>
+                </a:solidFill>
+                <a:latin typeface="Calibri" panose="020F0502020204030204" pitchFamily="34" charset="0"/>
+                <a:ea typeface="Calibri" panose="020F0502020204030204" pitchFamily="34" charset="0"/>
+                <a:cs typeface="Arial" panose="020B0604020202020204" pitchFamily="34" charset="0"/>
+              </a:rPr>
+              <a:t>('username').valid &amp;&amp;    	         </a:t>
+            </a:r>
+            <a:r>
+              <a:rPr lang="en-US" sz="1600" b="1" dirty="0" err="1">
+                <a:solidFill>
+                  <a:srgbClr val="008000"/>
+                </a:solidFill>
+                <a:latin typeface="Calibri" panose="020F0502020204030204" pitchFamily="34" charset="0"/>
+                <a:ea typeface="Calibri" panose="020F0502020204030204" pitchFamily="34" charset="0"/>
+                <a:cs typeface="Arial" panose="020B0604020202020204" pitchFamily="34" charset="0"/>
+              </a:rPr>
+              <a:t>signUpForm.get</a:t>
+            </a:r>
+            <a:r>
+              <a:rPr lang="en-US" sz="1600" b="1" dirty="0">
+                <a:solidFill>
+                  <a:srgbClr val="008000"/>
+                </a:solidFill>
+                <a:latin typeface="Calibri" panose="020F0502020204030204" pitchFamily="34" charset="0"/>
+                <a:ea typeface="Calibri" panose="020F0502020204030204" pitchFamily="34" charset="0"/>
+                <a:cs typeface="Arial" panose="020B0604020202020204" pitchFamily="34" charset="0"/>
+              </a:rPr>
+              <a:t>('username').touched"</a:t>
             </a:r>
             <a:r>
               <a:rPr lang="en-US" sz="1600" dirty="0">
@@ -21999,146 +24433,6 @@
 </p:sld>
 </file>
 
-<file path=ppt/slides/slide34.xml><?xml version="1.0" encoding="utf-8"?>
-<p:sld xmlns:a="http://schemas.openxmlformats.org/drawingml/2006/main" xmlns:r="http://schemas.openxmlformats.org/officeDocument/2006/relationships" xmlns:p="http://schemas.openxmlformats.org/presentationml/2006/main">
-  <p:cSld>
-    <p:spTree>
-      <p:nvGrpSpPr>
-        <p:cNvPr id="1" name=""/>
-        <p:cNvGrpSpPr/>
-        <p:nvPr/>
-      </p:nvGrpSpPr>
-      <p:grpSpPr>
-        <a:xfrm>
-          <a:off x="0" y="0"/>
-          <a:ext cx="0" cy="0"/>
-          <a:chOff x="0" y="0"/>
-          <a:chExt cx="0" cy="0"/>
-        </a:xfrm>
-      </p:grpSpPr>
-      <p:sp>
-        <p:nvSpPr>
-          <p:cNvPr id="2" name="Title 1"/>
-          <p:cNvSpPr>
-            <a:spLocks noGrp="1"/>
-          </p:cNvSpPr>
-          <p:nvPr>
-            <p:ph type="title"/>
-          </p:nvPr>
-        </p:nvSpPr>
-        <p:spPr/>
-        <p:txBody>
-          <a:bodyPr/>
-          <a:lstStyle/>
-          <a:p>
-            <a:r>
-              <a:rPr lang="en-US" dirty="0"/>
-              <a:t>Reactive Form (Grouping Controls)</a:t>
-            </a:r>
-            <a:endParaRPr lang="he-IL" dirty="0"/>
-          </a:p>
-        </p:txBody>
-      </p:sp>
-      <p:sp>
-        <p:nvSpPr>
-          <p:cNvPr id="3" name="Footer Placeholder 2"/>
-          <p:cNvSpPr>
-            <a:spLocks noGrp="1"/>
-          </p:cNvSpPr>
-          <p:nvPr>
-            <p:ph type="ftr" sz="quarter" idx="11"/>
-          </p:nvPr>
-        </p:nvSpPr>
-        <p:spPr/>
-        <p:txBody>
-          <a:bodyPr/>
-          <a:lstStyle/>
-          <a:p>
-            <a:r>
-              <a:rPr lang="en-US" dirty="0"/>
-              <a:t>© 2017 Ori </a:t>
-            </a:r>
-            <a:r>
-              <a:rPr lang="en-US" dirty="0" err="1"/>
-              <a:t>Calvo</a:t>
-            </a:r>
-            <a:endParaRPr lang="en-US" dirty="0"/>
-          </a:p>
-        </p:txBody>
-      </p:sp>
-      <p:sp>
-        <p:nvSpPr>
-          <p:cNvPr id="4" name="Slide Number Placeholder 3"/>
-          <p:cNvSpPr>
-            <a:spLocks noGrp="1"/>
-          </p:cNvSpPr>
-          <p:nvPr>
-            <p:ph type="sldNum" sz="quarter" idx="12"/>
-          </p:nvPr>
-        </p:nvSpPr>
-        <p:spPr/>
-        <p:txBody>
-          <a:bodyPr>
-            <a:normAutofit fontScale="85000" lnSpcReduction="20000"/>
-          </a:bodyPr>
-          <a:lstStyle/>
-          <a:p>
-            <a:fld id="{6EDEC3BC-0694-4586-AE63-02B4D54ABF43}" type="slidenum">
-              <a:rPr lang="en-US" smtClean="0"/>
-              <a:pPr/>
-              <a:t>34</a:t>
-            </a:fld>
-            <a:endParaRPr lang="en-US"/>
-          </a:p>
-        </p:txBody>
-      </p:sp>
-      <p:sp>
-        <p:nvSpPr>
-          <p:cNvPr id="5" name="Content Placeholder 4"/>
-          <p:cNvSpPr>
-            <a:spLocks noGrp="1"/>
-          </p:cNvSpPr>
-          <p:nvPr>
-            <p:ph sz="quarter" idx="1"/>
-          </p:nvPr>
-        </p:nvSpPr>
-        <p:spPr/>
-        <p:txBody>
-          <a:bodyPr/>
-          <a:lstStyle/>
-          <a:p>
-            <a:r>
-              <a:rPr lang="en-US" dirty="0"/>
-              <a:t>The reactive approach provides the ability to group controls using ‘FormGroup’</a:t>
-            </a:r>
-          </a:p>
-          <a:p>
-            <a:r>
-              <a:rPr lang="en-US" dirty="0"/>
-              <a:t>The grouped controls should be wrapped up in &lt;div&gt; tags and should contain the ‘formGroupName’ directive equals to the property name of the groups</a:t>
-            </a:r>
-          </a:p>
-          <a:p>
-            <a:r>
-              <a:rPr lang="en-US" dirty="0"/>
-              <a:t>A ‘FormGroup’ will be nested inside the main ‘FormGroup’ in the type script code</a:t>
-            </a:r>
-          </a:p>
-        </p:txBody>
-      </p:sp>
-    </p:spTree>
-    <p:extLst>
-      <p:ext uri="{BB962C8B-B14F-4D97-AF65-F5344CB8AC3E}">
-        <p14:creationId xmlns:p14="http://schemas.microsoft.com/office/powerpoint/2010/main" val="815231697"/>
-      </p:ext>
-    </p:extLst>
-  </p:cSld>
-  <p:clrMapOvr>
-    <a:masterClrMapping/>
-  </p:clrMapOvr>
-</p:sld>
-</file>
-
 <file path=ppt/slides/slide35.xml><?xml version="1.0" encoding="utf-8"?>
 <p:sld xmlns:a="http://schemas.openxmlformats.org/drawingml/2006/main" xmlns:r="http://schemas.openxmlformats.org/officeDocument/2006/relationships" xmlns:p="http://schemas.openxmlformats.org/presentationml/2006/main">
   <p:cSld>
@@ -22173,7 +24467,7 @@
           <a:p>
             <a:r>
               <a:rPr lang="en-US" dirty="0"/>
-              <a:t>Reactive Form (Grouping Controls)</a:t>
+              <a:t>Grouping Controls</a:t>
             </a:r>
             <a:endParaRPr lang="he-IL" dirty="0"/>
           </a:p>
@@ -22227,6 +24521,146 @@
               <a:rPr lang="en-US" smtClean="0"/>
               <a:pPr/>
               <a:t>35</a:t>
+            </a:fld>
+            <a:endParaRPr lang="en-US"/>
+          </a:p>
+        </p:txBody>
+      </p:sp>
+      <p:sp>
+        <p:nvSpPr>
+          <p:cNvPr id="5" name="Content Placeholder 4"/>
+          <p:cNvSpPr>
+            <a:spLocks noGrp="1"/>
+          </p:cNvSpPr>
+          <p:nvPr>
+            <p:ph sz="quarter" idx="1"/>
+          </p:nvPr>
+        </p:nvSpPr>
+        <p:spPr/>
+        <p:txBody>
+          <a:bodyPr/>
+          <a:lstStyle/>
+          <a:p>
+            <a:r>
+              <a:rPr lang="en-US" dirty="0"/>
+              <a:t>The reactive approach provides the ability to group controls using ‘FormGroup’</a:t>
+            </a:r>
+          </a:p>
+          <a:p>
+            <a:r>
+              <a:rPr lang="en-US" dirty="0"/>
+              <a:t>The grouped controls should be wrapped up in &lt;div&gt; tags and should contain the ‘formGroupName’ directive equals to the property name of the groups</a:t>
+            </a:r>
+          </a:p>
+          <a:p>
+            <a:r>
+              <a:rPr lang="en-US" dirty="0"/>
+              <a:t>A ‘FormGroup’ will be nested inside the main ‘FormGroup’ in the type script code</a:t>
+            </a:r>
+          </a:p>
+        </p:txBody>
+      </p:sp>
+    </p:spTree>
+    <p:extLst>
+      <p:ext uri="{BB962C8B-B14F-4D97-AF65-F5344CB8AC3E}">
+        <p14:creationId xmlns:p14="http://schemas.microsoft.com/office/powerpoint/2010/main" val="815231697"/>
+      </p:ext>
+    </p:extLst>
+  </p:cSld>
+  <p:clrMapOvr>
+    <a:masterClrMapping/>
+  </p:clrMapOvr>
+</p:sld>
+</file>
+
+<file path=ppt/slides/slide36.xml><?xml version="1.0" encoding="utf-8"?>
+<p:sld xmlns:a="http://schemas.openxmlformats.org/drawingml/2006/main" xmlns:r="http://schemas.openxmlformats.org/officeDocument/2006/relationships" xmlns:p="http://schemas.openxmlformats.org/presentationml/2006/main">
+  <p:cSld>
+    <p:spTree>
+      <p:nvGrpSpPr>
+        <p:cNvPr id="1" name=""/>
+        <p:cNvGrpSpPr/>
+        <p:nvPr/>
+      </p:nvGrpSpPr>
+      <p:grpSpPr>
+        <a:xfrm>
+          <a:off x="0" y="0"/>
+          <a:ext cx="0" cy="0"/>
+          <a:chOff x="0" y="0"/>
+          <a:chExt cx="0" cy="0"/>
+        </a:xfrm>
+      </p:grpSpPr>
+      <p:sp>
+        <p:nvSpPr>
+          <p:cNvPr id="2" name="Title 1"/>
+          <p:cNvSpPr>
+            <a:spLocks noGrp="1"/>
+          </p:cNvSpPr>
+          <p:nvPr>
+            <p:ph type="title"/>
+          </p:nvPr>
+        </p:nvSpPr>
+        <p:spPr/>
+        <p:txBody>
+          <a:bodyPr/>
+          <a:lstStyle/>
+          <a:p>
+            <a:r>
+              <a:rPr lang="en-US" dirty="0"/>
+              <a:t>Grouping Controls</a:t>
+            </a:r>
+            <a:endParaRPr lang="he-IL" dirty="0"/>
+          </a:p>
+        </p:txBody>
+      </p:sp>
+      <p:sp>
+        <p:nvSpPr>
+          <p:cNvPr id="3" name="Footer Placeholder 2"/>
+          <p:cNvSpPr>
+            <a:spLocks noGrp="1"/>
+          </p:cNvSpPr>
+          <p:nvPr>
+            <p:ph type="ftr" sz="quarter" idx="11"/>
+          </p:nvPr>
+        </p:nvSpPr>
+        <p:spPr/>
+        <p:txBody>
+          <a:bodyPr/>
+          <a:lstStyle/>
+          <a:p>
+            <a:r>
+              <a:rPr lang="en-US" dirty="0"/>
+              <a:t>© 2017 Ori </a:t>
+            </a:r>
+            <a:r>
+              <a:rPr lang="en-US" dirty="0" err="1"/>
+              <a:t>Calvo</a:t>
+            </a:r>
+            <a:endParaRPr lang="en-US" dirty="0"/>
+          </a:p>
+        </p:txBody>
+      </p:sp>
+      <p:sp>
+        <p:nvSpPr>
+          <p:cNvPr id="4" name="Slide Number Placeholder 3"/>
+          <p:cNvSpPr>
+            <a:spLocks noGrp="1"/>
+          </p:cNvSpPr>
+          <p:nvPr>
+            <p:ph type="sldNum" sz="quarter" idx="12"/>
+          </p:nvPr>
+        </p:nvSpPr>
+        <p:spPr/>
+        <p:txBody>
+          <a:bodyPr>
+            <a:normAutofit fontScale="85000" lnSpcReduction="20000"/>
+          </a:bodyPr>
+          <a:lstStyle/>
+          <a:p>
+            <a:fld id="{6EDEC3BC-0694-4586-AE63-02B4D54ABF43}" type="slidenum">
+              <a:rPr lang="en-US" smtClean="0"/>
+              <a:pPr/>
+              <a:t>36</a:t>
             </a:fld>
             <a:endParaRPr lang="en-US"/>
           </a:p>
@@ -22684,7 +25118,51 @@
                 <a:ea typeface="Calibri" panose="020F0502020204030204" pitchFamily="34" charset="0"/>
                 <a:cs typeface="Arial" panose="020B0604020202020204" pitchFamily="34" charset="0"/>
               </a:rPr>
-              <a:t>"!signUpForm.get('userData.username').valid &amp;&amp;        	     signUpForm.get('userData.username').touched"</a:t>
+              <a:t>"!</a:t>
+            </a:r>
+            <a:r>
+              <a:rPr lang="en-US" sz="1400" b="1" dirty="0" err="1">
+                <a:solidFill>
+                  <a:srgbClr val="008000"/>
+                </a:solidFill>
+                <a:latin typeface="Calibri" panose="020F0502020204030204" pitchFamily="34" charset="0"/>
+                <a:ea typeface="Calibri" panose="020F0502020204030204" pitchFamily="34" charset="0"/>
+                <a:cs typeface="Arial" panose="020B0604020202020204" pitchFamily="34" charset="0"/>
+              </a:rPr>
+              <a:t>signUpForm.get</a:t>
+            </a:r>
+            <a:r>
+              <a:rPr lang="en-US" sz="1400" b="1" dirty="0">
+                <a:solidFill>
+                  <a:srgbClr val="008000"/>
+                </a:solidFill>
+                <a:latin typeface="Calibri" panose="020F0502020204030204" pitchFamily="34" charset="0"/>
+                <a:ea typeface="Calibri" panose="020F0502020204030204" pitchFamily="34" charset="0"/>
+                <a:cs typeface="Arial" panose="020B0604020202020204" pitchFamily="34" charset="0"/>
+              </a:rPr>
+              <a:t>('userData.username').valid &amp;&amp;        	     </a:t>
+            </a:r>
+            <a:r>
+              <a:rPr lang="en-US" sz="1400" b="1" dirty="0" err="1">
+                <a:solidFill>
+                  <a:srgbClr val="008000"/>
+                </a:solidFill>
+                <a:latin typeface="Calibri" panose="020F0502020204030204" pitchFamily="34" charset="0"/>
+                <a:ea typeface="Calibri" panose="020F0502020204030204" pitchFamily="34" charset="0"/>
+                <a:cs typeface="Arial" panose="020B0604020202020204" pitchFamily="34" charset="0"/>
+              </a:rPr>
+              <a:t>signUpForm.get</a:t>
+            </a:r>
+            <a:r>
+              <a:rPr lang="en-US" sz="1400" b="1" dirty="0">
+                <a:solidFill>
+                  <a:srgbClr val="008000"/>
+                </a:solidFill>
+                <a:latin typeface="Calibri" panose="020F0502020204030204" pitchFamily="34" charset="0"/>
+                <a:ea typeface="Calibri" panose="020F0502020204030204" pitchFamily="34" charset="0"/>
+                <a:cs typeface="Arial" panose="020B0604020202020204" pitchFamily="34" charset="0"/>
+              </a:rPr>
+              <a:t>('userData.username').touched"</a:t>
             </a:r>
             <a:r>
               <a:rPr lang="en-US" sz="1400" dirty="0">
@@ -24115,6 +26593,2859 @@
 </p:sld>
 </file>
 
+<file path=ppt/slides/slide37.xml><?xml version="1.0" encoding="utf-8"?>
+<p:sld xmlns:a="http://schemas.openxmlformats.org/drawingml/2006/main" xmlns:r="http://schemas.openxmlformats.org/officeDocument/2006/relationships" xmlns:p="http://schemas.openxmlformats.org/presentationml/2006/main">
+  <p:cSld>
+    <p:spTree>
+      <p:nvGrpSpPr>
+        <p:cNvPr id="1" name=""/>
+        <p:cNvGrpSpPr/>
+        <p:nvPr/>
+      </p:nvGrpSpPr>
+      <p:grpSpPr>
+        <a:xfrm>
+          <a:off x="0" y="0"/>
+          <a:ext cx="0" cy="0"/>
+          <a:chOff x="0" y="0"/>
+          <a:chExt cx="0" cy="0"/>
+        </a:xfrm>
+      </p:grpSpPr>
+      <p:sp>
+        <p:nvSpPr>
+          <p:cNvPr id="2" name="Title 1"/>
+          <p:cNvSpPr>
+            <a:spLocks noGrp="1"/>
+          </p:cNvSpPr>
+          <p:nvPr>
+            <p:ph type="title"/>
+          </p:nvPr>
+        </p:nvSpPr>
+        <p:spPr/>
+        <p:txBody>
+          <a:bodyPr/>
+          <a:lstStyle/>
+          <a:p>
+            <a:r>
+              <a:rPr lang="en-US" dirty="0"/>
+              <a:t>Costume Validators</a:t>
+            </a:r>
+          </a:p>
+        </p:txBody>
+      </p:sp>
+      <p:sp>
+        <p:nvSpPr>
+          <p:cNvPr id="3" name="Footer Placeholder 2"/>
+          <p:cNvSpPr>
+            <a:spLocks noGrp="1"/>
+          </p:cNvSpPr>
+          <p:nvPr>
+            <p:ph type="ftr" sz="quarter" idx="11"/>
+          </p:nvPr>
+        </p:nvSpPr>
+        <p:spPr/>
+        <p:txBody>
+          <a:bodyPr/>
+          <a:lstStyle/>
+          <a:p>
+            <a:r>
+              <a:rPr lang="en-US" dirty="0"/>
+              <a:t>© 2017 Ori </a:t>
+            </a:r>
+            <a:r>
+              <a:rPr lang="en-US" dirty="0" err="1"/>
+              <a:t>Calvo</a:t>
+            </a:r>
+            <a:endParaRPr lang="en-US" dirty="0"/>
+          </a:p>
+        </p:txBody>
+      </p:sp>
+      <p:sp>
+        <p:nvSpPr>
+          <p:cNvPr id="4" name="Slide Number Placeholder 3"/>
+          <p:cNvSpPr>
+            <a:spLocks noGrp="1"/>
+          </p:cNvSpPr>
+          <p:nvPr>
+            <p:ph type="sldNum" sz="quarter" idx="12"/>
+          </p:nvPr>
+        </p:nvSpPr>
+        <p:spPr/>
+        <p:txBody>
+          <a:bodyPr>
+            <a:normAutofit fontScale="85000" lnSpcReduction="20000"/>
+          </a:bodyPr>
+          <a:lstStyle/>
+          <a:p>
+            <a:fld id="{6EDEC3BC-0694-4586-AE63-02B4D54ABF43}" type="slidenum">
+              <a:rPr lang="en-US" smtClean="0"/>
+              <a:pPr/>
+              <a:t>37</a:t>
+            </a:fld>
+            <a:endParaRPr lang="en-US"/>
+          </a:p>
+        </p:txBody>
+      </p:sp>
+      <p:sp>
+        <p:nvSpPr>
+          <p:cNvPr id="5" name="Content Placeholder 4"/>
+          <p:cNvSpPr>
+            <a:spLocks noGrp="1"/>
+          </p:cNvSpPr>
+          <p:nvPr>
+            <p:ph sz="quarter" idx="1"/>
+          </p:nvPr>
+        </p:nvSpPr>
+        <p:spPr/>
+        <p:txBody>
+          <a:bodyPr/>
+          <a:lstStyle/>
+          <a:p>
+            <a:r>
+              <a:rPr lang="en-US" dirty="0"/>
+              <a:t>The reactive approach provide the ability to create costume validators</a:t>
+            </a:r>
+          </a:p>
+          <a:p>
+            <a:endParaRPr lang="en-US" dirty="0"/>
+          </a:p>
+          <a:p>
+            <a:r>
+              <a:rPr lang="en-US" dirty="0"/>
+              <a:t>Validators are just a functions which checks the elements control validity whenever the user change the elements control</a:t>
+            </a:r>
+          </a:p>
+        </p:txBody>
+      </p:sp>
+    </p:spTree>
+    <p:extLst>
+      <p:ext uri="{BB962C8B-B14F-4D97-AF65-F5344CB8AC3E}">
+        <p14:creationId xmlns:p14="http://schemas.microsoft.com/office/powerpoint/2010/main" val="1377635993"/>
+      </p:ext>
+    </p:extLst>
+  </p:cSld>
+  <p:clrMapOvr>
+    <a:masterClrMapping/>
+  </p:clrMapOvr>
+</p:sld>
+</file>
+
+<file path=ppt/slides/slide38.xml><?xml version="1.0" encoding="utf-8"?>
+<p:sld xmlns:a="http://schemas.openxmlformats.org/drawingml/2006/main" xmlns:r="http://schemas.openxmlformats.org/officeDocument/2006/relationships" xmlns:p="http://schemas.openxmlformats.org/presentationml/2006/main">
+  <p:cSld>
+    <p:spTree>
+      <p:nvGrpSpPr>
+        <p:cNvPr id="1" name=""/>
+        <p:cNvGrpSpPr/>
+        <p:nvPr/>
+      </p:nvGrpSpPr>
+      <p:grpSpPr>
+        <a:xfrm>
+          <a:off x="0" y="0"/>
+          <a:ext cx="0" cy="0"/>
+          <a:chOff x="0" y="0"/>
+          <a:chExt cx="0" cy="0"/>
+        </a:xfrm>
+      </p:grpSpPr>
+      <p:sp>
+        <p:nvSpPr>
+          <p:cNvPr id="2" name="Title 1"/>
+          <p:cNvSpPr>
+            <a:spLocks noGrp="1"/>
+          </p:cNvSpPr>
+          <p:nvPr>
+            <p:ph type="title"/>
+          </p:nvPr>
+        </p:nvSpPr>
+        <p:spPr/>
+        <p:txBody>
+          <a:bodyPr/>
+          <a:lstStyle/>
+          <a:p>
+            <a:r>
+              <a:rPr lang="en-US" dirty="0"/>
+              <a:t>Costume Validators</a:t>
+            </a:r>
+          </a:p>
+        </p:txBody>
+      </p:sp>
+      <p:sp>
+        <p:nvSpPr>
+          <p:cNvPr id="3" name="Footer Placeholder 2"/>
+          <p:cNvSpPr>
+            <a:spLocks noGrp="1"/>
+          </p:cNvSpPr>
+          <p:nvPr>
+            <p:ph type="ftr" sz="quarter" idx="11"/>
+          </p:nvPr>
+        </p:nvSpPr>
+        <p:spPr/>
+        <p:txBody>
+          <a:bodyPr/>
+          <a:lstStyle/>
+          <a:p>
+            <a:r>
+              <a:rPr lang="en-US" dirty="0"/>
+              <a:t>© 2017 Ori </a:t>
+            </a:r>
+            <a:r>
+              <a:rPr lang="en-US" dirty="0" err="1"/>
+              <a:t>Calvo</a:t>
+            </a:r>
+            <a:endParaRPr lang="en-US" dirty="0"/>
+          </a:p>
+        </p:txBody>
+      </p:sp>
+      <p:sp>
+        <p:nvSpPr>
+          <p:cNvPr id="4" name="Slide Number Placeholder 3"/>
+          <p:cNvSpPr>
+            <a:spLocks noGrp="1"/>
+          </p:cNvSpPr>
+          <p:nvPr>
+            <p:ph type="sldNum" sz="quarter" idx="12"/>
+          </p:nvPr>
+        </p:nvSpPr>
+        <p:spPr/>
+        <p:txBody>
+          <a:bodyPr>
+            <a:normAutofit fontScale="85000" lnSpcReduction="20000"/>
+          </a:bodyPr>
+          <a:lstStyle/>
+          <a:p>
+            <a:fld id="{6EDEC3BC-0694-4586-AE63-02B4D54ABF43}" type="slidenum">
+              <a:rPr lang="en-US" smtClean="0"/>
+              <a:pPr/>
+              <a:t>38</a:t>
+            </a:fld>
+            <a:endParaRPr lang="en-US"/>
+          </a:p>
+        </p:txBody>
+      </p:sp>
+      <p:sp>
+        <p:nvSpPr>
+          <p:cNvPr id="6" name="Rectangle 5"/>
+          <p:cNvSpPr/>
+          <p:nvPr/>
+        </p:nvSpPr>
+        <p:spPr>
+          <a:xfrm>
+            <a:off x="-2027" y="1515575"/>
+            <a:ext cx="6518243" cy="5230406"/>
+          </a:xfrm>
+          <a:prstGeom prst="rect">
+            <a:avLst/>
+          </a:prstGeom>
+        </p:spPr>
+        <p:txBody>
+          <a:bodyPr wrap="square">
+            <a:spAutoFit/>
+          </a:bodyPr>
+          <a:lstStyle/>
+          <a:p>
+            <a:pPr>
+              <a:lnSpc>
+                <a:spcPct val="107000"/>
+              </a:lnSpc>
+              <a:tabLst>
+                <a:tab pos="581660" algn="l"/>
+                <a:tab pos="1163320" algn="l"/>
+                <a:tab pos="1744980" algn="l"/>
+                <a:tab pos="2326640" algn="l"/>
+                <a:tab pos="2908300" algn="l"/>
+                <a:tab pos="3489960" algn="l"/>
+                <a:tab pos="4071620" algn="l"/>
+                <a:tab pos="4653280" algn="l"/>
+                <a:tab pos="5234940" algn="l"/>
+                <a:tab pos="5816600" algn="l"/>
+                <a:tab pos="6398260" algn="l"/>
+                <a:tab pos="6979920" algn="l"/>
+                <a:tab pos="7561580" algn="l"/>
+                <a:tab pos="8143240" algn="l"/>
+                <a:tab pos="8724900" algn="l"/>
+                <a:tab pos="9306560" algn="l"/>
+              </a:tabLst>
+            </a:pPr>
+            <a:r>
+              <a:rPr lang="en-US" sz="1200" b="1" dirty="0">
+                <a:solidFill>
+                  <a:srgbClr val="000080"/>
+                </a:solidFill>
+                <a:latin typeface="Courier New" panose="02070309020205020404" pitchFamily="49" charset="0"/>
+                <a:ea typeface="Times New Roman" panose="02020603050405020304" pitchFamily="18" charset="0"/>
+                <a:cs typeface="Arial" panose="020B0604020202020204" pitchFamily="34" charset="0"/>
+              </a:rPr>
+              <a:t>export class </a:t>
+            </a:r>
+            <a:r>
+              <a:rPr lang="en-US" sz="1200" dirty="0">
+                <a:solidFill>
+                  <a:srgbClr val="000000"/>
+                </a:solidFill>
+                <a:latin typeface="Courier New" panose="02070309020205020404" pitchFamily="49" charset="0"/>
+                <a:ea typeface="Times New Roman" panose="02020603050405020304" pitchFamily="18" charset="0"/>
+                <a:cs typeface="Arial" panose="020B0604020202020204" pitchFamily="34" charset="0"/>
+              </a:rPr>
+              <a:t>AppComponent </a:t>
+            </a:r>
+            <a:r>
+              <a:rPr lang="en-US" sz="1200" b="1" dirty="0">
+                <a:solidFill>
+                  <a:srgbClr val="000080"/>
+                </a:solidFill>
+                <a:latin typeface="Courier New" panose="02070309020205020404" pitchFamily="49" charset="0"/>
+                <a:ea typeface="Times New Roman" panose="02020603050405020304" pitchFamily="18" charset="0"/>
+                <a:cs typeface="Arial" panose="020B0604020202020204" pitchFamily="34" charset="0"/>
+              </a:rPr>
+              <a:t>implements </a:t>
+            </a:r>
+            <a:r>
+              <a:rPr lang="en-US" sz="1200" dirty="0">
+                <a:solidFill>
+                  <a:srgbClr val="000000"/>
+                </a:solidFill>
+                <a:latin typeface="Courier New" panose="02070309020205020404" pitchFamily="49" charset="0"/>
+                <a:ea typeface="Times New Roman" panose="02020603050405020304" pitchFamily="18" charset="0"/>
+                <a:cs typeface="Arial" panose="020B0604020202020204" pitchFamily="34" charset="0"/>
+              </a:rPr>
+              <a:t>OnInit{</a:t>
+            </a:r>
+            <a:br>
+              <a:rPr lang="en-US" sz="1200" dirty="0">
+                <a:solidFill>
+                  <a:srgbClr val="000000"/>
+                </a:solidFill>
+                <a:latin typeface="Courier New" panose="02070309020205020404" pitchFamily="49" charset="0"/>
+                <a:ea typeface="Times New Roman" panose="02020603050405020304" pitchFamily="18" charset="0"/>
+                <a:cs typeface="Arial" panose="020B0604020202020204" pitchFamily="34" charset="0"/>
+              </a:rPr>
+            </a:br>
+            <a:r>
+              <a:rPr lang="en-US" sz="1200" dirty="0">
+                <a:solidFill>
+                  <a:srgbClr val="000000"/>
+                </a:solidFill>
+                <a:latin typeface="Courier New" panose="02070309020205020404" pitchFamily="49" charset="0"/>
+                <a:ea typeface="Times New Roman" panose="02020603050405020304" pitchFamily="18" charset="0"/>
+                <a:cs typeface="Arial" panose="020B0604020202020204" pitchFamily="34" charset="0"/>
+              </a:rPr>
+              <a:t>  </a:t>
+            </a:r>
+            <a:r>
+              <a:rPr lang="en-US" sz="1200" b="1" dirty="0">
+                <a:solidFill>
+                  <a:srgbClr val="660E7A"/>
+                </a:solidFill>
+                <a:latin typeface="Courier New" panose="02070309020205020404" pitchFamily="49" charset="0"/>
+                <a:ea typeface="Times New Roman" panose="02020603050405020304" pitchFamily="18" charset="0"/>
+                <a:cs typeface="Arial" panose="020B0604020202020204" pitchFamily="34" charset="0"/>
+              </a:rPr>
+              <a:t>signUpForm</a:t>
+            </a:r>
+            <a:r>
+              <a:rPr lang="en-US" sz="1200" dirty="0">
+                <a:solidFill>
+                  <a:srgbClr val="000000"/>
+                </a:solidFill>
+                <a:latin typeface="Courier New" panose="02070309020205020404" pitchFamily="49" charset="0"/>
+                <a:ea typeface="Times New Roman" panose="02020603050405020304" pitchFamily="18" charset="0"/>
+                <a:cs typeface="Arial" panose="020B0604020202020204" pitchFamily="34" charset="0"/>
+              </a:rPr>
+              <a:t>: FormGroup;</a:t>
+            </a:r>
+            <a:br>
+              <a:rPr lang="en-US" sz="1200" dirty="0">
+                <a:solidFill>
+                  <a:srgbClr val="000000"/>
+                </a:solidFill>
+                <a:latin typeface="Courier New" panose="02070309020205020404" pitchFamily="49" charset="0"/>
+                <a:ea typeface="Times New Roman" panose="02020603050405020304" pitchFamily="18" charset="0"/>
+                <a:cs typeface="Arial" panose="020B0604020202020204" pitchFamily="34" charset="0"/>
+              </a:rPr>
+            </a:br>
+            <a:r>
+              <a:rPr lang="en-US" sz="1200" dirty="0">
+                <a:solidFill>
+                  <a:srgbClr val="000000"/>
+                </a:solidFill>
+                <a:latin typeface="Courier New" panose="02070309020205020404" pitchFamily="49" charset="0"/>
+                <a:ea typeface="Times New Roman" panose="02020603050405020304" pitchFamily="18" charset="0"/>
+                <a:cs typeface="Arial" panose="020B0604020202020204" pitchFamily="34" charset="0"/>
+              </a:rPr>
+              <a:t>  </a:t>
+            </a:r>
+            <a:r>
+              <a:rPr lang="en-US" sz="1200" b="1" dirty="0">
+                <a:solidFill>
+                  <a:srgbClr val="660E7A"/>
+                </a:solidFill>
+                <a:latin typeface="Courier New" panose="02070309020205020404" pitchFamily="49" charset="0"/>
+                <a:ea typeface="Times New Roman" panose="02020603050405020304" pitchFamily="18" charset="0"/>
+                <a:cs typeface="Arial" panose="020B0604020202020204" pitchFamily="34" charset="0"/>
+              </a:rPr>
+              <a:t>forbiddenUseNames</a:t>
+            </a:r>
+            <a:r>
+              <a:rPr lang="en-US" sz="1200" dirty="0">
+                <a:solidFill>
+                  <a:srgbClr val="000000"/>
+                </a:solidFill>
+                <a:latin typeface="Courier New" panose="02070309020205020404" pitchFamily="49" charset="0"/>
+                <a:ea typeface="Times New Roman" panose="02020603050405020304" pitchFamily="18" charset="0"/>
+                <a:cs typeface="Arial" panose="020B0604020202020204" pitchFamily="34" charset="0"/>
+              </a:rPr>
+              <a:t>=[</a:t>
+            </a:r>
+            <a:r>
+              <a:rPr lang="en-US" sz="1200" b="1" dirty="0">
+                <a:solidFill>
+                  <a:srgbClr val="008000"/>
+                </a:solidFill>
+                <a:latin typeface="Courier New" panose="02070309020205020404" pitchFamily="49" charset="0"/>
+                <a:ea typeface="Times New Roman" panose="02020603050405020304" pitchFamily="18" charset="0"/>
+                <a:cs typeface="Arial" panose="020B0604020202020204" pitchFamily="34" charset="0"/>
+              </a:rPr>
+              <a:t>'test'</a:t>
+            </a:r>
+            <a:r>
+              <a:rPr lang="en-US" sz="1200" dirty="0">
+                <a:solidFill>
+                  <a:srgbClr val="000000"/>
+                </a:solidFill>
+                <a:latin typeface="Courier New" panose="02070309020205020404" pitchFamily="49" charset="0"/>
+                <a:ea typeface="Times New Roman" panose="02020603050405020304" pitchFamily="18" charset="0"/>
+                <a:cs typeface="Arial" panose="020B0604020202020204" pitchFamily="34" charset="0"/>
+              </a:rPr>
+              <a:t>,</a:t>
+            </a:r>
+            <a:r>
+              <a:rPr lang="en-US" sz="1200" b="1" dirty="0">
+                <a:solidFill>
+                  <a:srgbClr val="008000"/>
+                </a:solidFill>
+                <a:latin typeface="Courier New" panose="02070309020205020404" pitchFamily="49" charset="0"/>
+                <a:ea typeface="Times New Roman" panose="02020603050405020304" pitchFamily="18" charset="0"/>
+                <a:cs typeface="Arial" panose="020B0604020202020204" pitchFamily="34" charset="0"/>
+              </a:rPr>
+              <a:t>'test1'</a:t>
+            </a:r>
+            <a:r>
+              <a:rPr lang="en-US" sz="1200" dirty="0">
+                <a:solidFill>
+                  <a:srgbClr val="000000"/>
+                </a:solidFill>
+                <a:latin typeface="Courier New" panose="02070309020205020404" pitchFamily="49" charset="0"/>
+                <a:ea typeface="Times New Roman" panose="02020603050405020304" pitchFamily="18" charset="0"/>
+                <a:cs typeface="Arial" panose="020B0604020202020204" pitchFamily="34" charset="0"/>
+              </a:rPr>
+              <a:t>];</a:t>
+            </a:r>
+            <a:br>
+              <a:rPr lang="en-US" sz="1200" dirty="0">
+                <a:solidFill>
+                  <a:srgbClr val="000000"/>
+                </a:solidFill>
+                <a:latin typeface="Courier New" panose="02070309020205020404" pitchFamily="49" charset="0"/>
+                <a:ea typeface="Times New Roman" panose="02020603050405020304" pitchFamily="18" charset="0"/>
+                <a:cs typeface="Arial" panose="020B0604020202020204" pitchFamily="34" charset="0"/>
+              </a:rPr>
+            </a:br>
+            <a:r>
+              <a:rPr lang="en-US" sz="1200" dirty="0">
+                <a:solidFill>
+                  <a:srgbClr val="000000"/>
+                </a:solidFill>
+                <a:latin typeface="Courier New" panose="02070309020205020404" pitchFamily="49" charset="0"/>
+                <a:ea typeface="Times New Roman" panose="02020603050405020304" pitchFamily="18" charset="0"/>
+                <a:cs typeface="Arial" panose="020B0604020202020204" pitchFamily="34" charset="0"/>
+              </a:rPr>
+              <a:t>  </a:t>
+            </a:r>
+            <a:r>
+              <a:rPr lang="en-US" sz="1200" b="1" dirty="0">
+                <a:solidFill>
+                  <a:srgbClr val="000080"/>
+                </a:solidFill>
+                <a:latin typeface="Courier New" panose="02070309020205020404" pitchFamily="49" charset="0"/>
+                <a:ea typeface="Times New Roman" panose="02020603050405020304" pitchFamily="18" charset="0"/>
+                <a:cs typeface="Arial" panose="020B0604020202020204" pitchFamily="34" charset="0"/>
+              </a:rPr>
+              <a:t>constructor</a:t>
+            </a:r>
+            <a:r>
+              <a:rPr lang="en-US" sz="1200" dirty="0">
+                <a:solidFill>
+                  <a:srgbClr val="000000"/>
+                </a:solidFill>
+                <a:latin typeface="Courier New" panose="02070309020205020404" pitchFamily="49" charset="0"/>
+                <a:ea typeface="Times New Roman" panose="02020603050405020304" pitchFamily="18" charset="0"/>
+                <a:cs typeface="Arial" panose="020B0604020202020204" pitchFamily="34" charset="0"/>
+              </a:rPr>
+              <a:t>(){}</a:t>
+            </a:r>
+            <a:br>
+              <a:rPr lang="en-US" sz="1200" dirty="0">
+                <a:solidFill>
+                  <a:srgbClr val="000000"/>
+                </a:solidFill>
+                <a:latin typeface="Courier New" panose="02070309020205020404" pitchFamily="49" charset="0"/>
+                <a:ea typeface="Times New Roman" panose="02020603050405020304" pitchFamily="18" charset="0"/>
+                <a:cs typeface="Arial" panose="020B0604020202020204" pitchFamily="34" charset="0"/>
+              </a:rPr>
+            </a:br>
+            <a:r>
+              <a:rPr lang="en-US" sz="1200" dirty="0">
+                <a:solidFill>
+                  <a:srgbClr val="000000"/>
+                </a:solidFill>
+                <a:latin typeface="Courier New" panose="02070309020205020404" pitchFamily="49" charset="0"/>
+                <a:ea typeface="Times New Roman" panose="02020603050405020304" pitchFamily="18" charset="0"/>
+                <a:cs typeface="Arial" panose="020B0604020202020204" pitchFamily="34" charset="0"/>
+              </a:rPr>
+              <a:t>  </a:t>
+            </a:r>
+            <a:r>
+              <a:rPr lang="en-US" sz="1200" dirty="0">
+                <a:solidFill>
+                  <a:srgbClr val="7A7A43"/>
+                </a:solidFill>
+                <a:latin typeface="Courier New" panose="02070309020205020404" pitchFamily="49" charset="0"/>
+                <a:ea typeface="Times New Roman" panose="02020603050405020304" pitchFamily="18" charset="0"/>
+                <a:cs typeface="Arial" panose="020B0604020202020204" pitchFamily="34" charset="0"/>
+              </a:rPr>
+              <a:t>ngOnInit</a:t>
+            </a:r>
+            <a:r>
+              <a:rPr lang="en-US" sz="1200" dirty="0">
+                <a:solidFill>
+                  <a:srgbClr val="000000"/>
+                </a:solidFill>
+                <a:latin typeface="Courier New" panose="02070309020205020404" pitchFamily="49" charset="0"/>
+                <a:ea typeface="Times New Roman" panose="02020603050405020304" pitchFamily="18" charset="0"/>
+                <a:cs typeface="Arial" panose="020B0604020202020204" pitchFamily="34" charset="0"/>
+              </a:rPr>
+              <a:t>(){</a:t>
+            </a:r>
+            <a:br>
+              <a:rPr lang="en-US" sz="1200" dirty="0">
+                <a:solidFill>
+                  <a:srgbClr val="000000"/>
+                </a:solidFill>
+                <a:latin typeface="Courier New" panose="02070309020205020404" pitchFamily="49" charset="0"/>
+                <a:ea typeface="Times New Roman" panose="02020603050405020304" pitchFamily="18" charset="0"/>
+                <a:cs typeface="Arial" panose="020B0604020202020204" pitchFamily="34" charset="0"/>
+              </a:rPr>
+            </a:br>
+            <a:r>
+              <a:rPr lang="en-US" sz="1200" dirty="0">
+                <a:solidFill>
+                  <a:srgbClr val="000000"/>
+                </a:solidFill>
+                <a:latin typeface="Courier New" panose="02070309020205020404" pitchFamily="49" charset="0"/>
+                <a:ea typeface="Times New Roman" panose="02020603050405020304" pitchFamily="18" charset="0"/>
+                <a:cs typeface="Arial" panose="020B0604020202020204" pitchFamily="34" charset="0"/>
+              </a:rPr>
+              <a:t>    </a:t>
+            </a:r>
+            <a:r>
+              <a:rPr lang="en-US" sz="1200" b="1" dirty="0">
+                <a:solidFill>
+                  <a:srgbClr val="000080"/>
+                </a:solidFill>
+                <a:latin typeface="Courier New" panose="02070309020205020404" pitchFamily="49" charset="0"/>
+                <a:ea typeface="Times New Roman" panose="02020603050405020304" pitchFamily="18" charset="0"/>
+                <a:cs typeface="Arial" panose="020B0604020202020204" pitchFamily="34" charset="0"/>
+              </a:rPr>
+              <a:t>this</a:t>
+            </a:r>
+            <a:r>
+              <a:rPr lang="en-US" sz="1200" dirty="0">
+                <a:solidFill>
+                  <a:srgbClr val="000000"/>
+                </a:solidFill>
+                <a:latin typeface="Courier New" panose="02070309020205020404" pitchFamily="49" charset="0"/>
+                <a:ea typeface="Times New Roman" panose="02020603050405020304" pitchFamily="18" charset="0"/>
+                <a:cs typeface="Arial" panose="020B0604020202020204" pitchFamily="34" charset="0"/>
+              </a:rPr>
+              <a:t>.</a:t>
+            </a:r>
+            <a:r>
+              <a:rPr lang="en-US" sz="1200" b="1" dirty="0">
+                <a:solidFill>
+                  <a:srgbClr val="660E7A"/>
+                </a:solidFill>
+                <a:latin typeface="Courier New" panose="02070309020205020404" pitchFamily="49" charset="0"/>
+                <a:ea typeface="Times New Roman" panose="02020603050405020304" pitchFamily="18" charset="0"/>
+                <a:cs typeface="Arial" panose="020B0604020202020204" pitchFamily="34" charset="0"/>
+              </a:rPr>
+              <a:t>signUpForm </a:t>
+            </a:r>
+            <a:r>
+              <a:rPr lang="en-US" sz="1200" dirty="0">
+                <a:solidFill>
+                  <a:srgbClr val="000000"/>
+                </a:solidFill>
+                <a:latin typeface="Courier New" panose="02070309020205020404" pitchFamily="49" charset="0"/>
+                <a:ea typeface="Times New Roman" panose="02020603050405020304" pitchFamily="18" charset="0"/>
+                <a:cs typeface="Arial" panose="020B0604020202020204" pitchFamily="34" charset="0"/>
+              </a:rPr>
+              <a:t>= </a:t>
+            </a:r>
+            <a:r>
+              <a:rPr lang="en-US" sz="1200" b="1" dirty="0">
+                <a:solidFill>
+                  <a:srgbClr val="000080"/>
+                </a:solidFill>
+                <a:latin typeface="Courier New" panose="02070309020205020404" pitchFamily="49" charset="0"/>
+                <a:ea typeface="Times New Roman" panose="02020603050405020304" pitchFamily="18" charset="0"/>
+                <a:cs typeface="Arial" panose="020B0604020202020204" pitchFamily="34" charset="0"/>
+              </a:rPr>
+              <a:t>new </a:t>
+            </a:r>
+            <a:r>
+              <a:rPr lang="en-US" sz="1200" dirty="0">
+                <a:solidFill>
+                  <a:srgbClr val="000000"/>
+                </a:solidFill>
+                <a:latin typeface="Courier New" panose="02070309020205020404" pitchFamily="49" charset="0"/>
+                <a:ea typeface="Times New Roman" panose="02020603050405020304" pitchFamily="18" charset="0"/>
+                <a:cs typeface="Arial" panose="020B0604020202020204" pitchFamily="34" charset="0"/>
+              </a:rPr>
+              <a:t>FormGroup({</a:t>
+            </a:r>
+            <a:br>
+              <a:rPr lang="en-US" sz="1200" dirty="0">
+                <a:solidFill>
+                  <a:srgbClr val="000000"/>
+                </a:solidFill>
+                <a:latin typeface="Courier New" panose="02070309020205020404" pitchFamily="49" charset="0"/>
+                <a:ea typeface="Times New Roman" panose="02020603050405020304" pitchFamily="18" charset="0"/>
+                <a:cs typeface="Arial" panose="020B0604020202020204" pitchFamily="34" charset="0"/>
+              </a:rPr>
+            </a:br>
+            <a:r>
+              <a:rPr lang="en-US" sz="1200" dirty="0">
+                <a:solidFill>
+                  <a:srgbClr val="000000"/>
+                </a:solidFill>
+                <a:latin typeface="Courier New" panose="02070309020205020404" pitchFamily="49" charset="0"/>
+                <a:ea typeface="Times New Roman" panose="02020603050405020304" pitchFamily="18" charset="0"/>
+                <a:cs typeface="Arial" panose="020B0604020202020204" pitchFamily="34" charset="0"/>
+              </a:rPr>
+              <a:t>      </a:t>
+            </a:r>
+            <a:r>
+              <a:rPr lang="en-US" sz="1200" b="1" dirty="0">
+                <a:solidFill>
+                  <a:srgbClr val="008000"/>
+                </a:solidFill>
+                <a:latin typeface="Courier New" panose="02070309020205020404" pitchFamily="49" charset="0"/>
+                <a:ea typeface="Times New Roman" panose="02020603050405020304" pitchFamily="18" charset="0"/>
+                <a:cs typeface="Arial" panose="020B0604020202020204" pitchFamily="34" charset="0"/>
+              </a:rPr>
+              <a:t>'</a:t>
+            </a:r>
+            <a:r>
+              <a:rPr lang="en-US" sz="1200" b="1" dirty="0" err="1">
+                <a:solidFill>
+                  <a:srgbClr val="008000"/>
+                </a:solidFill>
+                <a:latin typeface="Courier New" panose="02070309020205020404" pitchFamily="49" charset="0"/>
+                <a:ea typeface="Times New Roman" panose="02020603050405020304" pitchFamily="18" charset="0"/>
+                <a:cs typeface="Arial" panose="020B0604020202020204" pitchFamily="34" charset="0"/>
+              </a:rPr>
+              <a:t>userData</a:t>
+            </a:r>
+            <a:r>
+              <a:rPr lang="en-US" sz="1200" b="1" dirty="0">
+                <a:solidFill>
+                  <a:srgbClr val="008000"/>
+                </a:solidFill>
+                <a:latin typeface="Courier New" panose="02070309020205020404" pitchFamily="49" charset="0"/>
+                <a:ea typeface="Times New Roman" panose="02020603050405020304" pitchFamily="18" charset="0"/>
+                <a:cs typeface="Arial" panose="020B0604020202020204" pitchFamily="34" charset="0"/>
+              </a:rPr>
+              <a:t>'</a:t>
+            </a:r>
+            <a:r>
+              <a:rPr lang="en-US" sz="1200" dirty="0">
+                <a:solidFill>
+                  <a:srgbClr val="000000"/>
+                </a:solidFill>
+                <a:latin typeface="Courier New" panose="02070309020205020404" pitchFamily="49" charset="0"/>
+                <a:ea typeface="Times New Roman" panose="02020603050405020304" pitchFamily="18" charset="0"/>
+                <a:cs typeface="Arial" panose="020B0604020202020204" pitchFamily="34" charset="0"/>
+              </a:rPr>
+              <a:t>: </a:t>
+            </a:r>
+            <a:r>
+              <a:rPr lang="en-US" sz="1200" b="1" dirty="0">
+                <a:solidFill>
+                  <a:srgbClr val="000080"/>
+                </a:solidFill>
+                <a:latin typeface="Courier New" panose="02070309020205020404" pitchFamily="49" charset="0"/>
+                <a:ea typeface="Times New Roman" panose="02020603050405020304" pitchFamily="18" charset="0"/>
+                <a:cs typeface="Arial" panose="020B0604020202020204" pitchFamily="34" charset="0"/>
+              </a:rPr>
+              <a:t>new </a:t>
+            </a:r>
+            <a:r>
+              <a:rPr lang="en-US" sz="1200" dirty="0">
+                <a:solidFill>
+                  <a:srgbClr val="000000"/>
+                </a:solidFill>
+                <a:latin typeface="Courier New" panose="02070309020205020404" pitchFamily="49" charset="0"/>
+                <a:ea typeface="Times New Roman" panose="02020603050405020304" pitchFamily="18" charset="0"/>
+                <a:cs typeface="Arial" panose="020B0604020202020204" pitchFamily="34" charset="0"/>
+              </a:rPr>
+              <a:t>FormGroup({</a:t>
+            </a:r>
+            <a:br>
+              <a:rPr lang="en-US" sz="1200" dirty="0">
+                <a:solidFill>
+                  <a:srgbClr val="000000"/>
+                </a:solidFill>
+                <a:latin typeface="Courier New" panose="02070309020205020404" pitchFamily="49" charset="0"/>
+                <a:ea typeface="Times New Roman" panose="02020603050405020304" pitchFamily="18" charset="0"/>
+                <a:cs typeface="Arial" panose="020B0604020202020204" pitchFamily="34" charset="0"/>
+              </a:rPr>
+            </a:br>
+            <a:r>
+              <a:rPr lang="en-US" sz="1200" dirty="0">
+                <a:solidFill>
+                  <a:srgbClr val="000000"/>
+                </a:solidFill>
+                <a:latin typeface="Courier New" panose="02070309020205020404" pitchFamily="49" charset="0"/>
+                <a:ea typeface="Times New Roman" panose="02020603050405020304" pitchFamily="18" charset="0"/>
+                <a:cs typeface="Arial" panose="020B0604020202020204" pitchFamily="34" charset="0"/>
+              </a:rPr>
+              <a:t>        </a:t>
+            </a:r>
+            <a:r>
+              <a:rPr lang="en-US" sz="1200" b="1" dirty="0">
+                <a:solidFill>
+                  <a:srgbClr val="008000"/>
+                </a:solidFill>
+                <a:latin typeface="Courier New" panose="02070309020205020404" pitchFamily="49" charset="0"/>
+                <a:ea typeface="Times New Roman" panose="02020603050405020304" pitchFamily="18" charset="0"/>
+                <a:cs typeface="Arial" panose="020B0604020202020204" pitchFamily="34" charset="0"/>
+              </a:rPr>
+              <a:t>'username'</a:t>
+            </a:r>
+            <a:r>
+              <a:rPr lang="en-US" sz="1200" dirty="0">
+                <a:solidFill>
+                  <a:srgbClr val="000000"/>
+                </a:solidFill>
+                <a:latin typeface="Courier New" panose="02070309020205020404" pitchFamily="49" charset="0"/>
+                <a:ea typeface="Times New Roman" panose="02020603050405020304" pitchFamily="18" charset="0"/>
+                <a:cs typeface="Arial" panose="020B0604020202020204" pitchFamily="34" charset="0"/>
+              </a:rPr>
+              <a:t>:</a:t>
+            </a:r>
+            <a:r>
+              <a:rPr lang="en-US" sz="1200" b="1" dirty="0">
+                <a:solidFill>
+                  <a:srgbClr val="000080"/>
+                </a:solidFill>
+                <a:latin typeface="Courier New" panose="02070309020205020404" pitchFamily="49" charset="0"/>
+                <a:ea typeface="Times New Roman" panose="02020603050405020304" pitchFamily="18" charset="0"/>
+                <a:cs typeface="Arial" panose="020B0604020202020204" pitchFamily="34" charset="0"/>
+              </a:rPr>
+              <a:t>new</a:t>
+            </a:r>
+            <a:r>
+              <a:rPr lang="en-US" sz="1200" dirty="0">
+                <a:solidFill>
+                  <a:srgbClr val="000000"/>
+                </a:solidFill>
+                <a:latin typeface="Courier New" panose="02070309020205020404" pitchFamily="49" charset="0"/>
+                <a:ea typeface="Times New Roman" panose="02020603050405020304" pitchFamily="18" charset="0"/>
+                <a:cs typeface="Arial" panose="020B0604020202020204" pitchFamily="34" charset="0"/>
+              </a:rPr>
+              <a:t>FormControl(</a:t>
+            </a:r>
+            <a:r>
+              <a:rPr lang="en-US" sz="1200" b="1" dirty="0">
+                <a:solidFill>
+                  <a:srgbClr val="000080"/>
+                </a:solidFill>
+                <a:latin typeface="Courier New" panose="02070309020205020404" pitchFamily="49" charset="0"/>
+                <a:ea typeface="Times New Roman" panose="02020603050405020304" pitchFamily="18" charset="0"/>
+                <a:cs typeface="Arial" panose="020B0604020202020204" pitchFamily="34" charset="0"/>
+              </a:rPr>
+              <a:t>null</a:t>
+            </a:r>
+            <a:r>
+              <a:rPr lang="en-US" sz="1200" dirty="0">
+                <a:solidFill>
+                  <a:srgbClr val="000000"/>
+                </a:solidFill>
+                <a:latin typeface="Courier New" panose="02070309020205020404" pitchFamily="49" charset="0"/>
+                <a:ea typeface="Times New Roman" panose="02020603050405020304" pitchFamily="18" charset="0"/>
+                <a:cs typeface="Arial" panose="020B0604020202020204" pitchFamily="34" charset="0"/>
+              </a:rPr>
+              <a:t>,[Validators.</a:t>
+            </a:r>
+            <a:r>
+              <a:rPr lang="en-US" sz="1200" i="1" dirty="0">
+                <a:solidFill>
+                  <a:srgbClr val="000000"/>
+                </a:solidFill>
+                <a:latin typeface="Courier New" panose="02070309020205020404" pitchFamily="49" charset="0"/>
+                <a:ea typeface="Times New Roman" panose="02020603050405020304" pitchFamily="18" charset="0"/>
+                <a:cs typeface="Arial" panose="020B0604020202020204" pitchFamily="34" charset="0"/>
+              </a:rPr>
+              <a:t>required</a:t>
+            </a:r>
+            <a:r>
+              <a:rPr lang="en-US" sz="1200" dirty="0">
+                <a:solidFill>
+                  <a:srgbClr val="000000"/>
+                </a:solidFill>
+                <a:latin typeface="Courier New" panose="02070309020205020404" pitchFamily="49" charset="0"/>
+                <a:ea typeface="Times New Roman" panose="02020603050405020304" pitchFamily="18" charset="0"/>
+                <a:cs typeface="Arial" panose="020B0604020202020204" pitchFamily="34" charset="0"/>
+              </a:rPr>
+              <a:t>,</a:t>
+            </a:r>
+            <a:endParaRPr lang="en-US" sz="1200" dirty="0">
+              <a:latin typeface="Calibri" panose="020F0502020204030204" pitchFamily="34" charset="0"/>
+              <a:ea typeface="Calibri" panose="020F0502020204030204" pitchFamily="34" charset="0"/>
+              <a:cs typeface="Arial" panose="020B0604020202020204" pitchFamily="34" charset="0"/>
+            </a:endParaRPr>
+          </a:p>
+          <a:p>
+            <a:pPr>
+              <a:lnSpc>
+                <a:spcPct val="107000"/>
+              </a:lnSpc>
+              <a:tabLst>
+                <a:tab pos="581660" algn="l"/>
+                <a:tab pos="1163320" algn="l"/>
+                <a:tab pos="1744980" algn="l"/>
+                <a:tab pos="2326640" algn="l"/>
+                <a:tab pos="2908300" algn="l"/>
+                <a:tab pos="3489960" algn="l"/>
+                <a:tab pos="4071620" algn="l"/>
+                <a:tab pos="4653280" algn="l"/>
+                <a:tab pos="5234940" algn="l"/>
+                <a:tab pos="5816600" algn="l"/>
+                <a:tab pos="6398260" algn="l"/>
+                <a:tab pos="6979920" algn="l"/>
+                <a:tab pos="7561580" algn="l"/>
+                <a:tab pos="8143240" algn="l"/>
+                <a:tab pos="8724900" algn="l"/>
+                <a:tab pos="9306560" algn="l"/>
+              </a:tabLst>
+            </a:pPr>
+            <a:r>
+              <a:rPr lang="en-US" sz="1200" dirty="0">
+                <a:solidFill>
+                  <a:srgbClr val="000000"/>
+                </a:solidFill>
+                <a:latin typeface="Courier New" panose="02070309020205020404" pitchFamily="49" charset="0"/>
+                <a:ea typeface="Times New Roman" panose="02020603050405020304" pitchFamily="18" charset="0"/>
+                <a:cs typeface="Arial" panose="020B0604020202020204" pitchFamily="34" charset="0"/>
+              </a:rPr>
+              <a:t>					        </a:t>
+            </a:r>
+            <a:r>
+              <a:rPr lang="en-US" sz="1200" b="1" dirty="0">
+                <a:solidFill>
+                  <a:srgbClr val="000080"/>
+                </a:solidFill>
+                <a:latin typeface="Courier New" panose="02070309020205020404" pitchFamily="49" charset="0"/>
+                <a:ea typeface="Times New Roman" panose="02020603050405020304" pitchFamily="18" charset="0"/>
+                <a:cs typeface="Arial" panose="020B0604020202020204" pitchFamily="34" charset="0"/>
+              </a:rPr>
+              <a:t>this</a:t>
+            </a:r>
+            <a:r>
+              <a:rPr lang="en-US" sz="1200" dirty="0">
+                <a:solidFill>
+                  <a:srgbClr val="000000"/>
+                </a:solidFill>
+                <a:latin typeface="Courier New" panose="02070309020205020404" pitchFamily="49" charset="0"/>
+                <a:ea typeface="Times New Roman" panose="02020603050405020304" pitchFamily="18" charset="0"/>
+                <a:cs typeface="Arial" panose="020B0604020202020204" pitchFamily="34" charset="0"/>
+              </a:rPr>
+              <a:t>.</a:t>
+            </a:r>
+            <a:r>
+              <a:rPr lang="en-US" sz="1200" dirty="0">
+                <a:solidFill>
+                  <a:srgbClr val="7A7A43"/>
+                </a:solidFill>
+                <a:latin typeface="Courier New" panose="02070309020205020404" pitchFamily="49" charset="0"/>
+                <a:ea typeface="Times New Roman" panose="02020603050405020304" pitchFamily="18" charset="0"/>
+                <a:cs typeface="Arial" panose="020B0604020202020204" pitchFamily="34" charset="0"/>
+              </a:rPr>
+              <a:t>forbiddenName</a:t>
+            </a:r>
+            <a:r>
+              <a:rPr lang="en-US" sz="1200" dirty="0">
+                <a:solidFill>
+                  <a:srgbClr val="000000"/>
+                </a:solidFill>
+                <a:latin typeface="Courier New" panose="02070309020205020404" pitchFamily="49" charset="0"/>
+                <a:ea typeface="Times New Roman" panose="02020603050405020304" pitchFamily="18" charset="0"/>
+                <a:cs typeface="Arial" panose="020B0604020202020204" pitchFamily="34" charset="0"/>
+              </a:rPr>
+              <a:t>.</a:t>
+            </a:r>
+            <a:r>
+              <a:rPr lang="en-US" sz="1200" dirty="0">
+                <a:solidFill>
+                  <a:srgbClr val="7A7A43"/>
+                </a:solidFill>
+                <a:latin typeface="Courier New" panose="02070309020205020404" pitchFamily="49" charset="0"/>
+                <a:ea typeface="Times New Roman" panose="02020603050405020304" pitchFamily="18" charset="0"/>
+                <a:cs typeface="Arial" panose="020B0604020202020204" pitchFamily="34" charset="0"/>
+              </a:rPr>
+              <a:t>bind</a:t>
+            </a:r>
+            <a:r>
+              <a:rPr lang="en-US" sz="1200" dirty="0">
+                <a:solidFill>
+                  <a:srgbClr val="000000"/>
+                </a:solidFill>
+                <a:latin typeface="Courier New" panose="02070309020205020404" pitchFamily="49" charset="0"/>
+                <a:ea typeface="Times New Roman" panose="02020603050405020304" pitchFamily="18" charset="0"/>
+                <a:cs typeface="Arial" panose="020B0604020202020204" pitchFamily="34" charset="0"/>
+              </a:rPr>
+              <a:t>(</a:t>
+            </a:r>
+            <a:r>
+              <a:rPr lang="en-US" sz="1200" b="1" dirty="0">
+                <a:solidFill>
+                  <a:srgbClr val="000080"/>
+                </a:solidFill>
+                <a:latin typeface="Courier New" panose="02070309020205020404" pitchFamily="49" charset="0"/>
+                <a:ea typeface="Times New Roman" panose="02020603050405020304" pitchFamily="18" charset="0"/>
+                <a:cs typeface="Arial" panose="020B0604020202020204" pitchFamily="34" charset="0"/>
+              </a:rPr>
+              <a:t>this</a:t>
+            </a:r>
+            <a:r>
+              <a:rPr lang="en-US" sz="1200" dirty="0">
+                <a:solidFill>
+                  <a:srgbClr val="000000"/>
+                </a:solidFill>
+                <a:latin typeface="Courier New" panose="02070309020205020404" pitchFamily="49" charset="0"/>
+                <a:ea typeface="Times New Roman" panose="02020603050405020304" pitchFamily="18" charset="0"/>
+                <a:cs typeface="Arial" panose="020B0604020202020204" pitchFamily="34" charset="0"/>
+              </a:rPr>
+              <a:t>)</a:t>
+            </a:r>
+            <a:endParaRPr lang="en-US" sz="1200" dirty="0">
+              <a:latin typeface="Calibri" panose="020F0502020204030204" pitchFamily="34" charset="0"/>
+              <a:ea typeface="Calibri" panose="020F0502020204030204" pitchFamily="34" charset="0"/>
+              <a:cs typeface="Arial" panose="020B0604020202020204" pitchFamily="34" charset="0"/>
+            </a:endParaRPr>
+          </a:p>
+          <a:p>
+            <a:pPr>
+              <a:lnSpc>
+                <a:spcPct val="107000"/>
+              </a:lnSpc>
+              <a:tabLst>
+                <a:tab pos="581660" algn="l"/>
+                <a:tab pos="1163320" algn="l"/>
+                <a:tab pos="1744980" algn="l"/>
+                <a:tab pos="2326640" algn="l"/>
+                <a:tab pos="2908300" algn="l"/>
+                <a:tab pos="3489960" algn="l"/>
+                <a:tab pos="4071620" algn="l"/>
+                <a:tab pos="4653280" algn="l"/>
+                <a:tab pos="5234940" algn="l"/>
+                <a:tab pos="5816600" algn="l"/>
+                <a:tab pos="6398260" algn="l"/>
+                <a:tab pos="6979920" algn="l"/>
+                <a:tab pos="7561580" algn="l"/>
+                <a:tab pos="8143240" algn="l"/>
+                <a:tab pos="8724900" algn="l"/>
+                <a:tab pos="9306560" algn="l"/>
+              </a:tabLst>
+            </a:pPr>
+            <a:r>
+              <a:rPr lang="en-US" sz="1200" dirty="0">
+                <a:solidFill>
+                  <a:srgbClr val="000000"/>
+                </a:solidFill>
+                <a:latin typeface="Courier New" panose="02070309020205020404" pitchFamily="49" charset="0"/>
+                <a:ea typeface="Times New Roman" panose="02020603050405020304" pitchFamily="18" charset="0"/>
+                <a:cs typeface="Arial" panose="020B0604020202020204" pitchFamily="34" charset="0"/>
+              </a:rPr>
+              <a:t>					        ]),</a:t>
+            </a:r>
+            <a:br>
+              <a:rPr lang="en-US" sz="1200" dirty="0">
+                <a:solidFill>
+                  <a:srgbClr val="000000"/>
+                </a:solidFill>
+                <a:latin typeface="Courier New" panose="02070309020205020404" pitchFamily="49" charset="0"/>
+                <a:ea typeface="Times New Roman" panose="02020603050405020304" pitchFamily="18" charset="0"/>
+                <a:cs typeface="Arial" panose="020B0604020202020204" pitchFamily="34" charset="0"/>
+              </a:rPr>
+            </a:br>
+            <a:r>
+              <a:rPr lang="en-US" sz="1200" dirty="0">
+                <a:solidFill>
+                  <a:srgbClr val="000000"/>
+                </a:solidFill>
+                <a:latin typeface="Courier New" panose="02070309020205020404" pitchFamily="49" charset="0"/>
+                <a:ea typeface="Times New Roman" panose="02020603050405020304" pitchFamily="18" charset="0"/>
+                <a:cs typeface="Arial" panose="020B0604020202020204" pitchFamily="34" charset="0"/>
+              </a:rPr>
+              <a:t>        </a:t>
+            </a:r>
+            <a:r>
+              <a:rPr lang="en-US" sz="1200" b="1" dirty="0">
+                <a:solidFill>
+                  <a:srgbClr val="008000"/>
+                </a:solidFill>
+                <a:latin typeface="Courier New" panose="02070309020205020404" pitchFamily="49" charset="0"/>
+                <a:ea typeface="Times New Roman" panose="02020603050405020304" pitchFamily="18" charset="0"/>
+                <a:cs typeface="Arial" panose="020B0604020202020204" pitchFamily="34" charset="0"/>
+              </a:rPr>
+              <a:t>'email'</a:t>
+            </a:r>
+            <a:r>
+              <a:rPr lang="en-US" sz="1200" dirty="0">
+                <a:solidFill>
+                  <a:srgbClr val="000000"/>
+                </a:solidFill>
+                <a:latin typeface="Courier New" panose="02070309020205020404" pitchFamily="49" charset="0"/>
+                <a:ea typeface="Times New Roman" panose="02020603050405020304" pitchFamily="18" charset="0"/>
+                <a:cs typeface="Arial" panose="020B0604020202020204" pitchFamily="34" charset="0"/>
+              </a:rPr>
+              <a:t>: </a:t>
+            </a:r>
+            <a:r>
+              <a:rPr lang="en-US" sz="1200" b="1" dirty="0">
+                <a:solidFill>
+                  <a:srgbClr val="000080"/>
+                </a:solidFill>
+                <a:latin typeface="Courier New" panose="02070309020205020404" pitchFamily="49" charset="0"/>
+                <a:ea typeface="Times New Roman" panose="02020603050405020304" pitchFamily="18" charset="0"/>
+                <a:cs typeface="Arial" panose="020B0604020202020204" pitchFamily="34" charset="0"/>
+              </a:rPr>
+              <a:t>new </a:t>
+            </a:r>
+            <a:r>
+              <a:rPr lang="en-US" sz="1200" dirty="0">
+                <a:solidFill>
+                  <a:srgbClr val="000000"/>
+                </a:solidFill>
+                <a:latin typeface="Courier New" panose="02070309020205020404" pitchFamily="49" charset="0"/>
+                <a:ea typeface="Times New Roman" panose="02020603050405020304" pitchFamily="18" charset="0"/>
+                <a:cs typeface="Arial" panose="020B0604020202020204" pitchFamily="34" charset="0"/>
+              </a:rPr>
+              <a:t>FormControl(</a:t>
+            </a:r>
+            <a:r>
+              <a:rPr lang="en-US" sz="1200" b="1" dirty="0">
+                <a:solidFill>
+                  <a:srgbClr val="000080"/>
+                </a:solidFill>
+                <a:latin typeface="Courier New" panose="02070309020205020404" pitchFamily="49" charset="0"/>
+                <a:ea typeface="Times New Roman" panose="02020603050405020304" pitchFamily="18" charset="0"/>
+                <a:cs typeface="Arial" panose="020B0604020202020204" pitchFamily="34" charset="0"/>
+              </a:rPr>
+              <a:t>null</a:t>
+            </a:r>
+            <a:r>
+              <a:rPr lang="en-US" sz="1200" dirty="0">
+                <a:solidFill>
+                  <a:srgbClr val="000000"/>
+                </a:solidFill>
+                <a:latin typeface="Courier New" panose="02070309020205020404" pitchFamily="49" charset="0"/>
+                <a:ea typeface="Times New Roman" panose="02020603050405020304" pitchFamily="18" charset="0"/>
+                <a:cs typeface="Arial" panose="020B0604020202020204" pitchFamily="34" charset="0"/>
+              </a:rPr>
+              <a:t>,[Validators.</a:t>
+            </a:r>
+            <a:r>
+              <a:rPr lang="en-US" sz="1200" i="1" dirty="0">
+                <a:solidFill>
+                  <a:srgbClr val="000000"/>
+                </a:solidFill>
+                <a:latin typeface="Courier New" panose="02070309020205020404" pitchFamily="49" charset="0"/>
+                <a:ea typeface="Times New Roman" panose="02020603050405020304" pitchFamily="18" charset="0"/>
+                <a:cs typeface="Arial" panose="020B0604020202020204" pitchFamily="34" charset="0"/>
+              </a:rPr>
+              <a:t>required</a:t>
+            </a:r>
+            <a:r>
+              <a:rPr lang="en-US" sz="1200" dirty="0">
+                <a:solidFill>
+                  <a:srgbClr val="000000"/>
+                </a:solidFill>
+                <a:latin typeface="Courier New" panose="02070309020205020404" pitchFamily="49" charset="0"/>
+                <a:ea typeface="Times New Roman" panose="02020603050405020304" pitchFamily="18" charset="0"/>
+                <a:cs typeface="Arial" panose="020B0604020202020204" pitchFamily="34" charset="0"/>
+              </a:rPr>
+              <a:t>,</a:t>
+            </a:r>
+            <a:br>
+              <a:rPr lang="en-US" sz="1200" dirty="0">
+                <a:solidFill>
+                  <a:srgbClr val="000000"/>
+                </a:solidFill>
+                <a:latin typeface="Courier New" panose="02070309020205020404" pitchFamily="49" charset="0"/>
+                <a:ea typeface="Times New Roman" panose="02020603050405020304" pitchFamily="18" charset="0"/>
+                <a:cs typeface="Arial" panose="020B0604020202020204" pitchFamily="34" charset="0"/>
+              </a:rPr>
+            </a:br>
+            <a:r>
+              <a:rPr lang="en-US" sz="1200" dirty="0">
+                <a:solidFill>
+                  <a:srgbClr val="000000"/>
+                </a:solidFill>
+                <a:latin typeface="Courier New" panose="02070309020205020404" pitchFamily="49" charset="0"/>
+                <a:ea typeface="Times New Roman" panose="02020603050405020304" pitchFamily="18" charset="0"/>
+                <a:cs typeface="Arial" panose="020B0604020202020204" pitchFamily="34" charset="0"/>
+              </a:rPr>
+              <a:t>          			       Validators.</a:t>
+            </a:r>
+            <a:r>
+              <a:rPr lang="en-US" sz="1200" i="1" dirty="0">
+                <a:solidFill>
+                  <a:srgbClr val="000000"/>
+                </a:solidFill>
+                <a:latin typeface="Courier New" panose="02070309020205020404" pitchFamily="49" charset="0"/>
+                <a:ea typeface="Times New Roman" panose="02020603050405020304" pitchFamily="18" charset="0"/>
+                <a:cs typeface="Arial" panose="020B0604020202020204" pitchFamily="34" charset="0"/>
+              </a:rPr>
+              <a:t>email</a:t>
+            </a:r>
+            <a:br>
+              <a:rPr lang="en-US" sz="1200" i="1" dirty="0">
+                <a:solidFill>
+                  <a:srgbClr val="000000"/>
+                </a:solidFill>
+                <a:latin typeface="Courier New" panose="02070309020205020404" pitchFamily="49" charset="0"/>
+                <a:ea typeface="Times New Roman" panose="02020603050405020304" pitchFamily="18" charset="0"/>
+                <a:cs typeface="Arial" panose="020B0604020202020204" pitchFamily="34" charset="0"/>
+              </a:rPr>
+            </a:br>
+            <a:r>
+              <a:rPr lang="en-US" sz="1200" i="1" dirty="0">
+                <a:solidFill>
+                  <a:srgbClr val="000000"/>
+                </a:solidFill>
+                <a:latin typeface="Courier New" panose="02070309020205020404" pitchFamily="49" charset="0"/>
+                <a:ea typeface="Times New Roman" panose="02020603050405020304" pitchFamily="18" charset="0"/>
+                <a:cs typeface="Arial" panose="020B0604020202020204" pitchFamily="34" charset="0"/>
+              </a:rPr>
+              <a:t>       				      </a:t>
+            </a:r>
+            <a:r>
+              <a:rPr lang="en-US" sz="1200" dirty="0">
+                <a:solidFill>
+                  <a:srgbClr val="000000"/>
+                </a:solidFill>
+                <a:latin typeface="Courier New" panose="02070309020205020404" pitchFamily="49" charset="0"/>
+                <a:ea typeface="Times New Roman" panose="02020603050405020304" pitchFamily="18" charset="0"/>
+                <a:cs typeface="Arial" panose="020B0604020202020204" pitchFamily="34" charset="0"/>
+              </a:rPr>
+              <a:t>])</a:t>
+            </a:r>
+            <a:br>
+              <a:rPr lang="en-US" sz="1200" dirty="0">
+                <a:solidFill>
+                  <a:srgbClr val="000000"/>
+                </a:solidFill>
+                <a:latin typeface="Courier New" panose="02070309020205020404" pitchFamily="49" charset="0"/>
+                <a:ea typeface="Times New Roman" panose="02020603050405020304" pitchFamily="18" charset="0"/>
+                <a:cs typeface="Arial" panose="020B0604020202020204" pitchFamily="34" charset="0"/>
+              </a:rPr>
+            </a:br>
+            <a:r>
+              <a:rPr lang="en-US" sz="1200" dirty="0">
+                <a:solidFill>
+                  <a:srgbClr val="000000"/>
+                </a:solidFill>
+                <a:latin typeface="Courier New" panose="02070309020205020404" pitchFamily="49" charset="0"/>
+                <a:ea typeface="Times New Roman" panose="02020603050405020304" pitchFamily="18" charset="0"/>
+                <a:cs typeface="Arial" panose="020B0604020202020204" pitchFamily="34" charset="0"/>
+              </a:rPr>
+              <a:t>      }),</a:t>
+            </a:r>
+            <a:br>
+              <a:rPr lang="en-US" sz="1200" dirty="0">
+                <a:solidFill>
+                  <a:srgbClr val="000000"/>
+                </a:solidFill>
+                <a:latin typeface="Courier New" panose="02070309020205020404" pitchFamily="49" charset="0"/>
+                <a:ea typeface="Times New Roman" panose="02020603050405020304" pitchFamily="18" charset="0"/>
+                <a:cs typeface="Arial" panose="020B0604020202020204" pitchFamily="34" charset="0"/>
+              </a:rPr>
+            </a:br>
+            <a:r>
+              <a:rPr lang="en-US" sz="1200" dirty="0">
+                <a:solidFill>
+                  <a:srgbClr val="000000"/>
+                </a:solidFill>
+                <a:latin typeface="Courier New" panose="02070309020205020404" pitchFamily="49" charset="0"/>
+                <a:ea typeface="Times New Roman" panose="02020603050405020304" pitchFamily="18" charset="0"/>
+                <a:cs typeface="Arial" panose="020B0604020202020204" pitchFamily="34" charset="0"/>
+              </a:rPr>
+              <a:t>      </a:t>
+            </a:r>
+            <a:r>
+              <a:rPr lang="en-US" sz="1200" b="1" dirty="0">
+                <a:solidFill>
+                  <a:srgbClr val="008000"/>
+                </a:solidFill>
+                <a:latin typeface="Courier New" panose="02070309020205020404" pitchFamily="49" charset="0"/>
+                <a:ea typeface="Times New Roman" panose="02020603050405020304" pitchFamily="18" charset="0"/>
+                <a:cs typeface="Arial" panose="020B0604020202020204" pitchFamily="34" charset="0"/>
+              </a:rPr>
+              <a:t>'gender'</a:t>
+            </a:r>
+            <a:r>
+              <a:rPr lang="en-US" sz="1200" dirty="0">
+                <a:solidFill>
+                  <a:srgbClr val="000000"/>
+                </a:solidFill>
+                <a:latin typeface="Courier New" panose="02070309020205020404" pitchFamily="49" charset="0"/>
+                <a:ea typeface="Times New Roman" panose="02020603050405020304" pitchFamily="18" charset="0"/>
+                <a:cs typeface="Arial" panose="020B0604020202020204" pitchFamily="34" charset="0"/>
+              </a:rPr>
+              <a:t>: </a:t>
+            </a:r>
+            <a:r>
+              <a:rPr lang="en-US" sz="1200" b="1" dirty="0">
+                <a:solidFill>
+                  <a:srgbClr val="000080"/>
+                </a:solidFill>
+                <a:latin typeface="Courier New" panose="02070309020205020404" pitchFamily="49" charset="0"/>
+                <a:ea typeface="Times New Roman" panose="02020603050405020304" pitchFamily="18" charset="0"/>
+                <a:cs typeface="Arial" panose="020B0604020202020204" pitchFamily="34" charset="0"/>
+              </a:rPr>
+              <a:t>new </a:t>
+            </a:r>
+            <a:r>
+              <a:rPr lang="en-US" sz="1200" dirty="0">
+                <a:solidFill>
+                  <a:srgbClr val="000000"/>
+                </a:solidFill>
+                <a:latin typeface="Courier New" panose="02070309020205020404" pitchFamily="49" charset="0"/>
+                <a:ea typeface="Times New Roman" panose="02020603050405020304" pitchFamily="18" charset="0"/>
+                <a:cs typeface="Arial" panose="020B0604020202020204" pitchFamily="34" charset="0"/>
+              </a:rPr>
+              <a:t>FormControl(</a:t>
+            </a:r>
+            <a:r>
+              <a:rPr lang="en-US" sz="1200" b="1" dirty="0">
+                <a:solidFill>
+                  <a:srgbClr val="008000"/>
+                </a:solidFill>
+                <a:latin typeface="Courier New" panose="02070309020205020404" pitchFamily="49" charset="0"/>
+                <a:ea typeface="Times New Roman" panose="02020603050405020304" pitchFamily="18" charset="0"/>
+                <a:cs typeface="Arial" panose="020B0604020202020204" pitchFamily="34" charset="0"/>
+              </a:rPr>
+              <a:t>'male'</a:t>
+            </a:r>
+            <a:r>
+              <a:rPr lang="en-US" sz="1200" dirty="0">
+                <a:solidFill>
+                  <a:srgbClr val="000000"/>
+                </a:solidFill>
+                <a:latin typeface="Courier New" panose="02070309020205020404" pitchFamily="49" charset="0"/>
+                <a:ea typeface="Times New Roman" panose="02020603050405020304" pitchFamily="18" charset="0"/>
+                <a:cs typeface="Arial" panose="020B0604020202020204" pitchFamily="34" charset="0"/>
+              </a:rPr>
+              <a:t>)</a:t>
+            </a:r>
+            <a:br>
+              <a:rPr lang="en-US" sz="1200" dirty="0">
+                <a:solidFill>
+                  <a:srgbClr val="000000"/>
+                </a:solidFill>
+                <a:latin typeface="Courier New" panose="02070309020205020404" pitchFamily="49" charset="0"/>
+                <a:ea typeface="Times New Roman" panose="02020603050405020304" pitchFamily="18" charset="0"/>
+                <a:cs typeface="Arial" panose="020B0604020202020204" pitchFamily="34" charset="0"/>
+              </a:rPr>
+            </a:br>
+            <a:r>
+              <a:rPr lang="en-US" sz="1200" dirty="0">
+                <a:solidFill>
+                  <a:srgbClr val="000000"/>
+                </a:solidFill>
+                <a:latin typeface="Courier New" panose="02070309020205020404" pitchFamily="49" charset="0"/>
+                <a:ea typeface="Times New Roman" panose="02020603050405020304" pitchFamily="18" charset="0"/>
+                <a:cs typeface="Arial" panose="020B0604020202020204" pitchFamily="34" charset="0"/>
+              </a:rPr>
+              <a:t>    })</a:t>
+            </a:r>
+            <a:br>
+              <a:rPr lang="en-US" sz="1200" dirty="0">
+                <a:solidFill>
+                  <a:srgbClr val="000000"/>
+                </a:solidFill>
+                <a:latin typeface="Courier New" panose="02070309020205020404" pitchFamily="49" charset="0"/>
+                <a:ea typeface="Times New Roman" panose="02020603050405020304" pitchFamily="18" charset="0"/>
+                <a:cs typeface="Arial" panose="020B0604020202020204" pitchFamily="34" charset="0"/>
+              </a:rPr>
+            </a:br>
+            <a:r>
+              <a:rPr lang="en-US" sz="1200" dirty="0">
+                <a:solidFill>
+                  <a:srgbClr val="000000"/>
+                </a:solidFill>
+                <a:latin typeface="Courier New" panose="02070309020205020404" pitchFamily="49" charset="0"/>
+                <a:ea typeface="Times New Roman" panose="02020603050405020304" pitchFamily="18" charset="0"/>
+                <a:cs typeface="Arial" panose="020B0604020202020204" pitchFamily="34" charset="0"/>
+              </a:rPr>
+              <a:t>  }</a:t>
+            </a:r>
+          </a:p>
+          <a:p>
+            <a:pPr>
+              <a:lnSpc>
+                <a:spcPct val="107000"/>
+              </a:lnSpc>
+              <a:tabLst>
+                <a:tab pos="581660" algn="l"/>
+                <a:tab pos="1163320" algn="l"/>
+                <a:tab pos="1744980" algn="l"/>
+                <a:tab pos="2326640" algn="l"/>
+                <a:tab pos="2908300" algn="l"/>
+                <a:tab pos="3489960" algn="l"/>
+                <a:tab pos="4071620" algn="l"/>
+                <a:tab pos="4653280" algn="l"/>
+                <a:tab pos="5234940" algn="l"/>
+                <a:tab pos="5816600" algn="l"/>
+                <a:tab pos="6398260" algn="l"/>
+                <a:tab pos="6979920" algn="l"/>
+                <a:tab pos="7561580" algn="l"/>
+                <a:tab pos="8143240" algn="l"/>
+                <a:tab pos="8724900" algn="l"/>
+                <a:tab pos="9306560" algn="l"/>
+              </a:tabLst>
+            </a:pPr>
+            <a:r>
+              <a:rPr lang="en-US" sz="1200" dirty="0">
+                <a:solidFill>
+                  <a:srgbClr val="000000"/>
+                </a:solidFill>
+                <a:latin typeface="Courier New" panose="02070309020205020404" pitchFamily="49" charset="0"/>
+                <a:ea typeface="Times New Roman" panose="02020603050405020304" pitchFamily="18" charset="0"/>
+                <a:cs typeface="Arial" panose="020B0604020202020204" pitchFamily="34" charset="0"/>
+              </a:rPr>
+              <a:t/>
+            </a:r>
+            <a:br>
+              <a:rPr lang="en-US" sz="1200" dirty="0">
+                <a:solidFill>
+                  <a:srgbClr val="000000"/>
+                </a:solidFill>
+                <a:latin typeface="Courier New" panose="02070309020205020404" pitchFamily="49" charset="0"/>
+                <a:ea typeface="Times New Roman" panose="02020603050405020304" pitchFamily="18" charset="0"/>
+                <a:cs typeface="Arial" panose="020B0604020202020204" pitchFamily="34" charset="0"/>
+              </a:rPr>
+            </a:br>
+            <a:r>
+              <a:rPr lang="en-US" sz="1200" dirty="0">
+                <a:solidFill>
+                  <a:srgbClr val="000000"/>
+                </a:solidFill>
+                <a:latin typeface="Courier New" panose="02070309020205020404" pitchFamily="49" charset="0"/>
+                <a:ea typeface="Times New Roman" panose="02020603050405020304" pitchFamily="18" charset="0"/>
+                <a:cs typeface="Arial" panose="020B0604020202020204" pitchFamily="34" charset="0"/>
+              </a:rPr>
+              <a:t>  </a:t>
+            </a:r>
+            <a:r>
+              <a:rPr lang="en-US" sz="1200" dirty="0">
+                <a:solidFill>
+                  <a:srgbClr val="7A7A43"/>
+                </a:solidFill>
+                <a:latin typeface="Courier New" panose="02070309020205020404" pitchFamily="49" charset="0"/>
+                <a:ea typeface="Times New Roman" panose="02020603050405020304" pitchFamily="18" charset="0"/>
+                <a:cs typeface="Arial" panose="020B0604020202020204" pitchFamily="34" charset="0"/>
+              </a:rPr>
+              <a:t>forbiddenName</a:t>
+            </a:r>
+            <a:r>
+              <a:rPr lang="en-US" sz="1200" dirty="0">
+                <a:solidFill>
+                  <a:srgbClr val="000000"/>
+                </a:solidFill>
+                <a:latin typeface="Courier New" panose="02070309020205020404" pitchFamily="49" charset="0"/>
+                <a:ea typeface="Times New Roman" panose="02020603050405020304" pitchFamily="18" charset="0"/>
+                <a:cs typeface="Arial" panose="020B0604020202020204" pitchFamily="34" charset="0"/>
+              </a:rPr>
+              <a:t>(control:FormControl):{[</a:t>
+            </a:r>
+            <a:r>
+              <a:rPr lang="en-US" sz="1200" b="1" dirty="0">
+                <a:solidFill>
+                  <a:srgbClr val="660E7A"/>
+                </a:solidFill>
+                <a:latin typeface="Courier New" panose="02070309020205020404" pitchFamily="49" charset="0"/>
+                <a:ea typeface="Times New Roman" panose="02020603050405020304" pitchFamily="18" charset="0"/>
+                <a:cs typeface="Arial" panose="020B0604020202020204" pitchFamily="34" charset="0"/>
+              </a:rPr>
+              <a:t>s</a:t>
+            </a:r>
+            <a:r>
+              <a:rPr lang="en-US" sz="1200" dirty="0">
+                <a:solidFill>
+                  <a:srgbClr val="000000"/>
+                </a:solidFill>
+                <a:latin typeface="Courier New" panose="02070309020205020404" pitchFamily="49" charset="0"/>
+                <a:ea typeface="Times New Roman" panose="02020603050405020304" pitchFamily="18" charset="0"/>
+                <a:cs typeface="Arial" panose="020B0604020202020204" pitchFamily="34" charset="0"/>
+              </a:rPr>
+              <a:t>:</a:t>
+            </a:r>
+            <a:r>
+              <a:rPr lang="en-US" sz="1200" b="1" dirty="0">
+                <a:solidFill>
+                  <a:srgbClr val="000080"/>
+                </a:solidFill>
+                <a:latin typeface="Courier New" panose="02070309020205020404" pitchFamily="49" charset="0"/>
+                <a:ea typeface="Times New Roman" panose="02020603050405020304" pitchFamily="18" charset="0"/>
+                <a:cs typeface="Arial" panose="020B0604020202020204" pitchFamily="34" charset="0"/>
+              </a:rPr>
+              <a:t>string</a:t>
+            </a:r>
+            <a:r>
+              <a:rPr lang="en-US" sz="1200" dirty="0">
+                <a:solidFill>
+                  <a:srgbClr val="000000"/>
+                </a:solidFill>
+                <a:latin typeface="Courier New" panose="02070309020205020404" pitchFamily="49" charset="0"/>
+                <a:ea typeface="Times New Roman" panose="02020603050405020304" pitchFamily="18" charset="0"/>
+                <a:cs typeface="Arial" panose="020B0604020202020204" pitchFamily="34" charset="0"/>
+              </a:rPr>
+              <a:t>]:</a:t>
+            </a:r>
+            <a:r>
+              <a:rPr lang="en-US" sz="1200" b="1" dirty="0">
+                <a:solidFill>
+                  <a:srgbClr val="000080"/>
+                </a:solidFill>
+                <a:latin typeface="Courier New" panose="02070309020205020404" pitchFamily="49" charset="0"/>
+                <a:ea typeface="Times New Roman" panose="02020603050405020304" pitchFamily="18" charset="0"/>
+                <a:cs typeface="Arial" panose="020B0604020202020204" pitchFamily="34" charset="0"/>
+              </a:rPr>
+              <a:t>boolean</a:t>
+            </a:r>
+            <a:r>
+              <a:rPr lang="en-US" sz="1200" dirty="0">
+                <a:solidFill>
+                  <a:srgbClr val="000000"/>
+                </a:solidFill>
+                <a:latin typeface="Courier New" panose="02070309020205020404" pitchFamily="49" charset="0"/>
+                <a:ea typeface="Times New Roman" panose="02020603050405020304" pitchFamily="18" charset="0"/>
+                <a:cs typeface="Arial" panose="020B0604020202020204" pitchFamily="34" charset="0"/>
+              </a:rPr>
+              <a:t>}{</a:t>
+            </a:r>
+            <a:br>
+              <a:rPr lang="en-US" sz="1200" dirty="0">
+                <a:solidFill>
+                  <a:srgbClr val="000000"/>
+                </a:solidFill>
+                <a:latin typeface="Courier New" panose="02070309020205020404" pitchFamily="49" charset="0"/>
+                <a:ea typeface="Times New Roman" panose="02020603050405020304" pitchFamily="18" charset="0"/>
+                <a:cs typeface="Arial" panose="020B0604020202020204" pitchFamily="34" charset="0"/>
+              </a:rPr>
+            </a:br>
+            <a:r>
+              <a:rPr lang="en-US" sz="1200" dirty="0">
+                <a:solidFill>
+                  <a:srgbClr val="000000"/>
+                </a:solidFill>
+                <a:latin typeface="Courier New" panose="02070309020205020404" pitchFamily="49" charset="0"/>
+                <a:ea typeface="Times New Roman" panose="02020603050405020304" pitchFamily="18" charset="0"/>
+                <a:cs typeface="Arial" panose="020B0604020202020204" pitchFamily="34" charset="0"/>
+              </a:rPr>
+              <a:t>    </a:t>
+            </a:r>
+            <a:r>
+              <a:rPr lang="en-US" sz="1200" b="1" dirty="0">
+                <a:solidFill>
+                  <a:srgbClr val="000080"/>
+                </a:solidFill>
+                <a:latin typeface="Courier New" panose="02070309020205020404" pitchFamily="49" charset="0"/>
+                <a:ea typeface="Times New Roman" panose="02020603050405020304" pitchFamily="18" charset="0"/>
+                <a:cs typeface="Arial" panose="020B0604020202020204" pitchFamily="34" charset="0"/>
+              </a:rPr>
+              <a:t>if</a:t>
+            </a:r>
+            <a:r>
+              <a:rPr lang="en-US" sz="1200" dirty="0">
+                <a:solidFill>
+                  <a:srgbClr val="000000"/>
+                </a:solidFill>
+                <a:latin typeface="Courier New" panose="02070309020205020404" pitchFamily="49" charset="0"/>
+                <a:ea typeface="Times New Roman" panose="02020603050405020304" pitchFamily="18" charset="0"/>
+                <a:cs typeface="Arial" panose="020B0604020202020204" pitchFamily="34" charset="0"/>
+              </a:rPr>
+              <a:t>(</a:t>
+            </a:r>
+            <a:r>
+              <a:rPr lang="en-US" sz="1200" b="1" dirty="0">
+                <a:solidFill>
+                  <a:srgbClr val="000080"/>
+                </a:solidFill>
+                <a:latin typeface="Courier New" panose="02070309020205020404" pitchFamily="49" charset="0"/>
+                <a:ea typeface="Times New Roman" panose="02020603050405020304" pitchFamily="18" charset="0"/>
+                <a:cs typeface="Arial" panose="020B0604020202020204" pitchFamily="34" charset="0"/>
+              </a:rPr>
+              <a:t>this</a:t>
+            </a:r>
+            <a:r>
+              <a:rPr lang="en-US" sz="1200" dirty="0">
+                <a:solidFill>
+                  <a:srgbClr val="000000"/>
+                </a:solidFill>
+                <a:latin typeface="Courier New" panose="02070309020205020404" pitchFamily="49" charset="0"/>
+                <a:ea typeface="Times New Roman" panose="02020603050405020304" pitchFamily="18" charset="0"/>
+                <a:cs typeface="Arial" panose="020B0604020202020204" pitchFamily="34" charset="0"/>
+              </a:rPr>
+              <a:t>.</a:t>
+            </a:r>
+            <a:r>
+              <a:rPr lang="en-US" sz="1200" b="1" dirty="0">
+                <a:solidFill>
+                  <a:srgbClr val="660E7A"/>
+                </a:solidFill>
+                <a:latin typeface="Courier New" panose="02070309020205020404" pitchFamily="49" charset="0"/>
+                <a:ea typeface="Times New Roman" panose="02020603050405020304" pitchFamily="18" charset="0"/>
+                <a:cs typeface="Arial" panose="020B0604020202020204" pitchFamily="34" charset="0"/>
+              </a:rPr>
+              <a:t>forbiddenUseNames</a:t>
+            </a:r>
+            <a:r>
+              <a:rPr lang="en-US" sz="1200" dirty="0">
+                <a:solidFill>
+                  <a:srgbClr val="000000"/>
+                </a:solidFill>
+                <a:latin typeface="Courier New" panose="02070309020205020404" pitchFamily="49" charset="0"/>
+                <a:ea typeface="Times New Roman" panose="02020603050405020304" pitchFamily="18" charset="0"/>
+                <a:cs typeface="Arial" panose="020B0604020202020204" pitchFamily="34" charset="0"/>
+              </a:rPr>
+              <a:t>.</a:t>
+            </a:r>
+            <a:r>
+              <a:rPr lang="en-US" sz="1200" dirty="0">
+                <a:solidFill>
+                  <a:srgbClr val="7A7A43"/>
+                </a:solidFill>
+                <a:latin typeface="Courier New" panose="02070309020205020404" pitchFamily="49" charset="0"/>
+                <a:ea typeface="Times New Roman" panose="02020603050405020304" pitchFamily="18" charset="0"/>
+                <a:cs typeface="Arial" panose="020B0604020202020204" pitchFamily="34" charset="0"/>
+              </a:rPr>
+              <a:t>indexOf</a:t>
+            </a:r>
+            <a:r>
+              <a:rPr lang="en-US" sz="1200" dirty="0">
+                <a:solidFill>
+                  <a:srgbClr val="000000"/>
+                </a:solidFill>
+                <a:latin typeface="Courier New" panose="02070309020205020404" pitchFamily="49" charset="0"/>
+                <a:ea typeface="Times New Roman" panose="02020603050405020304" pitchFamily="18" charset="0"/>
+                <a:cs typeface="Arial" panose="020B0604020202020204" pitchFamily="34" charset="0"/>
+              </a:rPr>
+              <a:t>(control.</a:t>
+            </a:r>
+            <a:r>
+              <a:rPr lang="en-US" sz="1200" b="1" dirty="0">
+                <a:solidFill>
+                  <a:srgbClr val="660E7A"/>
+                </a:solidFill>
+                <a:latin typeface="Courier New" panose="02070309020205020404" pitchFamily="49" charset="0"/>
+                <a:ea typeface="Times New Roman" panose="02020603050405020304" pitchFamily="18" charset="0"/>
+                <a:cs typeface="Arial" panose="020B0604020202020204" pitchFamily="34" charset="0"/>
+              </a:rPr>
+              <a:t>value</a:t>
+            </a:r>
+            <a:r>
+              <a:rPr lang="en-US" sz="1200" dirty="0">
+                <a:solidFill>
+                  <a:srgbClr val="000000"/>
+                </a:solidFill>
+                <a:latin typeface="Courier New" panose="02070309020205020404" pitchFamily="49" charset="0"/>
+                <a:ea typeface="Times New Roman" panose="02020603050405020304" pitchFamily="18" charset="0"/>
+                <a:cs typeface="Arial" panose="020B0604020202020204" pitchFamily="34" charset="0"/>
+              </a:rPr>
+              <a:t>) !== -</a:t>
+            </a:r>
+            <a:r>
+              <a:rPr lang="en-US" sz="1200" dirty="0">
+                <a:solidFill>
+                  <a:srgbClr val="0000FF"/>
+                </a:solidFill>
+                <a:latin typeface="Courier New" panose="02070309020205020404" pitchFamily="49" charset="0"/>
+                <a:ea typeface="Times New Roman" panose="02020603050405020304" pitchFamily="18" charset="0"/>
+                <a:cs typeface="Arial" panose="020B0604020202020204" pitchFamily="34" charset="0"/>
+              </a:rPr>
+              <a:t>1</a:t>
+            </a:r>
+            <a:r>
+              <a:rPr lang="en-US" sz="1200" dirty="0">
+                <a:solidFill>
+                  <a:srgbClr val="000000"/>
+                </a:solidFill>
+                <a:latin typeface="Courier New" panose="02070309020205020404" pitchFamily="49" charset="0"/>
+                <a:ea typeface="Times New Roman" panose="02020603050405020304" pitchFamily="18" charset="0"/>
+                <a:cs typeface="Arial" panose="020B0604020202020204" pitchFamily="34" charset="0"/>
+              </a:rPr>
+              <a:t>){</a:t>
+            </a:r>
+            <a:br>
+              <a:rPr lang="en-US" sz="1200" dirty="0">
+                <a:solidFill>
+                  <a:srgbClr val="000000"/>
+                </a:solidFill>
+                <a:latin typeface="Courier New" panose="02070309020205020404" pitchFamily="49" charset="0"/>
+                <a:ea typeface="Times New Roman" panose="02020603050405020304" pitchFamily="18" charset="0"/>
+                <a:cs typeface="Arial" panose="020B0604020202020204" pitchFamily="34" charset="0"/>
+              </a:rPr>
+            </a:br>
+            <a:r>
+              <a:rPr lang="en-US" sz="1200" dirty="0">
+                <a:solidFill>
+                  <a:srgbClr val="000000"/>
+                </a:solidFill>
+                <a:latin typeface="Courier New" panose="02070309020205020404" pitchFamily="49" charset="0"/>
+                <a:ea typeface="Times New Roman" panose="02020603050405020304" pitchFamily="18" charset="0"/>
+                <a:cs typeface="Arial" panose="020B0604020202020204" pitchFamily="34" charset="0"/>
+              </a:rPr>
+              <a:t>      </a:t>
+            </a:r>
+            <a:r>
+              <a:rPr lang="en-US" sz="1200" b="1" dirty="0">
+                <a:solidFill>
+                  <a:srgbClr val="000080"/>
+                </a:solidFill>
+                <a:latin typeface="Courier New" panose="02070309020205020404" pitchFamily="49" charset="0"/>
+                <a:ea typeface="Times New Roman" panose="02020603050405020304" pitchFamily="18" charset="0"/>
+                <a:cs typeface="Arial" panose="020B0604020202020204" pitchFamily="34" charset="0"/>
+              </a:rPr>
+              <a:t>return </a:t>
+            </a:r>
+            <a:r>
+              <a:rPr lang="en-US" sz="1200" dirty="0">
+                <a:solidFill>
+                  <a:srgbClr val="000000"/>
+                </a:solidFill>
+                <a:latin typeface="Courier New" panose="02070309020205020404" pitchFamily="49" charset="0"/>
+                <a:ea typeface="Times New Roman" panose="02020603050405020304" pitchFamily="18" charset="0"/>
+                <a:cs typeface="Arial" panose="020B0604020202020204" pitchFamily="34" charset="0"/>
+              </a:rPr>
+              <a:t>{</a:t>
+            </a:r>
+            <a:r>
+              <a:rPr lang="en-US" sz="1200" b="1" dirty="0">
+                <a:solidFill>
+                  <a:srgbClr val="008000"/>
+                </a:solidFill>
+                <a:latin typeface="Courier New" panose="02070309020205020404" pitchFamily="49" charset="0"/>
+                <a:ea typeface="Times New Roman" panose="02020603050405020304" pitchFamily="18" charset="0"/>
+                <a:cs typeface="Arial" panose="020B0604020202020204" pitchFamily="34" charset="0"/>
+              </a:rPr>
+              <a:t>'</a:t>
+            </a:r>
+            <a:r>
+              <a:rPr lang="en-US" sz="1200" b="1" dirty="0" err="1">
+                <a:solidFill>
+                  <a:srgbClr val="008000"/>
+                </a:solidFill>
+                <a:latin typeface="Courier New" panose="02070309020205020404" pitchFamily="49" charset="0"/>
+                <a:ea typeface="Times New Roman" panose="02020603050405020304" pitchFamily="18" charset="0"/>
+                <a:cs typeface="Arial" panose="020B0604020202020204" pitchFamily="34" charset="0"/>
+              </a:rPr>
+              <a:t>nameIsForbidden</a:t>
+            </a:r>
+            <a:r>
+              <a:rPr lang="en-US" sz="1200" b="1" dirty="0">
+                <a:solidFill>
+                  <a:srgbClr val="008000"/>
+                </a:solidFill>
+                <a:latin typeface="Courier New" panose="02070309020205020404" pitchFamily="49" charset="0"/>
+                <a:ea typeface="Times New Roman" panose="02020603050405020304" pitchFamily="18" charset="0"/>
+                <a:cs typeface="Arial" panose="020B0604020202020204" pitchFamily="34" charset="0"/>
+              </a:rPr>
+              <a:t>'</a:t>
+            </a:r>
+            <a:r>
+              <a:rPr lang="en-US" sz="1200" dirty="0">
+                <a:solidFill>
+                  <a:srgbClr val="000000"/>
+                </a:solidFill>
+                <a:latin typeface="Courier New" panose="02070309020205020404" pitchFamily="49" charset="0"/>
+                <a:ea typeface="Times New Roman" panose="02020603050405020304" pitchFamily="18" charset="0"/>
+                <a:cs typeface="Arial" panose="020B0604020202020204" pitchFamily="34" charset="0"/>
+              </a:rPr>
+              <a:t>:</a:t>
+            </a:r>
+            <a:r>
+              <a:rPr lang="en-US" sz="1200" b="1" dirty="0">
+                <a:solidFill>
+                  <a:srgbClr val="000080"/>
+                </a:solidFill>
+                <a:latin typeface="Courier New" panose="02070309020205020404" pitchFamily="49" charset="0"/>
+                <a:ea typeface="Times New Roman" panose="02020603050405020304" pitchFamily="18" charset="0"/>
+                <a:cs typeface="Arial" panose="020B0604020202020204" pitchFamily="34" charset="0"/>
+              </a:rPr>
+              <a:t>true</a:t>
+            </a:r>
+            <a:r>
+              <a:rPr lang="en-US" sz="1200" dirty="0">
+                <a:solidFill>
+                  <a:srgbClr val="000000"/>
+                </a:solidFill>
+                <a:latin typeface="Courier New" panose="02070309020205020404" pitchFamily="49" charset="0"/>
+                <a:ea typeface="Times New Roman" panose="02020603050405020304" pitchFamily="18" charset="0"/>
+                <a:cs typeface="Arial" panose="020B0604020202020204" pitchFamily="34" charset="0"/>
+              </a:rPr>
+              <a:t>};</a:t>
+            </a:r>
+            <a:br>
+              <a:rPr lang="en-US" sz="1200" dirty="0">
+                <a:solidFill>
+                  <a:srgbClr val="000000"/>
+                </a:solidFill>
+                <a:latin typeface="Courier New" panose="02070309020205020404" pitchFamily="49" charset="0"/>
+                <a:ea typeface="Times New Roman" panose="02020603050405020304" pitchFamily="18" charset="0"/>
+                <a:cs typeface="Arial" panose="020B0604020202020204" pitchFamily="34" charset="0"/>
+              </a:rPr>
+            </a:br>
+            <a:r>
+              <a:rPr lang="en-US" sz="1200" dirty="0">
+                <a:solidFill>
+                  <a:srgbClr val="000000"/>
+                </a:solidFill>
+                <a:latin typeface="Courier New" panose="02070309020205020404" pitchFamily="49" charset="0"/>
+                <a:ea typeface="Times New Roman" panose="02020603050405020304" pitchFamily="18" charset="0"/>
+                <a:cs typeface="Arial" panose="020B0604020202020204" pitchFamily="34" charset="0"/>
+              </a:rPr>
+              <a:t>    }</a:t>
+            </a:r>
+            <a:br>
+              <a:rPr lang="en-US" sz="1200" dirty="0">
+                <a:solidFill>
+                  <a:srgbClr val="000000"/>
+                </a:solidFill>
+                <a:latin typeface="Courier New" panose="02070309020205020404" pitchFamily="49" charset="0"/>
+                <a:ea typeface="Times New Roman" panose="02020603050405020304" pitchFamily="18" charset="0"/>
+                <a:cs typeface="Arial" panose="020B0604020202020204" pitchFamily="34" charset="0"/>
+              </a:rPr>
+            </a:br>
+            <a:r>
+              <a:rPr lang="en-US" sz="1200" dirty="0">
+                <a:solidFill>
+                  <a:srgbClr val="000000"/>
+                </a:solidFill>
+                <a:latin typeface="Courier New" panose="02070309020205020404" pitchFamily="49" charset="0"/>
+                <a:ea typeface="Times New Roman" panose="02020603050405020304" pitchFamily="18" charset="0"/>
+                <a:cs typeface="Arial" panose="020B0604020202020204" pitchFamily="34" charset="0"/>
+              </a:rPr>
+              <a:t>    </a:t>
+            </a:r>
+            <a:r>
+              <a:rPr lang="en-US" sz="1200" b="1" dirty="0">
+                <a:solidFill>
+                  <a:srgbClr val="000080"/>
+                </a:solidFill>
+                <a:latin typeface="Courier New" panose="02070309020205020404" pitchFamily="49" charset="0"/>
+                <a:ea typeface="Times New Roman" panose="02020603050405020304" pitchFamily="18" charset="0"/>
+                <a:cs typeface="Arial" panose="020B0604020202020204" pitchFamily="34" charset="0"/>
+              </a:rPr>
+              <a:t>return null</a:t>
+            </a:r>
+            <a:r>
+              <a:rPr lang="en-US" sz="1200" dirty="0">
+                <a:solidFill>
+                  <a:srgbClr val="000000"/>
+                </a:solidFill>
+                <a:latin typeface="Courier New" panose="02070309020205020404" pitchFamily="49" charset="0"/>
+                <a:ea typeface="Times New Roman" panose="02020603050405020304" pitchFamily="18" charset="0"/>
+                <a:cs typeface="Arial" panose="020B0604020202020204" pitchFamily="34" charset="0"/>
+              </a:rPr>
+              <a:t>;</a:t>
+            </a:r>
+            <a:br>
+              <a:rPr lang="en-US" sz="1200" dirty="0">
+                <a:solidFill>
+                  <a:srgbClr val="000000"/>
+                </a:solidFill>
+                <a:latin typeface="Courier New" panose="02070309020205020404" pitchFamily="49" charset="0"/>
+                <a:ea typeface="Times New Roman" panose="02020603050405020304" pitchFamily="18" charset="0"/>
+                <a:cs typeface="Arial" panose="020B0604020202020204" pitchFamily="34" charset="0"/>
+              </a:rPr>
+            </a:br>
+            <a:r>
+              <a:rPr lang="en-US" sz="1200" dirty="0">
+                <a:solidFill>
+                  <a:srgbClr val="000000"/>
+                </a:solidFill>
+                <a:latin typeface="Courier New" panose="02070309020205020404" pitchFamily="49" charset="0"/>
+                <a:ea typeface="Times New Roman" panose="02020603050405020304" pitchFamily="18" charset="0"/>
+                <a:cs typeface="Arial" panose="020B0604020202020204" pitchFamily="34" charset="0"/>
+              </a:rPr>
+              <a:t>  }</a:t>
+            </a:r>
+            <a:br>
+              <a:rPr lang="en-US" sz="1200" dirty="0">
+                <a:solidFill>
+                  <a:srgbClr val="000000"/>
+                </a:solidFill>
+                <a:latin typeface="Courier New" panose="02070309020205020404" pitchFamily="49" charset="0"/>
+                <a:ea typeface="Times New Roman" panose="02020603050405020304" pitchFamily="18" charset="0"/>
+                <a:cs typeface="Arial" panose="020B0604020202020204" pitchFamily="34" charset="0"/>
+              </a:rPr>
+            </a:br>
+            <a:r>
+              <a:rPr lang="en-US" sz="1200" dirty="0">
+                <a:solidFill>
+                  <a:srgbClr val="000000"/>
+                </a:solidFill>
+                <a:latin typeface="Courier New" panose="02070309020205020404" pitchFamily="49" charset="0"/>
+                <a:ea typeface="Times New Roman" panose="02020603050405020304" pitchFamily="18" charset="0"/>
+                <a:cs typeface="Arial" panose="020B0604020202020204" pitchFamily="34" charset="0"/>
+              </a:rPr>
+              <a:t/>
+            </a:r>
+            <a:br>
+              <a:rPr lang="en-US" sz="1200" dirty="0">
+                <a:solidFill>
+                  <a:srgbClr val="000000"/>
+                </a:solidFill>
+                <a:latin typeface="Courier New" panose="02070309020205020404" pitchFamily="49" charset="0"/>
+                <a:ea typeface="Times New Roman" panose="02020603050405020304" pitchFamily="18" charset="0"/>
+                <a:cs typeface="Arial" panose="020B0604020202020204" pitchFamily="34" charset="0"/>
+              </a:rPr>
+            </a:br>
+            <a:r>
+              <a:rPr lang="en-US" sz="1200" dirty="0">
+                <a:solidFill>
+                  <a:srgbClr val="000000"/>
+                </a:solidFill>
+                <a:latin typeface="Courier New" panose="02070309020205020404" pitchFamily="49" charset="0"/>
+                <a:ea typeface="Times New Roman" panose="02020603050405020304" pitchFamily="18" charset="0"/>
+                <a:cs typeface="Arial" panose="020B0604020202020204" pitchFamily="34" charset="0"/>
+              </a:rPr>
+              <a:t>}</a:t>
+            </a:r>
+            <a:endParaRPr lang="en-US" sz="1200" dirty="0">
+              <a:effectLst/>
+              <a:latin typeface="Calibri" panose="020F0502020204030204" pitchFamily="34" charset="0"/>
+              <a:ea typeface="Calibri" panose="020F0502020204030204" pitchFamily="34" charset="0"/>
+              <a:cs typeface="Arial" panose="020B0604020202020204" pitchFamily="34" charset="0"/>
+            </a:endParaRPr>
+          </a:p>
+        </p:txBody>
+      </p:sp>
+      <p:sp>
+        <p:nvSpPr>
+          <p:cNvPr id="7" name="Rectangle 6"/>
+          <p:cNvSpPr/>
+          <p:nvPr/>
+        </p:nvSpPr>
+        <p:spPr>
+          <a:xfrm>
+            <a:off x="4716016" y="1628800"/>
+            <a:ext cx="1728192" cy="936104"/>
+          </a:xfrm>
+          <a:prstGeom prst="rect">
+            <a:avLst/>
+          </a:prstGeom>
+        </p:spPr>
+        <p:style>
+          <a:lnRef idx="2">
+            <a:schemeClr val="accent1">
+              <a:shade val="50000"/>
+            </a:schemeClr>
+          </a:lnRef>
+          <a:fillRef idx="1">
+            <a:schemeClr val="accent1"/>
+          </a:fillRef>
+          <a:effectRef idx="0">
+            <a:schemeClr val="accent1"/>
+          </a:effectRef>
+          <a:fontRef idx="minor">
+            <a:schemeClr val="lt1"/>
+          </a:fontRef>
+        </p:style>
+        <p:txBody>
+          <a:bodyPr rtlCol="0" anchor="ctr"/>
+          <a:lstStyle/>
+          <a:p>
+            <a:r>
+              <a:rPr lang="en-US" sz="1600" dirty="0"/>
+              <a:t>An array of forbidden names to the username control.</a:t>
+            </a:r>
+          </a:p>
+        </p:txBody>
+      </p:sp>
+      <p:cxnSp>
+        <p:nvCxnSpPr>
+          <p:cNvPr id="9" name="Straight Arrow Connector 8"/>
+          <p:cNvCxnSpPr/>
+          <p:nvPr/>
+        </p:nvCxnSpPr>
+        <p:spPr>
+          <a:xfrm flipH="1">
+            <a:off x="3563888" y="2060848"/>
+            <a:ext cx="1152128" cy="0"/>
+          </a:xfrm>
+          <a:prstGeom prst="straightConnector1">
+            <a:avLst/>
+          </a:prstGeom>
+          <a:ln>
+            <a:tailEnd type="triangle"/>
+          </a:ln>
+        </p:spPr>
+        <p:style>
+          <a:lnRef idx="1">
+            <a:schemeClr val="accent1"/>
+          </a:lnRef>
+          <a:fillRef idx="0">
+            <a:schemeClr val="accent1"/>
+          </a:fillRef>
+          <a:effectRef idx="0">
+            <a:schemeClr val="accent1"/>
+          </a:effectRef>
+          <a:fontRef idx="minor">
+            <a:schemeClr val="tx1"/>
+          </a:fontRef>
+        </p:style>
+      </p:cxnSp>
+      <p:sp>
+        <p:nvSpPr>
+          <p:cNvPr id="10" name="Rectangle 9"/>
+          <p:cNvSpPr/>
+          <p:nvPr/>
+        </p:nvSpPr>
+        <p:spPr>
+          <a:xfrm>
+            <a:off x="251520" y="5013176"/>
+            <a:ext cx="5472608" cy="1224136"/>
+          </a:xfrm>
+          <a:prstGeom prst="rect">
+            <a:avLst/>
+          </a:prstGeom>
+          <a:noFill/>
+        </p:spPr>
+        <p:style>
+          <a:lnRef idx="2">
+            <a:schemeClr val="accent1">
+              <a:shade val="50000"/>
+            </a:schemeClr>
+          </a:lnRef>
+          <a:fillRef idx="1">
+            <a:schemeClr val="accent1"/>
+          </a:fillRef>
+          <a:effectRef idx="0">
+            <a:schemeClr val="accent1"/>
+          </a:effectRef>
+          <a:fontRef idx="minor">
+            <a:schemeClr val="lt1"/>
+          </a:fontRef>
+        </p:style>
+        <p:txBody>
+          <a:bodyPr rtlCol="0" anchor="ctr"/>
+          <a:lstStyle/>
+          <a:p>
+            <a:pPr algn="ctr"/>
+            <a:endParaRPr lang="en-US"/>
+          </a:p>
+        </p:txBody>
+      </p:sp>
+      <p:sp>
+        <p:nvSpPr>
+          <p:cNvPr id="11" name="Rectangle 10"/>
+          <p:cNvSpPr/>
+          <p:nvPr/>
+        </p:nvSpPr>
+        <p:spPr>
+          <a:xfrm>
+            <a:off x="4319972" y="4007370"/>
+            <a:ext cx="2808312" cy="648072"/>
+          </a:xfrm>
+          <a:prstGeom prst="rect">
+            <a:avLst/>
+          </a:prstGeom>
+        </p:spPr>
+        <p:style>
+          <a:lnRef idx="2">
+            <a:schemeClr val="accent1">
+              <a:shade val="50000"/>
+            </a:schemeClr>
+          </a:lnRef>
+          <a:fillRef idx="1">
+            <a:schemeClr val="accent1"/>
+          </a:fillRef>
+          <a:effectRef idx="0">
+            <a:schemeClr val="accent1"/>
+          </a:effectRef>
+          <a:fontRef idx="minor">
+            <a:schemeClr val="lt1"/>
+          </a:fontRef>
+        </p:style>
+        <p:txBody>
+          <a:bodyPr rtlCol="0" anchor="ctr"/>
+          <a:lstStyle/>
+          <a:p>
+            <a:r>
+              <a:rPr lang="en-US" sz="1400" dirty="0"/>
+              <a:t>Costume validator function that returns a key value pair in string type &amp; a boolean.</a:t>
+            </a:r>
+          </a:p>
+        </p:txBody>
+      </p:sp>
+      <p:cxnSp>
+        <p:nvCxnSpPr>
+          <p:cNvPr id="13" name="Straight Arrow Connector 12"/>
+          <p:cNvCxnSpPr/>
+          <p:nvPr/>
+        </p:nvCxnSpPr>
+        <p:spPr>
+          <a:xfrm flipH="1">
+            <a:off x="4427984" y="4715678"/>
+            <a:ext cx="432048" cy="369506"/>
+          </a:xfrm>
+          <a:prstGeom prst="straightConnector1">
+            <a:avLst/>
+          </a:prstGeom>
+          <a:ln>
+            <a:tailEnd type="triangle"/>
+          </a:ln>
+        </p:spPr>
+        <p:style>
+          <a:lnRef idx="1">
+            <a:schemeClr val="accent1"/>
+          </a:lnRef>
+          <a:fillRef idx="0">
+            <a:schemeClr val="accent1"/>
+          </a:fillRef>
+          <a:effectRef idx="0">
+            <a:schemeClr val="accent1"/>
+          </a:effectRef>
+          <a:fontRef idx="minor">
+            <a:schemeClr val="tx1"/>
+          </a:fontRef>
+        </p:style>
+      </p:cxnSp>
+      <p:sp>
+        <p:nvSpPr>
+          <p:cNvPr id="14" name="Rectangle 13"/>
+          <p:cNvSpPr/>
+          <p:nvPr/>
+        </p:nvSpPr>
+        <p:spPr>
+          <a:xfrm>
+            <a:off x="6084168" y="4900431"/>
+            <a:ext cx="2952328" cy="1408889"/>
+          </a:xfrm>
+          <a:prstGeom prst="rect">
+            <a:avLst/>
+          </a:prstGeom>
+        </p:spPr>
+        <p:style>
+          <a:lnRef idx="2">
+            <a:schemeClr val="accent1">
+              <a:shade val="50000"/>
+            </a:schemeClr>
+          </a:lnRef>
+          <a:fillRef idx="1">
+            <a:schemeClr val="accent1"/>
+          </a:fillRef>
+          <a:effectRef idx="0">
+            <a:schemeClr val="accent1"/>
+          </a:effectRef>
+          <a:fontRef idx="minor">
+            <a:schemeClr val="lt1"/>
+          </a:fontRef>
+        </p:style>
+        <p:txBody>
+          <a:bodyPr rtlCol="0" anchor="ctr"/>
+          <a:lstStyle/>
+          <a:p>
+            <a:r>
+              <a:rPr lang="en-US" sz="1400" dirty="0"/>
+              <a:t>The example show a common used case for custom validator which checks if the user typed any value that matches the forbidden usernames list values and return an error message.</a:t>
+            </a:r>
+          </a:p>
+        </p:txBody>
+      </p:sp>
+      <p:cxnSp>
+        <p:nvCxnSpPr>
+          <p:cNvPr id="16" name="Straight Arrow Connector 15"/>
+          <p:cNvCxnSpPr/>
+          <p:nvPr/>
+        </p:nvCxnSpPr>
+        <p:spPr>
+          <a:xfrm flipH="1" flipV="1">
+            <a:off x="3779912" y="5604875"/>
+            <a:ext cx="2160240" cy="56373"/>
+          </a:xfrm>
+          <a:prstGeom prst="straightConnector1">
+            <a:avLst/>
+          </a:prstGeom>
+          <a:ln>
+            <a:tailEnd type="triangle"/>
+          </a:ln>
+        </p:spPr>
+        <p:style>
+          <a:lnRef idx="1">
+            <a:schemeClr val="accent1"/>
+          </a:lnRef>
+          <a:fillRef idx="0">
+            <a:schemeClr val="accent1"/>
+          </a:fillRef>
+          <a:effectRef idx="0">
+            <a:schemeClr val="accent1"/>
+          </a:effectRef>
+          <a:fontRef idx="minor">
+            <a:schemeClr val="tx1"/>
+          </a:fontRef>
+        </p:style>
+      </p:cxnSp>
+      <p:sp>
+        <p:nvSpPr>
+          <p:cNvPr id="17" name="Rectangle 16"/>
+          <p:cNvSpPr/>
+          <p:nvPr/>
+        </p:nvSpPr>
+        <p:spPr>
+          <a:xfrm>
+            <a:off x="7128284" y="2564904"/>
+            <a:ext cx="1889792" cy="1368152"/>
+          </a:xfrm>
+          <a:prstGeom prst="rect">
+            <a:avLst/>
+          </a:prstGeom>
+        </p:spPr>
+        <p:style>
+          <a:lnRef idx="2">
+            <a:schemeClr val="accent1">
+              <a:shade val="50000"/>
+            </a:schemeClr>
+          </a:lnRef>
+          <a:fillRef idx="1">
+            <a:schemeClr val="accent1"/>
+          </a:fillRef>
+          <a:effectRef idx="0">
+            <a:schemeClr val="accent1"/>
+          </a:effectRef>
+          <a:fontRef idx="minor">
+            <a:schemeClr val="lt1"/>
+          </a:fontRef>
+        </p:style>
+        <p:txBody>
+          <a:bodyPr rtlCol="0" anchor="ctr"/>
+          <a:lstStyle/>
+          <a:p>
+            <a:r>
+              <a:rPr lang="en-US" sz="1400" dirty="0"/>
+              <a:t>The ‘this’ word must be bound to the function for without bounding it, the ‘this’ word will refer to the costume validator function.</a:t>
+            </a:r>
+          </a:p>
+        </p:txBody>
+      </p:sp>
+      <p:cxnSp>
+        <p:nvCxnSpPr>
+          <p:cNvPr id="19" name="Straight Arrow Connector 18"/>
+          <p:cNvCxnSpPr/>
+          <p:nvPr/>
+        </p:nvCxnSpPr>
+        <p:spPr>
+          <a:xfrm flipH="1">
+            <a:off x="6444208" y="3248980"/>
+            <a:ext cx="576064" cy="0"/>
+          </a:xfrm>
+          <a:prstGeom prst="straightConnector1">
+            <a:avLst/>
+          </a:prstGeom>
+          <a:ln>
+            <a:tailEnd type="triangle"/>
+          </a:ln>
+        </p:spPr>
+        <p:style>
+          <a:lnRef idx="1">
+            <a:schemeClr val="accent1"/>
+          </a:lnRef>
+          <a:fillRef idx="0">
+            <a:schemeClr val="accent1"/>
+          </a:fillRef>
+          <a:effectRef idx="0">
+            <a:schemeClr val="accent1"/>
+          </a:effectRef>
+          <a:fontRef idx="minor">
+            <a:schemeClr val="tx1"/>
+          </a:fontRef>
+        </p:style>
+      </p:cxnSp>
+    </p:spTree>
+    <p:extLst>
+      <p:ext uri="{BB962C8B-B14F-4D97-AF65-F5344CB8AC3E}">
+        <p14:creationId xmlns:p14="http://schemas.microsoft.com/office/powerpoint/2010/main" val="3841917048"/>
+      </p:ext>
+    </p:extLst>
+  </p:cSld>
+  <p:clrMapOvr>
+    <a:masterClrMapping/>
+  </p:clrMapOvr>
+</p:sld>
+</file>
+
+<file path=ppt/slides/slide39.xml><?xml version="1.0" encoding="utf-8"?>
+<p:sld xmlns:a="http://schemas.openxmlformats.org/drawingml/2006/main" xmlns:r="http://schemas.openxmlformats.org/officeDocument/2006/relationships" xmlns:p="http://schemas.openxmlformats.org/presentationml/2006/main">
+  <p:cSld>
+    <p:spTree>
+      <p:nvGrpSpPr>
+        <p:cNvPr id="1" name=""/>
+        <p:cNvGrpSpPr/>
+        <p:nvPr/>
+      </p:nvGrpSpPr>
+      <p:grpSpPr>
+        <a:xfrm>
+          <a:off x="0" y="0"/>
+          <a:ext cx="0" cy="0"/>
+          <a:chOff x="0" y="0"/>
+          <a:chExt cx="0" cy="0"/>
+        </a:xfrm>
+      </p:grpSpPr>
+      <p:sp>
+        <p:nvSpPr>
+          <p:cNvPr id="2" name="Title 1"/>
+          <p:cNvSpPr>
+            <a:spLocks noGrp="1"/>
+          </p:cNvSpPr>
+          <p:nvPr>
+            <p:ph type="title"/>
+          </p:nvPr>
+        </p:nvSpPr>
+        <p:spPr/>
+        <p:txBody>
+          <a:bodyPr/>
+          <a:lstStyle/>
+          <a:p>
+            <a:r>
+              <a:rPr lang="en-US" dirty="0"/>
+              <a:t>Costume Validators</a:t>
+            </a:r>
+          </a:p>
+        </p:txBody>
+      </p:sp>
+      <p:sp>
+        <p:nvSpPr>
+          <p:cNvPr id="3" name="Footer Placeholder 2"/>
+          <p:cNvSpPr>
+            <a:spLocks noGrp="1"/>
+          </p:cNvSpPr>
+          <p:nvPr>
+            <p:ph type="ftr" sz="quarter" idx="11"/>
+          </p:nvPr>
+        </p:nvSpPr>
+        <p:spPr/>
+        <p:txBody>
+          <a:bodyPr/>
+          <a:lstStyle/>
+          <a:p>
+            <a:r>
+              <a:rPr lang="en-US" dirty="0"/>
+              <a:t>© 2017 Ori </a:t>
+            </a:r>
+            <a:r>
+              <a:rPr lang="en-US" dirty="0" err="1"/>
+              <a:t>Calvo</a:t>
+            </a:r>
+            <a:endParaRPr lang="en-US" dirty="0"/>
+          </a:p>
+        </p:txBody>
+      </p:sp>
+      <p:sp>
+        <p:nvSpPr>
+          <p:cNvPr id="4" name="Slide Number Placeholder 3"/>
+          <p:cNvSpPr>
+            <a:spLocks noGrp="1"/>
+          </p:cNvSpPr>
+          <p:nvPr>
+            <p:ph type="sldNum" sz="quarter" idx="12"/>
+          </p:nvPr>
+        </p:nvSpPr>
+        <p:spPr/>
+        <p:txBody>
+          <a:bodyPr>
+            <a:normAutofit fontScale="85000" lnSpcReduction="20000"/>
+          </a:bodyPr>
+          <a:lstStyle/>
+          <a:p>
+            <a:fld id="{6EDEC3BC-0694-4586-AE63-02B4D54ABF43}" type="slidenum">
+              <a:rPr lang="en-US" smtClean="0"/>
+              <a:pPr/>
+              <a:t>39</a:t>
+            </a:fld>
+            <a:endParaRPr lang="en-US"/>
+          </a:p>
+        </p:txBody>
+      </p:sp>
+      <p:sp>
+        <p:nvSpPr>
+          <p:cNvPr id="5" name="Content Placeholder 4"/>
+          <p:cNvSpPr>
+            <a:spLocks noGrp="1"/>
+          </p:cNvSpPr>
+          <p:nvPr>
+            <p:ph sz="quarter" idx="1"/>
+          </p:nvPr>
+        </p:nvSpPr>
+        <p:spPr>
+          <a:xfrm>
+            <a:off x="612648" y="1600200"/>
+            <a:ext cx="8153400" cy="964704"/>
+          </a:xfrm>
+        </p:spPr>
+        <p:txBody>
+          <a:bodyPr>
+            <a:normAutofit lnSpcReduction="10000"/>
+          </a:bodyPr>
+          <a:lstStyle/>
+          <a:p>
+            <a:r>
+              <a:rPr lang="en-US" dirty="0"/>
+              <a:t>The function will eventually change the element control state to:</a:t>
+            </a:r>
+          </a:p>
+          <a:p>
+            <a:pPr marL="0" indent="0">
+              <a:buNone/>
+            </a:pPr>
+            <a:endParaRPr lang="en-US" dirty="0"/>
+          </a:p>
+        </p:txBody>
+      </p:sp>
+      <p:sp>
+        <p:nvSpPr>
+          <p:cNvPr id="6" name="Rectangle 1"/>
+          <p:cNvSpPr>
+            <a:spLocks noChangeArrowheads="1"/>
+          </p:cNvSpPr>
+          <p:nvPr/>
+        </p:nvSpPr>
+        <p:spPr bwMode="auto">
+          <a:xfrm>
+            <a:off x="683568" y="2600401"/>
+            <a:ext cx="5736298" cy="1077218"/>
+          </a:xfrm>
+          <a:prstGeom prst="rect">
+            <a:avLst/>
+          </a:prstGeom>
+          <a:solidFill>
+            <a:srgbClr val="FFFFFF"/>
+          </a:solidFill>
+          <a:ln>
+            <a:noFill/>
+          </a:ln>
+          <a:effectLst/>
+          <a:extLst>
+            <a:ext uri="{91240B29-F687-4F45-9708-019B960494DF}">
+              <a14:hiddenLine xmlns:a14="http://schemas.microsoft.com/office/drawing/2010/main" w="9525">
+                <a:solidFill>
+                  <a:schemeClr val="tx1"/>
+                </a:solidFill>
+                <a:miter lim="800000"/>
+                <a:headEnd/>
+                <a:tailEnd/>
+              </a14:hiddenLine>
+            </a:ext>
+            <a:ext uri="{AF507438-7753-43E0-B8FC-AC1667EBCBE1}">
+              <a14:hiddenEffects xmlns:a14="http://schemas.microsoft.com/office/drawing/2010/main">
+                <a:effectLst>
+                  <a:outerShdw dist="35921" dir="2700000" algn="ctr" rotWithShape="0">
+                    <a:schemeClr val="bg2"/>
+                  </a:outerShdw>
+                </a:effectLst>
+              </a14:hiddenEffects>
+            </a:ext>
+          </a:extLst>
+        </p:spPr>
+        <p:txBody>
+          <a:bodyPr vert="horz" wrap="square" lIns="0" tIns="0" rIns="0" bIns="0" numCol="1" anchor="ctr" anchorCtr="0" compatLnSpc="1">
+            <a:prstTxWarp prst="textNoShape">
+              <a:avLst/>
+            </a:prstTxWarp>
+            <a:spAutoFit/>
+          </a:bodyPr>
+          <a:lstStyle/>
+          <a:p>
+            <a:pPr marL="0" marR="0" lvl="0" indent="0" algn="l" defTabSz="914400" rtl="0" eaLnBrk="0" fontAlgn="base" latinLnBrk="0" hangingPunct="0">
+              <a:lnSpc>
+                <a:spcPct val="100000"/>
+              </a:lnSpc>
+              <a:spcBef>
+                <a:spcPct val="0"/>
+              </a:spcBef>
+              <a:spcAft>
+                <a:spcPct val="0"/>
+              </a:spcAft>
+              <a:buClrTx/>
+              <a:buSzTx/>
+              <a:buFontTx/>
+              <a:buNone/>
+              <a:tabLst/>
+            </a:pPr>
+            <a:r>
+              <a:rPr kumimoji="0" lang="en-US" altLang="en-US" sz="1400" b="0" i="0" u="none" strike="noStrike" cap="none" normalizeH="0" baseline="0">
+                <a:ln>
+                  <a:noFill/>
+                </a:ln>
+                <a:solidFill>
+                  <a:srgbClr val="000000"/>
+                </a:solidFill>
+                <a:effectLst/>
+                <a:latin typeface="Arial Unicode MS"/>
+                <a:ea typeface="Times New Roman" panose="02020603050405020304" pitchFamily="18" charset="0"/>
+                <a:cs typeface="Courier New" panose="02070309020205020404" pitchFamily="49" charset="0"/>
+              </a:rPr>
+              <a:t>&lt;input _ngcontent-c0=</a:t>
+            </a:r>
+            <a:r>
+              <a:rPr kumimoji="0" lang="en-US" altLang="en-US" sz="1400" b="1" i="0" u="none" strike="noStrike" cap="none" normalizeH="0" baseline="0">
+                <a:ln>
+                  <a:noFill/>
+                </a:ln>
+                <a:solidFill>
+                  <a:srgbClr val="008000"/>
+                </a:solidFill>
+                <a:effectLst/>
+                <a:latin typeface="Arial Unicode MS"/>
+                <a:ea typeface="Times New Roman" panose="02020603050405020304" pitchFamily="18" charset="0"/>
+                <a:cs typeface="Courier New" panose="02070309020205020404" pitchFamily="49" charset="0"/>
+              </a:rPr>
+              <a:t>"" </a:t>
+            </a:r>
+            <a:r>
+              <a:rPr kumimoji="0" lang="en-US" altLang="en-US" sz="1400" b="1" i="0" u="none" strike="noStrike" cap="none" normalizeH="0" baseline="0">
+                <a:ln>
+                  <a:noFill/>
+                </a:ln>
+                <a:solidFill>
+                  <a:srgbClr val="000080"/>
+                </a:solidFill>
+                <a:effectLst/>
+                <a:latin typeface="Arial Unicode MS"/>
+                <a:ea typeface="Times New Roman" panose="02020603050405020304" pitchFamily="18" charset="0"/>
+                <a:cs typeface="Courier New" panose="02070309020205020404" pitchFamily="49" charset="0"/>
+              </a:rPr>
+              <a:t>class</a:t>
+            </a:r>
+            <a:r>
+              <a:rPr kumimoji="0" lang="en-US" altLang="en-US" sz="1400" b="0" i="0" u="none" strike="noStrike" cap="none" normalizeH="0" baseline="0">
+                <a:ln>
+                  <a:noFill/>
+                </a:ln>
+                <a:solidFill>
+                  <a:srgbClr val="000000"/>
+                </a:solidFill>
+                <a:effectLst/>
+                <a:latin typeface="Arial Unicode MS"/>
+                <a:ea typeface="Times New Roman" panose="02020603050405020304" pitchFamily="18" charset="0"/>
+                <a:cs typeface="Courier New" panose="02070309020205020404" pitchFamily="49" charset="0"/>
+              </a:rPr>
+              <a:t>=</a:t>
+            </a:r>
+            <a:r>
+              <a:rPr kumimoji="0" lang="en-US" altLang="en-US" sz="1400" b="1" i="0" u="none" strike="noStrike" cap="none" normalizeH="0" baseline="0">
+                <a:ln>
+                  <a:noFill/>
+                </a:ln>
+                <a:solidFill>
+                  <a:srgbClr val="008000"/>
+                </a:solidFill>
+                <a:effectLst/>
+                <a:latin typeface="Arial Unicode MS"/>
+                <a:ea typeface="Times New Roman" panose="02020603050405020304" pitchFamily="18" charset="0"/>
+                <a:cs typeface="Courier New" panose="02070309020205020404" pitchFamily="49" charset="0"/>
+              </a:rPr>
+              <a:t>"form-control ng-dirty ng-invalid ng-touched" </a:t>
+            </a:r>
+            <a:br>
+              <a:rPr kumimoji="0" lang="en-US" altLang="en-US" sz="1400" b="1" i="0" u="none" strike="noStrike" cap="none" normalizeH="0" baseline="0">
+                <a:ln>
+                  <a:noFill/>
+                </a:ln>
+                <a:solidFill>
+                  <a:srgbClr val="008000"/>
+                </a:solidFill>
+                <a:effectLst/>
+                <a:latin typeface="Arial Unicode MS"/>
+                <a:ea typeface="Times New Roman" panose="02020603050405020304" pitchFamily="18" charset="0"/>
+                <a:cs typeface="Courier New" panose="02070309020205020404" pitchFamily="49" charset="0"/>
+              </a:rPr>
+            </a:br>
+            <a:r>
+              <a:rPr kumimoji="0" lang="en-US" altLang="en-US" sz="1400" b="1" i="0" u="none" strike="noStrike" cap="none" normalizeH="0" baseline="0">
+                <a:ln>
+                  <a:noFill/>
+                </a:ln>
+                <a:solidFill>
+                  <a:srgbClr val="660E7A"/>
+                </a:solidFill>
+                <a:effectLst/>
+                <a:latin typeface="Arial Unicode MS"/>
+                <a:ea typeface="Times New Roman" panose="02020603050405020304" pitchFamily="18" charset="0"/>
+                <a:cs typeface="Courier New" panose="02070309020205020404" pitchFamily="49" charset="0"/>
+              </a:rPr>
+              <a:t>formcontrolname</a:t>
+            </a:r>
+            <a:r>
+              <a:rPr kumimoji="0" lang="en-US" altLang="en-US" sz="1400" b="0" i="0" u="none" strike="noStrike" cap="none" normalizeH="0" baseline="0">
+                <a:ln>
+                  <a:noFill/>
+                </a:ln>
+                <a:solidFill>
+                  <a:srgbClr val="000000"/>
+                </a:solidFill>
+                <a:effectLst/>
+                <a:latin typeface="Arial Unicode MS"/>
+                <a:ea typeface="Times New Roman" panose="02020603050405020304" pitchFamily="18" charset="0"/>
+                <a:cs typeface="Courier New" panose="02070309020205020404" pitchFamily="49" charset="0"/>
+              </a:rPr>
+              <a:t>=</a:t>
+            </a:r>
+            <a:r>
+              <a:rPr kumimoji="0" lang="en-US" altLang="en-US" sz="1400" b="1" i="0" u="none" strike="noStrike" cap="none" normalizeH="0" baseline="0">
+                <a:ln>
+                  <a:noFill/>
+                </a:ln>
+                <a:solidFill>
+                  <a:srgbClr val="008000"/>
+                </a:solidFill>
+                <a:effectLst/>
+                <a:latin typeface="Arial Unicode MS"/>
+                <a:ea typeface="Times New Roman" panose="02020603050405020304" pitchFamily="18" charset="0"/>
+                <a:cs typeface="Courier New" panose="02070309020205020404" pitchFamily="49" charset="0"/>
+              </a:rPr>
+              <a:t>"username" </a:t>
+            </a:r>
+            <a:br>
+              <a:rPr kumimoji="0" lang="en-US" altLang="en-US" sz="1400" b="1" i="0" u="none" strike="noStrike" cap="none" normalizeH="0" baseline="0">
+                <a:ln>
+                  <a:noFill/>
+                </a:ln>
+                <a:solidFill>
+                  <a:srgbClr val="008000"/>
+                </a:solidFill>
+                <a:effectLst/>
+                <a:latin typeface="Arial Unicode MS"/>
+                <a:ea typeface="Times New Roman" panose="02020603050405020304" pitchFamily="18" charset="0"/>
+                <a:cs typeface="Courier New" panose="02070309020205020404" pitchFamily="49" charset="0"/>
+              </a:rPr>
+            </a:br>
+            <a:r>
+              <a:rPr kumimoji="0" lang="en-US" altLang="en-US" sz="1400" b="1" i="0" u="none" strike="noStrike" cap="none" normalizeH="0" baseline="0">
+                <a:ln>
+                  <a:noFill/>
+                </a:ln>
+                <a:solidFill>
+                  <a:srgbClr val="660E7A"/>
+                </a:solidFill>
+                <a:effectLst/>
+                <a:latin typeface="Arial Unicode MS"/>
+                <a:ea typeface="Times New Roman" panose="02020603050405020304" pitchFamily="18" charset="0"/>
+                <a:cs typeface="Courier New" panose="02070309020205020404" pitchFamily="49" charset="0"/>
+              </a:rPr>
+              <a:t>id</a:t>
+            </a:r>
+            <a:r>
+              <a:rPr kumimoji="0" lang="en-US" altLang="en-US" sz="1400" b="0" i="0" u="none" strike="noStrike" cap="none" normalizeH="0" baseline="0">
+                <a:ln>
+                  <a:noFill/>
+                </a:ln>
+                <a:solidFill>
+                  <a:srgbClr val="000000"/>
+                </a:solidFill>
+                <a:effectLst/>
+                <a:latin typeface="Arial Unicode MS"/>
+                <a:ea typeface="Times New Roman" panose="02020603050405020304" pitchFamily="18" charset="0"/>
+                <a:cs typeface="Courier New" panose="02070309020205020404" pitchFamily="49" charset="0"/>
+              </a:rPr>
+              <a:t>=</a:t>
+            </a:r>
+            <a:r>
+              <a:rPr kumimoji="0" lang="en-US" altLang="en-US" sz="1400" b="1" i="0" u="none" strike="noStrike" cap="none" normalizeH="0" baseline="0">
+                <a:ln>
+                  <a:noFill/>
+                </a:ln>
+                <a:solidFill>
+                  <a:srgbClr val="008000"/>
+                </a:solidFill>
+                <a:effectLst/>
+                <a:latin typeface="Arial Unicode MS"/>
+                <a:ea typeface="Times New Roman" panose="02020603050405020304" pitchFamily="18" charset="0"/>
+                <a:cs typeface="Courier New" panose="02070309020205020404" pitchFamily="49" charset="0"/>
+              </a:rPr>
+              <a:t>"username" </a:t>
+            </a:r>
+            <a:r>
+              <a:rPr kumimoji="0" lang="en-US" altLang="en-US" sz="1400" b="1" i="0" u="none" strike="noStrike" cap="none" normalizeH="0" baseline="0">
+                <a:ln>
+                  <a:noFill/>
+                </a:ln>
+                <a:solidFill>
+                  <a:srgbClr val="660E7A"/>
+                </a:solidFill>
+                <a:effectLst/>
+                <a:latin typeface="Arial Unicode MS"/>
+                <a:ea typeface="Times New Roman" panose="02020603050405020304" pitchFamily="18" charset="0"/>
+                <a:cs typeface="Courier New" panose="02070309020205020404" pitchFamily="49" charset="0"/>
+              </a:rPr>
+              <a:t>type</a:t>
+            </a:r>
+            <a:r>
+              <a:rPr kumimoji="0" lang="en-US" altLang="en-US" sz="1400" b="0" i="0" u="none" strike="noStrike" cap="none" normalizeH="0" baseline="0">
+                <a:ln>
+                  <a:noFill/>
+                </a:ln>
+                <a:solidFill>
+                  <a:srgbClr val="000000"/>
+                </a:solidFill>
+                <a:effectLst/>
+                <a:latin typeface="Arial Unicode MS"/>
+                <a:ea typeface="Times New Roman" panose="02020603050405020304" pitchFamily="18" charset="0"/>
+                <a:cs typeface="Courier New" panose="02070309020205020404" pitchFamily="49" charset="0"/>
+              </a:rPr>
+              <a:t>=</a:t>
+            </a:r>
+            <a:r>
+              <a:rPr kumimoji="0" lang="en-US" altLang="en-US" sz="1400" b="1" i="0" u="none" strike="noStrike" cap="none" normalizeH="0" baseline="0">
+                <a:ln>
+                  <a:noFill/>
+                </a:ln>
+                <a:solidFill>
+                  <a:srgbClr val="008000"/>
+                </a:solidFill>
+                <a:effectLst/>
+                <a:latin typeface="Arial Unicode MS"/>
+                <a:ea typeface="Times New Roman" panose="02020603050405020304" pitchFamily="18" charset="0"/>
+                <a:cs typeface="Courier New" panose="02070309020205020404" pitchFamily="49" charset="0"/>
+              </a:rPr>
+              <a:t>"text" </a:t>
+            </a:r>
+            <a:br>
+              <a:rPr kumimoji="0" lang="en-US" altLang="en-US" sz="1400" b="1" i="0" u="none" strike="noStrike" cap="none" normalizeH="0" baseline="0">
+                <a:ln>
+                  <a:noFill/>
+                </a:ln>
+                <a:solidFill>
+                  <a:srgbClr val="008000"/>
+                </a:solidFill>
+                <a:effectLst/>
+                <a:latin typeface="Arial Unicode MS"/>
+                <a:ea typeface="Times New Roman" panose="02020603050405020304" pitchFamily="18" charset="0"/>
+                <a:cs typeface="Courier New" panose="02070309020205020404" pitchFamily="49" charset="0"/>
+              </a:rPr>
+            </a:br>
+            <a:r>
+              <a:rPr kumimoji="0" lang="en-US" altLang="en-US" sz="1400" b="0" i="0" u="none" strike="noStrike" cap="none" normalizeH="0" baseline="0">
+                <a:ln>
+                  <a:noFill/>
+                </a:ln>
+                <a:solidFill>
+                  <a:srgbClr val="000000"/>
+                </a:solidFill>
+                <a:effectLst/>
+                <a:latin typeface="Arial Unicode MS"/>
+                <a:ea typeface="Times New Roman" panose="02020603050405020304" pitchFamily="18" charset="0"/>
+                <a:cs typeface="Courier New" panose="02070309020205020404" pitchFamily="49" charset="0"/>
+              </a:rPr>
+              <a:t>ng-reflect-name=</a:t>
+            </a:r>
+            <a:r>
+              <a:rPr kumimoji="0" lang="en-US" altLang="en-US" sz="1400" b="1" i="0" u="none" strike="noStrike" cap="none" normalizeH="0" baseline="0">
+                <a:ln>
+                  <a:noFill/>
+                </a:ln>
+                <a:solidFill>
+                  <a:srgbClr val="008000"/>
+                </a:solidFill>
+                <a:effectLst/>
+                <a:latin typeface="Arial Unicode MS"/>
+                <a:ea typeface="Times New Roman" panose="02020603050405020304" pitchFamily="18" charset="0"/>
+                <a:cs typeface="Courier New" panose="02070309020205020404" pitchFamily="49" charset="0"/>
+              </a:rPr>
+              <a:t>"username"</a:t>
+            </a:r>
+            <a:r>
+              <a:rPr kumimoji="0" lang="en-US" altLang="en-US" sz="1400" b="0" i="0" u="none" strike="noStrike" cap="none" normalizeH="0" baseline="0">
+                <a:ln>
+                  <a:noFill/>
+                </a:ln>
+                <a:solidFill>
+                  <a:srgbClr val="000000"/>
+                </a:solidFill>
+                <a:effectLst/>
+                <a:latin typeface="Arial Unicode MS"/>
+                <a:ea typeface="Times New Roman" panose="02020603050405020304" pitchFamily="18" charset="0"/>
+                <a:cs typeface="Courier New" panose="02070309020205020404" pitchFamily="49" charset="0"/>
+              </a:rPr>
+              <a:t>&gt;</a:t>
+            </a:r>
+            <a:r>
+              <a:rPr kumimoji="0" lang="en-US" altLang="en-US" sz="1400" b="0" i="0" u="none" strike="noStrike" cap="none" normalizeH="0" baseline="0">
+                <a:ln>
+                  <a:noFill/>
+                </a:ln>
+                <a:solidFill>
+                  <a:schemeClr val="tx1"/>
+                </a:solidFill>
+                <a:effectLst/>
+              </a:rPr>
+              <a:t> </a:t>
+            </a:r>
+            <a:endParaRPr kumimoji="0" lang="en-US" altLang="en-US" sz="1400" b="0" i="0" u="none" strike="noStrike" cap="none" normalizeH="0" baseline="0">
+              <a:ln>
+                <a:noFill/>
+              </a:ln>
+              <a:solidFill>
+                <a:schemeClr val="tx1"/>
+              </a:solidFill>
+              <a:effectLst/>
+              <a:latin typeface="Arial" panose="020B0604020202020204" pitchFamily="34" charset="0"/>
+            </a:endParaRPr>
+          </a:p>
+        </p:txBody>
+      </p:sp>
+      <p:sp>
+        <p:nvSpPr>
+          <p:cNvPr id="7" name="Rectangle 6"/>
+          <p:cNvSpPr/>
+          <p:nvPr/>
+        </p:nvSpPr>
+        <p:spPr>
+          <a:xfrm>
+            <a:off x="5076056" y="2564904"/>
+            <a:ext cx="864096" cy="288032"/>
+          </a:xfrm>
+          <a:prstGeom prst="rect">
+            <a:avLst/>
+          </a:prstGeom>
+          <a:noFill/>
+        </p:spPr>
+        <p:style>
+          <a:lnRef idx="2">
+            <a:schemeClr val="accent1">
+              <a:shade val="50000"/>
+            </a:schemeClr>
+          </a:lnRef>
+          <a:fillRef idx="1">
+            <a:schemeClr val="accent1"/>
+          </a:fillRef>
+          <a:effectRef idx="0">
+            <a:schemeClr val="accent1"/>
+          </a:effectRef>
+          <a:fontRef idx="minor">
+            <a:schemeClr val="lt1"/>
+          </a:fontRef>
+        </p:style>
+        <p:txBody>
+          <a:bodyPr rtlCol="0" anchor="ctr"/>
+          <a:lstStyle/>
+          <a:p>
+            <a:pPr algn="ctr"/>
+            <a:endParaRPr lang="en-US"/>
+          </a:p>
+        </p:txBody>
+      </p:sp>
+      <p:cxnSp>
+        <p:nvCxnSpPr>
+          <p:cNvPr id="9" name="Straight Arrow Connector 8"/>
+          <p:cNvCxnSpPr/>
+          <p:nvPr/>
+        </p:nvCxnSpPr>
+        <p:spPr>
+          <a:xfrm flipH="1" flipV="1">
+            <a:off x="5652120" y="2924944"/>
+            <a:ext cx="504056" cy="1080120"/>
+          </a:xfrm>
+          <a:prstGeom prst="straightConnector1">
+            <a:avLst/>
+          </a:prstGeom>
+          <a:ln>
+            <a:tailEnd type="triangle"/>
+          </a:ln>
+        </p:spPr>
+        <p:style>
+          <a:lnRef idx="1">
+            <a:schemeClr val="accent1"/>
+          </a:lnRef>
+          <a:fillRef idx="0">
+            <a:schemeClr val="accent1"/>
+          </a:fillRef>
+          <a:effectRef idx="0">
+            <a:schemeClr val="accent1"/>
+          </a:effectRef>
+          <a:fontRef idx="minor">
+            <a:schemeClr val="tx1"/>
+          </a:fontRef>
+        </p:style>
+      </p:cxnSp>
+      <p:sp>
+        <p:nvSpPr>
+          <p:cNvPr id="10" name="Rectangle 9"/>
+          <p:cNvSpPr/>
+          <p:nvPr/>
+        </p:nvSpPr>
+        <p:spPr>
+          <a:xfrm>
+            <a:off x="5076056" y="4005064"/>
+            <a:ext cx="2232248" cy="936104"/>
+          </a:xfrm>
+          <a:prstGeom prst="rect">
+            <a:avLst/>
+          </a:prstGeom>
+        </p:spPr>
+        <p:style>
+          <a:lnRef idx="2">
+            <a:schemeClr val="accent1">
+              <a:shade val="50000"/>
+            </a:schemeClr>
+          </a:lnRef>
+          <a:fillRef idx="1">
+            <a:schemeClr val="accent1"/>
+          </a:fillRef>
+          <a:effectRef idx="0">
+            <a:schemeClr val="accent1"/>
+          </a:effectRef>
+          <a:fontRef idx="minor">
+            <a:schemeClr val="lt1"/>
+          </a:fontRef>
+        </p:style>
+        <p:txBody>
+          <a:bodyPr rtlCol="0" anchor="ctr"/>
+          <a:lstStyle/>
+          <a:p>
+            <a:r>
+              <a:rPr lang="en-US" dirty="0"/>
+              <a:t>If user typed ‘test’ or ‘test1’ a ng-invalid class will appear.</a:t>
+            </a:r>
+          </a:p>
+        </p:txBody>
+      </p:sp>
+    </p:spTree>
+    <p:extLst>
+      <p:ext uri="{BB962C8B-B14F-4D97-AF65-F5344CB8AC3E}">
+        <p14:creationId xmlns:p14="http://schemas.microsoft.com/office/powerpoint/2010/main" val="1770563842"/>
+      </p:ext>
+    </p:extLst>
+  </p:cSld>
+  <p:clrMapOvr>
+    <a:masterClrMapping/>
+  </p:clrMapOvr>
+</p:sld>
+</file>
+
 <file path=ppt/slides/slide4.xml><?xml version="1.0" encoding="utf-8"?>
 <p:sld xmlns:a="http://schemas.openxmlformats.org/drawingml/2006/main" xmlns:r="http://schemas.openxmlformats.org/officeDocument/2006/relationships" xmlns:p="http://schemas.openxmlformats.org/presentationml/2006/main">
   <p:cSld>
@@ -24148,8 +29479,8 @@
           <a:lstStyle/>
           <a:p>
             <a:r>
-              <a:rPr lang="en-US" dirty="0"/>
-              <a:t>TD Approach Basics</a:t>
+              <a:rPr lang="en-US" dirty="0" smtClean="0"/>
+              <a:t>Template Driven Basics</a:t>
             </a:r>
             <a:endParaRPr lang="he-IL" dirty="0"/>
           </a:p>
@@ -24265,16 +29596,15 @@
           <a:p>
             <a:r>
               <a:rPr lang="en-US" sz="2000" dirty="0"/>
-              <a:t>Angular will create a form when detecting &lt;form&gt;</a:t>
-            </a:r>
-          </a:p>
-          <a:p>
-            <a:pPr marL="0" indent="0">
-              <a:buNone/>
-            </a:pPr>
+              <a:t>Angular will create a form when detecting &lt;</a:t>
+            </a:r>
+            <a:r>
+              <a:rPr lang="en-US" sz="2000" dirty="0" smtClean="0"/>
+              <a:t>form&gt; HTML </a:t>
+            </a:r>
             <a:r>
               <a:rPr lang="en-US" sz="2000" dirty="0"/>
-              <a:t>HTML tag</a:t>
+              <a:t>tag</a:t>
             </a:r>
           </a:p>
           <a:p>
@@ -24566,6 +29896,17 @@
                 <a:cs typeface="Arial" panose="020B0604020202020204" pitchFamily="34" charset="0"/>
               </a:rPr>
             </a:br>
+            <a:r>
+              <a:rPr lang="en-US" sz="1100" dirty="0">
+                <a:solidFill>
+                  <a:srgbClr val="000000"/>
+                </a:solidFill>
+                <a:latin typeface="Calibri" panose="020F0502020204030204" pitchFamily="34" charset="0"/>
+                <a:ea typeface="Calibri" panose="020F0502020204030204" pitchFamily="34" charset="0"/>
+                <a:cs typeface="Arial" panose="020B0604020202020204" pitchFamily="34" charset="0"/>
+              </a:rPr>
+              <a:t/>
+            </a:r>
             <a:br>
               <a:rPr lang="en-US" sz="1100" dirty="0">
                 <a:solidFill>
@@ -24641,6 +29982,17 @@
                 <a:cs typeface="Arial" panose="020B0604020202020204" pitchFamily="34" charset="0"/>
               </a:rPr>
             </a:br>
+            <a:r>
+              <a:rPr lang="en-US" sz="1100" dirty="0">
+                <a:solidFill>
+                  <a:srgbClr val="000000"/>
+                </a:solidFill>
+                <a:latin typeface="Calibri" panose="020F0502020204030204" pitchFamily="34" charset="0"/>
+                <a:ea typeface="Calibri" panose="020F0502020204030204" pitchFamily="34" charset="0"/>
+                <a:cs typeface="Arial" panose="020B0604020202020204" pitchFamily="34" charset="0"/>
+              </a:rPr>
+              <a:t/>
+            </a:r>
             <a:br>
               <a:rPr lang="en-US" sz="1100" dirty="0">
                 <a:solidFill>
@@ -25130,7 +30482,7 @@
           <a:p>
             <a:r>
               <a:rPr lang="en-US" dirty="0"/>
-              <a:t>TD Approach Basics (Controls)</a:t>
+              <a:t>Controls</a:t>
             </a:r>
             <a:endParaRPr lang="he-IL" dirty="0"/>
           </a:p>
@@ -25303,7 +30655,7 @@
           <a:p>
             <a:r>
               <a:rPr lang="en-US" dirty="0"/>
-              <a:t>TD Approach Basics (Controls)</a:t>
+              <a:t>Controls</a:t>
             </a:r>
             <a:endParaRPr lang="he-IL" dirty="0"/>
           </a:p>
@@ -25403,8 +30755,8 @@
         </p:nvSpPr>
         <p:spPr bwMode="auto">
           <a:xfrm>
-            <a:off x="323528" y="2234506"/>
-            <a:ext cx="2448272" cy="2769989"/>
+            <a:off x="612648" y="2119942"/>
+            <a:ext cx="6120680" cy="2492990"/>
           </a:xfrm>
           <a:prstGeom prst="rect">
             <a:avLst/>
@@ -25554,6 +30906,39 @@
               <a:t>label</a:t>
             </a:r>
             <a:r>
+              <a:rPr kumimoji="0" lang="en-US" altLang="en-US" b="0" i="0" u="none" strike="noStrike" cap="none" normalizeH="0" baseline="0" dirty="0" smtClean="0">
+                <a:ln>
+                  <a:noFill/>
+                </a:ln>
+                <a:solidFill>
+                  <a:srgbClr val="000000"/>
+                </a:solidFill>
+                <a:effectLst/>
+                <a:latin typeface="Arial Unicode MS"/>
+                <a:ea typeface="Times New Roman" panose="02020603050405020304" pitchFamily="18" charset="0"/>
+                <a:cs typeface="Courier New" panose="02070309020205020404" pitchFamily="49" charset="0"/>
+              </a:rPr>
+              <a:t>&gt;</a:t>
+            </a:r>
+          </a:p>
+          <a:p>
+            <a:pPr marL="0" marR="0" lvl="0" indent="0" algn="l" defTabSz="914400" rtl="0" eaLnBrk="0" fontAlgn="base" latinLnBrk="0" hangingPunct="0">
+              <a:lnSpc>
+                <a:spcPct val="100000"/>
+              </a:lnSpc>
+              <a:spcBef>
+                <a:spcPct val="0"/>
+              </a:spcBef>
+              <a:spcAft>
+                <a:spcPct val="0"/>
+              </a:spcAft>
+              <a:buClrTx/>
+              <a:buSzTx/>
+              <a:buFontTx/>
+              <a:buNone/>
+              <a:tabLst/>
+            </a:pPr>
+            <a:r>
               <a:rPr kumimoji="0" lang="en-US" altLang="en-US" b="0" i="0" u="none" strike="noStrike" cap="none" normalizeH="0" baseline="0" dirty="0">
                 <a:ln>
                   <a:noFill/>
@@ -25566,7 +30951,7 @@
                 <a:ea typeface="Times New Roman" panose="02020603050405020304" pitchFamily="18" charset="0"/>
                 <a:cs typeface="Courier New" panose="02070309020205020404" pitchFamily="49" charset="0"/>
               </a:rPr>
-              <a:t>&gt;</a:t>
+              <a:t/>
             </a:r>
             <a:br>
               <a:rPr kumimoji="0" lang="en-US" altLang="en-US" b="0" i="0" u="none" strike="noStrike" cap="none" normalizeH="0" baseline="0" dirty="0">
@@ -25819,6 +31204,21 @@
               <a:t>  </a:t>
             </a:r>
             <a:r>
+              <a:rPr kumimoji="0" lang="en-US" altLang="en-US" b="1" i="0" u="none" strike="noStrike" cap="none" normalizeH="0" baseline="0" dirty="0" err="1">
+                <a:ln>
+                  <a:noFill/>
+                </a:ln>
+                <a:solidFill>
+                  <a:srgbClr val="0000FF"/>
+                </a:solidFill>
+                <a:effectLst/>
+                <a:latin typeface="Arial Unicode MS"/>
+                <a:ea typeface="Times New Roman" panose="02020603050405020304" pitchFamily="18" charset="0"/>
+                <a:cs typeface="Courier New" panose="02070309020205020404" pitchFamily="49" charset="0"/>
+              </a:rPr>
+              <a:t>ngModel</a:t>
+            </a:r>
+            <a:r>
               <a:rPr kumimoji="0" lang="en-US" altLang="en-US" b="1" i="0" u="none" strike="noStrike" cap="none" normalizeH="0" baseline="0" dirty="0">
                 <a:ln>
                   <a:noFill/>
@@ -25831,7 +31231,89 @@
                 <a:ea typeface="Times New Roman" panose="02020603050405020304" pitchFamily="18" charset="0"/>
                 <a:cs typeface="Courier New" panose="02070309020205020404" pitchFamily="49" charset="0"/>
               </a:rPr>
-              <a:t>ngModel   name=</a:t>
+              <a:t>  </a:t>
+            </a:r>
+            <a:endParaRPr kumimoji="0" lang="en-US" altLang="en-US" b="1" i="0" u="none" strike="noStrike" cap="none" normalizeH="0" baseline="0" dirty="0" smtClean="0">
+              <a:ln>
+                <a:noFill/>
+              </a:ln>
+              <a:solidFill>
+                <a:srgbClr val="0000FF"/>
+              </a:solidFill>
+              <a:effectLst/>
+              <a:latin typeface="Arial Unicode MS"/>
+              <a:ea typeface="Times New Roman" panose="02020603050405020304" pitchFamily="18" charset="0"/>
+              <a:cs typeface="Courier New" panose="02070309020205020404" pitchFamily="49" charset="0"/>
+            </a:endParaRPr>
+          </a:p>
+          <a:p>
+            <a:pPr marL="0" marR="0" lvl="0" indent="0" algn="l" defTabSz="914400" rtl="0" eaLnBrk="0" fontAlgn="base" latinLnBrk="0" hangingPunct="0">
+              <a:lnSpc>
+                <a:spcPct val="100000"/>
+              </a:lnSpc>
+              <a:spcBef>
+                <a:spcPct val="0"/>
+              </a:spcBef>
+              <a:spcAft>
+                <a:spcPct val="0"/>
+              </a:spcAft>
+              <a:buClrTx/>
+              <a:buSzTx/>
+              <a:buFontTx/>
+              <a:buNone/>
+              <a:tabLst/>
+            </a:pPr>
+            <a:r>
+              <a:rPr lang="en-US" altLang="en-US" b="1" dirty="0">
+                <a:solidFill>
+                  <a:srgbClr val="0000FF"/>
+                </a:solidFill>
+                <a:latin typeface="Arial Unicode MS"/>
+                <a:ea typeface="Times New Roman" panose="02020603050405020304" pitchFamily="18" charset="0"/>
+                <a:cs typeface="Courier New" panose="02070309020205020404" pitchFamily="49" charset="0"/>
+              </a:rPr>
+              <a:t> </a:t>
+            </a:r>
+            <a:r>
+              <a:rPr lang="en-US" altLang="en-US" b="1" dirty="0" smtClean="0">
+                <a:solidFill>
+                  <a:srgbClr val="0000FF"/>
+                </a:solidFill>
+                <a:latin typeface="Arial Unicode MS"/>
+                <a:ea typeface="Times New Roman" panose="02020603050405020304" pitchFamily="18" charset="0"/>
+                <a:cs typeface="Courier New" panose="02070309020205020404" pitchFamily="49" charset="0"/>
+              </a:rPr>
+              <a:t> </a:t>
+            </a:r>
+            <a:r>
+              <a:rPr kumimoji="0" lang="en-US" altLang="en-US" b="1" i="0" u="none" strike="noStrike" cap="none" normalizeH="0" baseline="0" dirty="0" smtClean="0">
+                <a:ln>
+                  <a:noFill/>
+                </a:ln>
+                <a:solidFill>
+                  <a:srgbClr val="0000FF"/>
+                </a:solidFill>
+                <a:effectLst/>
+                <a:latin typeface="Arial Unicode MS"/>
+                <a:ea typeface="Times New Roman" panose="02020603050405020304" pitchFamily="18" charset="0"/>
+                <a:cs typeface="Courier New" panose="02070309020205020404" pitchFamily="49" charset="0"/>
+              </a:rPr>
+              <a:t>name</a:t>
+            </a:r>
+            <a:r>
+              <a:rPr kumimoji="0" lang="en-US" altLang="en-US" b="1" i="0" u="none" strike="noStrike" cap="none" normalizeH="0" baseline="0" dirty="0">
+                <a:ln>
+                  <a:noFill/>
+                </a:ln>
+                <a:solidFill>
+                  <a:srgbClr val="0000FF"/>
+                </a:solidFill>
+                <a:effectLst/>
+                <a:latin typeface="Arial Unicode MS"/>
+                <a:ea typeface="Times New Roman" panose="02020603050405020304" pitchFamily="18" charset="0"/>
+                <a:cs typeface="Courier New" panose="02070309020205020404" pitchFamily="49" charset="0"/>
+              </a:rPr>
+              <a:t>=</a:t>
             </a:r>
             <a:r>
               <a:rPr kumimoji="0" lang="en-US" altLang="en-US" b="1" i="0" u="none" strike="noStrike" cap="none" normalizeH="0" baseline="0" dirty="0">
@@ -26047,7 +31529,7 @@
           <a:p>
             <a:r>
               <a:rPr lang="en-US" sz="3600" dirty="0"/>
-              <a:t>TD Approach(Submitting &amp; using the form)</a:t>
+              <a:t>Submitting &amp; using the form</a:t>
             </a:r>
             <a:endParaRPr lang="he-IL" sz="3600" dirty="0"/>
           </a:p>
@@ -26142,7 +31624,15 @@
           <a:p>
             <a:r>
               <a:rPr lang="en-US" sz="2400" dirty="0"/>
-              <a:t>In order to gain access into the form (JS object) and finally into the submitted data of the form, a local reference that equals to “ngForm” must be set</a:t>
+              <a:t>In order to gain access into the form (JS object) and finally into the submitted data of the form, a local reference that equals to “</a:t>
+            </a:r>
+            <a:r>
+              <a:rPr lang="en-US" sz="2400" dirty="0" err="1"/>
+              <a:t>ngForm</a:t>
+            </a:r>
+            <a:r>
+              <a:rPr lang="en-US" sz="2400" dirty="0"/>
+              <a:t>” must be set</a:t>
             </a:r>
           </a:p>
           <a:p>
@@ -26213,7 +31703,29 @@
                 <a:ea typeface="Calibri" panose="020F0502020204030204" pitchFamily="34" charset="0"/>
                 <a:cs typeface="Arial" panose="020B0604020202020204" pitchFamily="34" charset="0"/>
               </a:rPr>
-              <a:t>"ngForm"</a:t>
+              <a:t>"</a:t>
+            </a:r>
+            <a:r>
+              <a:rPr lang="en-US" sz="2400" b="1" dirty="0" err="1">
+                <a:solidFill>
+                  <a:srgbClr val="008000"/>
+                </a:solidFill>
+                <a:latin typeface="Calibri" panose="020F0502020204030204" pitchFamily="34" charset="0"/>
+                <a:ea typeface="Calibri" panose="020F0502020204030204" pitchFamily="34" charset="0"/>
+                <a:cs typeface="Arial" panose="020B0604020202020204" pitchFamily="34" charset="0"/>
+              </a:rPr>
+              <a:t>ngForm</a:t>
+            </a:r>
+            <a:r>
+              <a:rPr lang="en-US" sz="2400" b="1" dirty="0">
+                <a:solidFill>
+                  <a:srgbClr val="008000"/>
+                </a:solidFill>
+                <a:latin typeface="Calibri" panose="020F0502020204030204" pitchFamily="34" charset="0"/>
+                <a:ea typeface="Calibri" panose="020F0502020204030204" pitchFamily="34" charset="0"/>
+                <a:cs typeface="Arial" panose="020B0604020202020204" pitchFamily="34" charset="0"/>
+              </a:rPr>
+              <a:t>"</a:t>
             </a:r>
             <a:r>
               <a:rPr lang="en-US" sz="2400" dirty="0">
@@ -26293,7 +31805,7 @@
           <a:p>
             <a:r>
               <a:rPr lang="en-US" sz="3600" dirty="0"/>
-              <a:t>TD Approach(Submitting &amp; using the form)</a:t>
+              <a:t>Submitting &amp; using the form</a:t>
             </a:r>
             <a:endParaRPr lang="he-IL" sz="3600" dirty="0"/>
           </a:p>
@@ -26654,8 +32166,13 @@
           <a:p>
             <a:r>
               <a:rPr lang="en-US" dirty="0"/>
-              <a:t>Local ref &amp; ngForm</a:t>
-            </a:r>
+              <a:t>Local ref &amp; </a:t>
+            </a:r>
+            <a:r>
+              <a:rPr lang="en-US" dirty="0" err="1"/>
+              <a:t>ngForm</a:t>
+            </a:r>
+            <a:endParaRPr lang="en-US" dirty="0"/>
           </a:p>
         </p:txBody>
       </p:sp>
@@ -26744,7 +32261,29 @@
                 <a:ea typeface="Calibri" panose="020F0502020204030204" pitchFamily="34" charset="0"/>
                 <a:cs typeface="Arial" panose="020B0604020202020204" pitchFamily="34" charset="0"/>
               </a:rPr>
-              <a:t>"ngForm"</a:t>
+              <a:t>"</a:t>
+            </a:r>
+            <a:r>
+              <a:rPr lang="en-US" b="1" dirty="0" err="1">
+                <a:solidFill>
+                  <a:srgbClr val="008000"/>
+                </a:solidFill>
+                <a:latin typeface="Calibri" panose="020F0502020204030204" pitchFamily="34" charset="0"/>
+                <a:ea typeface="Calibri" panose="020F0502020204030204" pitchFamily="34" charset="0"/>
+                <a:cs typeface="Arial" panose="020B0604020202020204" pitchFamily="34" charset="0"/>
+              </a:rPr>
+              <a:t>ngForm</a:t>
+            </a:r>
+            <a:r>
+              <a:rPr lang="en-US" b="1" dirty="0">
+                <a:solidFill>
+                  <a:srgbClr val="008000"/>
+                </a:solidFill>
+                <a:latin typeface="Calibri" panose="020F0502020204030204" pitchFamily="34" charset="0"/>
+                <a:ea typeface="Calibri" panose="020F0502020204030204" pitchFamily="34" charset="0"/>
+                <a:cs typeface="Arial" panose="020B0604020202020204" pitchFamily="34" charset="0"/>
+              </a:rPr>
+              <a:t>"</a:t>
             </a:r>
             <a:r>
               <a:rPr lang="en-US" dirty="0">
@@ -26801,7 +32340,12 @@
             <p:ph type="title"/>
           </p:nvPr>
         </p:nvSpPr>
-        <p:spPr/>
+        <p:spPr>
+          <a:xfrm>
+            <a:off x="631106" y="199189"/>
+            <a:ext cx="8153400" cy="990600"/>
+          </a:xfrm>
+        </p:spPr>
         <p:txBody>
           <a:bodyPr>
             <a:normAutofit/>
@@ -26810,7 +32354,7 @@
           <a:p>
             <a:r>
               <a:rPr lang="en-US" sz="3600" dirty="0"/>
-              <a:t>TD Approach(Submitting &amp; using the form)</a:t>
+              <a:t>Submitting &amp; using the form</a:t>
             </a:r>
             <a:endParaRPr lang="he-IL" sz="3600" dirty="0"/>
           </a:p>
@@ -26826,7 +32370,12 @@
             <p:ph type="ftr" sz="quarter" idx="11"/>
           </p:nvPr>
         </p:nvSpPr>
-        <p:spPr/>
+        <p:spPr>
+          <a:xfrm>
+            <a:off x="7578282" y="-29411"/>
+            <a:ext cx="1584176" cy="365125"/>
+          </a:xfrm>
+        </p:spPr>
         <p:txBody>
           <a:bodyPr/>
           <a:lstStyle/>
@@ -26853,7 +32402,12 @@
             <p:ph type="sldNum" sz="quarter" idx="12"/>
           </p:nvPr>
         </p:nvSpPr>
-        <p:spPr/>
+        <p:spPr>
+          <a:xfrm>
+            <a:off x="18458" y="1242811"/>
+            <a:ext cx="533400" cy="244476"/>
+          </a:xfrm>
+        </p:spPr>
         <p:txBody>
           <a:bodyPr>
             <a:normAutofit fontScale="85000" lnSpcReduction="20000"/>
@@ -26879,7 +32433,12 @@
             <p:ph sz="quarter" idx="1"/>
           </p:nvPr>
         </p:nvSpPr>
-        <p:spPr/>
+        <p:spPr>
+          <a:xfrm>
+            <a:off x="631106" y="1570789"/>
+            <a:ext cx="8153400" cy="4495800"/>
+          </a:xfrm>
+        </p:spPr>
         <p:txBody>
           <a:bodyPr/>
           <a:lstStyle/>
@@ -26903,42 +32462,1181 @@
           </a:p>
         </p:txBody>
       </p:sp>
-      <p:pic>
-        <p:nvPicPr>
-          <p:cNvPr id="11" name="Picture 10"/>
-          <p:cNvPicPr>
-            <a:picLocks noChangeAspect="1"/>
-          </p:cNvPicPr>
+      <p:sp>
+        <p:nvSpPr>
+          <p:cNvPr id="5" name="Rectangle 1"/>
+          <p:cNvSpPr>
+            <a:spLocks noChangeArrowheads="1"/>
+          </p:cNvSpPr>
           <p:nvPr/>
-        </p:nvPicPr>
-        <p:blipFill>
-          <a:blip r:embed="rId2"/>
-          <a:stretch>
-            <a:fillRect/>
-          </a:stretch>
-        </p:blipFill>
-        <p:spPr>
+        </p:nvSpPr>
+        <p:spPr bwMode="auto">
           <a:xfrm>
-            <a:off x="3203848" y="2132856"/>
-            <a:ext cx="5328592" cy="4584509"/>
+            <a:off x="320046" y="2037416"/>
+            <a:ext cx="3168352" cy="4801314"/>
           </a:xfrm>
           <a:prstGeom prst="rect">
             <a:avLst/>
           </a:prstGeom>
+          <a:solidFill>
+            <a:srgbClr val="FFFFFF"/>
+          </a:solidFill>
+          <a:ln>
+            <a:noFill/>
+          </a:ln>
+          <a:effectLst/>
+          <a:extLst>
+            <a:ext uri="{91240B29-F687-4F45-9708-019B960494DF}">
+              <a14:hiddenLine xmlns:a14="http://schemas.microsoft.com/office/drawing/2010/main" w="9525">
+                <a:solidFill>
+                  <a:schemeClr val="tx1"/>
+                </a:solidFill>
+                <a:miter lim="800000"/>
+                <a:headEnd/>
+                <a:tailEnd/>
+              </a14:hiddenLine>
+            </a:ext>
+            <a:ext uri="{AF507438-7753-43E0-B8FC-AC1667EBCBE1}">
+              <a14:hiddenEffects xmlns:a14="http://schemas.microsoft.com/office/drawing/2010/main">
+                <a:effectLst>
+                  <a:outerShdw dist="35921" dir="2700000" algn="ctr" rotWithShape="0">
+                    <a:schemeClr val="bg2"/>
+                  </a:outerShdw>
+                </a:effectLst>
+              </a14:hiddenEffects>
+            </a:ext>
+          </a:extLst>
         </p:spPr>
-      </p:pic>
+        <p:txBody>
+          <a:bodyPr vert="horz" wrap="square" lIns="0" tIns="0" rIns="0" bIns="0" numCol="1" anchor="ctr" anchorCtr="0" compatLnSpc="1">
+            <a:prstTxWarp prst="textNoShape">
+              <a:avLst/>
+            </a:prstTxWarp>
+            <a:spAutoFit/>
+          </a:bodyPr>
+          <a:lstStyle/>
+          <a:p>
+            <a:pPr marL="0" marR="0" lvl="0" indent="0" algn="l" defTabSz="914400" rtl="0" eaLnBrk="0" fontAlgn="base" latinLnBrk="0" hangingPunct="0">
+              <a:lnSpc>
+                <a:spcPct val="100000"/>
+              </a:lnSpc>
+              <a:spcBef>
+                <a:spcPct val="0"/>
+              </a:spcBef>
+              <a:spcAft>
+                <a:spcPct val="0"/>
+              </a:spcAft>
+              <a:buClrTx/>
+              <a:buSzTx/>
+              <a:buFontTx/>
+              <a:buNone/>
+              <a:tabLst/>
+            </a:pPr>
+            <a:r>
+              <a:rPr kumimoji="0" lang="en-US" altLang="en-US" sz="1200" b="0" i="0" u="none" strike="noStrike" cap="none" normalizeH="0" baseline="0" dirty="0">
+                <a:ln>
+                  <a:noFill/>
+                </a:ln>
+                <a:solidFill>
+                  <a:srgbClr val="000000"/>
+                </a:solidFill>
+                <a:effectLst/>
+                <a:latin typeface="Arial Unicode MS"/>
+                <a:ea typeface="Times New Roman" panose="02020603050405020304" pitchFamily="18" charset="0"/>
+                <a:cs typeface="Courier New" panose="02070309020205020404" pitchFamily="49" charset="0"/>
+              </a:rPr>
+              <a:t>NgForm</a:t>
+            </a:r>
+            <a:br>
+              <a:rPr kumimoji="0" lang="en-US" altLang="en-US" sz="1200" b="0" i="0" u="none" strike="noStrike" cap="none" normalizeH="0" baseline="0" dirty="0">
+                <a:ln>
+                  <a:noFill/>
+                </a:ln>
+                <a:solidFill>
+                  <a:srgbClr val="000000"/>
+                </a:solidFill>
+                <a:effectLst/>
+                <a:latin typeface="Arial Unicode MS"/>
+                <a:ea typeface="Times New Roman" panose="02020603050405020304" pitchFamily="18" charset="0"/>
+                <a:cs typeface="Courier New" panose="02070309020205020404" pitchFamily="49" charset="0"/>
+              </a:rPr>
+            </a:br>
+            <a:r>
+              <a:rPr kumimoji="0" lang="en-US" altLang="en-US" sz="1200" b="0" i="0" u="none" strike="noStrike" cap="none" normalizeH="0" baseline="0" dirty="0">
+                <a:ln>
+                  <a:noFill/>
+                </a:ln>
+                <a:solidFill>
+                  <a:srgbClr val="000000"/>
+                </a:solidFill>
+                <a:effectLst/>
+                <a:latin typeface="Arial Unicode MS"/>
+                <a:ea typeface="Times New Roman" panose="02020603050405020304" pitchFamily="18" charset="0"/>
+                <a:cs typeface="Courier New" panose="02070309020205020404" pitchFamily="49" charset="0"/>
+              </a:rPr>
+              <a:t>  control:(...)</a:t>
+            </a:r>
+            <a:br>
+              <a:rPr kumimoji="0" lang="en-US" altLang="en-US" sz="1200" b="0" i="0" u="none" strike="noStrike" cap="none" normalizeH="0" baseline="0" dirty="0">
+                <a:ln>
+                  <a:noFill/>
+                </a:ln>
+                <a:solidFill>
+                  <a:srgbClr val="000000"/>
+                </a:solidFill>
+                <a:effectLst/>
+                <a:latin typeface="Arial Unicode MS"/>
+                <a:ea typeface="Times New Roman" panose="02020603050405020304" pitchFamily="18" charset="0"/>
+                <a:cs typeface="Courier New" panose="02070309020205020404" pitchFamily="49" charset="0"/>
+              </a:rPr>
+            </a:br>
+            <a:r>
+              <a:rPr kumimoji="0" lang="en-US" altLang="en-US" sz="1200" b="0" i="0" u="none" strike="noStrike" cap="none" normalizeH="0" baseline="0" dirty="0">
+                <a:ln>
+                  <a:noFill/>
+                </a:ln>
+                <a:solidFill>
+                  <a:srgbClr val="000000"/>
+                </a:solidFill>
+                <a:effectLst/>
+                <a:latin typeface="Arial Unicode MS"/>
+                <a:ea typeface="Times New Roman" panose="02020603050405020304" pitchFamily="18" charset="0"/>
+                <a:cs typeface="Courier New" panose="02070309020205020404" pitchFamily="49" charset="0"/>
+              </a:rPr>
+              <a:t>  controls:(...)</a:t>
+            </a:r>
+            <a:br>
+              <a:rPr kumimoji="0" lang="en-US" altLang="en-US" sz="1200" b="0" i="0" u="none" strike="noStrike" cap="none" normalizeH="0" baseline="0" dirty="0">
+                <a:ln>
+                  <a:noFill/>
+                </a:ln>
+                <a:solidFill>
+                  <a:srgbClr val="000000"/>
+                </a:solidFill>
+                <a:effectLst/>
+                <a:latin typeface="Arial Unicode MS"/>
+                <a:ea typeface="Times New Roman" panose="02020603050405020304" pitchFamily="18" charset="0"/>
+                <a:cs typeface="Courier New" panose="02070309020205020404" pitchFamily="49" charset="0"/>
+              </a:rPr>
+            </a:br>
+            <a:r>
+              <a:rPr kumimoji="0" lang="en-US" altLang="en-US" sz="1200" b="0" i="0" u="none" strike="noStrike" cap="none" normalizeH="0" baseline="0" dirty="0">
+                <a:ln>
+                  <a:noFill/>
+                </a:ln>
+                <a:solidFill>
+                  <a:srgbClr val="000000"/>
+                </a:solidFill>
+                <a:effectLst/>
+                <a:latin typeface="Arial Unicode MS"/>
+                <a:ea typeface="Times New Roman" panose="02020603050405020304" pitchFamily="18" charset="0"/>
+                <a:cs typeface="Courier New" panose="02070309020205020404" pitchFamily="49" charset="0"/>
+              </a:rPr>
+              <a:t>  dirty:(...)</a:t>
+            </a:r>
+            <a:br>
+              <a:rPr kumimoji="0" lang="en-US" altLang="en-US" sz="1200" b="0" i="0" u="none" strike="noStrike" cap="none" normalizeH="0" baseline="0" dirty="0">
+                <a:ln>
+                  <a:noFill/>
+                </a:ln>
+                <a:solidFill>
+                  <a:srgbClr val="000000"/>
+                </a:solidFill>
+                <a:effectLst/>
+                <a:latin typeface="Arial Unicode MS"/>
+                <a:ea typeface="Times New Roman" panose="02020603050405020304" pitchFamily="18" charset="0"/>
+                <a:cs typeface="Courier New" panose="02070309020205020404" pitchFamily="49" charset="0"/>
+              </a:rPr>
+            </a:br>
+            <a:r>
+              <a:rPr kumimoji="0" lang="en-US" altLang="en-US" sz="1200" b="0" i="0" u="none" strike="noStrike" cap="none" normalizeH="0" baseline="0" dirty="0">
+                <a:ln>
+                  <a:noFill/>
+                </a:ln>
+                <a:solidFill>
+                  <a:srgbClr val="000000"/>
+                </a:solidFill>
+                <a:effectLst/>
+                <a:latin typeface="Arial Unicode MS"/>
+                <a:ea typeface="Times New Roman" panose="02020603050405020304" pitchFamily="18" charset="0"/>
+                <a:cs typeface="Courier New" panose="02070309020205020404" pitchFamily="49" charset="0"/>
+              </a:rPr>
+              <a:t>  disabled:(...)</a:t>
+            </a:r>
+            <a:br>
+              <a:rPr kumimoji="0" lang="en-US" altLang="en-US" sz="1200" b="0" i="0" u="none" strike="noStrike" cap="none" normalizeH="0" baseline="0" dirty="0">
+                <a:ln>
+                  <a:noFill/>
+                </a:ln>
+                <a:solidFill>
+                  <a:srgbClr val="000000"/>
+                </a:solidFill>
+                <a:effectLst/>
+                <a:latin typeface="Arial Unicode MS"/>
+                <a:ea typeface="Times New Roman" panose="02020603050405020304" pitchFamily="18" charset="0"/>
+                <a:cs typeface="Courier New" panose="02070309020205020404" pitchFamily="49" charset="0"/>
+              </a:rPr>
+            </a:br>
+            <a:r>
+              <a:rPr kumimoji="0" lang="en-US" altLang="en-US" sz="1200" b="0" i="0" u="none" strike="noStrike" cap="none" normalizeH="0" baseline="0" dirty="0">
+                <a:ln>
+                  <a:noFill/>
+                </a:ln>
+                <a:solidFill>
+                  <a:srgbClr val="000000"/>
+                </a:solidFill>
+                <a:effectLst/>
+                <a:latin typeface="Arial Unicode MS"/>
+                <a:ea typeface="Times New Roman" panose="02020603050405020304" pitchFamily="18" charset="0"/>
+                <a:cs typeface="Courier New" panose="02070309020205020404" pitchFamily="49" charset="0"/>
+              </a:rPr>
+              <a:t>  enabled:(...)</a:t>
+            </a:r>
+            <a:br>
+              <a:rPr kumimoji="0" lang="en-US" altLang="en-US" sz="1200" b="0" i="0" u="none" strike="noStrike" cap="none" normalizeH="0" baseline="0" dirty="0">
+                <a:ln>
+                  <a:noFill/>
+                </a:ln>
+                <a:solidFill>
+                  <a:srgbClr val="000000"/>
+                </a:solidFill>
+                <a:effectLst/>
+                <a:latin typeface="Arial Unicode MS"/>
+                <a:ea typeface="Times New Roman" panose="02020603050405020304" pitchFamily="18" charset="0"/>
+                <a:cs typeface="Courier New" panose="02070309020205020404" pitchFamily="49" charset="0"/>
+              </a:rPr>
+            </a:br>
+            <a:r>
+              <a:rPr kumimoji="0" lang="en-US" altLang="en-US" sz="1200" b="0" i="0" u="none" strike="noStrike" cap="none" normalizeH="0" baseline="0" dirty="0">
+                <a:ln>
+                  <a:noFill/>
+                </a:ln>
+                <a:solidFill>
+                  <a:srgbClr val="000000"/>
+                </a:solidFill>
+                <a:effectLst/>
+                <a:latin typeface="Arial Unicode MS"/>
+                <a:ea typeface="Times New Roman" panose="02020603050405020304" pitchFamily="18" charset="0"/>
+                <a:cs typeface="Courier New" panose="02070309020205020404" pitchFamily="49" charset="0"/>
+              </a:rPr>
+              <a:t>  errors:(...)</a:t>
+            </a:r>
+            <a:br>
+              <a:rPr kumimoji="0" lang="en-US" altLang="en-US" sz="1200" b="0" i="0" u="none" strike="noStrike" cap="none" normalizeH="0" baseline="0" dirty="0">
+                <a:ln>
+                  <a:noFill/>
+                </a:ln>
+                <a:solidFill>
+                  <a:srgbClr val="000000"/>
+                </a:solidFill>
+                <a:effectLst/>
+                <a:latin typeface="Arial Unicode MS"/>
+                <a:ea typeface="Times New Roman" panose="02020603050405020304" pitchFamily="18" charset="0"/>
+                <a:cs typeface="Courier New" panose="02070309020205020404" pitchFamily="49" charset="0"/>
+              </a:rPr>
+            </a:br>
+            <a:r>
+              <a:rPr kumimoji="0" lang="en-US" altLang="en-US" sz="1200" b="0" i="0" u="none" strike="noStrike" cap="none" normalizeH="0" baseline="0" dirty="0">
+                <a:ln>
+                  <a:noFill/>
+                </a:ln>
+                <a:solidFill>
+                  <a:srgbClr val="000000"/>
+                </a:solidFill>
+                <a:effectLst/>
+                <a:latin typeface="Arial Unicode MS"/>
+                <a:ea typeface="Times New Roman" panose="02020603050405020304" pitchFamily="18" charset="0"/>
+                <a:cs typeface="Courier New" panose="02070309020205020404" pitchFamily="49" charset="0"/>
+              </a:rPr>
+              <a:t>  form:FormGroup formDirective:(...)</a:t>
+            </a:r>
+            <a:br>
+              <a:rPr kumimoji="0" lang="en-US" altLang="en-US" sz="1200" b="0" i="0" u="none" strike="noStrike" cap="none" normalizeH="0" baseline="0" dirty="0">
+                <a:ln>
+                  <a:noFill/>
+                </a:ln>
+                <a:solidFill>
+                  <a:srgbClr val="000000"/>
+                </a:solidFill>
+                <a:effectLst/>
+                <a:latin typeface="Arial Unicode MS"/>
+                <a:ea typeface="Times New Roman" panose="02020603050405020304" pitchFamily="18" charset="0"/>
+                <a:cs typeface="Courier New" panose="02070309020205020404" pitchFamily="49" charset="0"/>
+              </a:rPr>
+            </a:br>
+            <a:r>
+              <a:rPr kumimoji="0" lang="en-US" altLang="en-US" sz="1200" b="0" i="0" u="none" strike="noStrike" cap="none" normalizeH="0" baseline="0" dirty="0">
+                <a:ln>
+                  <a:noFill/>
+                </a:ln>
+                <a:solidFill>
+                  <a:srgbClr val="000000"/>
+                </a:solidFill>
+                <a:effectLst/>
+                <a:latin typeface="Arial Unicode MS"/>
+                <a:ea typeface="Times New Roman" panose="02020603050405020304" pitchFamily="18" charset="0"/>
+                <a:cs typeface="Courier New" panose="02070309020205020404" pitchFamily="49" charset="0"/>
+              </a:rPr>
+              <a:t>  invalid:(...)</a:t>
+            </a:r>
+            <a:br>
+              <a:rPr kumimoji="0" lang="en-US" altLang="en-US" sz="1200" b="0" i="0" u="none" strike="noStrike" cap="none" normalizeH="0" baseline="0" dirty="0">
+                <a:ln>
+                  <a:noFill/>
+                </a:ln>
+                <a:solidFill>
+                  <a:srgbClr val="000000"/>
+                </a:solidFill>
+                <a:effectLst/>
+                <a:latin typeface="Arial Unicode MS"/>
+                <a:ea typeface="Times New Roman" panose="02020603050405020304" pitchFamily="18" charset="0"/>
+                <a:cs typeface="Courier New" panose="02070309020205020404" pitchFamily="49" charset="0"/>
+              </a:rPr>
+            </a:br>
+            <a:r>
+              <a:rPr kumimoji="0" lang="en-US" altLang="en-US" sz="1200" b="0" i="0" u="none" strike="noStrike" cap="none" normalizeH="0" baseline="0" dirty="0">
+                <a:ln>
+                  <a:noFill/>
+                </a:ln>
+                <a:solidFill>
+                  <a:srgbClr val="000000"/>
+                </a:solidFill>
+                <a:effectLst/>
+                <a:latin typeface="Arial Unicode MS"/>
+                <a:ea typeface="Times New Roman" panose="02020603050405020304" pitchFamily="18" charset="0"/>
+                <a:cs typeface="Courier New" panose="02070309020205020404" pitchFamily="49" charset="0"/>
+              </a:rPr>
+              <a:t>  ngSubmit:EventEmitter path:(...)</a:t>
+            </a:r>
+            <a:br>
+              <a:rPr kumimoji="0" lang="en-US" altLang="en-US" sz="1200" b="0" i="0" u="none" strike="noStrike" cap="none" normalizeH="0" baseline="0" dirty="0">
+                <a:ln>
+                  <a:noFill/>
+                </a:ln>
+                <a:solidFill>
+                  <a:srgbClr val="000000"/>
+                </a:solidFill>
+                <a:effectLst/>
+                <a:latin typeface="Arial Unicode MS"/>
+                <a:ea typeface="Times New Roman" panose="02020603050405020304" pitchFamily="18" charset="0"/>
+                <a:cs typeface="Courier New" panose="02070309020205020404" pitchFamily="49" charset="0"/>
+              </a:rPr>
+            </a:br>
+            <a:r>
+              <a:rPr kumimoji="0" lang="en-US" altLang="en-US" sz="1200" b="0" i="0" u="none" strike="noStrike" cap="none" normalizeH="0" baseline="0" dirty="0">
+                <a:ln>
+                  <a:noFill/>
+                </a:ln>
+                <a:solidFill>
+                  <a:srgbClr val="000000"/>
+                </a:solidFill>
+                <a:effectLst/>
+                <a:latin typeface="Arial Unicode MS"/>
+                <a:ea typeface="Times New Roman" panose="02020603050405020304" pitchFamily="18" charset="0"/>
+                <a:cs typeface="Courier New" panose="02070309020205020404" pitchFamily="49" charset="0"/>
+              </a:rPr>
+              <a:t>  pending:(...)</a:t>
+            </a:r>
+            <a:br>
+              <a:rPr kumimoji="0" lang="en-US" altLang="en-US" sz="1200" b="0" i="0" u="none" strike="noStrike" cap="none" normalizeH="0" baseline="0" dirty="0">
+                <a:ln>
+                  <a:noFill/>
+                </a:ln>
+                <a:solidFill>
+                  <a:srgbClr val="000000"/>
+                </a:solidFill>
+                <a:effectLst/>
+                <a:latin typeface="Arial Unicode MS"/>
+                <a:ea typeface="Times New Roman" panose="02020603050405020304" pitchFamily="18" charset="0"/>
+                <a:cs typeface="Courier New" panose="02070309020205020404" pitchFamily="49" charset="0"/>
+              </a:rPr>
+            </a:br>
+            <a:r>
+              <a:rPr kumimoji="0" lang="en-US" altLang="en-US" sz="1200" b="0" i="0" u="none" strike="noStrike" cap="none" normalizeH="0" baseline="0" dirty="0">
+                <a:ln>
+                  <a:noFill/>
+                </a:ln>
+                <a:solidFill>
+                  <a:srgbClr val="000000"/>
+                </a:solidFill>
+                <a:effectLst/>
+                <a:latin typeface="Arial Unicode MS"/>
+                <a:ea typeface="Times New Roman" panose="02020603050405020304" pitchFamily="18" charset="0"/>
+                <a:cs typeface="Courier New" panose="02070309020205020404" pitchFamily="49" charset="0"/>
+              </a:rPr>
+              <a:t>  pristine:(...)</a:t>
+            </a:r>
+            <a:br>
+              <a:rPr kumimoji="0" lang="en-US" altLang="en-US" sz="1200" b="0" i="0" u="none" strike="noStrike" cap="none" normalizeH="0" baseline="0" dirty="0">
+                <a:ln>
+                  <a:noFill/>
+                </a:ln>
+                <a:solidFill>
+                  <a:srgbClr val="000000"/>
+                </a:solidFill>
+                <a:effectLst/>
+                <a:latin typeface="Arial Unicode MS"/>
+                <a:ea typeface="Times New Roman" panose="02020603050405020304" pitchFamily="18" charset="0"/>
+                <a:cs typeface="Courier New" panose="02070309020205020404" pitchFamily="49" charset="0"/>
+              </a:rPr>
+            </a:br>
+            <a:r>
+              <a:rPr kumimoji="0" lang="en-US" altLang="en-US" sz="1200" b="0" i="0" u="none" strike="noStrike" cap="none" normalizeH="0" baseline="0" dirty="0">
+                <a:ln>
+                  <a:noFill/>
+                </a:ln>
+                <a:solidFill>
+                  <a:srgbClr val="000000"/>
+                </a:solidFill>
+                <a:effectLst/>
+                <a:latin typeface="Arial Unicode MS"/>
+                <a:ea typeface="Times New Roman" panose="02020603050405020304" pitchFamily="18" charset="0"/>
+                <a:cs typeface="Courier New" panose="02070309020205020404" pitchFamily="49" charset="0"/>
+              </a:rPr>
+              <a:t>  statusChanges:(...)</a:t>
+            </a:r>
+            <a:br>
+              <a:rPr kumimoji="0" lang="en-US" altLang="en-US" sz="1200" b="0" i="0" u="none" strike="noStrike" cap="none" normalizeH="0" baseline="0" dirty="0">
+                <a:ln>
+                  <a:noFill/>
+                </a:ln>
+                <a:solidFill>
+                  <a:srgbClr val="000000"/>
+                </a:solidFill>
+                <a:effectLst/>
+                <a:latin typeface="Arial Unicode MS"/>
+                <a:ea typeface="Times New Roman" panose="02020603050405020304" pitchFamily="18" charset="0"/>
+                <a:cs typeface="Courier New" panose="02070309020205020404" pitchFamily="49" charset="0"/>
+              </a:rPr>
+            </a:br>
+            <a:r>
+              <a:rPr kumimoji="0" lang="en-US" altLang="en-US" sz="1200" b="0" i="0" u="none" strike="noStrike" cap="none" normalizeH="0" baseline="0" dirty="0">
+                <a:ln>
+                  <a:noFill/>
+                </a:ln>
+                <a:solidFill>
+                  <a:srgbClr val="000000"/>
+                </a:solidFill>
+                <a:effectLst/>
+                <a:latin typeface="Arial Unicode MS"/>
+                <a:ea typeface="Times New Roman" panose="02020603050405020304" pitchFamily="18" charset="0"/>
+                <a:cs typeface="Courier New" panose="02070309020205020404" pitchFamily="49" charset="0"/>
+              </a:rPr>
+              <a:t>  submitted:(...)</a:t>
+            </a:r>
+            <a:br>
+              <a:rPr kumimoji="0" lang="en-US" altLang="en-US" sz="1200" b="0" i="0" u="none" strike="noStrike" cap="none" normalizeH="0" baseline="0" dirty="0">
+                <a:ln>
+                  <a:noFill/>
+                </a:ln>
+                <a:solidFill>
+                  <a:srgbClr val="000000"/>
+                </a:solidFill>
+                <a:effectLst/>
+                <a:latin typeface="Arial Unicode MS"/>
+                <a:ea typeface="Times New Roman" panose="02020603050405020304" pitchFamily="18" charset="0"/>
+                <a:cs typeface="Courier New" panose="02070309020205020404" pitchFamily="49" charset="0"/>
+              </a:rPr>
+            </a:br>
+            <a:r>
+              <a:rPr kumimoji="0" lang="en-US" altLang="en-US" sz="1200" b="0" i="0" u="none" strike="noStrike" cap="none" normalizeH="0" baseline="0" dirty="0">
+                <a:ln>
+                  <a:noFill/>
+                </a:ln>
+                <a:solidFill>
+                  <a:srgbClr val="000000"/>
+                </a:solidFill>
+                <a:effectLst/>
+                <a:latin typeface="Arial Unicode MS"/>
+                <a:ea typeface="Times New Roman" panose="02020603050405020304" pitchFamily="18" charset="0"/>
+                <a:cs typeface="Courier New" panose="02070309020205020404" pitchFamily="49" charset="0"/>
+              </a:rPr>
+              <a:t>  touched:(...)</a:t>
+            </a:r>
+            <a:br>
+              <a:rPr kumimoji="0" lang="en-US" altLang="en-US" sz="1200" b="0" i="0" u="none" strike="noStrike" cap="none" normalizeH="0" baseline="0" dirty="0">
+                <a:ln>
+                  <a:noFill/>
+                </a:ln>
+                <a:solidFill>
+                  <a:srgbClr val="000000"/>
+                </a:solidFill>
+                <a:effectLst/>
+                <a:latin typeface="Arial Unicode MS"/>
+                <a:ea typeface="Times New Roman" panose="02020603050405020304" pitchFamily="18" charset="0"/>
+                <a:cs typeface="Courier New" panose="02070309020205020404" pitchFamily="49" charset="0"/>
+              </a:rPr>
+            </a:br>
+            <a:r>
+              <a:rPr kumimoji="0" lang="en-US" altLang="en-US" sz="1200" b="0" i="0" u="none" strike="noStrike" cap="none" normalizeH="0" baseline="0" dirty="0">
+                <a:ln>
+                  <a:noFill/>
+                </a:ln>
+                <a:solidFill>
+                  <a:srgbClr val="000000"/>
+                </a:solidFill>
+                <a:effectLst/>
+                <a:latin typeface="Arial Unicode MS"/>
+                <a:ea typeface="Times New Roman" panose="02020603050405020304" pitchFamily="18" charset="0"/>
+                <a:cs typeface="Courier New" panose="02070309020205020404" pitchFamily="49" charset="0"/>
+              </a:rPr>
+              <a:t>  untouched:(...)</a:t>
+            </a:r>
+            <a:br>
+              <a:rPr kumimoji="0" lang="en-US" altLang="en-US" sz="1200" b="0" i="0" u="none" strike="noStrike" cap="none" normalizeH="0" baseline="0" dirty="0">
+                <a:ln>
+                  <a:noFill/>
+                </a:ln>
+                <a:solidFill>
+                  <a:srgbClr val="000000"/>
+                </a:solidFill>
+                <a:effectLst/>
+                <a:latin typeface="Arial Unicode MS"/>
+                <a:ea typeface="Times New Roman" panose="02020603050405020304" pitchFamily="18" charset="0"/>
+                <a:cs typeface="Courier New" panose="02070309020205020404" pitchFamily="49" charset="0"/>
+              </a:rPr>
+            </a:br>
+            <a:r>
+              <a:rPr kumimoji="0" lang="en-US" altLang="en-US" sz="1200" b="0" i="0" u="none" strike="noStrike" cap="none" normalizeH="0" baseline="0" dirty="0">
+                <a:ln>
+                  <a:noFill/>
+                </a:ln>
+                <a:solidFill>
+                  <a:srgbClr val="000000"/>
+                </a:solidFill>
+                <a:effectLst/>
+                <a:latin typeface="Arial Unicode MS"/>
+                <a:ea typeface="Times New Roman" panose="02020603050405020304" pitchFamily="18" charset="0"/>
+                <a:cs typeface="Courier New" panose="02070309020205020404" pitchFamily="49" charset="0"/>
+              </a:rPr>
+              <a:t>  valid:(...)</a:t>
+            </a:r>
+            <a:br>
+              <a:rPr kumimoji="0" lang="en-US" altLang="en-US" sz="1200" b="0" i="0" u="none" strike="noStrike" cap="none" normalizeH="0" baseline="0" dirty="0">
+                <a:ln>
+                  <a:noFill/>
+                </a:ln>
+                <a:solidFill>
+                  <a:srgbClr val="000000"/>
+                </a:solidFill>
+                <a:effectLst/>
+                <a:latin typeface="Arial Unicode MS"/>
+                <a:ea typeface="Times New Roman" panose="02020603050405020304" pitchFamily="18" charset="0"/>
+                <a:cs typeface="Courier New" panose="02070309020205020404" pitchFamily="49" charset="0"/>
+              </a:rPr>
+            </a:br>
+            <a:r>
+              <a:rPr kumimoji="0" lang="en-US" altLang="en-US" sz="1200" b="0" i="0" u="none" strike="noStrike" cap="none" normalizeH="0" baseline="0" dirty="0">
+                <a:ln>
+                  <a:noFill/>
+                </a:ln>
+                <a:solidFill>
+                  <a:srgbClr val="000000"/>
+                </a:solidFill>
+                <a:effectLst/>
+                <a:latin typeface="Arial Unicode MS"/>
+                <a:ea typeface="Times New Roman" panose="02020603050405020304" pitchFamily="18" charset="0"/>
+                <a:cs typeface="Courier New" panose="02070309020205020404" pitchFamily="49" charset="0"/>
+              </a:rPr>
+              <a:t>  </a:t>
+            </a:r>
+            <a:r>
+              <a:rPr kumimoji="0" lang="en-US" altLang="en-US" sz="1200" b="1" i="0" u="none" strike="noStrike" cap="none" normalizeH="0" baseline="0" dirty="0">
+                <a:ln>
+                  <a:noFill/>
+                </a:ln>
+                <a:solidFill>
+                  <a:srgbClr val="000000"/>
+                </a:solidFill>
+                <a:effectLst/>
+                <a:latin typeface="Arial Unicode MS"/>
+                <a:ea typeface="Times New Roman" panose="02020603050405020304" pitchFamily="18" charset="0"/>
+                <a:cs typeface="Courier New" panose="02070309020205020404" pitchFamily="49" charset="0"/>
+              </a:rPr>
+              <a:t>value</a:t>
+            </a:r>
+            <a:r>
+              <a:rPr kumimoji="0" lang="en-US" altLang="en-US" sz="1200" b="0" i="0" u="none" strike="noStrike" cap="none" normalizeH="0" baseline="0" dirty="0">
+                <a:ln>
+                  <a:noFill/>
+                </a:ln>
+                <a:solidFill>
+                  <a:srgbClr val="000000"/>
+                </a:solidFill>
+                <a:effectLst/>
+                <a:latin typeface="Arial Unicode MS"/>
+                <a:ea typeface="Times New Roman" panose="02020603050405020304" pitchFamily="18" charset="0"/>
+                <a:cs typeface="Courier New" panose="02070309020205020404" pitchFamily="49" charset="0"/>
+              </a:rPr>
+              <a:t>:Object</a:t>
+            </a:r>
+            <a:r>
+              <a:rPr kumimoji="0" lang="en-US" altLang="en-US" sz="1200" b="1" i="0" u="none" strike="noStrike" cap="none" normalizeH="0" baseline="0" dirty="0">
+                <a:ln>
+                  <a:noFill/>
+                </a:ln>
+                <a:solidFill>
+                  <a:srgbClr val="008000"/>
+                </a:solidFill>
+                <a:effectLst/>
+                <a:latin typeface="Arial Unicode MS"/>
+                <a:ea typeface="Times New Roman" panose="02020603050405020304" pitchFamily="18" charset="0"/>
+                <a:cs typeface="Courier New" panose="02070309020205020404" pitchFamily="49" charset="0"/>
+              </a:rPr>
+              <a:t/>
+            </a:r>
+            <a:br>
+              <a:rPr kumimoji="0" lang="en-US" altLang="en-US" sz="1200" b="1" i="0" u="none" strike="noStrike" cap="none" normalizeH="0" baseline="0" dirty="0">
+                <a:ln>
+                  <a:noFill/>
+                </a:ln>
+                <a:solidFill>
+                  <a:srgbClr val="008000"/>
+                </a:solidFill>
+                <a:effectLst/>
+                <a:latin typeface="Arial Unicode MS"/>
+                <a:ea typeface="Times New Roman" panose="02020603050405020304" pitchFamily="18" charset="0"/>
+                <a:cs typeface="Courier New" panose="02070309020205020404" pitchFamily="49" charset="0"/>
+              </a:rPr>
+            </a:br>
+            <a:r>
+              <a:rPr kumimoji="0" lang="en-US" altLang="en-US" sz="1200" b="1" i="0" u="none" strike="noStrike" cap="none" normalizeH="0" baseline="0" dirty="0">
+                <a:ln>
+                  <a:noFill/>
+                </a:ln>
+                <a:solidFill>
+                  <a:srgbClr val="008000"/>
+                </a:solidFill>
+                <a:effectLst/>
+                <a:latin typeface="Arial Unicode MS"/>
+                <a:ea typeface="Times New Roman" panose="02020603050405020304" pitchFamily="18" charset="0"/>
+                <a:cs typeface="Courier New" panose="02070309020205020404" pitchFamily="49" charset="0"/>
+              </a:rPr>
+              <a:t>    </a:t>
+            </a:r>
+            <a:r>
+              <a:rPr kumimoji="0" lang="en-US" altLang="en-US" sz="1200" b="1" i="0" u="none" strike="noStrike" cap="none" normalizeH="0" baseline="0" dirty="0">
+                <a:ln>
+                  <a:noFill/>
+                </a:ln>
+                <a:solidFill>
+                  <a:srgbClr val="000000"/>
+                </a:solidFill>
+                <a:effectLst/>
+                <a:latin typeface="Arial Unicode MS"/>
+                <a:ea typeface="Times New Roman" panose="02020603050405020304" pitchFamily="18" charset="0"/>
+                <a:cs typeface="Courier New" panose="02070309020205020404" pitchFamily="49" charset="0"/>
+              </a:rPr>
+              <a:t>secret</a:t>
+            </a:r>
+            <a:r>
+              <a:rPr kumimoji="0" lang="en-US" altLang="en-US" sz="1200" b="0" i="0" u="none" strike="noStrike" cap="none" normalizeH="0" baseline="0" dirty="0">
+                <a:ln>
+                  <a:noFill/>
+                </a:ln>
+                <a:solidFill>
+                  <a:srgbClr val="000000"/>
+                </a:solidFill>
+                <a:effectLst/>
+                <a:latin typeface="Arial Unicode MS"/>
+                <a:ea typeface="Times New Roman" panose="02020603050405020304" pitchFamily="18" charset="0"/>
+                <a:cs typeface="Courier New" panose="02070309020205020404" pitchFamily="49" charset="0"/>
+              </a:rPr>
+              <a:t>:</a:t>
+            </a:r>
+            <a:r>
+              <a:rPr kumimoji="0" lang="en-US" altLang="en-US" sz="1200" b="1" i="0" u="none" strike="noStrike" cap="none" normalizeH="0" baseline="0" dirty="0">
+                <a:ln>
+                  <a:noFill/>
+                </a:ln>
+                <a:solidFill>
+                  <a:srgbClr val="008000"/>
+                </a:solidFill>
+                <a:effectLst/>
+                <a:latin typeface="Arial Unicode MS"/>
+                <a:ea typeface="Times New Roman" panose="02020603050405020304" pitchFamily="18" charset="0"/>
+                <a:cs typeface="Courier New" panose="02070309020205020404" pitchFamily="49" charset="0"/>
+              </a:rPr>
+              <a:t>"teacher”</a:t>
+            </a:r>
+            <a:r>
+              <a:rPr kumimoji="0" lang="en-US" altLang="en-US" sz="1200" b="0" i="0" u="none" strike="noStrike" cap="none" normalizeH="0" baseline="0" dirty="0">
+                <a:ln>
+                  <a:noFill/>
+                </a:ln>
+                <a:solidFill>
+                  <a:srgbClr val="000000"/>
+                </a:solidFill>
+                <a:effectLst/>
+                <a:latin typeface="Arial Unicode MS"/>
+                <a:ea typeface="Times New Roman" panose="02020603050405020304" pitchFamily="18" charset="0"/>
+                <a:cs typeface="Courier New" panose="02070309020205020404" pitchFamily="49" charset="0"/>
+              </a:rPr>
+              <a:t/>
+            </a:r>
+            <a:br>
+              <a:rPr kumimoji="0" lang="en-US" altLang="en-US" sz="1200" b="0" i="0" u="none" strike="noStrike" cap="none" normalizeH="0" baseline="0" dirty="0">
+                <a:ln>
+                  <a:noFill/>
+                </a:ln>
+                <a:solidFill>
+                  <a:srgbClr val="000000"/>
+                </a:solidFill>
+                <a:effectLst/>
+                <a:latin typeface="Arial Unicode MS"/>
+                <a:ea typeface="Times New Roman" panose="02020603050405020304" pitchFamily="18" charset="0"/>
+                <a:cs typeface="Courier New" panose="02070309020205020404" pitchFamily="49" charset="0"/>
+              </a:rPr>
+            </a:br>
+            <a:r>
+              <a:rPr kumimoji="0" lang="en-US" altLang="en-US" sz="1200" b="0" i="0" u="none" strike="noStrike" cap="none" normalizeH="0" baseline="0" dirty="0">
+                <a:ln>
+                  <a:noFill/>
+                </a:ln>
+                <a:solidFill>
+                  <a:srgbClr val="000000"/>
+                </a:solidFill>
+                <a:effectLst/>
+                <a:latin typeface="Arial Unicode MS"/>
+                <a:ea typeface="Times New Roman" panose="02020603050405020304" pitchFamily="18" charset="0"/>
+                <a:cs typeface="Courier New" panose="02070309020205020404" pitchFamily="49" charset="0"/>
+              </a:rPr>
+              <a:t>    </a:t>
+            </a:r>
+            <a:r>
+              <a:rPr kumimoji="0" lang="en-US" altLang="en-US" sz="1200" b="1" i="0" u="none" strike="noStrike" cap="none" normalizeH="0" baseline="0" dirty="0">
+                <a:ln>
+                  <a:noFill/>
+                </a:ln>
+                <a:solidFill>
+                  <a:srgbClr val="000000"/>
+                </a:solidFill>
+                <a:effectLst/>
+                <a:latin typeface="Arial Unicode MS"/>
+                <a:ea typeface="Times New Roman" panose="02020603050405020304" pitchFamily="18" charset="0"/>
+                <a:cs typeface="Courier New" panose="02070309020205020404" pitchFamily="49" charset="0"/>
+              </a:rPr>
+              <a:t>email</a:t>
+            </a:r>
+            <a:r>
+              <a:rPr kumimoji="0" lang="en-US" altLang="en-US" sz="1200" b="0" i="0" u="none" strike="noStrike" cap="none" normalizeH="0" baseline="0" dirty="0">
+                <a:ln>
+                  <a:noFill/>
+                </a:ln>
+                <a:solidFill>
+                  <a:srgbClr val="000000"/>
+                </a:solidFill>
+                <a:effectLst/>
+                <a:latin typeface="Arial Unicode MS"/>
+                <a:ea typeface="Times New Roman" panose="02020603050405020304" pitchFamily="18" charset="0"/>
+                <a:cs typeface="Courier New" panose="02070309020205020404" pitchFamily="49" charset="0"/>
+              </a:rPr>
+              <a:t>:</a:t>
+            </a:r>
+            <a:r>
+              <a:rPr kumimoji="0" lang="en-US" altLang="en-US" sz="1200" b="1" i="0" u="none" strike="noStrike" cap="none" normalizeH="0" baseline="0" dirty="0">
+                <a:ln>
+                  <a:noFill/>
+                </a:ln>
+                <a:solidFill>
+                  <a:srgbClr val="008000"/>
+                </a:solidFill>
+                <a:effectLst/>
+                <a:latin typeface="Arial Unicode MS"/>
+                <a:ea typeface="Times New Roman" panose="02020603050405020304" pitchFamily="18" charset="0"/>
+                <a:cs typeface="Courier New" panose="02070309020205020404" pitchFamily="49" charset="0"/>
+              </a:rPr>
+              <a:t>"Oric@gmail.com"</a:t>
+            </a:r>
+            <a:br>
+              <a:rPr kumimoji="0" lang="en-US" altLang="en-US" sz="1200" b="1" i="0" u="none" strike="noStrike" cap="none" normalizeH="0" baseline="0" dirty="0">
+                <a:ln>
+                  <a:noFill/>
+                </a:ln>
+                <a:solidFill>
+                  <a:srgbClr val="008000"/>
+                </a:solidFill>
+                <a:effectLst/>
+                <a:latin typeface="Arial Unicode MS"/>
+                <a:ea typeface="Times New Roman" panose="02020603050405020304" pitchFamily="18" charset="0"/>
+                <a:cs typeface="Courier New" panose="02070309020205020404" pitchFamily="49" charset="0"/>
+              </a:rPr>
+            </a:br>
+            <a:r>
+              <a:rPr kumimoji="0" lang="en-US" altLang="en-US" sz="1200" b="1" i="0" u="none" strike="noStrike" cap="none" normalizeH="0" baseline="0" dirty="0">
+                <a:ln>
+                  <a:noFill/>
+                </a:ln>
+                <a:solidFill>
+                  <a:srgbClr val="008000"/>
+                </a:solidFill>
+                <a:effectLst/>
+                <a:latin typeface="Arial Unicode MS"/>
+                <a:ea typeface="Times New Roman" panose="02020603050405020304" pitchFamily="18" charset="0"/>
+                <a:cs typeface="Courier New" panose="02070309020205020404" pitchFamily="49" charset="0"/>
+              </a:rPr>
+              <a:t>    </a:t>
+            </a:r>
+            <a:r>
+              <a:rPr kumimoji="0" lang="en-US" altLang="en-US" sz="1200" b="1" i="0" u="none" strike="noStrike" cap="none" normalizeH="0" baseline="0" dirty="0">
+                <a:ln>
+                  <a:noFill/>
+                </a:ln>
+                <a:solidFill>
+                  <a:srgbClr val="000000"/>
+                </a:solidFill>
+                <a:effectLst/>
+                <a:latin typeface="Arial Unicode MS"/>
+                <a:ea typeface="Times New Roman" panose="02020603050405020304" pitchFamily="18" charset="0"/>
+                <a:cs typeface="Courier New" panose="02070309020205020404" pitchFamily="49" charset="0"/>
+              </a:rPr>
+              <a:t>username</a:t>
+            </a:r>
+            <a:r>
+              <a:rPr kumimoji="0" lang="en-US" altLang="en-US" sz="1200" b="0" i="0" u="none" strike="noStrike" cap="none" normalizeH="0" baseline="0" dirty="0">
+                <a:ln>
+                  <a:noFill/>
+                </a:ln>
+                <a:solidFill>
+                  <a:srgbClr val="000000"/>
+                </a:solidFill>
+                <a:effectLst/>
+                <a:latin typeface="Arial Unicode MS"/>
+                <a:ea typeface="Times New Roman" panose="02020603050405020304" pitchFamily="18" charset="0"/>
+                <a:cs typeface="Courier New" panose="02070309020205020404" pitchFamily="49" charset="0"/>
+              </a:rPr>
+              <a:t>:</a:t>
+            </a:r>
+            <a:r>
+              <a:rPr kumimoji="0" lang="en-US" altLang="en-US" sz="1200" b="1" i="0" u="none" strike="noStrike" cap="none" normalizeH="0" baseline="0" dirty="0">
+                <a:ln>
+                  <a:noFill/>
+                </a:ln>
+                <a:solidFill>
+                  <a:srgbClr val="008000"/>
+                </a:solidFill>
+                <a:effectLst/>
+                <a:latin typeface="Arial Unicode MS"/>
+                <a:ea typeface="Times New Roman" panose="02020603050405020304" pitchFamily="18" charset="0"/>
+                <a:cs typeface="Courier New" panose="02070309020205020404" pitchFamily="49" charset="0"/>
+              </a:rPr>
+              <a:t>"oric"</a:t>
+            </a:r>
+            <a:br>
+              <a:rPr kumimoji="0" lang="en-US" altLang="en-US" sz="1200" b="1" i="0" u="none" strike="noStrike" cap="none" normalizeH="0" baseline="0" dirty="0">
+                <a:ln>
+                  <a:noFill/>
+                </a:ln>
+                <a:solidFill>
+                  <a:srgbClr val="008000"/>
+                </a:solidFill>
+                <a:effectLst/>
+                <a:latin typeface="Arial Unicode MS"/>
+                <a:ea typeface="Times New Roman" panose="02020603050405020304" pitchFamily="18" charset="0"/>
+                <a:cs typeface="Courier New" panose="02070309020205020404" pitchFamily="49" charset="0"/>
+              </a:rPr>
+            </a:br>
+            <a:r>
+              <a:rPr kumimoji="0" lang="en-US" altLang="en-US" sz="1200" b="1" i="0" u="none" strike="noStrike" cap="none" normalizeH="0" baseline="0" dirty="0">
+                <a:ln>
+                  <a:noFill/>
+                </a:ln>
+                <a:solidFill>
+                  <a:srgbClr val="008000"/>
+                </a:solidFill>
+                <a:effectLst/>
+                <a:latin typeface="Arial Unicode MS"/>
+                <a:ea typeface="Times New Roman" panose="02020603050405020304" pitchFamily="18" charset="0"/>
+                <a:cs typeface="Courier New" panose="02070309020205020404" pitchFamily="49" charset="0"/>
+              </a:rPr>
+              <a:t>  </a:t>
+            </a:r>
+            <a:r>
+              <a:rPr kumimoji="0" lang="en-US" altLang="en-US" sz="1200" b="1" i="0" u="none" strike="noStrike" cap="none" normalizeH="0" baseline="0" dirty="0">
+                <a:ln>
+                  <a:noFill/>
+                </a:ln>
+                <a:solidFill>
+                  <a:srgbClr val="000000"/>
+                </a:solidFill>
+                <a:effectLst/>
+                <a:latin typeface="Arial Unicode MS"/>
+                <a:ea typeface="Times New Roman" panose="02020603050405020304" pitchFamily="18" charset="0"/>
+                <a:cs typeface="Courier New" panose="02070309020205020404" pitchFamily="49" charset="0"/>
+              </a:rPr>
+              <a:t>__proto__</a:t>
+            </a:r>
+            <a:r>
+              <a:rPr kumimoji="0" lang="en-US" altLang="en-US" sz="1200" b="0" i="0" u="none" strike="noStrike" cap="none" normalizeH="0" baseline="0" dirty="0">
+                <a:ln>
+                  <a:noFill/>
+                </a:ln>
+                <a:solidFill>
+                  <a:srgbClr val="000000"/>
+                </a:solidFill>
+                <a:effectLst/>
+                <a:latin typeface="Arial Unicode MS"/>
+                <a:ea typeface="Times New Roman" panose="02020603050405020304" pitchFamily="18" charset="0"/>
+                <a:cs typeface="Courier New" panose="02070309020205020404" pitchFamily="49" charset="0"/>
+              </a:rPr>
+              <a:t>:Object</a:t>
+            </a:r>
+            <a:br>
+              <a:rPr kumimoji="0" lang="en-US" altLang="en-US" sz="1200" b="0" i="0" u="none" strike="noStrike" cap="none" normalizeH="0" baseline="0" dirty="0">
+                <a:ln>
+                  <a:noFill/>
+                </a:ln>
+                <a:solidFill>
+                  <a:srgbClr val="000000"/>
+                </a:solidFill>
+                <a:effectLst/>
+                <a:latin typeface="Arial Unicode MS"/>
+                <a:ea typeface="Times New Roman" panose="02020603050405020304" pitchFamily="18" charset="0"/>
+                <a:cs typeface="Courier New" panose="02070309020205020404" pitchFamily="49" charset="0"/>
+              </a:rPr>
+            </a:br>
+            <a:r>
+              <a:rPr kumimoji="0" lang="en-US" altLang="en-US" sz="1200" b="0" i="0" u="none" strike="noStrike" cap="none" normalizeH="0" baseline="0" dirty="0">
+                <a:ln>
+                  <a:noFill/>
+                </a:ln>
+                <a:solidFill>
+                  <a:srgbClr val="000000"/>
+                </a:solidFill>
+                <a:effectLst/>
+                <a:latin typeface="Arial Unicode MS"/>
+                <a:ea typeface="Times New Roman" panose="02020603050405020304" pitchFamily="18" charset="0"/>
+                <a:cs typeface="Courier New" panose="02070309020205020404" pitchFamily="49" charset="0"/>
+              </a:rPr>
+              <a:t>  </a:t>
+            </a:r>
+            <a:r>
+              <a:rPr kumimoji="0" lang="en-US" altLang="en-US" sz="1200" b="1" i="0" u="none" strike="noStrike" cap="none" normalizeH="0" baseline="0" dirty="0">
+                <a:ln>
+                  <a:noFill/>
+                </a:ln>
+                <a:solidFill>
+                  <a:srgbClr val="000000"/>
+                </a:solidFill>
+                <a:effectLst/>
+                <a:latin typeface="Arial Unicode MS"/>
+                <a:ea typeface="Times New Roman" panose="02020603050405020304" pitchFamily="18" charset="0"/>
+                <a:cs typeface="Courier New" panose="02070309020205020404" pitchFamily="49" charset="0"/>
+              </a:rPr>
+              <a:t>__proto__</a:t>
+            </a:r>
+            <a:r>
+              <a:rPr kumimoji="0" lang="en-US" altLang="en-US" sz="1200" b="0" i="0" u="none" strike="noStrike" cap="none" normalizeH="0" baseline="0" dirty="0">
+                <a:ln>
+                  <a:noFill/>
+                </a:ln>
+                <a:solidFill>
+                  <a:srgbClr val="000000"/>
+                </a:solidFill>
+                <a:effectLst/>
+                <a:latin typeface="Arial Unicode MS"/>
+                <a:ea typeface="Times New Roman" panose="02020603050405020304" pitchFamily="18" charset="0"/>
+                <a:cs typeface="Courier New" panose="02070309020205020404" pitchFamily="49" charset="0"/>
+              </a:rPr>
+              <a:t>:Object</a:t>
+            </a:r>
+            <a:br>
+              <a:rPr kumimoji="0" lang="en-US" altLang="en-US" sz="1200" b="0" i="0" u="none" strike="noStrike" cap="none" normalizeH="0" baseline="0" dirty="0">
+                <a:ln>
+                  <a:noFill/>
+                </a:ln>
+                <a:solidFill>
+                  <a:srgbClr val="000000"/>
+                </a:solidFill>
+                <a:effectLst/>
+                <a:latin typeface="Arial Unicode MS"/>
+                <a:ea typeface="Times New Roman" panose="02020603050405020304" pitchFamily="18" charset="0"/>
+                <a:cs typeface="Courier New" panose="02070309020205020404" pitchFamily="49" charset="0"/>
+              </a:rPr>
+            </a:br>
+            <a:r>
+              <a:rPr kumimoji="0" lang="en-US" altLang="en-US" sz="1200" b="0" i="0" u="none" strike="noStrike" cap="none" normalizeH="0" baseline="0" dirty="0">
+                <a:ln>
+                  <a:noFill/>
+                </a:ln>
+                <a:solidFill>
+                  <a:srgbClr val="000000"/>
+                </a:solidFill>
+                <a:effectLst/>
+                <a:latin typeface="Arial Unicode MS"/>
+                <a:ea typeface="Times New Roman" panose="02020603050405020304" pitchFamily="18" charset="0"/>
+                <a:cs typeface="Courier New" panose="02070309020205020404" pitchFamily="49" charset="0"/>
+              </a:rPr>
+              <a:t>  valueChanges:(...)</a:t>
+            </a:r>
+            <a:br>
+              <a:rPr kumimoji="0" lang="en-US" altLang="en-US" sz="1200" b="0" i="0" u="none" strike="noStrike" cap="none" normalizeH="0" baseline="0" dirty="0">
+                <a:ln>
+                  <a:noFill/>
+                </a:ln>
+                <a:solidFill>
+                  <a:srgbClr val="000000"/>
+                </a:solidFill>
+                <a:effectLst/>
+                <a:latin typeface="Arial Unicode MS"/>
+                <a:ea typeface="Times New Roman" panose="02020603050405020304" pitchFamily="18" charset="0"/>
+                <a:cs typeface="Courier New" panose="02070309020205020404" pitchFamily="49" charset="0"/>
+              </a:rPr>
+            </a:br>
+            <a:r>
+              <a:rPr kumimoji="0" lang="en-US" altLang="en-US" sz="1200" b="0" i="0" u="none" strike="noStrike" cap="none" normalizeH="0" baseline="0" dirty="0">
+                <a:ln>
+                  <a:noFill/>
+                </a:ln>
+                <a:solidFill>
+                  <a:srgbClr val="000000"/>
+                </a:solidFill>
+                <a:effectLst/>
+                <a:latin typeface="Arial Unicode MS"/>
+                <a:ea typeface="Times New Roman" panose="02020603050405020304" pitchFamily="18" charset="0"/>
+                <a:cs typeface="Courier New" panose="02070309020205020404" pitchFamily="49" charset="0"/>
+              </a:rPr>
+              <a:t>  </a:t>
+            </a:r>
+            <a:r>
+              <a:rPr kumimoji="0" lang="en-US" altLang="en-US" sz="1200" b="1" i="0" u="none" strike="noStrike" cap="none" normalizeH="0" baseline="0" dirty="0">
+                <a:ln>
+                  <a:noFill/>
+                </a:ln>
+                <a:solidFill>
+                  <a:srgbClr val="000000"/>
+                </a:solidFill>
+                <a:effectLst/>
+                <a:latin typeface="Arial Unicode MS"/>
+                <a:ea typeface="Times New Roman" panose="02020603050405020304" pitchFamily="18" charset="0"/>
+                <a:cs typeface="Courier New" panose="02070309020205020404" pitchFamily="49" charset="0"/>
+              </a:rPr>
+              <a:t>_submitted</a:t>
+            </a:r>
+            <a:r>
+              <a:rPr kumimoji="0" lang="en-US" altLang="en-US" sz="1200" b="0" i="0" u="none" strike="noStrike" cap="none" normalizeH="0" baseline="0" dirty="0">
+                <a:ln>
+                  <a:noFill/>
+                </a:ln>
+                <a:solidFill>
+                  <a:srgbClr val="000000"/>
+                </a:solidFill>
+                <a:effectLst/>
+                <a:latin typeface="Arial Unicode MS"/>
+                <a:ea typeface="Times New Roman" panose="02020603050405020304" pitchFamily="18" charset="0"/>
+                <a:cs typeface="Courier New" panose="02070309020205020404" pitchFamily="49" charset="0"/>
+              </a:rPr>
+              <a:t>:</a:t>
+            </a:r>
+            <a:r>
+              <a:rPr kumimoji="0" lang="en-US" altLang="en-US" sz="1200" b="1" i="0" u="none" strike="noStrike" cap="none" normalizeH="0" baseline="0" dirty="0">
+                <a:ln>
+                  <a:noFill/>
+                </a:ln>
+                <a:solidFill>
+                  <a:srgbClr val="000080"/>
+                </a:solidFill>
+                <a:effectLst/>
+                <a:latin typeface="Arial Unicode MS"/>
+                <a:ea typeface="Times New Roman" panose="02020603050405020304" pitchFamily="18" charset="0"/>
+                <a:cs typeface="Courier New" panose="02070309020205020404" pitchFamily="49" charset="0"/>
+              </a:rPr>
+              <a:t>true</a:t>
+            </a:r>
+            <a:br>
+              <a:rPr kumimoji="0" lang="en-US" altLang="en-US" sz="1200" b="1" i="0" u="none" strike="noStrike" cap="none" normalizeH="0" baseline="0" dirty="0">
+                <a:ln>
+                  <a:noFill/>
+                </a:ln>
+                <a:solidFill>
+                  <a:srgbClr val="000080"/>
+                </a:solidFill>
+                <a:effectLst/>
+                <a:latin typeface="Arial Unicode MS"/>
+                <a:ea typeface="Times New Roman" panose="02020603050405020304" pitchFamily="18" charset="0"/>
+                <a:cs typeface="Courier New" panose="02070309020205020404" pitchFamily="49" charset="0"/>
+              </a:rPr>
+            </a:br>
+            <a:r>
+              <a:rPr kumimoji="0" lang="en-US" altLang="en-US" sz="1200" b="1" i="0" u="none" strike="noStrike" cap="none" normalizeH="0" baseline="0" dirty="0">
+                <a:ln>
+                  <a:noFill/>
+                </a:ln>
+                <a:solidFill>
+                  <a:srgbClr val="000080"/>
+                </a:solidFill>
+                <a:effectLst/>
+                <a:latin typeface="Arial Unicode MS"/>
+                <a:ea typeface="Times New Roman" panose="02020603050405020304" pitchFamily="18" charset="0"/>
+                <a:cs typeface="Courier New" panose="02070309020205020404" pitchFamily="49" charset="0"/>
+              </a:rPr>
+              <a:t>  </a:t>
+            </a:r>
+            <a:r>
+              <a:rPr kumimoji="0" lang="en-US" altLang="en-US" sz="1200" b="1" i="0" u="none" strike="noStrike" cap="none" normalizeH="0" baseline="0" dirty="0">
+                <a:ln>
+                  <a:noFill/>
+                </a:ln>
+                <a:solidFill>
+                  <a:srgbClr val="000000"/>
+                </a:solidFill>
+                <a:effectLst/>
+                <a:latin typeface="Arial Unicode MS"/>
+                <a:ea typeface="Times New Roman" panose="02020603050405020304" pitchFamily="18" charset="0"/>
+                <a:cs typeface="Courier New" panose="02070309020205020404" pitchFamily="49" charset="0"/>
+              </a:rPr>
+              <a:t>__proto__</a:t>
+            </a:r>
+            <a:r>
+              <a:rPr kumimoji="0" lang="en-US" altLang="en-US" sz="1200" b="0" i="0" u="none" strike="noStrike" cap="none" normalizeH="0" baseline="0" dirty="0">
+                <a:ln>
+                  <a:noFill/>
+                </a:ln>
+                <a:solidFill>
+                  <a:srgbClr val="000000"/>
+                </a:solidFill>
+                <a:effectLst/>
+                <a:latin typeface="Arial Unicode MS"/>
+                <a:ea typeface="Times New Roman" panose="02020603050405020304" pitchFamily="18" charset="0"/>
+                <a:cs typeface="Courier New" panose="02070309020205020404" pitchFamily="49" charset="0"/>
+              </a:rPr>
+              <a:t>:ControlContainer</a:t>
+            </a:r>
+            <a:r>
+              <a:rPr kumimoji="0" lang="en-US" altLang="en-US" sz="1200" b="0" i="0" u="none" strike="noStrike" cap="none" normalizeH="0" baseline="0" dirty="0">
+                <a:ln>
+                  <a:noFill/>
+                </a:ln>
+                <a:solidFill>
+                  <a:schemeClr val="tx1"/>
+                </a:solidFill>
+                <a:effectLst/>
+              </a:rPr>
+              <a:t> </a:t>
+            </a:r>
+            <a:endParaRPr kumimoji="0" lang="en-US" altLang="en-US" sz="1200" b="0" i="0" u="none" strike="noStrike" cap="none" normalizeH="0" baseline="0" dirty="0">
+              <a:ln>
+                <a:noFill/>
+              </a:ln>
+              <a:solidFill>
+                <a:schemeClr val="tx1"/>
+              </a:solidFill>
+              <a:effectLst/>
+              <a:latin typeface="Arial" panose="020B0604020202020204" pitchFamily="34" charset="0"/>
+            </a:endParaRPr>
+          </a:p>
+        </p:txBody>
+      </p:sp>
       <p:cxnSp>
         <p:nvCxnSpPr>
-          <p:cNvPr id="13" name="Straight Arrow Connector 12"/>
-          <p:cNvCxnSpPr>
-            <a:cxnSpLocks/>
-          </p:cNvCxnSpPr>
+          <p:cNvPr id="7" name="Straight Arrow Connector 6"/>
+          <p:cNvCxnSpPr/>
           <p:nvPr/>
         </p:nvCxnSpPr>
         <p:spPr>
           <a:xfrm flipH="1">
-            <a:off x="5269768" y="5877272"/>
-            <a:ext cx="1368152" cy="0"/>
+            <a:off x="2051720" y="5373216"/>
+            <a:ext cx="1800200" cy="0"/>
           </a:xfrm>
           <a:prstGeom prst="straightConnector1">
             <a:avLst/>

--- a/PPTs/04 Forms.pptx
+++ b/PPTs/04 Forms.pptx
@@ -5892,17 +5892,6 @@
                 <a:cs typeface="Arial" panose="020B0604020202020204" pitchFamily="34" charset="0"/>
               </a:rPr>
             </a:br>
-            <a:r>
-              <a:rPr lang="en-US" sz="1400" b="1" dirty="0">
-                <a:solidFill>
-                  <a:srgbClr val="008000"/>
-                </a:solidFill>
-                <a:latin typeface="Calibri" panose="020F0502020204030204" pitchFamily="34" charset="0"/>
-                <a:ea typeface="Calibri" panose="020F0502020204030204" pitchFamily="34" charset="0"/>
-                <a:cs typeface="Arial" panose="020B0604020202020204" pitchFamily="34" charset="0"/>
-              </a:rPr>
-              <a:t/>
-            </a:r>
             <a:br>
               <a:rPr lang="en-US" sz="1400" b="1" dirty="0">
                 <a:solidFill>
@@ -6182,17 +6171,6 @@
                 <a:cs typeface="Arial" panose="020B0604020202020204" pitchFamily="34" charset="0"/>
               </a:rPr>
             </a:br>
-            <a:r>
-              <a:rPr lang="en-US" sz="1400" dirty="0">
-                <a:solidFill>
-                  <a:srgbClr val="000000"/>
-                </a:solidFill>
-                <a:latin typeface="Calibri" panose="020F0502020204030204" pitchFamily="34" charset="0"/>
-                <a:ea typeface="Calibri" panose="020F0502020204030204" pitchFamily="34" charset="0"/>
-                <a:cs typeface="Arial" panose="020B0604020202020204" pitchFamily="34" charset="0"/>
-              </a:rPr>
-              <a:t/>
-            </a:r>
             <a:br>
               <a:rPr lang="en-US" sz="1400" dirty="0">
                 <a:solidFill>
@@ -6332,17 +6310,6 @@
                 <a:cs typeface="Arial" panose="020B0604020202020204" pitchFamily="34" charset="0"/>
               </a:rPr>
             </a:br>
-            <a:r>
-              <a:rPr lang="en-US" sz="1400" dirty="0">
-                <a:solidFill>
-                  <a:srgbClr val="000000"/>
-                </a:solidFill>
-                <a:latin typeface="Calibri" panose="020F0502020204030204" pitchFamily="34" charset="0"/>
-                <a:ea typeface="Calibri" panose="020F0502020204030204" pitchFamily="34" charset="0"/>
-                <a:cs typeface="Arial" panose="020B0604020202020204" pitchFamily="34" charset="0"/>
-              </a:rPr>
-              <a:t/>
-            </a:r>
             <a:br>
               <a:rPr lang="en-US" sz="1400" dirty="0">
                 <a:solidFill>
@@ -6385,17 +6352,6 @@
                 <a:cs typeface="Arial" panose="020B0604020202020204" pitchFamily="34" charset="0"/>
               </a:rPr>
               <a:t>(){</a:t>
-            </a:r>
-            <a:r>
-              <a:rPr lang="en-US" sz="1400" i="1" dirty="0">
-                <a:solidFill>
-                  <a:srgbClr val="808080"/>
-                </a:solidFill>
-                <a:latin typeface="Calibri" panose="020F0502020204030204" pitchFamily="34" charset="0"/>
-                <a:ea typeface="Calibri" panose="020F0502020204030204" pitchFamily="34" charset="0"/>
-                <a:cs typeface="Arial" panose="020B0604020202020204" pitchFamily="34" charset="0"/>
-              </a:rPr>
-              <a:t/>
             </a:r>
             <a:br>
               <a:rPr lang="en-US" sz="1400" i="1" dirty="0">
@@ -7018,8 +6974,8 @@
         </p:nvCxnSpPr>
         <p:spPr>
           <a:xfrm flipH="1" flipV="1">
-            <a:off x="1165107" y="5229200"/>
-            <a:ext cx="3633589" cy="303612"/>
+            <a:off x="1187624" y="5209778"/>
+            <a:ext cx="3612088" cy="807756"/>
           </a:xfrm>
           <a:prstGeom prst="straightConnector1">
             <a:avLst/>
@@ -7281,6 +7237,17 @@
               <a:t>  </a:t>
             </a:r>
             <a:r>
+              <a:rPr lang="en-US" b="1" dirty="0" err="1">
+                <a:solidFill>
+                  <a:srgbClr val="0000FF"/>
+                </a:solidFill>
+                <a:latin typeface="Calibri" panose="020F0502020204030204" pitchFamily="34" charset="0"/>
+                <a:ea typeface="Calibri" panose="020F0502020204030204" pitchFamily="34" charset="0"/>
+                <a:cs typeface="Arial" panose="020B0604020202020204" pitchFamily="34" charset="0"/>
+              </a:rPr>
+              <a:t>ngModel</a:t>
+            </a:r>
+            <a:r>
               <a:rPr lang="en-US" b="1" dirty="0">
                 <a:solidFill>
                   <a:srgbClr val="0000FF"/>
@@ -7289,50 +7256,20 @@
                 <a:ea typeface="Calibri" panose="020F0502020204030204" pitchFamily="34" charset="0"/>
                 <a:cs typeface="Arial" panose="020B0604020202020204" pitchFamily="34" charset="0"/>
               </a:rPr>
-              <a:t>class=</a:t>
-            </a:r>
+              <a:t> </a:t>
+            </a:r>
+          </a:p>
+          <a:p>
             <a:r>
               <a:rPr lang="en-US" b="1" dirty="0">
                 <a:solidFill>
-                  <a:srgbClr val="008000"/>
-                </a:solidFill>
-                <a:latin typeface="Calibri" panose="020F0502020204030204" pitchFamily="34" charset="0"/>
-                <a:ea typeface="Calibri" panose="020F0502020204030204" pitchFamily="34" charset="0"/>
-                <a:cs typeface="Arial" panose="020B0604020202020204" pitchFamily="34" charset="0"/>
-              </a:rPr>
-              <a:t>"form-control"</a:t>
-            </a:r>
-            <a:br>
-              <a:rPr lang="en-US" b="1" dirty="0">
-                <a:solidFill>
-                  <a:srgbClr val="008000"/>
-                </a:solidFill>
-                <a:latin typeface="Calibri" panose="020F0502020204030204" pitchFamily="34" charset="0"/>
-                <a:ea typeface="Calibri" panose="020F0502020204030204" pitchFamily="34" charset="0"/>
-                <a:cs typeface="Arial" panose="020B0604020202020204" pitchFamily="34" charset="0"/>
-              </a:rPr>
-            </a:br>
-            <a:r>
-              <a:rPr lang="en-US" b="1" dirty="0">
-                <a:solidFill>
-                  <a:srgbClr val="008000"/>
-                </a:solidFill>
-                <a:latin typeface="Calibri" panose="020F0502020204030204" pitchFamily="34" charset="0"/>
-                <a:ea typeface="Calibri" panose="020F0502020204030204" pitchFamily="34" charset="0"/>
-                <a:cs typeface="Arial" panose="020B0604020202020204" pitchFamily="34" charset="0"/>
-              </a:rPr>
-              <a:t>  </a:t>
-            </a:r>
-            <a:r>
-              <a:rPr lang="en-US" b="1" dirty="0">
-                <a:solidFill>
                   <a:srgbClr val="0000FF"/>
                 </a:solidFill>
                 <a:latin typeface="Calibri" panose="020F0502020204030204" pitchFamily="34" charset="0"/>
                 <a:ea typeface="Calibri" panose="020F0502020204030204" pitchFamily="34" charset="0"/>
                 <a:cs typeface="Arial" panose="020B0604020202020204" pitchFamily="34" charset="0"/>
               </a:rPr>
-              <a:t>ngModel name=</a:t>
+              <a:t>name=</a:t>
             </a:r>
             <a:r>
               <a:rPr lang="en-US" b="1" dirty="0">
@@ -8616,7 +8553,7 @@
         <p:spPr>
           <a:xfrm>
             <a:off x="80628" y="2751688"/>
-            <a:ext cx="7011652" cy="3416320"/>
+            <a:ext cx="7011652" cy="2862322"/>
           </a:xfrm>
           <a:prstGeom prst="rect">
             <a:avLst/>
@@ -8853,87 +8790,76 @@
                 <a:ea typeface="Calibri" panose="020F0502020204030204" pitchFamily="34" charset="0"/>
                 <a:cs typeface="Arial" panose="020B0604020202020204" pitchFamily="34" charset="0"/>
               </a:rPr>
-              <a:t>class=</a:t>
-            </a:r>
-            <a:r>
-              <a:rPr lang="en-US" b="1" dirty="0">
-                <a:solidFill>
-                  <a:srgbClr val="008000"/>
-                </a:solidFill>
-                <a:latin typeface="Calibri" panose="020F0502020204030204" pitchFamily="34" charset="0"/>
-                <a:ea typeface="Calibri" panose="020F0502020204030204" pitchFamily="34" charset="0"/>
-                <a:cs typeface="Arial" panose="020B0604020202020204" pitchFamily="34" charset="0"/>
-              </a:rPr>
-              <a:t>"form-control"</a:t>
+              <a:t>ngModel</a:t>
             </a:r>
             <a:br>
               <a:rPr lang="en-US" b="1" dirty="0">
                 <a:solidFill>
+                  <a:srgbClr val="0000FF"/>
+                </a:solidFill>
+                <a:latin typeface="Calibri" panose="020F0502020204030204" pitchFamily="34" charset="0"/>
+                <a:ea typeface="Calibri" panose="020F0502020204030204" pitchFamily="34" charset="0"/>
+                <a:cs typeface="Arial" panose="020B0604020202020204" pitchFamily="34" charset="0"/>
+              </a:rPr>
+            </a:br>
+            <a:r>
+              <a:rPr lang="en-US" b="1" dirty="0">
+                <a:solidFill>
+                  <a:srgbClr val="0000FF"/>
+                </a:solidFill>
+                <a:latin typeface="Calibri" panose="020F0502020204030204" pitchFamily="34" charset="0"/>
+                <a:ea typeface="Calibri" panose="020F0502020204030204" pitchFamily="34" charset="0"/>
+                <a:cs typeface="Arial" panose="020B0604020202020204" pitchFamily="34" charset="0"/>
+              </a:rPr>
+              <a:t>  name=</a:t>
+            </a:r>
+            <a:r>
+              <a:rPr lang="en-US" b="1" dirty="0">
+                <a:solidFill>
                   <a:srgbClr val="008000"/>
                 </a:solidFill>
                 <a:latin typeface="Calibri" panose="020F0502020204030204" pitchFamily="34" charset="0"/>
                 <a:ea typeface="Calibri" panose="020F0502020204030204" pitchFamily="34" charset="0"/>
                 <a:cs typeface="Arial" panose="020B0604020202020204" pitchFamily="34" charset="0"/>
               </a:rPr>
-            </a:br>
-            <a:r>
-              <a:rPr lang="en-US" b="1" dirty="0">
-                <a:solidFill>
-                  <a:srgbClr val="008000"/>
-                </a:solidFill>
-                <a:latin typeface="Calibri" panose="020F0502020204030204" pitchFamily="34" charset="0"/>
-                <a:ea typeface="Calibri" panose="020F0502020204030204" pitchFamily="34" charset="0"/>
-                <a:cs typeface="Arial" panose="020B0604020202020204" pitchFamily="34" charset="0"/>
-              </a:rPr>
-              <a:t>  </a:t>
-            </a:r>
-            <a:r>
-              <a:rPr lang="en-US" b="1" dirty="0">
-                <a:solidFill>
-                  <a:srgbClr val="0000FF"/>
-                </a:solidFill>
-                <a:latin typeface="Calibri" panose="020F0502020204030204" pitchFamily="34" charset="0"/>
-                <a:ea typeface="Calibri" panose="020F0502020204030204" pitchFamily="34" charset="0"/>
-                <a:cs typeface="Arial" panose="020B0604020202020204" pitchFamily="34" charset="0"/>
-              </a:rPr>
-              <a:t>ngModel</a:t>
+              <a:t>"email"</a:t>
             </a:r>
             <a:br>
               <a:rPr lang="en-US" b="1" dirty="0">
                 <a:solidFill>
+                  <a:srgbClr val="008000"/>
+                </a:solidFill>
+                <a:latin typeface="Calibri" panose="020F0502020204030204" pitchFamily="34" charset="0"/>
+                <a:ea typeface="Calibri" panose="020F0502020204030204" pitchFamily="34" charset="0"/>
+                <a:cs typeface="Arial" panose="020B0604020202020204" pitchFamily="34" charset="0"/>
+              </a:rPr>
+            </a:br>
+            <a:r>
+              <a:rPr lang="en-US" b="1" dirty="0">
+                <a:solidFill>
+                  <a:srgbClr val="008000"/>
+                </a:solidFill>
+                <a:latin typeface="Calibri" panose="020F0502020204030204" pitchFamily="34" charset="0"/>
+                <a:ea typeface="Calibri" panose="020F0502020204030204" pitchFamily="34" charset="0"/>
+                <a:cs typeface="Arial" panose="020B0604020202020204" pitchFamily="34" charset="0"/>
+              </a:rPr>
+              <a:t>  </a:t>
+            </a:r>
+            <a:r>
+              <a:rPr lang="en-US" b="1" dirty="0">
+                <a:solidFill>
                   <a:srgbClr val="0000FF"/>
                 </a:solidFill>
                 <a:latin typeface="Calibri" panose="020F0502020204030204" pitchFamily="34" charset="0"/>
                 <a:ea typeface="Calibri" panose="020F0502020204030204" pitchFamily="34" charset="0"/>
                 <a:cs typeface="Arial" panose="020B0604020202020204" pitchFamily="34" charset="0"/>
               </a:rPr>
-            </a:br>
-            <a:r>
-              <a:rPr lang="en-US" b="1" dirty="0">
-                <a:solidFill>
-                  <a:srgbClr val="0000FF"/>
-                </a:solidFill>
-                <a:latin typeface="Calibri" panose="020F0502020204030204" pitchFamily="34" charset="0"/>
-                <a:ea typeface="Calibri" panose="020F0502020204030204" pitchFamily="34" charset="0"/>
-                <a:cs typeface="Arial" panose="020B0604020202020204" pitchFamily="34" charset="0"/>
-              </a:rPr>
-              <a:t>  name=</a:t>
-            </a:r>
-            <a:r>
-              <a:rPr lang="en-US" b="1" dirty="0">
-                <a:solidFill>
-                  <a:srgbClr val="008000"/>
-                </a:solidFill>
-                <a:latin typeface="Calibri" panose="020F0502020204030204" pitchFamily="34" charset="0"/>
-                <a:ea typeface="Calibri" panose="020F0502020204030204" pitchFamily="34" charset="0"/>
-                <a:cs typeface="Arial" panose="020B0604020202020204" pitchFamily="34" charset="0"/>
-              </a:rPr>
-              <a:t>"email"</a:t>
+              <a:t>required</a:t>
             </a:r>
             <a:br>
               <a:rPr lang="en-US" b="1" dirty="0">
                 <a:solidFill>
-                  <a:srgbClr val="008000"/>
+                  <a:srgbClr val="0000FF"/>
                 </a:solidFill>
                 <a:latin typeface="Calibri" panose="020F0502020204030204" pitchFamily="34" charset="0"/>
                 <a:ea typeface="Calibri" panose="020F0502020204030204" pitchFamily="34" charset="0"/>
@@ -8943,24 +8869,13 @@
             <a:r>
               <a:rPr lang="en-US" b="1" dirty="0">
                 <a:solidFill>
-                  <a:srgbClr val="008000"/>
-                </a:solidFill>
-                <a:latin typeface="Calibri" panose="020F0502020204030204" pitchFamily="34" charset="0"/>
-                <a:ea typeface="Calibri" panose="020F0502020204030204" pitchFamily="34" charset="0"/>
-                <a:cs typeface="Arial" panose="020B0604020202020204" pitchFamily="34" charset="0"/>
-              </a:rPr>
-              <a:t>  </a:t>
-            </a:r>
-            <a:r>
-              <a:rPr lang="en-US" b="1" dirty="0">
-                <a:solidFill>
                   <a:srgbClr val="0000FF"/>
                 </a:solidFill>
                 <a:latin typeface="Calibri" panose="020F0502020204030204" pitchFamily="34" charset="0"/>
                 <a:ea typeface="Calibri" panose="020F0502020204030204" pitchFamily="34" charset="0"/>
                 <a:cs typeface="Arial" panose="020B0604020202020204" pitchFamily="34" charset="0"/>
               </a:rPr>
-              <a:t>required</a:t>
+              <a:t>  email</a:t>
             </a:r>
             <a:br>
               <a:rPr lang="en-US" b="1" dirty="0">
@@ -8981,27 +8896,6 @@
                 <a:ea typeface="Calibri" panose="020F0502020204030204" pitchFamily="34" charset="0"/>
                 <a:cs typeface="Arial" panose="020B0604020202020204" pitchFamily="34" charset="0"/>
               </a:rPr>
-              <a:t>  email</a:t>
-            </a:r>
-            <a:br>
-              <a:rPr lang="en-US" b="1" dirty="0">
-                <a:solidFill>
-                  <a:srgbClr val="0000FF"/>
-                </a:solidFill>
-                <a:latin typeface="Calibri" panose="020F0502020204030204" pitchFamily="34" charset="0"/>
-                <a:ea typeface="Calibri" panose="020F0502020204030204" pitchFamily="34" charset="0"/>
-                <a:cs typeface="Arial" panose="020B0604020202020204" pitchFamily="34" charset="0"/>
-              </a:rPr>
-            </a:br>
-            <a:r>
-              <a:rPr lang="en-US" b="1" dirty="0">
-                <a:solidFill>
-                  <a:srgbClr val="0000FF"/>
-                </a:solidFill>
-                <a:latin typeface="Calibri" panose="020F0502020204030204" pitchFamily="34" charset="0"/>
-                <a:ea typeface="Calibri" panose="020F0502020204030204" pitchFamily="34" charset="0"/>
-                <a:cs typeface="Arial" panose="020B0604020202020204" pitchFamily="34" charset="0"/>
-              </a:rPr>
               <a:t>  #email=</a:t>
             </a:r>
             <a:r>
@@ -9057,28 +8951,6 @@
                 <a:cs typeface="Arial" panose="020B0604020202020204" pitchFamily="34" charset="0"/>
               </a:rPr>
               <a:t>span </a:t>
-            </a:r>
-            <a:r>
-              <a:rPr lang="en-US" b="1" dirty="0">
-                <a:solidFill>
-                  <a:srgbClr val="0000FF"/>
-                </a:solidFill>
-                <a:latin typeface="Calibri" panose="020F0502020204030204" pitchFamily="34" charset="0"/>
-                <a:ea typeface="Calibri" panose="020F0502020204030204" pitchFamily="34" charset="0"/>
-                <a:cs typeface="Arial" panose="020B0604020202020204" pitchFamily="34" charset="0"/>
-              </a:rPr>
-              <a:t>class=</a:t>
-            </a:r>
-            <a:r>
-              <a:rPr lang="en-US" b="1" dirty="0">
-                <a:solidFill>
-                  <a:srgbClr val="008000"/>
-                </a:solidFill>
-                <a:latin typeface="Calibri" panose="020F0502020204030204" pitchFamily="34" charset="0"/>
-                <a:ea typeface="Calibri" panose="020F0502020204030204" pitchFamily="34" charset="0"/>
-                <a:cs typeface="Arial" panose="020B0604020202020204" pitchFamily="34" charset="0"/>
-              </a:rPr>
-              <a:t>"help-block" </a:t>
             </a:r>
             <a:r>
               <a:rPr lang="en-US" b="1" dirty="0">
@@ -9142,13 +9014,15 @@
       <p:cxnSp>
         <p:nvCxnSpPr>
           <p:cNvPr id="13" name="Straight Arrow Connector 12"/>
-          <p:cNvCxnSpPr/>
+          <p:cNvCxnSpPr>
+            <a:cxnSpLocks/>
+          </p:cNvCxnSpPr>
           <p:nvPr/>
         </p:nvCxnSpPr>
         <p:spPr>
           <a:xfrm flipH="1">
-            <a:off x="1619672" y="4077072"/>
-            <a:ext cx="1728192" cy="1152128"/>
+            <a:off x="1907704" y="4077072"/>
+            <a:ext cx="1440160" cy="792088"/>
           </a:xfrm>
           <a:prstGeom prst="straightConnector1">
             <a:avLst/>
@@ -9175,13 +9049,15 @@
       <p:cxnSp>
         <p:nvCxnSpPr>
           <p:cNvPr id="15" name="Straight Arrow Connector 14"/>
-          <p:cNvCxnSpPr/>
+          <p:cNvCxnSpPr>
+            <a:cxnSpLocks/>
+          </p:cNvCxnSpPr>
           <p:nvPr/>
         </p:nvCxnSpPr>
         <p:spPr>
-          <a:xfrm>
-            <a:off x="3347864" y="4077072"/>
-            <a:ext cx="0" cy="1368152"/>
+          <a:xfrm flipH="1">
+            <a:off x="2483768" y="4077072"/>
+            <a:ext cx="864096" cy="1152128"/>
           </a:xfrm>
           <a:prstGeom prst="straightConnector1">
             <a:avLst/>
@@ -10082,17 +9958,6 @@
                 <a:cs typeface="Arial" panose="020B0604020202020204" pitchFamily="34" charset="0"/>
               </a:rPr>
             </a:br>
-            <a:r>
-              <a:rPr lang="en-US" sz="1600" dirty="0">
-                <a:solidFill>
-                  <a:srgbClr val="000000"/>
-                </a:solidFill>
-                <a:latin typeface="Calibri" panose="020F0502020204030204" pitchFamily="34" charset="0"/>
-                <a:ea typeface="Calibri" panose="020F0502020204030204" pitchFamily="34" charset="0"/>
-                <a:cs typeface="Arial" panose="020B0604020202020204" pitchFamily="34" charset="0"/>
-              </a:rPr>
-              <a:t/>
-            </a:r>
             <a:br>
               <a:rPr lang="en-US" sz="1600" dirty="0">
                 <a:solidFill>
@@ -10660,8 +10525,8 @@
         </p:nvSpPr>
         <p:spPr bwMode="auto">
           <a:xfrm>
-            <a:off x="179512" y="1700808"/>
-            <a:ext cx="7200800" cy="4616648"/>
+            <a:off x="179512" y="1885474"/>
+            <a:ext cx="7200800" cy="4247317"/>
           </a:xfrm>
           <a:prstGeom prst="rect">
             <a:avLst/>
@@ -11237,7 +11102,7 @@
                 <a:ea typeface="Times New Roman" panose="02020603050405020304" pitchFamily="18" charset="0"/>
                 <a:cs typeface="Courier New" panose="02070309020205020404" pitchFamily="49" charset="0"/>
               </a:rPr>
-              <a:t>class=</a:t>
+              <a:t>ngModel name=</a:t>
             </a:r>
             <a:r>
               <a:rPr kumimoji="0" lang="en-US" altLang="en-US" sz="1200" b="1" i="0" u="none" strike="noStrike" cap="none" normalizeH="0" baseline="0" dirty="0">
@@ -11252,7 +11117,7 @@
                 <a:ea typeface="Times New Roman" panose="02020603050405020304" pitchFamily="18" charset="0"/>
                 <a:cs typeface="Courier New" panose="02070309020205020404" pitchFamily="49" charset="0"/>
               </a:rPr>
-              <a:t>"form-control"</a:t>
+              <a:t>"username"</a:t>
             </a:r>
             <a:br>
               <a:rPr kumimoji="0" lang="en-US" altLang="en-US" sz="1200" b="1" i="0" u="none" strike="noStrike" cap="none" normalizeH="0" baseline="0" dirty="0">
@@ -11296,7 +11161,51 @@
                 <a:ea typeface="Times New Roman" panose="02020603050405020304" pitchFamily="18" charset="0"/>
                 <a:cs typeface="Courier New" panose="02070309020205020404" pitchFamily="49" charset="0"/>
               </a:rPr>
-              <a:t>ngModel name=</a:t>
+              <a:t>required</a:t>
+            </a:r>
+            <a:r>
+              <a:rPr kumimoji="0" lang="en-US" altLang="en-US" sz="1200" b="0" i="0" u="none" strike="noStrike" cap="none" normalizeH="0" baseline="0" dirty="0">
+                <a:ln>
+                  <a:noFill/>
+                </a:ln>
+                <a:solidFill>
+                  <a:srgbClr val="000000"/>
+                </a:solidFill>
+                <a:effectLst/>
+                <a:latin typeface="Arial Unicode MS"/>
+                <a:ea typeface="Times New Roman" panose="02020603050405020304" pitchFamily="18" charset="0"/>
+                <a:cs typeface="Courier New" panose="02070309020205020404" pitchFamily="49" charset="0"/>
+              </a:rPr>
+              <a:t>&gt;</a:t>
+            </a:r>
+            <a:br>
+              <a:rPr kumimoji="0" lang="en-US" altLang="en-US" sz="1200" b="0" i="0" u="none" strike="noStrike" cap="none" normalizeH="0" baseline="0" dirty="0">
+                <a:ln>
+                  <a:noFill/>
+                </a:ln>
+                <a:solidFill>
+                  <a:srgbClr val="000000"/>
+                </a:solidFill>
+                <a:effectLst/>
+                <a:latin typeface="Arial Unicode MS"/>
+                <a:ea typeface="Times New Roman" panose="02020603050405020304" pitchFamily="18" charset="0"/>
+                <a:cs typeface="Courier New" panose="02070309020205020404" pitchFamily="49" charset="0"/>
+              </a:rPr>
+            </a:br>
+            <a:r>
+              <a:rPr kumimoji="0" lang="en-US" altLang="en-US" sz="1200" b="0" i="0" u="none" strike="noStrike" cap="none" normalizeH="0" baseline="0" dirty="0">
+                <a:ln>
+                  <a:noFill/>
+                </a:ln>
+                <a:solidFill>
+                  <a:srgbClr val="000000"/>
+                </a:solidFill>
+                <a:effectLst/>
+                <a:latin typeface="Arial Unicode MS"/>
+                <a:ea typeface="Times New Roman" panose="02020603050405020304" pitchFamily="18" charset="0"/>
+                <a:cs typeface="Courier New" panose="02070309020205020404" pitchFamily="49" charset="0"/>
+              </a:rPr>
+              <a:t>  &lt;/</a:t>
             </a:r>
             <a:r>
               <a:rPr kumimoji="0" lang="en-US" altLang="en-US" sz="1200" b="1" i="0" u="none" strike="noStrike" cap="none" normalizeH="0" baseline="0" dirty="0">
@@ -11304,6 +11213,95 @@
                   <a:noFill/>
                 </a:ln>
                 <a:solidFill>
+                  <a:srgbClr val="000080"/>
+                </a:solidFill>
+                <a:effectLst/>
+                <a:latin typeface="Arial Unicode MS"/>
+                <a:ea typeface="Times New Roman" panose="02020603050405020304" pitchFamily="18" charset="0"/>
+                <a:cs typeface="Courier New" panose="02070309020205020404" pitchFamily="49" charset="0"/>
+              </a:rPr>
+              <a:t>div</a:t>
+            </a:r>
+            <a:r>
+              <a:rPr kumimoji="0" lang="en-US" altLang="en-US" sz="1200" b="0" i="0" u="none" strike="noStrike" cap="none" normalizeH="0" baseline="0" dirty="0">
+                <a:ln>
+                  <a:noFill/>
+                </a:ln>
+                <a:solidFill>
+                  <a:srgbClr val="000000"/>
+                </a:solidFill>
+                <a:effectLst/>
+                <a:latin typeface="Arial Unicode MS"/>
+                <a:ea typeface="Times New Roman" panose="02020603050405020304" pitchFamily="18" charset="0"/>
+                <a:cs typeface="Courier New" panose="02070309020205020404" pitchFamily="49" charset="0"/>
+              </a:rPr>
+              <a:t>&gt;</a:t>
+            </a:r>
+            <a:br>
+              <a:rPr kumimoji="0" lang="en-US" altLang="en-US" sz="1200" b="0" i="0" u="none" strike="noStrike" cap="none" normalizeH="0" baseline="0" dirty="0">
+                <a:ln>
+                  <a:noFill/>
+                </a:ln>
+                <a:solidFill>
+                  <a:srgbClr val="000000"/>
+                </a:solidFill>
+                <a:effectLst/>
+                <a:latin typeface="Arial Unicode MS"/>
+                <a:ea typeface="Times New Roman" panose="02020603050405020304" pitchFamily="18" charset="0"/>
+                <a:cs typeface="Courier New" panose="02070309020205020404" pitchFamily="49" charset="0"/>
+              </a:rPr>
+            </a:br>
+            <a:r>
+              <a:rPr kumimoji="0" lang="en-US" altLang="en-US" sz="1200" b="0" i="0" u="none" strike="noStrike" cap="none" normalizeH="0" baseline="0" dirty="0">
+                <a:ln>
+                  <a:noFill/>
+                </a:ln>
+                <a:solidFill>
+                  <a:srgbClr val="000000"/>
+                </a:solidFill>
+                <a:effectLst/>
+                <a:latin typeface="Arial Unicode MS"/>
+                <a:ea typeface="Times New Roman" panose="02020603050405020304" pitchFamily="18" charset="0"/>
+                <a:cs typeface="Courier New" panose="02070309020205020404" pitchFamily="49" charset="0"/>
+              </a:rPr>
+              <a:t>  &lt;</a:t>
+            </a:r>
+            <a:r>
+              <a:rPr kumimoji="0" lang="en-US" altLang="en-US" sz="1200" b="1" i="0" u="none" strike="noStrike" cap="none" normalizeH="0" baseline="0" dirty="0">
+                <a:ln>
+                  <a:noFill/>
+                </a:ln>
+                <a:solidFill>
+                  <a:srgbClr val="000080"/>
+                </a:solidFill>
+                <a:effectLst/>
+                <a:latin typeface="Arial Unicode MS"/>
+                <a:ea typeface="Times New Roman" panose="02020603050405020304" pitchFamily="18" charset="0"/>
+                <a:cs typeface="Courier New" panose="02070309020205020404" pitchFamily="49" charset="0"/>
+              </a:rPr>
+              <a:t>button </a:t>
+            </a:r>
+            <a:r>
+              <a:rPr kumimoji="0" lang="en-US" altLang="en-US" sz="1200" b="1" i="0" u="none" strike="noStrike" cap="none" normalizeH="0" baseline="0" dirty="0">
+                <a:ln>
+                  <a:noFill/>
+                </a:ln>
+                <a:solidFill>
+                  <a:srgbClr val="0000FF"/>
+                </a:solidFill>
+                <a:effectLst/>
+                <a:latin typeface="Arial Unicode MS"/>
+                <a:ea typeface="Times New Roman" panose="02020603050405020304" pitchFamily="18" charset="0"/>
+                <a:cs typeface="Courier New" panose="02070309020205020404" pitchFamily="49" charset="0"/>
+              </a:rPr>
+              <a:t>type=</a:t>
+            </a:r>
+            <a:r>
+              <a:rPr kumimoji="0" lang="en-US" altLang="en-US" sz="1200" b="1" i="0" u="none" strike="noStrike" cap="none" normalizeH="0" baseline="0" dirty="0">
+                <a:ln>
+                  <a:noFill/>
+                </a:ln>
+                <a:solidFill>
                   <a:srgbClr val="008000"/>
                 </a:solidFill>
                 <a:effectLst/>
@@ -11311,7 +11309,259 @@
                 <a:ea typeface="Times New Roman" panose="02020603050405020304" pitchFamily="18" charset="0"/>
                 <a:cs typeface="Courier New" panose="02070309020205020404" pitchFamily="49" charset="0"/>
               </a:rPr>
-              <a:t>"username"</a:t>
+              <a:t>"button"</a:t>
+            </a:r>
+            <a:r>
+              <a:rPr kumimoji="0" lang="en-US" altLang="en-US" sz="1200" b="0" i="0" u="none" strike="noStrike" cap="none" normalizeH="0" baseline="0" dirty="0">
+                <a:ln>
+                  <a:noFill/>
+                </a:ln>
+                <a:solidFill>
+                  <a:srgbClr val="000000"/>
+                </a:solidFill>
+                <a:effectLst/>
+                <a:latin typeface="Arial Unicode MS"/>
+                <a:ea typeface="Times New Roman" panose="02020603050405020304" pitchFamily="18" charset="0"/>
+                <a:cs typeface="Courier New" panose="02070309020205020404" pitchFamily="49" charset="0"/>
+              </a:rPr>
+              <a:t>&gt;Suggest an Username&lt;/</a:t>
+            </a:r>
+            <a:r>
+              <a:rPr kumimoji="0" lang="en-US" altLang="en-US" sz="1200" b="1" i="0" u="none" strike="noStrike" cap="none" normalizeH="0" baseline="0" dirty="0">
+                <a:ln>
+                  <a:noFill/>
+                </a:ln>
+                <a:solidFill>
+                  <a:srgbClr val="000080"/>
+                </a:solidFill>
+                <a:effectLst/>
+                <a:latin typeface="Arial Unicode MS"/>
+                <a:ea typeface="Times New Roman" panose="02020603050405020304" pitchFamily="18" charset="0"/>
+                <a:cs typeface="Courier New" panose="02070309020205020404" pitchFamily="49" charset="0"/>
+              </a:rPr>
+              <a:t>button</a:t>
+            </a:r>
+            <a:r>
+              <a:rPr kumimoji="0" lang="en-US" altLang="en-US" sz="1200" b="0" i="0" u="none" strike="noStrike" cap="none" normalizeH="0" baseline="0" dirty="0">
+                <a:ln>
+                  <a:noFill/>
+                </a:ln>
+                <a:solidFill>
+                  <a:srgbClr val="000000"/>
+                </a:solidFill>
+                <a:effectLst/>
+                <a:latin typeface="Arial Unicode MS"/>
+                <a:ea typeface="Times New Roman" panose="02020603050405020304" pitchFamily="18" charset="0"/>
+                <a:cs typeface="Courier New" panose="02070309020205020404" pitchFamily="49" charset="0"/>
+              </a:rPr>
+              <a:t>&gt;</a:t>
+            </a:r>
+            <a:br>
+              <a:rPr kumimoji="0" lang="en-US" altLang="en-US" sz="1200" b="0" i="0" u="none" strike="noStrike" cap="none" normalizeH="0" baseline="0" dirty="0">
+                <a:ln>
+                  <a:noFill/>
+                </a:ln>
+                <a:solidFill>
+                  <a:srgbClr val="000000"/>
+                </a:solidFill>
+                <a:effectLst/>
+                <a:latin typeface="Arial Unicode MS"/>
+                <a:ea typeface="Times New Roman" panose="02020603050405020304" pitchFamily="18" charset="0"/>
+                <a:cs typeface="Courier New" panose="02070309020205020404" pitchFamily="49" charset="0"/>
+              </a:rPr>
+            </a:br>
+            <a:r>
+              <a:rPr kumimoji="0" lang="en-US" altLang="en-US" sz="1200" b="0" i="0" u="none" strike="noStrike" cap="none" normalizeH="0" baseline="0" dirty="0">
+                <a:ln>
+                  <a:noFill/>
+                </a:ln>
+                <a:solidFill>
+                  <a:srgbClr val="000000"/>
+                </a:solidFill>
+                <a:effectLst/>
+                <a:latin typeface="Arial Unicode MS"/>
+                <a:ea typeface="Times New Roman" panose="02020603050405020304" pitchFamily="18" charset="0"/>
+                <a:cs typeface="Courier New" panose="02070309020205020404" pitchFamily="49" charset="0"/>
+              </a:rPr>
+              <a:t>  &lt;</a:t>
+            </a:r>
+            <a:r>
+              <a:rPr kumimoji="0" lang="en-US" altLang="en-US" sz="1200" b="1" i="0" u="none" strike="noStrike" cap="none" normalizeH="0" baseline="0" dirty="0">
+                <a:ln>
+                  <a:noFill/>
+                </a:ln>
+                <a:solidFill>
+                  <a:srgbClr val="000080"/>
+                </a:solidFill>
+                <a:effectLst/>
+                <a:latin typeface="Arial Unicode MS"/>
+                <a:ea typeface="Times New Roman" panose="02020603050405020304" pitchFamily="18" charset="0"/>
+                <a:cs typeface="Courier New" panose="02070309020205020404" pitchFamily="49" charset="0"/>
+              </a:rPr>
+              <a:t>div&gt;</a:t>
+            </a:r>
+            <a:br>
+              <a:rPr kumimoji="0" lang="en-US" altLang="en-US" sz="1200" b="0" i="0" u="none" strike="noStrike" cap="none" normalizeH="0" baseline="0" dirty="0">
+                <a:ln>
+                  <a:noFill/>
+                </a:ln>
+                <a:solidFill>
+                  <a:srgbClr val="000000"/>
+                </a:solidFill>
+                <a:effectLst/>
+                <a:latin typeface="Arial Unicode MS"/>
+                <a:ea typeface="Times New Roman" panose="02020603050405020304" pitchFamily="18" charset="0"/>
+                <a:cs typeface="Courier New" panose="02070309020205020404" pitchFamily="49" charset="0"/>
+              </a:rPr>
+            </a:br>
+            <a:r>
+              <a:rPr kumimoji="0" lang="en-US" altLang="en-US" sz="1200" b="0" i="0" u="none" strike="noStrike" cap="none" normalizeH="0" baseline="0" dirty="0">
+                <a:ln>
+                  <a:noFill/>
+                </a:ln>
+                <a:solidFill>
+                  <a:srgbClr val="000000"/>
+                </a:solidFill>
+                <a:effectLst/>
+                <a:latin typeface="Arial Unicode MS"/>
+                <a:ea typeface="Times New Roman" panose="02020603050405020304" pitchFamily="18" charset="0"/>
+                <a:cs typeface="Courier New" panose="02070309020205020404" pitchFamily="49" charset="0"/>
+              </a:rPr>
+              <a:t>    &lt;</a:t>
+            </a:r>
+            <a:r>
+              <a:rPr kumimoji="0" lang="en-US" altLang="en-US" sz="1200" b="1" i="0" u="none" strike="noStrike" cap="none" normalizeH="0" baseline="0" dirty="0">
+                <a:ln>
+                  <a:noFill/>
+                </a:ln>
+                <a:solidFill>
+                  <a:srgbClr val="000080"/>
+                </a:solidFill>
+                <a:effectLst/>
+                <a:latin typeface="Arial Unicode MS"/>
+                <a:ea typeface="Times New Roman" panose="02020603050405020304" pitchFamily="18" charset="0"/>
+                <a:cs typeface="Courier New" panose="02070309020205020404" pitchFamily="49" charset="0"/>
+              </a:rPr>
+              <a:t>label </a:t>
+            </a:r>
+            <a:r>
+              <a:rPr kumimoji="0" lang="en-US" altLang="en-US" sz="1200" b="1" i="0" u="none" strike="noStrike" cap="none" normalizeH="0" baseline="0" dirty="0">
+                <a:ln>
+                  <a:noFill/>
+                </a:ln>
+                <a:solidFill>
+                  <a:srgbClr val="0000FF"/>
+                </a:solidFill>
+                <a:effectLst/>
+                <a:latin typeface="Arial Unicode MS"/>
+                <a:ea typeface="Times New Roman" panose="02020603050405020304" pitchFamily="18" charset="0"/>
+                <a:cs typeface="Courier New" panose="02070309020205020404" pitchFamily="49" charset="0"/>
+              </a:rPr>
+              <a:t>for=</a:t>
+            </a:r>
+            <a:r>
+              <a:rPr kumimoji="0" lang="en-US" altLang="en-US" sz="1200" b="1" i="0" u="none" strike="noStrike" cap="none" normalizeH="0" baseline="0" dirty="0">
+                <a:ln>
+                  <a:noFill/>
+                </a:ln>
+                <a:solidFill>
+                  <a:srgbClr val="008000"/>
+                </a:solidFill>
+                <a:effectLst/>
+                <a:latin typeface="Arial Unicode MS"/>
+                <a:ea typeface="Times New Roman" panose="02020603050405020304" pitchFamily="18" charset="0"/>
+                <a:cs typeface="Courier New" panose="02070309020205020404" pitchFamily="49" charset="0"/>
+              </a:rPr>
+              <a:t>"email"</a:t>
+            </a:r>
+            <a:r>
+              <a:rPr kumimoji="0" lang="en-US" altLang="en-US" sz="1200" b="0" i="0" u="none" strike="noStrike" cap="none" normalizeH="0" baseline="0" dirty="0">
+                <a:ln>
+                  <a:noFill/>
+                </a:ln>
+                <a:solidFill>
+                  <a:srgbClr val="000000"/>
+                </a:solidFill>
+                <a:effectLst/>
+                <a:latin typeface="Arial Unicode MS"/>
+                <a:ea typeface="Times New Roman" panose="02020603050405020304" pitchFamily="18" charset="0"/>
+                <a:cs typeface="Courier New" panose="02070309020205020404" pitchFamily="49" charset="0"/>
+              </a:rPr>
+              <a:t>&gt;Mail&lt;/</a:t>
+            </a:r>
+            <a:r>
+              <a:rPr kumimoji="0" lang="en-US" altLang="en-US" sz="1200" b="1" i="0" u="none" strike="noStrike" cap="none" normalizeH="0" baseline="0" dirty="0">
+                <a:ln>
+                  <a:noFill/>
+                </a:ln>
+                <a:solidFill>
+                  <a:srgbClr val="000080"/>
+                </a:solidFill>
+                <a:effectLst/>
+                <a:latin typeface="Arial Unicode MS"/>
+                <a:ea typeface="Times New Roman" panose="02020603050405020304" pitchFamily="18" charset="0"/>
+                <a:cs typeface="Courier New" panose="02070309020205020404" pitchFamily="49" charset="0"/>
+              </a:rPr>
+              <a:t>label</a:t>
+            </a:r>
+            <a:r>
+              <a:rPr kumimoji="0" lang="en-US" altLang="en-US" sz="1200" b="0" i="0" u="none" strike="noStrike" cap="none" normalizeH="0" baseline="0" dirty="0">
+                <a:ln>
+                  <a:noFill/>
+                </a:ln>
+                <a:solidFill>
+                  <a:srgbClr val="000000"/>
+                </a:solidFill>
+                <a:effectLst/>
+                <a:latin typeface="Arial Unicode MS"/>
+                <a:ea typeface="Times New Roman" panose="02020603050405020304" pitchFamily="18" charset="0"/>
+                <a:cs typeface="Courier New" panose="02070309020205020404" pitchFamily="49" charset="0"/>
+              </a:rPr>
+              <a:t>&gt;</a:t>
+            </a:r>
+            <a:br>
+              <a:rPr kumimoji="0" lang="en-US" altLang="en-US" sz="1200" b="0" i="0" u="none" strike="noStrike" cap="none" normalizeH="0" baseline="0" dirty="0">
+                <a:ln>
+                  <a:noFill/>
+                </a:ln>
+                <a:solidFill>
+                  <a:srgbClr val="000000"/>
+                </a:solidFill>
+                <a:effectLst/>
+                <a:latin typeface="Arial Unicode MS"/>
+                <a:ea typeface="Times New Roman" panose="02020603050405020304" pitchFamily="18" charset="0"/>
+                <a:cs typeface="Courier New" panose="02070309020205020404" pitchFamily="49" charset="0"/>
+              </a:rPr>
+            </a:br>
+            <a:r>
+              <a:rPr kumimoji="0" lang="en-US" altLang="en-US" sz="1200" b="0" i="0" u="none" strike="noStrike" cap="none" normalizeH="0" baseline="0" dirty="0">
+                <a:ln>
+                  <a:noFill/>
+                </a:ln>
+                <a:solidFill>
+                  <a:srgbClr val="000000"/>
+                </a:solidFill>
+                <a:effectLst/>
+                <a:latin typeface="Arial Unicode MS"/>
+                <a:ea typeface="Times New Roman" panose="02020603050405020304" pitchFamily="18" charset="0"/>
+                <a:cs typeface="Courier New" panose="02070309020205020404" pitchFamily="49" charset="0"/>
+              </a:rPr>
+              <a:t>    &lt;</a:t>
+            </a:r>
+            <a:r>
+              <a:rPr kumimoji="0" lang="en-US" altLang="en-US" sz="1200" b="1" i="0" u="none" strike="noStrike" cap="none" normalizeH="0" baseline="0" dirty="0">
+                <a:ln>
+                  <a:noFill/>
+                </a:ln>
+                <a:solidFill>
+                  <a:srgbClr val="000080"/>
+                </a:solidFill>
+                <a:effectLst/>
+                <a:latin typeface="Arial Unicode MS"/>
+                <a:ea typeface="Times New Roman" panose="02020603050405020304" pitchFamily="18" charset="0"/>
+                <a:cs typeface="Courier New" panose="02070309020205020404" pitchFamily="49" charset="0"/>
+              </a:rPr>
+              <a:t>input</a:t>
             </a:r>
             <a:br>
               <a:rPr kumimoji="0" lang="en-US" altLang="en-US" sz="1200" b="1" i="0" u="none" strike="noStrike" cap="none" normalizeH="0" baseline="0" dirty="0">
@@ -11319,6 +11569,50 @@
                   <a:noFill/>
                 </a:ln>
                 <a:solidFill>
+                  <a:srgbClr val="000080"/>
+                </a:solidFill>
+                <a:effectLst/>
+                <a:latin typeface="Arial Unicode MS"/>
+                <a:ea typeface="Times New Roman" panose="02020603050405020304" pitchFamily="18" charset="0"/>
+                <a:cs typeface="Courier New" panose="02070309020205020404" pitchFamily="49" charset="0"/>
+              </a:rPr>
+            </a:br>
+            <a:r>
+              <a:rPr kumimoji="0" lang="en-US" altLang="en-US" sz="1200" b="1" i="0" u="none" strike="noStrike" cap="none" normalizeH="0" baseline="0" dirty="0">
+                <a:ln>
+                  <a:noFill/>
+                </a:ln>
+                <a:solidFill>
+                  <a:srgbClr val="000080"/>
+                </a:solidFill>
+                <a:effectLst/>
+                <a:latin typeface="Arial Unicode MS"/>
+                <a:ea typeface="Times New Roman" panose="02020603050405020304" pitchFamily="18" charset="0"/>
+                <a:cs typeface="Courier New" panose="02070309020205020404" pitchFamily="49" charset="0"/>
+              </a:rPr>
+              <a:t>      </a:t>
+            </a:r>
+            <a:r>
+              <a:rPr kumimoji="0" lang="en-US" altLang="en-US" sz="1200" b="1" i="0" u="none" strike="noStrike" cap="none" normalizeH="0" baseline="0" dirty="0">
+                <a:ln>
+                  <a:noFill/>
+                </a:ln>
+                <a:solidFill>
+                  <a:srgbClr val="0000FF"/>
+                </a:solidFill>
+                <a:effectLst/>
+                <a:latin typeface="Arial Unicode MS"/>
+                <a:ea typeface="Times New Roman" panose="02020603050405020304" pitchFamily="18" charset="0"/>
+                <a:cs typeface="Courier New" panose="02070309020205020404" pitchFamily="49" charset="0"/>
+              </a:rPr>
+              <a:t>type=</a:t>
+            </a:r>
+            <a:r>
+              <a:rPr kumimoji="0" lang="en-US" altLang="en-US" sz="1200" b="1" i="0" u="none" strike="noStrike" cap="none" normalizeH="0" baseline="0" dirty="0">
+                <a:ln>
+                  <a:noFill/>
+                </a:ln>
+                <a:solidFill>
                   <a:srgbClr val="008000"/>
                 </a:solidFill>
                 <a:effectLst/>
@@ -11326,6 +11620,21 @@
                 <a:ea typeface="Times New Roman" panose="02020603050405020304" pitchFamily="18" charset="0"/>
                 <a:cs typeface="Courier New" panose="02070309020205020404" pitchFamily="49" charset="0"/>
               </a:rPr>
+              <a:t>"email"</a:t>
+            </a:r>
+            <a:br>
+              <a:rPr kumimoji="0" lang="en-US" altLang="en-US" sz="1200" b="1" i="0" u="none" strike="noStrike" cap="none" normalizeH="0" baseline="0" dirty="0">
+                <a:ln>
+                  <a:noFill/>
+                </a:ln>
+                <a:solidFill>
+                  <a:srgbClr val="008000"/>
+                </a:solidFill>
+                <a:effectLst/>
+                <a:latin typeface="Arial Unicode MS"/>
+                <a:ea typeface="Times New Roman" panose="02020603050405020304" pitchFamily="18" charset="0"/>
+                <a:cs typeface="Courier New" panose="02070309020205020404" pitchFamily="49" charset="0"/>
+              </a:rPr>
             </a:br>
             <a:r>
               <a:rPr kumimoji="0" lang="en-US" altLang="en-US" sz="1200" b="1" i="0" u="none" strike="noStrike" cap="none" normalizeH="0" baseline="0" dirty="0">
@@ -11355,7 +11664,227 @@
                 <a:ea typeface="Times New Roman" panose="02020603050405020304" pitchFamily="18" charset="0"/>
                 <a:cs typeface="Courier New" panose="02070309020205020404" pitchFamily="49" charset="0"/>
               </a:rPr>
+              <a:t>id=</a:t>
+            </a:r>
+            <a:r>
+              <a:rPr kumimoji="0" lang="en-US" altLang="en-US" sz="1200" b="1" i="0" u="none" strike="noStrike" cap="none" normalizeH="0" baseline="0" dirty="0">
+                <a:ln>
+                  <a:noFill/>
+                </a:ln>
+                <a:solidFill>
+                  <a:srgbClr val="008000"/>
+                </a:solidFill>
+                <a:effectLst/>
+                <a:latin typeface="Arial Unicode MS"/>
+                <a:ea typeface="Times New Roman" panose="02020603050405020304" pitchFamily="18" charset="0"/>
+                <a:cs typeface="Courier New" panose="02070309020205020404" pitchFamily="49" charset="0"/>
+              </a:rPr>
+              <a:t>"email"</a:t>
+            </a:r>
+            <a:br>
+              <a:rPr kumimoji="0" lang="en-US" altLang="en-US" sz="1200" b="1" i="0" u="none" strike="noStrike" cap="none" normalizeH="0" baseline="0" dirty="0">
+                <a:ln>
+                  <a:noFill/>
+                </a:ln>
+                <a:solidFill>
+                  <a:srgbClr val="008000"/>
+                </a:solidFill>
+                <a:effectLst/>
+                <a:latin typeface="Arial Unicode MS"/>
+                <a:ea typeface="Times New Roman" panose="02020603050405020304" pitchFamily="18" charset="0"/>
+                <a:cs typeface="Courier New" panose="02070309020205020404" pitchFamily="49" charset="0"/>
+              </a:rPr>
+            </a:br>
+            <a:r>
+              <a:rPr kumimoji="0" lang="en-US" altLang="en-US" sz="1200" b="1" i="0" u="none" strike="noStrike" cap="none" normalizeH="0" baseline="0" dirty="0">
+                <a:ln>
+                  <a:noFill/>
+                </a:ln>
+                <a:solidFill>
+                  <a:srgbClr val="008000"/>
+                </a:solidFill>
+                <a:effectLst/>
+                <a:latin typeface="Arial Unicode MS"/>
+                <a:ea typeface="Times New Roman" panose="02020603050405020304" pitchFamily="18" charset="0"/>
+                <a:cs typeface="Courier New" panose="02070309020205020404" pitchFamily="49" charset="0"/>
+              </a:rPr>
+              <a:t>      </a:t>
+            </a:r>
+            <a:r>
+              <a:rPr kumimoji="0" lang="en-US" altLang="en-US" sz="1200" b="1" i="0" u="none" strike="noStrike" cap="none" normalizeH="0" baseline="0" dirty="0">
+                <a:ln>
+                  <a:noFill/>
+                </a:ln>
+                <a:solidFill>
+                  <a:srgbClr val="0000FF"/>
+                </a:solidFill>
+                <a:effectLst/>
+                <a:latin typeface="Arial Unicode MS"/>
+                <a:ea typeface="Times New Roman" panose="02020603050405020304" pitchFamily="18" charset="0"/>
+                <a:cs typeface="Courier New" panose="02070309020205020404" pitchFamily="49" charset="0"/>
+              </a:rPr>
+              <a:t>ngModel</a:t>
+            </a:r>
+            <a:br>
+              <a:rPr kumimoji="0" lang="en-US" altLang="en-US" sz="1200" b="1" i="0" u="none" strike="noStrike" cap="none" normalizeH="0" baseline="0" dirty="0">
+                <a:ln>
+                  <a:noFill/>
+                </a:ln>
+                <a:solidFill>
+                  <a:srgbClr val="0000FF"/>
+                </a:solidFill>
+                <a:effectLst/>
+                <a:latin typeface="Arial Unicode MS"/>
+                <a:ea typeface="Times New Roman" panose="02020603050405020304" pitchFamily="18" charset="0"/>
+                <a:cs typeface="Courier New" panose="02070309020205020404" pitchFamily="49" charset="0"/>
+              </a:rPr>
+            </a:br>
+            <a:r>
+              <a:rPr kumimoji="0" lang="en-US" altLang="en-US" sz="1200" b="1" i="0" u="none" strike="noStrike" cap="none" normalizeH="0" baseline="0" dirty="0">
+                <a:ln>
+                  <a:noFill/>
+                </a:ln>
+                <a:solidFill>
+                  <a:srgbClr val="0000FF"/>
+                </a:solidFill>
+                <a:effectLst/>
+                <a:latin typeface="Arial Unicode MS"/>
+                <a:ea typeface="Times New Roman" panose="02020603050405020304" pitchFamily="18" charset="0"/>
+                <a:cs typeface="Courier New" panose="02070309020205020404" pitchFamily="49" charset="0"/>
+              </a:rPr>
+              <a:t>      name=</a:t>
+            </a:r>
+            <a:r>
+              <a:rPr kumimoji="0" lang="en-US" altLang="en-US" sz="1200" b="1" i="0" u="none" strike="noStrike" cap="none" normalizeH="0" baseline="0" dirty="0">
+                <a:ln>
+                  <a:noFill/>
+                </a:ln>
+                <a:solidFill>
+                  <a:srgbClr val="008000"/>
+                </a:solidFill>
+                <a:effectLst/>
+                <a:latin typeface="Arial Unicode MS"/>
+                <a:ea typeface="Times New Roman" panose="02020603050405020304" pitchFamily="18" charset="0"/>
+                <a:cs typeface="Courier New" panose="02070309020205020404" pitchFamily="49" charset="0"/>
+              </a:rPr>
+              <a:t>"email"</a:t>
+            </a:r>
+            <a:br>
+              <a:rPr kumimoji="0" lang="en-US" altLang="en-US" sz="1200" b="1" i="0" u="none" strike="noStrike" cap="none" normalizeH="0" baseline="0" dirty="0">
+                <a:ln>
+                  <a:noFill/>
+                </a:ln>
+                <a:solidFill>
+                  <a:srgbClr val="008000"/>
+                </a:solidFill>
+                <a:effectLst/>
+                <a:latin typeface="Arial Unicode MS"/>
+                <a:ea typeface="Times New Roman" panose="02020603050405020304" pitchFamily="18" charset="0"/>
+                <a:cs typeface="Courier New" panose="02070309020205020404" pitchFamily="49" charset="0"/>
+              </a:rPr>
+            </a:br>
+            <a:r>
+              <a:rPr kumimoji="0" lang="en-US" altLang="en-US" sz="1200" b="1" i="0" u="none" strike="noStrike" cap="none" normalizeH="0" baseline="0" dirty="0">
+                <a:ln>
+                  <a:noFill/>
+                </a:ln>
+                <a:solidFill>
+                  <a:srgbClr val="008000"/>
+                </a:solidFill>
+                <a:effectLst/>
+                <a:latin typeface="Arial Unicode MS"/>
+                <a:ea typeface="Times New Roman" panose="02020603050405020304" pitchFamily="18" charset="0"/>
+                <a:cs typeface="Courier New" panose="02070309020205020404" pitchFamily="49" charset="0"/>
+              </a:rPr>
+              <a:t>      </a:t>
+            </a:r>
+            <a:r>
+              <a:rPr kumimoji="0" lang="en-US" altLang="en-US" sz="1200" b="1" i="0" u="none" strike="noStrike" cap="none" normalizeH="0" baseline="0" dirty="0">
+                <a:ln>
+                  <a:noFill/>
+                </a:ln>
+                <a:solidFill>
+                  <a:srgbClr val="0000FF"/>
+                </a:solidFill>
+                <a:effectLst/>
+                <a:latin typeface="Arial Unicode MS"/>
+                <a:ea typeface="Times New Roman" panose="02020603050405020304" pitchFamily="18" charset="0"/>
+                <a:cs typeface="Courier New" panose="02070309020205020404" pitchFamily="49" charset="0"/>
+              </a:rPr>
               <a:t>required</a:t>
+            </a:r>
+            <a:br>
+              <a:rPr kumimoji="0" lang="en-US" altLang="en-US" sz="1200" b="1" i="0" u="none" strike="noStrike" cap="none" normalizeH="0" baseline="0" dirty="0">
+                <a:ln>
+                  <a:noFill/>
+                </a:ln>
+                <a:solidFill>
+                  <a:srgbClr val="0000FF"/>
+                </a:solidFill>
+                <a:effectLst/>
+                <a:latin typeface="Arial Unicode MS"/>
+                <a:ea typeface="Times New Roman" panose="02020603050405020304" pitchFamily="18" charset="0"/>
+                <a:cs typeface="Courier New" panose="02070309020205020404" pitchFamily="49" charset="0"/>
+              </a:rPr>
+            </a:br>
+            <a:r>
+              <a:rPr kumimoji="0" lang="en-US" altLang="en-US" sz="1200" b="1" i="0" u="none" strike="noStrike" cap="none" normalizeH="0" baseline="0" dirty="0">
+                <a:ln>
+                  <a:noFill/>
+                </a:ln>
+                <a:solidFill>
+                  <a:srgbClr val="0000FF"/>
+                </a:solidFill>
+                <a:effectLst/>
+                <a:latin typeface="Arial Unicode MS"/>
+                <a:ea typeface="Times New Roman" panose="02020603050405020304" pitchFamily="18" charset="0"/>
+                <a:cs typeface="Courier New" panose="02070309020205020404" pitchFamily="49" charset="0"/>
+              </a:rPr>
+              <a:t>      email</a:t>
+            </a:r>
+            <a:br>
+              <a:rPr kumimoji="0" lang="en-US" altLang="en-US" sz="1200" b="1" i="0" u="none" strike="noStrike" cap="none" normalizeH="0" baseline="0" dirty="0">
+                <a:ln>
+                  <a:noFill/>
+                </a:ln>
+                <a:solidFill>
+                  <a:srgbClr val="0000FF"/>
+                </a:solidFill>
+                <a:effectLst/>
+                <a:latin typeface="Arial Unicode MS"/>
+                <a:ea typeface="Times New Roman" panose="02020603050405020304" pitchFamily="18" charset="0"/>
+                <a:cs typeface="Courier New" panose="02070309020205020404" pitchFamily="49" charset="0"/>
+              </a:rPr>
+            </a:br>
+            <a:r>
+              <a:rPr kumimoji="0" lang="en-US" altLang="en-US" sz="1200" b="1" i="0" u="none" strike="noStrike" cap="none" normalizeH="0" baseline="0" dirty="0">
+                <a:ln>
+                  <a:noFill/>
+                </a:ln>
+                <a:solidFill>
+                  <a:srgbClr val="0000FF"/>
+                </a:solidFill>
+                <a:effectLst/>
+                <a:latin typeface="Arial Unicode MS"/>
+                <a:ea typeface="Times New Roman" panose="02020603050405020304" pitchFamily="18" charset="0"/>
+                <a:cs typeface="Courier New" panose="02070309020205020404" pitchFamily="49" charset="0"/>
+              </a:rPr>
+              <a:t>      #email=</a:t>
+            </a:r>
+            <a:r>
+              <a:rPr kumimoji="0" lang="en-US" altLang="en-US" sz="1200" b="1" i="0" u="none" strike="noStrike" cap="none" normalizeH="0" baseline="0" dirty="0">
+                <a:ln>
+                  <a:noFill/>
+                </a:ln>
+                <a:solidFill>
+                  <a:srgbClr val="008000"/>
+                </a:solidFill>
+                <a:effectLst/>
+                <a:latin typeface="Arial Unicode MS"/>
+                <a:ea typeface="Times New Roman" panose="02020603050405020304" pitchFamily="18" charset="0"/>
+                <a:cs typeface="Courier New" panose="02070309020205020404" pitchFamily="49" charset="0"/>
+              </a:rPr>
+              <a:t>"ngModel"</a:t>
             </a:r>
             <a:r>
               <a:rPr kumimoji="0" lang="en-US" altLang="en-US" sz="1200" b="0" i="0" u="none" strike="noStrike" cap="none" normalizeH="0" baseline="0" dirty="0">
@@ -11399,7 +11928,7 @@
                 <a:ea typeface="Times New Roman" panose="02020603050405020304" pitchFamily="18" charset="0"/>
                 <a:cs typeface="Courier New" panose="02070309020205020404" pitchFamily="49" charset="0"/>
               </a:rPr>
-              <a:t>  &lt;/</a:t>
+              <a:t>    &lt;</a:t>
             </a:r>
             <a:r>
               <a:rPr kumimoji="0" lang="en-US" altLang="en-US" sz="1200" b="1" i="0" u="none" strike="noStrike" cap="none" normalizeH="0" baseline="0" dirty="0">
@@ -11414,894 +11943,7 @@
                 <a:ea typeface="Times New Roman" panose="02020603050405020304" pitchFamily="18" charset="0"/>
                 <a:cs typeface="Courier New" panose="02070309020205020404" pitchFamily="49" charset="0"/>
               </a:rPr>
-              <a:t>div</a:t>
-            </a:r>
-            <a:r>
-              <a:rPr kumimoji="0" lang="en-US" altLang="en-US" sz="1200" b="0" i="0" u="none" strike="noStrike" cap="none" normalizeH="0" baseline="0" dirty="0">
-                <a:ln>
-                  <a:noFill/>
-                </a:ln>
-                <a:solidFill>
-                  <a:srgbClr val="000000"/>
-                </a:solidFill>
-                <a:effectLst/>
-                <a:latin typeface="Arial Unicode MS"/>
-                <a:ea typeface="Times New Roman" panose="02020603050405020304" pitchFamily="18" charset="0"/>
-                <a:cs typeface="Courier New" panose="02070309020205020404" pitchFamily="49" charset="0"/>
-              </a:rPr>
-              <a:t>&gt;</a:t>
-            </a:r>
-            <a:br>
-              <a:rPr kumimoji="0" lang="en-US" altLang="en-US" sz="1200" b="0" i="0" u="none" strike="noStrike" cap="none" normalizeH="0" baseline="0" dirty="0">
-                <a:ln>
-                  <a:noFill/>
-                </a:ln>
-                <a:solidFill>
-                  <a:srgbClr val="000000"/>
-                </a:solidFill>
-                <a:effectLst/>
-                <a:latin typeface="Arial Unicode MS"/>
-                <a:ea typeface="Times New Roman" panose="02020603050405020304" pitchFamily="18" charset="0"/>
-                <a:cs typeface="Courier New" panose="02070309020205020404" pitchFamily="49" charset="0"/>
-              </a:rPr>
-            </a:br>
-            <a:r>
-              <a:rPr kumimoji="0" lang="en-US" altLang="en-US" sz="1200" b="0" i="0" u="none" strike="noStrike" cap="none" normalizeH="0" baseline="0" dirty="0">
-                <a:ln>
-                  <a:noFill/>
-                </a:ln>
-                <a:solidFill>
-                  <a:srgbClr val="000000"/>
-                </a:solidFill>
-                <a:effectLst/>
-                <a:latin typeface="Arial Unicode MS"/>
-                <a:ea typeface="Times New Roman" panose="02020603050405020304" pitchFamily="18" charset="0"/>
-                <a:cs typeface="Courier New" panose="02070309020205020404" pitchFamily="49" charset="0"/>
-              </a:rPr>
-              <a:t>  &lt;</a:t>
-            </a:r>
-            <a:r>
-              <a:rPr kumimoji="0" lang="en-US" altLang="en-US" sz="1200" b="1" i="0" u="none" strike="noStrike" cap="none" normalizeH="0" baseline="0" dirty="0">
-                <a:ln>
-                  <a:noFill/>
-                </a:ln>
-                <a:solidFill>
-                  <a:srgbClr val="000080"/>
-                </a:solidFill>
-                <a:effectLst/>
-                <a:latin typeface="Arial Unicode MS"/>
-                <a:ea typeface="Times New Roman" panose="02020603050405020304" pitchFamily="18" charset="0"/>
-                <a:cs typeface="Courier New" panose="02070309020205020404" pitchFamily="49" charset="0"/>
-              </a:rPr>
-              <a:t>button </a:t>
-            </a:r>
-            <a:r>
-              <a:rPr kumimoji="0" lang="en-US" altLang="en-US" sz="1200" b="1" i="0" u="none" strike="noStrike" cap="none" normalizeH="0" baseline="0" dirty="0">
-                <a:ln>
-                  <a:noFill/>
-                </a:ln>
-                <a:solidFill>
-                  <a:srgbClr val="0000FF"/>
-                </a:solidFill>
-                <a:effectLst/>
-                <a:latin typeface="Arial Unicode MS"/>
-                <a:ea typeface="Times New Roman" panose="02020603050405020304" pitchFamily="18" charset="0"/>
-                <a:cs typeface="Courier New" panose="02070309020205020404" pitchFamily="49" charset="0"/>
-              </a:rPr>
-              <a:t>class=</a:t>
-            </a:r>
-            <a:r>
-              <a:rPr kumimoji="0" lang="en-US" altLang="en-US" sz="1200" b="1" i="0" u="none" strike="noStrike" cap="none" normalizeH="0" baseline="0" dirty="0">
-                <a:ln>
-                  <a:noFill/>
-                </a:ln>
-                <a:solidFill>
-                  <a:srgbClr val="008000"/>
-                </a:solidFill>
-                <a:effectLst/>
-                <a:latin typeface="Arial Unicode MS"/>
-                <a:ea typeface="Times New Roman" panose="02020603050405020304" pitchFamily="18" charset="0"/>
-                <a:cs typeface="Courier New" panose="02070309020205020404" pitchFamily="49" charset="0"/>
-              </a:rPr>
-              <a:t>"btn btn-default" </a:t>
-            </a:r>
-            <a:r>
-              <a:rPr kumimoji="0" lang="en-US" altLang="en-US" sz="1200" b="1" i="0" u="none" strike="noStrike" cap="none" normalizeH="0" baseline="0" dirty="0">
-                <a:ln>
-                  <a:noFill/>
-                </a:ln>
-                <a:solidFill>
-                  <a:srgbClr val="0000FF"/>
-                </a:solidFill>
-                <a:effectLst/>
-                <a:latin typeface="Arial Unicode MS"/>
-                <a:ea typeface="Times New Roman" panose="02020603050405020304" pitchFamily="18" charset="0"/>
-                <a:cs typeface="Courier New" panose="02070309020205020404" pitchFamily="49" charset="0"/>
-              </a:rPr>
-              <a:t>type=</a:t>
-            </a:r>
-            <a:r>
-              <a:rPr kumimoji="0" lang="en-US" altLang="en-US" sz="1200" b="1" i="0" u="none" strike="noStrike" cap="none" normalizeH="0" baseline="0" dirty="0">
-                <a:ln>
-                  <a:noFill/>
-                </a:ln>
-                <a:solidFill>
-                  <a:srgbClr val="008000"/>
-                </a:solidFill>
-                <a:effectLst/>
-                <a:latin typeface="Arial Unicode MS"/>
-                <a:ea typeface="Times New Roman" panose="02020603050405020304" pitchFamily="18" charset="0"/>
-                <a:cs typeface="Courier New" panose="02070309020205020404" pitchFamily="49" charset="0"/>
-              </a:rPr>
-              <a:t>"button"</a:t>
-            </a:r>
-            <a:r>
-              <a:rPr kumimoji="0" lang="en-US" altLang="en-US" sz="1200" b="0" i="0" u="none" strike="noStrike" cap="none" normalizeH="0" baseline="0" dirty="0">
-                <a:ln>
-                  <a:noFill/>
-                </a:ln>
-                <a:solidFill>
-                  <a:srgbClr val="000000"/>
-                </a:solidFill>
-                <a:effectLst/>
-                <a:latin typeface="Arial Unicode MS"/>
-                <a:ea typeface="Times New Roman" panose="02020603050405020304" pitchFamily="18" charset="0"/>
-                <a:cs typeface="Courier New" panose="02070309020205020404" pitchFamily="49" charset="0"/>
-              </a:rPr>
-              <a:t>&gt;Suggest an Username&lt;/</a:t>
-            </a:r>
-            <a:r>
-              <a:rPr kumimoji="0" lang="en-US" altLang="en-US" sz="1200" b="1" i="0" u="none" strike="noStrike" cap="none" normalizeH="0" baseline="0" dirty="0">
-                <a:ln>
-                  <a:noFill/>
-                </a:ln>
-                <a:solidFill>
-                  <a:srgbClr val="000080"/>
-                </a:solidFill>
-                <a:effectLst/>
-                <a:latin typeface="Arial Unicode MS"/>
-                <a:ea typeface="Times New Roman" panose="02020603050405020304" pitchFamily="18" charset="0"/>
-                <a:cs typeface="Courier New" panose="02070309020205020404" pitchFamily="49" charset="0"/>
-              </a:rPr>
-              <a:t>button</a:t>
-            </a:r>
-            <a:r>
-              <a:rPr kumimoji="0" lang="en-US" altLang="en-US" sz="1200" b="0" i="0" u="none" strike="noStrike" cap="none" normalizeH="0" baseline="0" dirty="0">
-                <a:ln>
-                  <a:noFill/>
-                </a:ln>
-                <a:solidFill>
-                  <a:srgbClr val="000000"/>
-                </a:solidFill>
-                <a:effectLst/>
-                <a:latin typeface="Arial Unicode MS"/>
-                <a:ea typeface="Times New Roman" panose="02020603050405020304" pitchFamily="18" charset="0"/>
-                <a:cs typeface="Courier New" panose="02070309020205020404" pitchFamily="49" charset="0"/>
-              </a:rPr>
-              <a:t>&gt;</a:t>
-            </a:r>
-            <a:br>
-              <a:rPr kumimoji="0" lang="en-US" altLang="en-US" sz="1200" b="0" i="0" u="none" strike="noStrike" cap="none" normalizeH="0" baseline="0" dirty="0">
-                <a:ln>
-                  <a:noFill/>
-                </a:ln>
-                <a:solidFill>
-                  <a:srgbClr val="000000"/>
-                </a:solidFill>
-                <a:effectLst/>
-                <a:latin typeface="Arial Unicode MS"/>
-                <a:ea typeface="Times New Roman" panose="02020603050405020304" pitchFamily="18" charset="0"/>
-                <a:cs typeface="Courier New" panose="02070309020205020404" pitchFamily="49" charset="0"/>
-              </a:rPr>
-            </a:br>
-            <a:r>
-              <a:rPr kumimoji="0" lang="en-US" altLang="en-US" sz="1200" b="0" i="0" u="none" strike="noStrike" cap="none" normalizeH="0" baseline="0" dirty="0">
-                <a:ln>
-                  <a:noFill/>
-                </a:ln>
-                <a:solidFill>
-                  <a:srgbClr val="000000"/>
-                </a:solidFill>
-                <a:effectLst/>
-                <a:latin typeface="Arial Unicode MS"/>
-                <a:ea typeface="Times New Roman" panose="02020603050405020304" pitchFamily="18" charset="0"/>
-                <a:cs typeface="Courier New" panose="02070309020205020404" pitchFamily="49" charset="0"/>
-              </a:rPr>
-              <a:t>  &lt;</a:t>
-            </a:r>
-            <a:r>
-              <a:rPr kumimoji="0" lang="en-US" altLang="en-US" sz="1200" b="1" i="0" u="none" strike="noStrike" cap="none" normalizeH="0" baseline="0" dirty="0">
-                <a:ln>
-                  <a:noFill/>
-                </a:ln>
-                <a:solidFill>
-                  <a:srgbClr val="000080"/>
-                </a:solidFill>
-                <a:effectLst/>
-                <a:latin typeface="Arial Unicode MS"/>
-                <a:ea typeface="Times New Roman" panose="02020603050405020304" pitchFamily="18" charset="0"/>
-                <a:cs typeface="Courier New" panose="02070309020205020404" pitchFamily="49" charset="0"/>
-              </a:rPr>
-              <a:t>div </a:t>
-            </a:r>
-            <a:r>
-              <a:rPr kumimoji="0" lang="en-US" altLang="en-US" sz="1200" b="1" i="0" u="none" strike="noStrike" cap="none" normalizeH="0" baseline="0" dirty="0">
-                <a:ln>
-                  <a:noFill/>
-                </a:ln>
-                <a:solidFill>
-                  <a:srgbClr val="0000FF"/>
-                </a:solidFill>
-                <a:effectLst/>
-                <a:latin typeface="Arial Unicode MS"/>
-                <a:ea typeface="Times New Roman" panose="02020603050405020304" pitchFamily="18" charset="0"/>
-                <a:cs typeface="Courier New" panose="02070309020205020404" pitchFamily="49" charset="0"/>
-              </a:rPr>
-              <a:t>class=</a:t>
-            </a:r>
-            <a:r>
-              <a:rPr kumimoji="0" lang="en-US" altLang="en-US" sz="1200" b="1" i="0" u="none" strike="noStrike" cap="none" normalizeH="0" baseline="0" dirty="0">
-                <a:ln>
-                  <a:noFill/>
-                </a:ln>
-                <a:solidFill>
-                  <a:srgbClr val="008000"/>
-                </a:solidFill>
-                <a:effectLst/>
-                <a:latin typeface="Arial Unicode MS"/>
-                <a:ea typeface="Times New Roman" panose="02020603050405020304" pitchFamily="18" charset="0"/>
-                <a:cs typeface="Courier New" panose="02070309020205020404" pitchFamily="49" charset="0"/>
-              </a:rPr>
-              <a:t>"form-group"</a:t>
-            </a:r>
-            <a:r>
-              <a:rPr kumimoji="0" lang="en-US" altLang="en-US" sz="1200" b="0" i="0" u="none" strike="noStrike" cap="none" normalizeH="0" baseline="0" dirty="0">
-                <a:ln>
-                  <a:noFill/>
-                </a:ln>
-                <a:solidFill>
-                  <a:srgbClr val="000000"/>
-                </a:solidFill>
-                <a:effectLst/>
-                <a:latin typeface="Arial Unicode MS"/>
-                <a:ea typeface="Times New Roman" panose="02020603050405020304" pitchFamily="18" charset="0"/>
-                <a:cs typeface="Courier New" panose="02070309020205020404" pitchFamily="49" charset="0"/>
-              </a:rPr>
-              <a:t>&gt;</a:t>
-            </a:r>
-            <a:br>
-              <a:rPr kumimoji="0" lang="en-US" altLang="en-US" sz="1200" b="0" i="0" u="none" strike="noStrike" cap="none" normalizeH="0" baseline="0" dirty="0">
-                <a:ln>
-                  <a:noFill/>
-                </a:ln>
-                <a:solidFill>
-                  <a:srgbClr val="000000"/>
-                </a:solidFill>
-                <a:effectLst/>
-                <a:latin typeface="Arial Unicode MS"/>
-                <a:ea typeface="Times New Roman" panose="02020603050405020304" pitchFamily="18" charset="0"/>
-                <a:cs typeface="Courier New" panose="02070309020205020404" pitchFamily="49" charset="0"/>
-              </a:rPr>
-            </a:br>
-            <a:r>
-              <a:rPr kumimoji="0" lang="en-US" altLang="en-US" sz="1200" b="0" i="0" u="none" strike="noStrike" cap="none" normalizeH="0" baseline="0" dirty="0">
-                <a:ln>
-                  <a:noFill/>
-                </a:ln>
-                <a:solidFill>
-                  <a:srgbClr val="000000"/>
-                </a:solidFill>
-                <a:effectLst/>
-                <a:latin typeface="Arial Unicode MS"/>
-                <a:ea typeface="Times New Roman" panose="02020603050405020304" pitchFamily="18" charset="0"/>
-                <a:cs typeface="Courier New" panose="02070309020205020404" pitchFamily="49" charset="0"/>
-              </a:rPr>
-              <a:t>    &lt;</a:t>
-            </a:r>
-            <a:r>
-              <a:rPr kumimoji="0" lang="en-US" altLang="en-US" sz="1200" b="1" i="0" u="none" strike="noStrike" cap="none" normalizeH="0" baseline="0" dirty="0">
-                <a:ln>
-                  <a:noFill/>
-                </a:ln>
-                <a:solidFill>
-                  <a:srgbClr val="000080"/>
-                </a:solidFill>
-                <a:effectLst/>
-                <a:latin typeface="Arial Unicode MS"/>
-                <a:ea typeface="Times New Roman" panose="02020603050405020304" pitchFamily="18" charset="0"/>
-                <a:cs typeface="Courier New" panose="02070309020205020404" pitchFamily="49" charset="0"/>
-              </a:rPr>
-              <a:t>label </a:t>
-            </a:r>
-            <a:r>
-              <a:rPr kumimoji="0" lang="en-US" altLang="en-US" sz="1200" b="1" i="0" u="none" strike="noStrike" cap="none" normalizeH="0" baseline="0" dirty="0">
-                <a:ln>
-                  <a:noFill/>
-                </a:ln>
-                <a:solidFill>
-                  <a:srgbClr val="0000FF"/>
-                </a:solidFill>
-                <a:effectLst/>
-                <a:latin typeface="Arial Unicode MS"/>
-                <a:ea typeface="Times New Roman" panose="02020603050405020304" pitchFamily="18" charset="0"/>
-                <a:cs typeface="Courier New" panose="02070309020205020404" pitchFamily="49" charset="0"/>
-              </a:rPr>
-              <a:t>for=</a:t>
-            </a:r>
-            <a:r>
-              <a:rPr kumimoji="0" lang="en-US" altLang="en-US" sz="1200" b="1" i="0" u="none" strike="noStrike" cap="none" normalizeH="0" baseline="0" dirty="0">
-                <a:ln>
-                  <a:noFill/>
-                </a:ln>
-                <a:solidFill>
-                  <a:srgbClr val="008000"/>
-                </a:solidFill>
-                <a:effectLst/>
-                <a:latin typeface="Arial Unicode MS"/>
-                <a:ea typeface="Times New Roman" panose="02020603050405020304" pitchFamily="18" charset="0"/>
-                <a:cs typeface="Courier New" panose="02070309020205020404" pitchFamily="49" charset="0"/>
-              </a:rPr>
-              <a:t>"email"</a:t>
-            </a:r>
-            <a:r>
-              <a:rPr kumimoji="0" lang="en-US" altLang="en-US" sz="1200" b="0" i="0" u="none" strike="noStrike" cap="none" normalizeH="0" baseline="0" dirty="0">
-                <a:ln>
-                  <a:noFill/>
-                </a:ln>
-                <a:solidFill>
-                  <a:srgbClr val="000000"/>
-                </a:solidFill>
-                <a:effectLst/>
-                <a:latin typeface="Arial Unicode MS"/>
-                <a:ea typeface="Times New Roman" panose="02020603050405020304" pitchFamily="18" charset="0"/>
-                <a:cs typeface="Courier New" panose="02070309020205020404" pitchFamily="49" charset="0"/>
-              </a:rPr>
-              <a:t>&gt;Mail&lt;/</a:t>
-            </a:r>
-            <a:r>
-              <a:rPr kumimoji="0" lang="en-US" altLang="en-US" sz="1200" b="1" i="0" u="none" strike="noStrike" cap="none" normalizeH="0" baseline="0" dirty="0">
-                <a:ln>
-                  <a:noFill/>
-                </a:ln>
-                <a:solidFill>
-                  <a:srgbClr val="000080"/>
-                </a:solidFill>
-                <a:effectLst/>
-                <a:latin typeface="Arial Unicode MS"/>
-                <a:ea typeface="Times New Roman" panose="02020603050405020304" pitchFamily="18" charset="0"/>
-                <a:cs typeface="Courier New" panose="02070309020205020404" pitchFamily="49" charset="0"/>
-              </a:rPr>
-              <a:t>label</a:t>
-            </a:r>
-            <a:r>
-              <a:rPr kumimoji="0" lang="en-US" altLang="en-US" sz="1200" b="0" i="0" u="none" strike="noStrike" cap="none" normalizeH="0" baseline="0" dirty="0">
-                <a:ln>
-                  <a:noFill/>
-                </a:ln>
-                <a:solidFill>
-                  <a:srgbClr val="000000"/>
-                </a:solidFill>
-                <a:effectLst/>
-                <a:latin typeface="Arial Unicode MS"/>
-                <a:ea typeface="Times New Roman" panose="02020603050405020304" pitchFamily="18" charset="0"/>
-                <a:cs typeface="Courier New" panose="02070309020205020404" pitchFamily="49" charset="0"/>
-              </a:rPr>
-              <a:t>&gt;</a:t>
-            </a:r>
-            <a:br>
-              <a:rPr kumimoji="0" lang="en-US" altLang="en-US" sz="1200" b="0" i="0" u="none" strike="noStrike" cap="none" normalizeH="0" baseline="0" dirty="0">
-                <a:ln>
-                  <a:noFill/>
-                </a:ln>
-                <a:solidFill>
-                  <a:srgbClr val="000000"/>
-                </a:solidFill>
-                <a:effectLst/>
-                <a:latin typeface="Arial Unicode MS"/>
-                <a:ea typeface="Times New Roman" panose="02020603050405020304" pitchFamily="18" charset="0"/>
-                <a:cs typeface="Courier New" panose="02070309020205020404" pitchFamily="49" charset="0"/>
-              </a:rPr>
-            </a:br>
-            <a:r>
-              <a:rPr kumimoji="0" lang="en-US" altLang="en-US" sz="1200" b="0" i="0" u="none" strike="noStrike" cap="none" normalizeH="0" baseline="0" dirty="0">
-                <a:ln>
-                  <a:noFill/>
-                </a:ln>
-                <a:solidFill>
-                  <a:srgbClr val="000000"/>
-                </a:solidFill>
-                <a:effectLst/>
-                <a:latin typeface="Arial Unicode MS"/>
-                <a:ea typeface="Times New Roman" panose="02020603050405020304" pitchFamily="18" charset="0"/>
-                <a:cs typeface="Courier New" panose="02070309020205020404" pitchFamily="49" charset="0"/>
-              </a:rPr>
-              <a:t>    &lt;</a:t>
-            </a:r>
-            <a:r>
-              <a:rPr kumimoji="0" lang="en-US" altLang="en-US" sz="1200" b="1" i="0" u="none" strike="noStrike" cap="none" normalizeH="0" baseline="0" dirty="0">
-                <a:ln>
-                  <a:noFill/>
-                </a:ln>
-                <a:solidFill>
-                  <a:srgbClr val="000080"/>
-                </a:solidFill>
-                <a:effectLst/>
-                <a:latin typeface="Arial Unicode MS"/>
-                <a:ea typeface="Times New Roman" panose="02020603050405020304" pitchFamily="18" charset="0"/>
-                <a:cs typeface="Courier New" panose="02070309020205020404" pitchFamily="49" charset="0"/>
-              </a:rPr>
-              <a:t>input</a:t>
-            </a:r>
-            <a:br>
-              <a:rPr kumimoji="0" lang="en-US" altLang="en-US" sz="1200" b="1" i="0" u="none" strike="noStrike" cap="none" normalizeH="0" baseline="0" dirty="0">
-                <a:ln>
-                  <a:noFill/>
-                </a:ln>
-                <a:solidFill>
-                  <a:srgbClr val="000080"/>
-                </a:solidFill>
-                <a:effectLst/>
-                <a:latin typeface="Arial Unicode MS"/>
-                <a:ea typeface="Times New Roman" panose="02020603050405020304" pitchFamily="18" charset="0"/>
-                <a:cs typeface="Courier New" panose="02070309020205020404" pitchFamily="49" charset="0"/>
-              </a:rPr>
-            </a:br>
-            <a:r>
-              <a:rPr kumimoji="0" lang="en-US" altLang="en-US" sz="1200" b="1" i="0" u="none" strike="noStrike" cap="none" normalizeH="0" baseline="0" dirty="0">
-                <a:ln>
-                  <a:noFill/>
-                </a:ln>
-                <a:solidFill>
-                  <a:srgbClr val="000080"/>
-                </a:solidFill>
-                <a:effectLst/>
-                <a:latin typeface="Arial Unicode MS"/>
-                <a:ea typeface="Times New Roman" panose="02020603050405020304" pitchFamily="18" charset="0"/>
-                <a:cs typeface="Courier New" panose="02070309020205020404" pitchFamily="49" charset="0"/>
-              </a:rPr>
-              <a:t>      </a:t>
-            </a:r>
-            <a:r>
-              <a:rPr kumimoji="0" lang="en-US" altLang="en-US" sz="1200" b="1" i="0" u="none" strike="noStrike" cap="none" normalizeH="0" baseline="0" dirty="0">
-                <a:ln>
-                  <a:noFill/>
-                </a:ln>
-                <a:solidFill>
-                  <a:srgbClr val="0000FF"/>
-                </a:solidFill>
-                <a:effectLst/>
-                <a:latin typeface="Arial Unicode MS"/>
-                <a:ea typeface="Times New Roman" panose="02020603050405020304" pitchFamily="18" charset="0"/>
-                <a:cs typeface="Courier New" panose="02070309020205020404" pitchFamily="49" charset="0"/>
-              </a:rPr>
-              <a:t>type=</a:t>
-            </a:r>
-            <a:r>
-              <a:rPr kumimoji="0" lang="en-US" altLang="en-US" sz="1200" b="1" i="0" u="none" strike="noStrike" cap="none" normalizeH="0" baseline="0" dirty="0">
-                <a:ln>
-                  <a:noFill/>
-                </a:ln>
-                <a:solidFill>
-                  <a:srgbClr val="008000"/>
-                </a:solidFill>
-                <a:effectLst/>
-                <a:latin typeface="Arial Unicode MS"/>
-                <a:ea typeface="Times New Roman" panose="02020603050405020304" pitchFamily="18" charset="0"/>
-                <a:cs typeface="Courier New" panose="02070309020205020404" pitchFamily="49" charset="0"/>
-              </a:rPr>
-              <a:t>"email"</a:t>
-            </a:r>
-            <a:br>
-              <a:rPr kumimoji="0" lang="en-US" altLang="en-US" sz="1200" b="1" i="0" u="none" strike="noStrike" cap="none" normalizeH="0" baseline="0" dirty="0">
-                <a:ln>
-                  <a:noFill/>
-                </a:ln>
-                <a:solidFill>
-                  <a:srgbClr val="008000"/>
-                </a:solidFill>
-                <a:effectLst/>
-                <a:latin typeface="Arial Unicode MS"/>
-                <a:ea typeface="Times New Roman" panose="02020603050405020304" pitchFamily="18" charset="0"/>
-                <a:cs typeface="Courier New" panose="02070309020205020404" pitchFamily="49" charset="0"/>
-              </a:rPr>
-            </a:br>
-            <a:r>
-              <a:rPr kumimoji="0" lang="en-US" altLang="en-US" sz="1200" b="1" i="0" u="none" strike="noStrike" cap="none" normalizeH="0" baseline="0" dirty="0">
-                <a:ln>
-                  <a:noFill/>
-                </a:ln>
-                <a:solidFill>
-                  <a:srgbClr val="008000"/>
-                </a:solidFill>
-                <a:effectLst/>
-                <a:latin typeface="Arial Unicode MS"/>
-                <a:ea typeface="Times New Roman" panose="02020603050405020304" pitchFamily="18" charset="0"/>
-                <a:cs typeface="Courier New" panose="02070309020205020404" pitchFamily="49" charset="0"/>
-              </a:rPr>
-              <a:t>      </a:t>
-            </a:r>
-            <a:r>
-              <a:rPr kumimoji="0" lang="en-US" altLang="en-US" sz="1200" b="1" i="0" u="none" strike="noStrike" cap="none" normalizeH="0" baseline="0" dirty="0">
-                <a:ln>
-                  <a:noFill/>
-                </a:ln>
-                <a:solidFill>
-                  <a:srgbClr val="0000FF"/>
-                </a:solidFill>
-                <a:effectLst/>
-                <a:latin typeface="Arial Unicode MS"/>
-                <a:ea typeface="Times New Roman" panose="02020603050405020304" pitchFamily="18" charset="0"/>
-                <a:cs typeface="Courier New" panose="02070309020205020404" pitchFamily="49" charset="0"/>
-              </a:rPr>
-              <a:t>id=</a:t>
-            </a:r>
-            <a:r>
-              <a:rPr kumimoji="0" lang="en-US" altLang="en-US" sz="1200" b="1" i="0" u="none" strike="noStrike" cap="none" normalizeH="0" baseline="0" dirty="0">
-                <a:ln>
-                  <a:noFill/>
-                </a:ln>
-                <a:solidFill>
-                  <a:srgbClr val="008000"/>
-                </a:solidFill>
-                <a:effectLst/>
-                <a:latin typeface="Arial Unicode MS"/>
-                <a:ea typeface="Times New Roman" panose="02020603050405020304" pitchFamily="18" charset="0"/>
-                <a:cs typeface="Courier New" panose="02070309020205020404" pitchFamily="49" charset="0"/>
-              </a:rPr>
-              <a:t>"email"</a:t>
-            </a:r>
-            <a:br>
-              <a:rPr kumimoji="0" lang="en-US" altLang="en-US" sz="1200" b="1" i="0" u="none" strike="noStrike" cap="none" normalizeH="0" baseline="0" dirty="0">
-                <a:ln>
-                  <a:noFill/>
-                </a:ln>
-                <a:solidFill>
-                  <a:srgbClr val="008000"/>
-                </a:solidFill>
-                <a:effectLst/>
-                <a:latin typeface="Arial Unicode MS"/>
-                <a:ea typeface="Times New Roman" panose="02020603050405020304" pitchFamily="18" charset="0"/>
-                <a:cs typeface="Courier New" panose="02070309020205020404" pitchFamily="49" charset="0"/>
-              </a:rPr>
-            </a:br>
-            <a:r>
-              <a:rPr kumimoji="0" lang="en-US" altLang="en-US" sz="1200" b="1" i="0" u="none" strike="noStrike" cap="none" normalizeH="0" baseline="0" dirty="0">
-                <a:ln>
-                  <a:noFill/>
-                </a:ln>
-                <a:solidFill>
-                  <a:srgbClr val="008000"/>
-                </a:solidFill>
-                <a:effectLst/>
-                <a:latin typeface="Arial Unicode MS"/>
-                <a:ea typeface="Times New Roman" panose="02020603050405020304" pitchFamily="18" charset="0"/>
-                <a:cs typeface="Courier New" panose="02070309020205020404" pitchFamily="49" charset="0"/>
-              </a:rPr>
-              <a:t>      </a:t>
-            </a:r>
-            <a:r>
-              <a:rPr kumimoji="0" lang="en-US" altLang="en-US" sz="1200" b="1" i="0" u="none" strike="noStrike" cap="none" normalizeH="0" baseline="0" dirty="0">
-                <a:ln>
-                  <a:noFill/>
-                </a:ln>
-                <a:solidFill>
-                  <a:srgbClr val="0000FF"/>
-                </a:solidFill>
-                <a:effectLst/>
-                <a:latin typeface="Arial Unicode MS"/>
-                <a:ea typeface="Times New Roman" panose="02020603050405020304" pitchFamily="18" charset="0"/>
-                <a:cs typeface="Courier New" panose="02070309020205020404" pitchFamily="49" charset="0"/>
-              </a:rPr>
-              <a:t>class=</a:t>
-            </a:r>
-            <a:r>
-              <a:rPr kumimoji="0" lang="en-US" altLang="en-US" sz="1200" b="1" i="0" u="none" strike="noStrike" cap="none" normalizeH="0" baseline="0" dirty="0">
-                <a:ln>
-                  <a:noFill/>
-                </a:ln>
-                <a:solidFill>
-                  <a:srgbClr val="008000"/>
-                </a:solidFill>
-                <a:effectLst/>
-                <a:latin typeface="Arial Unicode MS"/>
-                <a:ea typeface="Times New Roman" panose="02020603050405020304" pitchFamily="18" charset="0"/>
-                <a:cs typeface="Courier New" panose="02070309020205020404" pitchFamily="49" charset="0"/>
-              </a:rPr>
-              <a:t>"form-control"</a:t>
-            </a:r>
-            <a:br>
-              <a:rPr kumimoji="0" lang="en-US" altLang="en-US" sz="1200" b="1" i="0" u="none" strike="noStrike" cap="none" normalizeH="0" baseline="0" dirty="0">
-                <a:ln>
-                  <a:noFill/>
-                </a:ln>
-                <a:solidFill>
-                  <a:srgbClr val="008000"/>
-                </a:solidFill>
-                <a:effectLst/>
-                <a:latin typeface="Arial Unicode MS"/>
-                <a:ea typeface="Times New Roman" panose="02020603050405020304" pitchFamily="18" charset="0"/>
-                <a:cs typeface="Courier New" panose="02070309020205020404" pitchFamily="49" charset="0"/>
-              </a:rPr>
-            </a:br>
-            <a:r>
-              <a:rPr kumimoji="0" lang="en-US" altLang="en-US" sz="1200" b="1" i="0" u="none" strike="noStrike" cap="none" normalizeH="0" baseline="0" dirty="0">
-                <a:ln>
-                  <a:noFill/>
-                </a:ln>
-                <a:solidFill>
-                  <a:srgbClr val="008000"/>
-                </a:solidFill>
-                <a:effectLst/>
-                <a:latin typeface="Arial Unicode MS"/>
-                <a:ea typeface="Times New Roman" panose="02020603050405020304" pitchFamily="18" charset="0"/>
-                <a:cs typeface="Courier New" panose="02070309020205020404" pitchFamily="49" charset="0"/>
-              </a:rPr>
-              <a:t>      </a:t>
-            </a:r>
-            <a:r>
-              <a:rPr kumimoji="0" lang="en-US" altLang="en-US" sz="1200" b="1" i="0" u="none" strike="noStrike" cap="none" normalizeH="0" baseline="0" dirty="0">
-                <a:ln>
-                  <a:noFill/>
-                </a:ln>
-                <a:solidFill>
-                  <a:srgbClr val="0000FF"/>
-                </a:solidFill>
-                <a:effectLst/>
-                <a:latin typeface="Arial Unicode MS"/>
-                <a:ea typeface="Times New Roman" panose="02020603050405020304" pitchFamily="18" charset="0"/>
-                <a:cs typeface="Courier New" panose="02070309020205020404" pitchFamily="49" charset="0"/>
-              </a:rPr>
-              <a:t>ngModel</a:t>
-            </a:r>
-            <a:br>
-              <a:rPr kumimoji="0" lang="en-US" altLang="en-US" sz="1200" b="1" i="0" u="none" strike="noStrike" cap="none" normalizeH="0" baseline="0" dirty="0">
-                <a:ln>
-                  <a:noFill/>
-                </a:ln>
-                <a:solidFill>
-                  <a:srgbClr val="0000FF"/>
-                </a:solidFill>
-                <a:effectLst/>
-                <a:latin typeface="Arial Unicode MS"/>
-                <a:ea typeface="Times New Roman" panose="02020603050405020304" pitchFamily="18" charset="0"/>
-                <a:cs typeface="Courier New" panose="02070309020205020404" pitchFamily="49" charset="0"/>
-              </a:rPr>
-            </a:br>
-            <a:r>
-              <a:rPr kumimoji="0" lang="en-US" altLang="en-US" sz="1200" b="1" i="0" u="none" strike="noStrike" cap="none" normalizeH="0" baseline="0" dirty="0">
-                <a:ln>
-                  <a:noFill/>
-                </a:ln>
-                <a:solidFill>
-                  <a:srgbClr val="0000FF"/>
-                </a:solidFill>
-                <a:effectLst/>
-                <a:latin typeface="Arial Unicode MS"/>
-                <a:ea typeface="Times New Roman" panose="02020603050405020304" pitchFamily="18" charset="0"/>
-                <a:cs typeface="Courier New" panose="02070309020205020404" pitchFamily="49" charset="0"/>
-              </a:rPr>
-              <a:t>      name=</a:t>
-            </a:r>
-            <a:r>
-              <a:rPr kumimoji="0" lang="en-US" altLang="en-US" sz="1200" b="1" i="0" u="none" strike="noStrike" cap="none" normalizeH="0" baseline="0" dirty="0">
-                <a:ln>
-                  <a:noFill/>
-                </a:ln>
-                <a:solidFill>
-                  <a:srgbClr val="008000"/>
-                </a:solidFill>
-                <a:effectLst/>
-                <a:latin typeface="Arial Unicode MS"/>
-                <a:ea typeface="Times New Roman" panose="02020603050405020304" pitchFamily="18" charset="0"/>
-                <a:cs typeface="Courier New" panose="02070309020205020404" pitchFamily="49" charset="0"/>
-              </a:rPr>
-              <a:t>"email"</a:t>
-            </a:r>
-            <a:br>
-              <a:rPr kumimoji="0" lang="en-US" altLang="en-US" sz="1200" b="1" i="0" u="none" strike="noStrike" cap="none" normalizeH="0" baseline="0" dirty="0">
-                <a:ln>
-                  <a:noFill/>
-                </a:ln>
-                <a:solidFill>
-                  <a:srgbClr val="008000"/>
-                </a:solidFill>
-                <a:effectLst/>
-                <a:latin typeface="Arial Unicode MS"/>
-                <a:ea typeface="Times New Roman" panose="02020603050405020304" pitchFamily="18" charset="0"/>
-                <a:cs typeface="Courier New" panose="02070309020205020404" pitchFamily="49" charset="0"/>
-              </a:rPr>
-            </a:br>
-            <a:r>
-              <a:rPr kumimoji="0" lang="en-US" altLang="en-US" sz="1200" b="1" i="0" u="none" strike="noStrike" cap="none" normalizeH="0" baseline="0" dirty="0">
-                <a:ln>
-                  <a:noFill/>
-                </a:ln>
-                <a:solidFill>
-                  <a:srgbClr val="008000"/>
-                </a:solidFill>
-                <a:effectLst/>
-                <a:latin typeface="Arial Unicode MS"/>
-                <a:ea typeface="Times New Roman" panose="02020603050405020304" pitchFamily="18" charset="0"/>
-                <a:cs typeface="Courier New" panose="02070309020205020404" pitchFamily="49" charset="0"/>
-              </a:rPr>
-              <a:t>      </a:t>
-            </a:r>
-            <a:r>
-              <a:rPr kumimoji="0" lang="en-US" altLang="en-US" sz="1200" b="1" i="0" u="none" strike="noStrike" cap="none" normalizeH="0" baseline="0" dirty="0">
-                <a:ln>
-                  <a:noFill/>
-                </a:ln>
-                <a:solidFill>
-                  <a:srgbClr val="0000FF"/>
-                </a:solidFill>
-                <a:effectLst/>
-                <a:latin typeface="Arial Unicode MS"/>
-                <a:ea typeface="Times New Roman" panose="02020603050405020304" pitchFamily="18" charset="0"/>
-                <a:cs typeface="Courier New" panose="02070309020205020404" pitchFamily="49" charset="0"/>
-              </a:rPr>
-              <a:t>required</a:t>
-            </a:r>
-            <a:br>
-              <a:rPr kumimoji="0" lang="en-US" altLang="en-US" sz="1200" b="1" i="0" u="none" strike="noStrike" cap="none" normalizeH="0" baseline="0" dirty="0">
-                <a:ln>
-                  <a:noFill/>
-                </a:ln>
-                <a:solidFill>
-                  <a:srgbClr val="0000FF"/>
-                </a:solidFill>
-                <a:effectLst/>
-                <a:latin typeface="Arial Unicode MS"/>
-                <a:ea typeface="Times New Roman" panose="02020603050405020304" pitchFamily="18" charset="0"/>
-                <a:cs typeface="Courier New" panose="02070309020205020404" pitchFamily="49" charset="0"/>
-              </a:rPr>
-            </a:br>
-            <a:r>
-              <a:rPr kumimoji="0" lang="en-US" altLang="en-US" sz="1200" b="1" i="0" u="none" strike="noStrike" cap="none" normalizeH="0" baseline="0" dirty="0">
-                <a:ln>
-                  <a:noFill/>
-                </a:ln>
-                <a:solidFill>
-                  <a:srgbClr val="0000FF"/>
-                </a:solidFill>
-                <a:effectLst/>
-                <a:latin typeface="Arial Unicode MS"/>
-                <a:ea typeface="Times New Roman" panose="02020603050405020304" pitchFamily="18" charset="0"/>
-                <a:cs typeface="Courier New" panose="02070309020205020404" pitchFamily="49" charset="0"/>
-              </a:rPr>
-              <a:t>      email</a:t>
-            </a:r>
-            <a:br>
-              <a:rPr kumimoji="0" lang="en-US" altLang="en-US" sz="1200" b="1" i="0" u="none" strike="noStrike" cap="none" normalizeH="0" baseline="0" dirty="0">
-                <a:ln>
-                  <a:noFill/>
-                </a:ln>
-                <a:solidFill>
-                  <a:srgbClr val="0000FF"/>
-                </a:solidFill>
-                <a:effectLst/>
-                <a:latin typeface="Arial Unicode MS"/>
-                <a:ea typeface="Times New Roman" panose="02020603050405020304" pitchFamily="18" charset="0"/>
-                <a:cs typeface="Courier New" panose="02070309020205020404" pitchFamily="49" charset="0"/>
-              </a:rPr>
-            </a:br>
-            <a:r>
-              <a:rPr kumimoji="0" lang="en-US" altLang="en-US" sz="1200" b="1" i="0" u="none" strike="noStrike" cap="none" normalizeH="0" baseline="0" dirty="0">
-                <a:ln>
-                  <a:noFill/>
-                </a:ln>
-                <a:solidFill>
-                  <a:srgbClr val="0000FF"/>
-                </a:solidFill>
-                <a:effectLst/>
-                <a:latin typeface="Arial Unicode MS"/>
-                <a:ea typeface="Times New Roman" panose="02020603050405020304" pitchFamily="18" charset="0"/>
-                <a:cs typeface="Courier New" panose="02070309020205020404" pitchFamily="49" charset="0"/>
-              </a:rPr>
-              <a:t>      #email=</a:t>
-            </a:r>
-            <a:r>
-              <a:rPr kumimoji="0" lang="en-US" altLang="en-US" sz="1200" b="1" i="0" u="none" strike="noStrike" cap="none" normalizeH="0" baseline="0" dirty="0">
-                <a:ln>
-                  <a:noFill/>
-                </a:ln>
-                <a:solidFill>
-                  <a:srgbClr val="008000"/>
-                </a:solidFill>
-                <a:effectLst/>
-                <a:latin typeface="Arial Unicode MS"/>
-                <a:ea typeface="Times New Roman" panose="02020603050405020304" pitchFamily="18" charset="0"/>
-                <a:cs typeface="Courier New" panose="02070309020205020404" pitchFamily="49" charset="0"/>
-              </a:rPr>
-              <a:t>"ngModel"</a:t>
-            </a:r>
-            <a:r>
-              <a:rPr kumimoji="0" lang="en-US" altLang="en-US" sz="1200" b="0" i="0" u="none" strike="noStrike" cap="none" normalizeH="0" baseline="0" dirty="0">
-                <a:ln>
-                  <a:noFill/>
-                </a:ln>
-                <a:solidFill>
-                  <a:srgbClr val="000000"/>
-                </a:solidFill>
-                <a:effectLst/>
-                <a:latin typeface="Arial Unicode MS"/>
-                <a:ea typeface="Times New Roman" panose="02020603050405020304" pitchFamily="18" charset="0"/>
-                <a:cs typeface="Courier New" panose="02070309020205020404" pitchFamily="49" charset="0"/>
-              </a:rPr>
-              <a:t>&gt;</a:t>
-            </a:r>
-            <a:br>
-              <a:rPr kumimoji="0" lang="en-US" altLang="en-US" sz="1200" b="0" i="0" u="none" strike="noStrike" cap="none" normalizeH="0" baseline="0" dirty="0">
-                <a:ln>
-                  <a:noFill/>
-                </a:ln>
-                <a:solidFill>
-                  <a:srgbClr val="000000"/>
-                </a:solidFill>
-                <a:effectLst/>
-                <a:latin typeface="Arial Unicode MS"/>
-                <a:ea typeface="Times New Roman" panose="02020603050405020304" pitchFamily="18" charset="0"/>
-                <a:cs typeface="Courier New" panose="02070309020205020404" pitchFamily="49" charset="0"/>
-              </a:rPr>
-            </a:br>
-            <a:r>
-              <a:rPr kumimoji="0" lang="en-US" altLang="en-US" sz="1200" b="0" i="0" u="none" strike="noStrike" cap="none" normalizeH="0" baseline="0" dirty="0">
-                <a:ln>
-                  <a:noFill/>
-                </a:ln>
-                <a:solidFill>
-                  <a:srgbClr val="000000"/>
-                </a:solidFill>
-                <a:effectLst/>
-                <a:latin typeface="Arial Unicode MS"/>
-                <a:ea typeface="Times New Roman" panose="02020603050405020304" pitchFamily="18" charset="0"/>
-                <a:cs typeface="Courier New" panose="02070309020205020404" pitchFamily="49" charset="0"/>
-              </a:rPr>
-              <a:t>    &lt;</a:t>
-            </a:r>
-            <a:r>
-              <a:rPr kumimoji="0" lang="en-US" altLang="en-US" sz="1200" b="1" i="0" u="none" strike="noStrike" cap="none" normalizeH="0" baseline="0" dirty="0">
-                <a:ln>
-                  <a:noFill/>
-                </a:ln>
-                <a:solidFill>
-                  <a:srgbClr val="000080"/>
-                </a:solidFill>
-                <a:effectLst/>
-                <a:latin typeface="Arial Unicode MS"/>
-                <a:ea typeface="Times New Roman" panose="02020603050405020304" pitchFamily="18" charset="0"/>
-                <a:cs typeface="Courier New" panose="02070309020205020404" pitchFamily="49" charset="0"/>
-              </a:rPr>
               <a:t>span </a:t>
-            </a:r>
-            <a:r>
-              <a:rPr kumimoji="0" lang="en-US" altLang="en-US" sz="1200" b="1" i="0" u="none" strike="noStrike" cap="none" normalizeH="0" baseline="0" dirty="0">
-                <a:ln>
-                  <a:noFill/>
-                </a:ln>
-                <a:solidFill>
-                  <a:srgbClr val="0000FF"/>
-                </a:solidFill>
-                <a:effectLst/>
-                <a:latin typeface="Arial Unicode MS"/>
-                <a:ea typeface="Times New Roman" panose="02020603050405020304" pitchFamily="18" charset="0"/>
-                <a:cs typeface="Courier New" panose="02070309020205020404" pitchFamily="49" charset="0"/>
-              </a:rPr>
-              <a:t>class=</a:t>
-            </a:r>
-            <a:r>
-              <a:rPr kumimoji="0" lang="en-US" altLang="en-US" sz="1200" b="1" i="0" u="none" strike="noStrike" cap="none" normalizeH="0" baseline="0" dirty="0">
-                <a:ln>
-                  <a:noFill/>
-                </a:ln>
-                <a:solidFill>
-                  <a:srgbClr val="008000"/>
-                </a:solidFill>
-                <a:effectLst/>
-                <a:latin typeface="Arial Unicode MS"/>
-                <a:ea typeface="Times New Roman" panose="02020603050405020304" pitchFamily="18" charset="0"/>
-                <a:cs typeface="Courier New" panose="02070309020205020404" pitchFamily="49" charset="0"/>
-              </a:rPr>
-              <a:t>"help-block" </a:t>
             </a:r>
             <a:r>
               <a:rPr kumimoji="0" lang="en-US" altLang="en-US" sz="1200" b="1" i="0" u="none" strike="noStrike" cap="none" normalizeH="0" baseline="0" dirty="0">
@@ -12610,13 +12252,15 @@
       <p:cxnSp>
         <p:nvCxnSpPr>
           <p:cNvPr id="14" name="Straight Arrow Connector 13"/>
-          <p:cNvCxnSpPr/>
+          <p:cNvCxnSpPr>
+            <a:cxnSpLocks/>
+          </p:cNvCxnSpPr>
           <p:nvPr/>
         </p:nvCxnSpPr>
         <p:spPr>
           <a:xfrm flipH="1">
             <a:off x="683568" y="4221088"/>
-            <a:ext cx="5256584" cy="1944216"/>
+            <a:ext cx="5256584" cy="1728192"/>
           </a:xfrm>
           <a:prstGeom prst="straightConnector1">
             <a:avLst/>
@@ -12877,13 +12521,8 @@
             <a:pPr lvl="1"/>
             <a:r>
               <a:rPr lang="en-US" dirty="0"/>
-              <a:t>Template </a:t>
-            </a:r>
-            <a:r>
-              <a:rPr lang="en-US" dirty="0" smtClean="0"/>
-              <a:t>Driven</a:t>
-            </a:r>
-            <a:endParaRPr lang="en-US" dirty="0"/>
+              <a:t>Template Driven</a:t>
+            </a:r>
           </a:p>
           <a:p>
             <a:pPr lvl="1"/>
@@ -13480,21 +13119,6 @@
                 <a:cs typeface="Courier New" panose="02070309020205020404" pitchFamily="49" charset="0"/>
               </a:rPr>
               <a:t>:Object</a:t>
-            </a:r>
-            <a:r>
-              <a:rPr kumimoji="0" lang="en-US" altLang="en-US" b="0" i="0" u="none" strike="noStrike" cap="none" normalizeH="0" baseline="0" dirty="0">
-                <a:ln>
-                  <a:noFill/>
-                </a:ln>
-                <a:solidFill>
-                  <a:srgbClr val="000000"/>
-                </a:solidFill>
-                <a:effectLst/>
-                <a:latin typeface="Arial Unicode MS"/>
-                <a:ea typeface="Times New Roman" panose="02020603050405020304" pitchFamily="18" charset="0"/>
-                <a:cs typeface="Courier New" panose="02070309020205020404" pitchFamily="49" charset="0"/>
-              </a:rPr>
-              <a:t/>
             </a:r>
             <a:br>
               <a:rPr kumimoji="0" lang="en-US" altLang="en-US" b="0" i="0" u="none" strike="noStrike" cap="none" normalizeH="0" baseline="0" dirty="0">
@@ -14269,21 +13893,6 @@
                 <a:cs typeface="Courier New" panose="02070309020205020404" pitchFamily="49" charset="0"/>
               </a:rPr>
             </a:br>
-            <a:r>
-              <a:rPr kumimoji="0" lang="en-US" altLang="en-US" sz="1200" b="0" i="0" u="none" strike="noStrike" cap="none" normalizeH="0" baseline="0" dirty="0">
-                <a:ln>
-                  <a:noFill/>
-                </a:ln>
-                <a:solidFill>
-                  <a:srgbClr val="000000"/>
-                </a:solidFill>
-                <a:effectLst/>
-                <a:latin typeface="Arial Unicode MS"/>
-                <a:ea typeface="Times New Roman" panose="02020603050405020304" pitchFamily="18" charset="0"/>
-                <a:cs typeface="Courier New" panose="02070309020205020404" pitchFamily="49" charset="0"/>
-              </a:rPr>
-              <a:t/>
-            </a:r>
             <a:br>
               <a:rPr kumimoji="0" lang="en-US" altLang="en-US" sz="1200" b="0" i="0" u="none" strike="noStrike" cap="none" normalizeH="0" baseline="0" dirty="0">
                 <a:ln>
@@ -15168,21 +14777,6 @@
                 <a:cs typeface="Courier New" panose="02070309020205020404" pitchFamily="49" charset="0"/>
               </a:rPr>
             </a:br>
-            <a:r>
-              <a:rPr kumimoji="0" lang="en-US" altLang="en-US" sz="1100" b="0" i="0" u="none" strike="noStrike" cap="none" normalizeH="0" baseline="0" dirty="0">
-                <a:ln>
-                  <a:noFill/>
-                </a:ln>
-                <a:solidFill>
-                  <a:srgbClr val="000000"/>
-                </a:solidFill>
-                <a:effectLst/>
-                <a:latin typeface="Arial Unicode MS"/>
-                <a:ea typeface="Times New Roman" panose="02020603050405020304" pitchFamily="18" charset="0"/>
-                <a:cs typeface="Courier New" panose="02070309020205020404" pitchFamily="49" charset="0"/>
-              </a:rPr>
-              <a:t/>
-            </a:r>
             <a:br>
               <a:rPr kumimoji="0" lang="en-US" altLang="en-US" sz="1100" b="0" i="0" u="none" strike="noStrike" cap="none" normalizeH="0" baseline="0" dirty="0">
                 <a:ln>
@@ -15672,21 +15266,6 @@
                 <a:cs typeface="Courier New" panose="02070309020205020404" pitchFamily="49" charset="0"/>
               </a:rPr>
             </a:br>
-            <a:r>
-              <a:rPr kumimoji="0" lang="en-US" altLang="en-US" sz="1100" b="0" i="0" u="none" strike="noStrike" cap="none" normalizeH="0" baseline="0" dirty="0">
-                <a:ln>
-                  <a:noFill/>
-                </a:ln>
-                <a:solidFill>
-                  <a:srgbClr val="000000"/>
-                </a:solidFill>
-                <a:effectLst/>
-                <a:latin typeface="Arial Unicode MS"/>
-                <a:ea typeface="Times New Roman" panose="02020603050405020304" pitchFamily="18" charset="0"/>
-                <a:cs typeface="Courier New" panose="02070309020205020404" pitchFamily="49" charset="0"/>
-              </a:rPr>
-              <a:t/>
-            </a:r>
             <a:br>
               <a:rPr kumimoji="0" lang="en-US" altLang="en-US" sz="1100" b="0" i="0" u="none" strike="noStrike" cap="none" normalizeH="0" baseline="0" dirty="0">
                 <a:ln>
@@ -16101,21 +15680,6 @@
                 <a:cs typeface="Courier New" panose="02070309020205020404" pitchFamily="49" charset="0"/>
               </a:rPr>
             </a:br>
-            <a:r>
-              <a:rPr kumimoji="0" lang="en-US" altLang="en-US" sz="1100" b="1" i="0" u="none" strike="noStrike" cap="none" normalizeH="0" baseline="0" dirty="0">
-                <a:ln>
-                  <a:noFill/>
-                </a:ln>
-                <a:solidFill>
-                  <a:srgbClr val="008000"/>
-                </a:solidFill>
-                <a:effectLst/>
-                <a:latin typeface="Arial Unicode MS"/>
-                <a:ea typeface="Times New Roman" panose="02020603050405020304" pitchFamily="18" charset="0"/>
-                <a:cs typeface="Courier New" panose="02070309020205020404" pitchFamily="49" charset="0"/>
-              </a:rPr>
-              <a:t/>
-            </a:r>
             <a:br>
               <a:rPr kumimoji="0" lang="en-US" altLang="en-US" sz="1100" b="1" i="0" u="none" strike="noStrike" cap="none" normalizeH="0" baseline="0" dirty="0">
                 <a:ln>
@@ -17614,36 +17178,6 @@
                 <a:cs typeface="Courier New" panose="02070309020205020404" pitchFamily="49" charset="0"/>
               </a:rPr>
               <a:t>div </a:t>
-            </a:r>
-            <a:r>
-              <a:rPr kumimoji="0" lang="en-US" altLang="en-US" sz="1600" b="1" i="0" u="none" strike="noStrike" cap="none" normalizeH="0" baseline="0" dirty="0">
-                <a:ln>
-                  <a:noFill/>
-                </a:ln>
-                <a:solidFill>
-                  <a:srgbClr val="0000FF"/>
-                </a:solidFill>
-                <a:effectLst/>
-                <a:latin typeface="Arial Unicode MS"/>
-                <a:ea typeface="Times New Roman" panose="02020603050405020304" pitchFamily="18" charset="0"/>
-                <a:cs typeface="Courier New" panose="02070309020205020404" pitchFamily="49" charset="0"/>
-              </a:rPr>
-              <a:t>class=</a:t>
-            </a:r>
-            <a:r>
-              <a:rPr kumimoji="0" lang="en-US" altLang="en-US" sz="1600" b="1" i="0" u="none" strike="noStrike" cap="none" normalizeH="0" baseline="0" dirty="0">
-                <a:ln>
-                  <a:noFill/>
-                </a:ln>
-                <a:solidFill>
-                  <a:srgbClr val="008000"/>
-                </a:solidFill>
-                <a:effectLst/>
-                <a:latin typeface="Arial Unicode MS"/>
-                <a:ea typeface="Times New Roman" panose="02020603050405020304" pitchFamily="18" charset="0"/>
-                <a:cs typeface="Courier New" panose="02070309020205020404" pitchFamily="49" charset="0"/>
-              </a:rPr>
-              <a:t>"row" </a:t>
             </a:r>
             <a:r>
               <a:rPr kumimoji="0" lang="en-US" altLang="en-US" sz="1600" b="1" i="0" u="none" strike="noStrike" cap="none" normalizeH="0" baseline="0" dirty="0">
@@ -19387,21 +18921,6 @@
                 <a:cs typeface="Courier New" panose="02070309020205020404" pitchFamily="49" charset="0"/>
               </a:rPr>
             </a:br>
-            <a:r>
-              <a:rPr kumimoji="0" lang="en-US" altLang="en-US" sz="1600" b="0" i="0" u="none" strike="noStrike" cap="none" normalizeH="0" baseline="0" dirty="0">
-                <a:ln>
-                  <a:noFill/>
-                </a:ln>
-                <a:solidFill>
-                  <a:srgbClr val="000000"/>
-                </a:solidFill>
-                <a:effectLst/>
-                <a:latin typeface="Arial Unicode MS"/>
-                <a:ea typeface="Times New Roman" panose="02020603050405020304" pitchFamily="18" charset="0"/>
-                <a:cs typeface="Courier New" panose="02070309020205020404" pitchFamily="49" charset="0"/>
-              </a:rPr>
-              <a:t/>
-            </a:r>
             <a:br>
               <a:rPr kumimoji="0" lang="en-US" altLang="en-US" sz="1600" b="0" i="0" u="none" strike="noStrike" cap="none" normalizeH="0" baseline="0" dirty="0">
                 <a:ln>
@@ -19632,17 +19151,6 @@
                 <a:cs typeface="Arial" panose="020B0604020202020204" pitchFamily="34" charset="0"/>
               </a:rPr>
             </a:br>
-            <a:r>
-              <a:rPr lang="en-US" sz="1400" dirty="0">
-                <a:solidFill>
-                  <a:srgbClr val="000000"/>
-                </a:solidFill>
-                <a:latin typeface="Calibri" panose="020F0502020204030204" pitchFamily="34" charset="0"/>
-                <a:ea typeface="Calibri" panose="020F0502020204030204" pitchFamily="34" charset="0"/>
-                <a:cs typeface="Arial" panose="020B0604020202020204" pitchFamily="34" charset="0"/>
-              </a:rPr>
-              <a:t/>
-            </a:r>
             <a:br>
               <a:rPr lang="en-US" sz="1400" dirty="0">
                 <a:solidFill>
@@ -21352,12 +20860,8 @@
           <a:lstStyle/>
           <a:p>
             <a:r>
-              <a:rPr lang="en-US" dirty="0" smtClean="0"/>
-              <a:t>Template-Driven </a:t>
-            </a:r>
-            <a:r>
               <a:rPr lang="en-US" dirty="0"/>
-              <a:t>approach simply infers the form object from the DOM</a:t>
+              <a:t>Template-Driven approach simply infers the form object from the DOM</a:t>
             </a:r>
           </a:p>
           <a:p>
@@ -21374,12 +20878,8 @@
           </a:p>
           <a:p>
             <a:r>
-              <a:rPr lang="en-US" dirty="0" smtClean="0"/>
-              <a:t>Reactive-Form is </a:t>
-            </a:r>
-            <a:r>
               <a:rPr lang="en-US" dirty="0"/>
-              <a:t>created programmatically and synchronized with the DOM. We define the structure of the form in typescript code and manually connect it with the html form</a:t>
+              <a:t>Reactive-Form is created programmatically and synchronized with the DOM. We define the structure of the form in typescript code and manually connect it with the html form</a:t>
             </a:r>
           </a:p>
         </p:txBody>
@@ -21646,8 +21146,8 @@
         </p:nvSpPr>
         <p:spPr bwMode="auto">
           <a:xfrm>
-            <a:off x="4211960" y="4221088"/>
-            <a:ext cx="4278728" cy="1815882"/>
+            <a:off x="4211960" y="4344199"/>
+            <a:ext cx="4278728" cy="1569660"/>
           </a:xfrm>
           <a:prstGeom prst="rect">
             <a:avLst/>
@@ -21994,61 +21494,6 @@
                 <a:latin typeface="Courier New" panose="02070309020205020404" pitchFamily="49" charset="0"/>
                 <a:cs typeface="Courier New" panose="02070309020205020404" pitchFamily="49" charset="0"/>
               </a:rPr>
-              <a:t>class=</a:t>
-            </a:r>
-            <a:r>
-              <a:rPr kumimoji="0" lang="en-US" altLang="en-US" sz="1600" b="1" i="0" u="none" strike="noStrike" cap="none" normalizeH="0" baseline="0" dirty="0">
-                <a:ln>
-                  <a:noFill/>
-                </a:ln>
-                <a:solidFill>
-                  <a:srgbClr val="008000"/>
-                </a:solidFill>
-                <a:effectLst/>
-                <a:latin typeface="Courier New" panose="02070309020205020404" pitchFamily="49" charset="0"/>
-                <a:cs typeface="Courier New" panose="02070309020205020404" pitchFamily="49" charset="0"/>
-              </a:rPr>
-              <a:t>"form-control"</a:t>
-            </a:r>
-            <a:br>
-              <a:rPr kumimoji="0" lang="en-US" altLang="en-US" sz="1600" b="1" i="0" u="none" strike="noStrike" cap="none" normalizeH="0" baseline="0" dirty="0">
-                <a:ln>
-                  <a:noFill/>
-                </a:ln>
-                <a:solidFill>
-                  <a:srgbClr val="008000"/>
-                </a:solidFill>
-                <a:effectLst/>
-                <a:latin typeface="Courier New" panose="02070309020205020404" pitchFamily="49" charset="0"/>
-                <a:cs typeface="Courier New" panose="02070309020205020404" pitchFamily="49" charset="0"/>
-              </a:rPr>
-            </a:br>
-            <a:r>
-              <a:rPr kumimoji="0" lang="en-US" altLang="en-US" sz="1600" b="1" i="0" u="none" strike="noStrike" cap="none" normalizeH="0" baseline="0" dirty="0">
-                <a:ln>
-                  <a:noFill/>
-                </a:ln>
-                <a:solidFill>
-                  <a:srgbClr val="008000"/>
-                </a:solidFill>
-                <a:effectLst/>
-                <a:latin typeface="Courier New" panose="02070309020205020404" pitchFamily="49" charset="0"/>
-                <a:cs typeface="Courier New" panose="02070309020205020404" pitchFamily="49" charset="0"/>
-              </a:rPr>
-              <a:t>  </a:t>
-            </a:r>
-            <a:r>
-              <a:rPr kumimoji="0" lang="en-US" altLang="en-US" sz="1600" b="1" i="0" u="none" strike="noStrike" cap="none" normalizeH="0" baseline="0" dirty="0">
-                <a:ln>
-                  <a:noFill/>
-                </a:ln>
-                <a:solidFill>
-                  <a:srgbClr val="0000FF"/>
-                </a:solidFill>
-                <a:effectLst/>
-                <a:latin typeface="Courier New" panose="02070309020205020404" pitchFamily="49" charset="0"/>
-                <a:cs typeface="Courier New" panose="02070309020205020404" pitchFamily="49" charset="0"/>
-              </a:rPr>
               <a:t>formControlName=</a:t>
             </a:r>
             <a:r>
@@ -22095,13 +21540,15 @@
       <p:cxnSp>
         <p:nvCxnSpPr>
           <p:cNvPr id="9" name="Straight Arrow Connector 8"/>
-          <p:cNvCxnSpPr/>
+          <p:cNvCxnSpPr>
+            <a:cxnSpLocks/>
+          </p:cNvCxnSpPr>
           <p:nvPr/>
         </p:nvCxnSpPr>
         <p:spPr>
           <a:xfrm flipV="1">
-            <a:off x="2987824" y="5877272"/>
-            <a:ext cx="1440160" cy="72008"/>
+            <a:off x="2987824" y="5733256"/>
+            <a:ext cx="1440160" cy="216024"/>
           </a:xfrm>
           <a:prstGeom prst="straightConnector1">
             <a:avLst/>
@@ -23126,17 +22573,6 @@
             </a:r>
           </a:p>
           <a:p>
-            <a:r>
-              <a:rPr lang="en-US" sz="1600" dirty="0">
-                <a:solidFill>
-                  <a:srgbClr val="000000"/>
-                </a:solidFill>
-                <a:latin typeface="Calibri" panose="020F0502020204030204" pitchFamily="34" charset="0"/>
-                <a:ea typeface="Calibri" panose="020F0502020204030204" pitchFamily="34" charset="0"/>
-                <a:cs typeface="Arial" panose="020B0604020202020204" pitchFamily="34" charset="0"/>
-              </a:rPr>
-              <a:t/>
-            </a:r>
             <a:br>
               <a:rPr lang="en-US" sz="1600" dirty="0">
                 <a:solidFill>
@@ -23858,7 +23294,7 @@
         <p:spPr>
           <a:xfrm>
             <a:off x="533400" y="4005064"/>
-            <a:ext cx="5550768" cy="2554545"/>
+            <a:ext cx="5550768" cy="2308324"/>
           </a:xfrm>
           <a:prstGeom prst="rect">
             <a:avLst/>
@@ -24076,69 +23512,26 @@
               </a:rPr>
             </a:br>
             <a:r>
+              <a:rPr lang="en-US" sz="1600" b="1" dirty="0" err="1">
+                <a:solidFill>
+                  <a:srgbClr val="0000FF"/>
+                </a:solidFill>
+                <a:latin typeface="Calibri" panose="020F0502020204030204" pitchFamily="34" charset="0"/>
+                <a:ea typeface="Calibri" panose="020F0502020204030204" pitchFamily="34" charset="0"/>
+                <a:cs typeface="Arial" panose="020B0604020202020204" pitchFamily="34" charset="0"/>
+              </a:rPr>
+              <a:t>formControlName</a:t>
+            </a:r>
+            <a:r>
               <a:rPr lang="en-US" sz="1600" b="1" dirty="0">
                 <a:solidFill>
-                  <a:srgbClr val="008000"/>
-                </a:solidFill>
-                <a:latin typeface="Calibri" panose="020F0502020204030204" pitchFamily="34" charset="0"/>
-                <a:ea typeface="Calibri" panose="020F0502020204030204" pitchFamily="34" charset="0"/>
-                <a:cs typeface="Arial" panose="020B0604020202020204" pitchFamily="34" charset="0"/>
-              </a:rPr>
-              <a:t>  </a:t>
-            </a:r>
-            <a:r>
-              <a:rPr lang="en-US" sz="1600" b="1" dirty="0">
-                <a:solidFill>
                   <a:srgbClr val="0000FF"/>
                 </a:solidFill>
                 <a:latin typeface="Calibri" panose="020F0502020204030204" pitchFamily="34" charset="0"/>
                 <a:ea typeface="Calibri" panose="020F0502020204030204" pitchFamily="34" charset="0"/>
                 <a:cs typeface="Arial" panose="020B0604020202020204" pitchFamily="34" charset="0"/>
               </a:rPr>
-              <a:t>class=</a:t>
-            </a:r>
-            <a:r>
-              <a:rPr lang="en-US" sz="1600" b="1" dirty="0">
-                <a:solidFill>
-                  <a:srgbClr val="008000"/>
-                </a:solidFill>
-                <a:latin typeface="Calibri" panose="020F0502020204030204" pitchFamily="34" charset="0"/>
-                <a:ea typeface="Calibri" panose="020F0502020204030204" pitchFamily="34" charset="0"/>
-                <a:cs typeface="Arial" panose="020B0604020202020204" pitchFamily="34" charset="0"/>
-              </a:rPr>
-              <a:t>"form-control"</a:t>
-            </a:r>
-            <a:br>
-              <a:rPr lang="en-US" sz="1600" b="1" dirty="0">
-                <a:solidFill>
-                  <a:srgbClr val="008000"/>
-                </a:solidFill>
-                <a:latin typeface="Calibri" panose="020F0502020204030204" pitchFamily="34" charset="0"/>
-                <a:ea typeface="Calibri" panose="020F0502020204030204" pitchFamily="34" charset="0"/>
-                <a:cs typeface="Arial" panose="020B0604020202020204" pitchFamily="34" charset="0"/>
-              </a:rPr>
-            </a:br>
-            <a:r>
-              <a:rPr lang="en-US" sz="1600" b="1" dirty="0">
-                <a:solidFill>
-                  <a:srgbClr val="008000"/>
-                </a:solidFill>
-                <a:latin typeface="Calibri" panose="020F0502020204030204" pitchFamily="34" charset="0"/>
-                <a:ea typeface="Calibri" panose="020F0502020204030204" pitchFamily="34" charset="0"/>
-                <a:cs typeface="Arial" panose="020B0604020202020204" pitchFamily="34" charset="0"/>
-              </a:rPr>
-              <a:t>  </a:t>
-            </a:r>
-            <a:r>
-              <a:rPr lang="en-US" sz="1600" b="1" dirty="0">
-                <a:solidFill>
-                  <a:srgbClr val="0000FF"/>
-                </a:solidFill>
-                <a:latin typeface="Calibri" panose="020F0502020204030204" pitchFamily="34" charset="0"/>
-                <a:ea typeface="Calibri" panose="020F0502020204030204" pitchFamily="34" charset="0"/>
-                <a:cs typeface="Arial" panose="020B0604020202020204" pitchFamily="34" charset="0"/>
-              </a:rPr>
-              <a:t>formControlName=</a:t>
+              <a:t>=</a:t>
             </a:r>
             <a:r>
               <a:rPr lang="en-US" sz="1600" b="1" dirty="0">
@@ -24772,29 +24165,7 @@
                 <a:ea typeface="Calibri" panose="020F0502020204030204" pitchFamily="34" charset="0"/>
                 <a:cs typeface="Arial" panose="020B0604020202020204" pitchFamily="34" charset="0"/>
               </a:rPr>
-              <a:t>div </a:t>
-            </a:r>
-            <a:r>
-              <a:rPr lang="en-US" sz="1400" b="1" dirty="0">
-                <a:solidFill>
-                  <a:srgbClr val="0000FF"/>
-                </a:solidFill>
-                <a:latin typeface="Calibri" panose="020F0502020204030204" pitchFamily="34" charset="0"/>
-                <a:ea typeface="Calibri" panose="020F0502020204030204" pitchFamily="34" charset="0"/>
-                <a:cs typeface="Arial" panose="020B0604020202020204" pitchFamily="34" charset="0"/>
-              </a:rPr>
-              <a:t>class=</a:t>
-            </a:r>
-            <a:r>
-              <a:rPr lang="en-US" sz="1400" b="1" dirty="0">
-                <a:solidFill>
-                  <a:srgbClr val="008000"/>
-                </a:solidFill>
-                <a:latin typeface="Calibri" panose="020F0502020204030204" pitchFamily="34" charset="0"/>
-                <a:ea typeface="Calibri" panose="020F0502020204030204" pitchFamily="34" charset="0"/>
-                <a:cs typeface="Arial" panose="020B0604020202020204" pitchFamily="34" charset="0"/>
-              </a:rPr>
-              <a:t>"form-group"</a:t>
+              <a:t>div</a:t>
             </a:r>
             <a:r>
               <a:rPr lang="en-US" sz="1400" dirty="0">
@@ -27926,17 +27297,6 @@
                 <a:tab pos="9306560" algn="l"/>
               </a:tabLst>
             </a:pPr>
-            <a:r>
-              <a:rPr lang="en-US" sz="1200" dirty="0">
-                <a:solidFill>
-                  <a:srgbClr val="000000"/>
-                </a:solidFill>
-                <a:latin typeface="Courier New" panose="02070309020205020404" pitchFamily="49" charset="0"/>
-                <a:ea typeface="Times New Roman" panose="02020603050405020304" pitchFamily="18" charset="0"/>
-                <a:cs typeface="Arial" panose="020B0604020202020204" pitchFamily="34" charset="0"/>
-              </a:rPr>
-              <a:t/>
-            </a:r>
             <a:br>
               <a:rPr lang="en-US" sz="1200" dirty="0">
                 <a:solidFill>
@@ -28403,17 +27763,6 @@
                 <a:cs typeface="Arial" panose="020B0604020202020204" pitchFamily="34" charset="0"/>
               </a:rPr>
             </a:br>
-            <a:r>
-              <a:rPr lang="en-US" sz="1200" dirty="0">
-                <a:solidFill>
-                  <a:srgbClr val="000000"/>
-                </a:solidFill>
-                <a:latin typeface="Courier New" panose="02070309020205020404" pitchFamily="49" charset="0"/>
-                <a:ea typeface="Times New Roman" panose="02020603050405020304" pitchFamily="18" charset="0"/>
-                <a:cs typeface="Arial" panose="020B0604020202020204" pitchFamily="34" charset="0"/>
-              </a:rPr>
-              <a:t/>
-            </a:r>
             <a:br>
               <a:rPr lang="en-US" sz="1200" dirty="0">
                 <a:solidFill>
@@ -29479,7 +28828,7 @@
           <a:lstStyle/>
           <a:p>
             <a:r>
-              <a:rPr lang="en-US" dirty="0" smtClean="0"/>
+              <a:rPr lang="en-US" dirty="0"/>
               <a:t>Template Driven Basics</a:t>
             </a:r>
             <a:endParaRPr lang="he-IL" dirty="0"/>
@@ -29551,13 +28900,13 @@
         </p:nvSpPr>
         <p:spPr>
           <a:xfrm>
-            <a:off x="612648" y="1600200"/>
-            <a:ext cx="8153400" cy="4925144"/>
+            <a:off x="533400" y="1600200"/>
+            <a:ext cx="8232648" cy="5141168"/>
           </a:xfrm>
         </p:spPr>
         <p:txBody>
           <a:bodyPr>
-            <a:normAutofit/>
+            <a:normAutofit fontScale="85000" lnSpcReduction="20000"/>
           </a:bodyPr>
           <a:lstStyle/>
           <a:p>
@@ -29594,17 +28943,44 @@
             <a:endParaRPr lang="en-US" sz="2000" dirty="0"/>
           </a:p>
           <a:p>
+            <a:pPr marL="0" indent="0">
+              <a:buNone/>
+            </a:pPr>
+            <a:endParaRPr lang="en-US" sz="2000" dirty="0"/>
+          </a:p>
+          <a:p>
+            <a:pPr marL="0" indent="0">
+              <a:buNone/>
+            </a:pPr>
+            <a:endParaRPr lang="en-US" sz="2000" dirty="0"/>
+          </a:p>
+          <a:p>
+            <a:pPr marL="0" indent="0">
+              <a:buNone/>
+            </a:pPr>
+            <a:endParaRPr lang="en-US" sz="2000" dirty="0"/>
+          </a:p>
+          <a:p>
             <a:r>
               <a:rPr lang="en-US" sz="2000" dirty="0"/>
-              <a:t>Angular will create a form when detecting &lt;</a:t>
-            </a:r>
-            <a:r>
-              <a:rPr lang="en-US" sz="2000" dirty="0" smtClean="0"/>
-              <a:t>form&gt; HTML </a:t>
-            </a:r>
-            <a:r>
-              <a:rPr lang="en-US" sz="2000" dirty="0"/>
-              <a:t>tag</a:t>
+              <a:t>Angular will create a form when detecting &lt;form&gt; HTML tag</a:t>
+            </a:r>
+          </a:p>
+          <a:p>
+            <a:endParaRPr lang="en-US" sz="2000" dirty="0"/>
+          </a:p>
+          <a:p>
+            <a:r>
+              <a:rPr lang="en-US" sz="1800" dirty="0"/>
+              <a:t>Pay attention! Without the </a:t>
+            </a:r>
+            <a:r>
+              <a:rPr lang="en-US" sz="1800" dirty="0" err="1"/>
+              <a:t>FormModule</a:t>
+            </a:r>
+            <a:r>
+              <a:rPr lang="en-US" sz="1800" dirty="0"/>
+              <a:t> import, angular will not recognize any element control and inputs of the form.</a:t>
             </a:r>
           </a:p>
           <a:p>
@@ -29896,17 +29272,6 @@
                 <a:cs typeface="Arial" panose="020B0604020202020204" pitchFamily="34" charset="0"/>
               </a:rPr>
             </a:br>
-            <a:r>
-              <a:rPr lang="en-US" sz="1100" dirty="0">
-                <a:solidFill>
-                  <a:srgbClr val="000000"/>
-                </a:solidFill>
-                <a:latin typeface="Calibri" panose="020F0502020204030204" pitchFamily="34" charset="0"/>
-                <a:ea typeface="Calibri" panose="020F0502020204030204" pitchFamily="34" charset="0"/>
-                <a:cs typeface="Arial" panose="020B0604020202020204" pitchFamily="34" charset="0"/>
-              </a:rPr>
-              <a:t/>
-            </a:r>
             <a:br>
               <a:rPr lang="en-US" sz="1100" dirty="0">
                 <a:solidFill>
@@ -29982,17 +29347,6 @@
                 <a:cs typeface="Arial" panose="020B0604020202020204" pitchFamily="34" charset="0"/>
               </a:rPr>
             </a:br>
-            <a:r>
-              <a:rPr lang="en-US" sz="1100" dirty="0">
-                <a:solidFill>
-                  <a:srgbClr val="000000"/>
-                </a:solidFill>
-                <a:latin typeface="Calibri" panose="020F0502020204030204" pitchFamily="34" charset="0"/>
-                <a:ea typeface="Calibri" panose="020F0502020204030204" pitchFamily="34" charset="0"/>
-                <a:cs typeface="Arial" panose="020B0604020202020204" pitchFamily="34" charset="0"/>
-              </a:rPr>
-              <a:t/>
-            </a:r>
             <a:br>
               <a:rPr lang="en-US" sz="1100" dirty="0">
                 <a:solidFill>
@@ -30553,8 +29907,8 @@
         </p:nvSpPr>
         <p:spPr>
           <a:xfrm>
-            <a:off x="612648" y="1600200"/>
-            <a:ext cx="8153400" cy="4853136"/>
+            <a:off x="0" y="1600200"/>
+            <a:ext cx="9144000" cy="5257800"/>
           </a:xfrm>
         </p:spPr>
         <p:txBody>
@@ -30564,47 +29918,62 @@
           <a:lstStyle/>
           <a:p>
             <a:r>
-              <a:rPr lang="en-US" dirty="0"/>
+              <a:rPr lang="en-US" sz="2400" dirty="0"/>
               <a:t>However, angular will not detect the form inputs by itself</a:t>
             </a:r>
           </a:p>
           <a:p>
             <a:r>
-              <a:rPr lang="en-US" dirty="0"/>
+              <a:rPr lang="en-US" sz="2400" dirty="0"/>
               <a:t>Controls for the rescue!</a:t>
             </a:r>
           </a:p>
           <a:p>
             <a:pPr lvl="1"/>
             <a:r>
-              <a:rPr lang="en-US" dirty="0"/>
-              <a:t>Controls refers to the JS object in the 	 	  component class</a:t>
+              <a:rPr lang="en-US" sz="2400" dirty="0"/>
+              <a:t>Controls refers to the JS object in the component class</a:t>
             </a:r>
           </a:p>
           <a:p>
             <a:pPr lvl="1"/>
             <a:r>
-              <a:rPr lang="en-US" dirty="0"/>
+              <a:rPr lang="en-US" sz="2400" dirty="0"/>
               <a:t>the name attribute will register a control with the form</a:t>
             </a:r>
           </a:p>
           <a:p>
-            <a:pPr marL="0" indent="0">
+            <a:pPr lvl="1"/>
+            <a:r>
+              <a:rPr lang="en-US" sz="2400" dirty="0"/>
+              <a:t>Without setting a control and set a name for it, angular will </a:t>
+            </a:r>
+            <a:r>
+              <a:rPr lang="en-US" sz="2400" b="1" dirty="0"/>
+              <a:t>not</a:t>
+            </a:r>
+            <a:r>
+              <a:rPr lang="en-US" sz="2400" dirty="0"/>
+              <a:t> add the special ng classes provided by the </a:t>
+            </a:r>
+            <a:r>
+              <a:rPr lang="en-US" sz="2400" dirty="0" err="1"/>
+              <a:t>formModule</a:t>
+            </a:r>
+            <a:r>
+              <a:rPr lang="en-US" sz="2400" dirty="0"/>
+              <a:t> in order to manipulate the DOM</a:t>
+            </a:r>
+          </a:p>
+          <a:p>
+            <a:pPr lvl="1"/>
+            <a:endParaRPr lang="en-US" sz="2400" dirty="0"/>
+          </a:p>
+          <a:p>
+            <a:pPr marL="365760" lvl="1" indent="0">
               <a:buNone/>
             </a:pPr>
-            <a:r>
-              <a:rPr lang="en-US" dirty="0"/>
-              <a:t>	</a:t>
-            </a:r>
-          </a:p>
-          <a:p>
-            <a:pPr marL="0" indent="0">
-              <a:buNone/>
-            </a:pPr>
-            <a:r>
-              <a:rPr lang="en-US" dirty="0"/>
-              <a:t>	</a:t>
-            </a:r>
+            <a:endParaRPr lang="en-US" sz="2400" dirty="0"/>
           </a:p>
         </p:txBody>
       </p:sp>
@@ -30755,8 +30124,8 @@
         </p:nvSpPr>
         <p:spPr bwMode="auto">
           <a:xfrm>
-            <a:off x="612648" y="2119942"/>
-            <a:ext cx="6120680" cy="2492990"/>
+            <a:off x="612648" y="2258441"/>
+            <a:ext cx="6120680" cy="2215991"/>
           </a:xfrm>
           <a:prstGeom prst="rect">
             <a:avLst/>
@@ -30906,7 +30275,7 @@
               <a:t>label</a:t>
             </a:r>
             <a:r>
-              <a:rPr kumimoji="0" lang="en-US" altLang="en-US" b="0" i="0" u="none" strike="noStrike" cap="none" normalizeH="0" baseline="0" dirty="0" smtClean="0">
+              <a:rPr kumimoji="0" lang="en-US" altLang="en-US" b="0" i="0" u="none" strike="noStrike" cap="none" normalizeH="0" baseline="0" dirty="0">
                 <a:ln>
                   <a:noFill/>
                 </a:ln>
@@ -30938,21 +30307,6 @@
               <a:buNone/>
               <a:tabLst/>
             </a:pPr>
-            <a:r>
-              <a:rPr kumimoji="0" lang="en-US" altLang="en-US" b="0" i="0" u="none" strike="noStrike" cap="none" normalizeH="0" baseline="0" dirty="0">
-                <a:ln>
-                  <a:noFill/>
-                </a:ln>
-                <a:solidFill>
-                  <a:srgbClr val="000000"/>
-                </a:solidFill>
-                <a:effectLst/>
-                <a:latin typeface="Arial Unicode MS"/>
-                <a:ea typeface="Times New Roman" panose="02020603050405020304" pitchFamily="18" charset="0"/>
-                <a:cs typeface="Courier New" panose="02070309020205020404" pitchFamily="49" charset="0"/>
-              </a:rPr>
-              <a:t/>
-            </a:r>
             <a:br>
               <a:rPr kumimoji="0" lang="en-US" altLang="en-US" b="0" i="0" u="none" strike="noStrike" cap="none" normalizeH="0" baseline="0" dirty="0">
                 <a:ln>
@@ -31145,6 +30499,21 @@
               <a:t>  </a:t>
             </a:r>
             <a:r>
+              <a:rPr kumimoji="0" lang="en-US" altLang="en-US" b="1" i="0" u="none" strike="noStrike" cap="none" normalizeH="0" baseline="0" dirty="0" err="1">
+                <a:ln>
+                  <a:noFill/>
+                </a:ln>
+                <a:solidFill>
+                  <a:srgbClr val="0000FF"/>
+                </a:solidFill>
+                <a:effectLst/>
+                <a:latin typeface="Arial Unicode MS"/>
+                <a:ea typeface="Times New Roman" panose="02020603050405020304" pitchFamily="18" charset="0"/>
+                <a:cs typeface="Courier New" panose="02070309020205020404" pitchFamily="49" charset="0"/>
+              </a:rPr>
+              <a:t>ngModel</a:t>
+            </a:r>
+            <a:r>
               <a:rPr kumimoji="0" lang="en-US" altLang="en-US" b="1" i="0" u="none" strike="noStrike" cap="none" normalizeH="0" baseline="0" dirty="0">
                 <a:ln>
                   <a:noFill/>
@@ -31157,94 +30526,8 @@
                 <a:ea typeface="Times New Roman" panose="02020603050405020304" pitchFamily="18" charset="0"/>
                 <a:cs typeface="Courier New" panose="02070309020205020404" pitchFamily="49" charset="0"/>
               </a:rPr>
-              <a:t>class=</a:t>
-            </a:r>
-            <a:r>
-              <a:rPr kumimoji="0" lang="en-US" altLang="en-US" b="1" i="0" u="none" strike="noStrike" cap="none" normalizeH="0" baseline="0" dirty="0">
-                <a:ln>
-                  <a:noFill/>
-                </a:ln>
-                <a:solidFill>
-                  <a:srgbClr val="008000"/>
-                </a:solidFill>
-                <a:effectLst/>
-                <a:latin typeface="Arial Unicode MS"/>
-                <a:ea typeface="Times New Roman" panose="02020603050405020304" pitchFamily="18" charset="0"/>
-                <a:cs typeface="Courier New" panose="02070309020205020404" pitchFamily="49" charset="0"/>
-              </a:rPr>
-              <a:t>"form-control"</a:t>
-            </a:r>
-            <a:br>
-              <a:rPr kumimoji="0" lang="en-US" altLang="en-US" b="1" i="0" u="none" strike="noStrike" cap="none" normalizeH="0" baseline="0" dirty="0">
-                <a:ln>
-                  <a:noFill/>
-                </a:ln>
-                <a:solidFill>
-                  <a:srgbClr val="008000"/>
-                </a:solidFill>
-                <a:effectLst/>
-                <a:latin typeface="Arial Unicode MS"/>
-                <a:ea typeface="Times New Roman" panose="02020603050405020304" pitchFamily="18" charset="0"/>
-                <a:cs typeface="Courier New" panose="02070309020205020404" pitchFamily="49" charset="0"/>
-              </a:rPr>
-            </a:br>
-            <a:r>
-              <a:rPr kumimoji="0" lang="en-US" altLang="en-US" b="1" i="0" u="none" strike="noStrike" cap="none" normalizeH="0" baseline="0" dirty="0">
-                <a:ln>
-                  <a:noFill/>
-                </a:ln>
-                <a:solidFill>
-                  <a:srgbClr val="008000"/>
-                </a:solidFill>
-                <a:effectLst/>
-                <a:latin typeface="Arial Unicode MS"/>
-                <a:ea typeface="Times New Roman" panose="02020603050405020304" pitchFamily="18" charset="0"/>
-                <a:cs typeface="Courier New" panose="02070309020205020404" pitchFamily="49" charset="0"/>
-              </a:rPr>
               <a:t>  </a:t>
             </a:r>
-            <a:r>
-              <a:rPr kumimoji="0" lang="en-US" altLang="en-US" b="1" i="0" u="none" strike="noStrike" cap="none" normalizeH="0" baseline="0" dirty="0" err="1">
-                <a:ln>
-                  <a:noFill/>
-                </a:ln>
-                <a:solidFill>
-                  <a:srgbClr val="0000FF"/>
-                </a:solidFill>
-                <a:effectLst/>
-                <a:latin typeface="Arial Unicode MS"/>
-                <a:ea typeface="Times New Roman" panose="02020603050405020304" pitchFamily="18" charset="0"/>
-                <a:cs typeface="Courier New" panose="02070309020205020404" pitchFamily="49" charset="0"/>
-              </a:rPr>
-              <a:t>ngModel</a:t>
-            </a:r>
-            <a:r>
-              <a:rPr kumimoji="0" lang="en-US" altLang="en-US" b="1" i="0" u="none" strike="noStrike" cap="none" normalizeH="0" baseline="0" dirty="0">
-                <a:ln>
-                  <a:noFill/>
-                </a:ln>
-                <a:solidFill>
-                  <a:srgbClr val="0000FF"/>
-                </a:solidFill>
-                <a:effectLst/>
-                <a:latin typeface="Arial Unicode MS"/>
-                <a:ea typeface="Times New Roman" panose="02020603050405020304" pitchFamily="18" charset="0"/>
-                <a:cs typeface="Courier New" panose="02070309020205020404" pitchFamily="49" charset="0"/>
-              </a:rPr>
-              <a:t>  </a:t>
-            </a:r>
-            <a:endParaRPr kumimoji="0" lang="en-US" altLang="en-US" b="1" i="0" u="none" strike="noStrike" cap="none" normalizeH="0" baseline="0" dirty="0" smtClean="0">
-              <a:ln>
-                <a:noFill/>
-              </a:ln>
-              <a:solidFill>
-                <a:srgbClr val="0000FF"/>
-              </a:solidFill>
-              <a:effectLst/>
-              <a:latin typeface="Arial Unicode MS"/>
-              <a:ea typeface="Times New Roman" panose="02020603050405020304" pitchFamily="18" charset="0"/>
-              <a:cs typeface="Courier New" panose="02070309020205020404" pitchFamily="49" charset="0"/>
-            </a:endParaRPr>
           </a:p>
           <a:p>
             <a:pPr marL="0" marR="0" lvl="0" indent="0" algn="l" defTabSz="914400" rtl="0" eaLnBrk="0" fontAlgn="base" latinLnBrk="0" hangingPunct="0">
@@ -31272,48 +30555,22 @@
                 <a:ea typeface="Times New Roman" panose="02020603050405020304" pitchFamily="18" charset="0"/>
                 <a:cs typeface="Courier New" panose="02070309020205020404" pitchFamily="49" charset="0"/>
               </a:rPr>
-              <a:t> </a:t>
-            </a:r>
-            <a:r>
-              <a:rPr lang="en-US" altLang="en-US" b="1" dirty="0" smtClean="0">
+              <a:t>  </a:t>
+            </a:r>
+            <a:r>
+              <a:rPr kumimoji="0" lang="en-US" altLang="en-US" b="1" i="0" u="none" strike="noStrike" cap="none" normalizeH="0" baseline="0" dirty="0">
+                <a:ln>
+                  <a:noFill/>
+                </a:ln>
                 <a:solidFill>
                   <a:srgbClr val="0000FF"/>
                 </a:solidFill>
-                <a:latin typeface="Arial Unicode MS"/>
-                <a:ea typeface="Times New Roman" panose="02020603050405020304" pitchFamily="18" charset="0"/>
-                <a:cs typeface="Courier New" panose="02070309020205020404" pitchFamily="49" charset="0"/>
-              </a:rPr>
-              <a:t> </a:t>
-            </a:r>
-            <a:r>
-              <a:rPr kumimoji="0" lang="en-US" altLang="en-US" b="1" i="0" u="none" strike="noStrike" cap="none" normalizeH="0" baseline="0" dirty="0" smtClean="0">
-                <a:ln>
-                  <a:noFill/>
-                </a:ln>
-                <a:solidFill>
-                  <a:srgbClr val="0000FF"/>
-                </a:solidFill>
-                <a:effectLst/>
-                <a:latin typeface="Arial Unicode MS"/>
-                <a:ea typeface="Times New Roman" panose="02020603050405020304" pitchFamily="18" charset="0"/>
-                <a:cs typeface="Courier New" panose="02070309020205020404" pitchFamily="49" charset="0"/>
-              </a:rPr>
-              <a:t>name</a:t>
-            </a:r>
-            <a:r>
-              <a:rPr kumimoji="0" lang="en-US" altLang="en-US" b="1" i="0" u="none" strike="noStrike" cap="none" normalizeH="0" baseline="0" dirty="0">
-                <a:ln>
-                  <a:noFill/>
-                </a:ln>
-                <a:solidFill>
-                  <a:srgbClr val="0000FF"/>
-                </a:solidFill>
-                <a:effectLst/>
-                <a:latin typeface="Arial Unicode MS"/>
-                <a:ea typeface="Times New Roman" panose="02020603050405020304" pitchFamily="18" charset="0"/>
-                <a:cs typeface="Courier New" panose="02070309020205020404" pitchFamily="49" charset="0"/>
-              </a:rPr>
-              <a:t>=</a:t>
+                <a:effectLst/>
+                <a:latin typeface="Arial Unicode MS"/>
+                <a:ea typeface="Times New Roman" panose="02020603050405020304" pitchFamily="18" charset="0"/>
+                <a:cs typeface="Courier New" panose="02070309020205020404" pitchFamily="49" charset="0"/>
+              </a:rPr>
+              <a:t>name=</a:t>
             </a:r>
             <a:r>
               <a:rPr kumimoji="0" lang="en-US" altLang="en-US" b="1" i="0" u="none" strike="noStrike" cap="none" normalizeH="0" baseline="0" dirty="0">
@@ -31422,7 +30679,7 @@
         </p:nvCxnSpPr>
         <p:spPr>
           <a:xfrm flipH="1">
-            <a:off x="1619672" y="4293096"/>
+            <a:off x="2195736" y="3789040"/>
             <a:ext cx="1656184" cy="0"/>
           </a:xfrm>
           <a:prstGeom prst="straightConnector1">
@@ -31455,7 +30712,7 @@
         </p:nvCxnSpPr>
         <p:spPr>
           <a:xfrm flipH="1">
-            <a:off x="2411760" y="4293096"/>
+            <a:off x="2987824" y="3789040"/>
             <a:ext cx="864096" cy="288032"/>
           </a:xfrm>
           <a:prstGeom prst="straightConnector1">
@@ -33070,21 +32327,6 @@
               </a:rPr>
               <a:t>:Object</a:t>
             </a:r>
-            <a:r>
-              <a:rPr kumimoji="0" lang="en-US" altLang="en-US" sz="1200" b="1" i="0" u="none" strike="noStrike" cap="none" normalizeH="0" baseline="0" dirty="0">
-                <a:ln>
-                  <a:noFill/>
-                </a:ln>
-                <a:solidFill>
-                  <a:srgbClr val="008000"/>
-                </a:solidFill>
-                <a:effectLst/>
-                <a:latin typeface="Arial Unicode MS"/>
-                <a:ea typeface="Times New Roman" panose="02020603050405020304" pitchFamily="18" charset="0"/>
-                <a:cs typeface="Courier New" panose="02070309020205020404" pitchFamily="49" charset="0"/>
-              </a:rPr>
-              <a:t/>
-            </a:r>
             <a:br>
               <a:rPr kumimoji="0" lang="en-US" altLang="en-US" sz="1200" b="1" i="0" u="none" strike="noStrike" cap="none" normalizeH="0" baseline="0" dirty="0">
                 <a:ln>
@@ -33158,21 +32400,6 @@
                 <a:cs typeface="Courier New" panose="02070309020205020404" pitchFamily="49" charset="0"/>
               </a:rPr>
               <a:t>"teacher”</a:t>
-            </a:r>
-            <a:r>
-              <a:rPr kumimoji="0" lang="en-US" altLang="en-US" sz="1200" b="0" i="0" u="none" strike="noStrike" cap="none" normalizeH="0" baseline="0" dirty="0">
-                <a:ln>
-                  <a:noFill/>
-                </a:ln>
-                <a:solidFill>
-                  <a:srgbClr val="000000"/>
-                </a:solidFill>
-                <a:effectLst/>
-                <a:latin typeface="Arial Unicode MS"/>
-                <a:ea typeface="Times New Roman" panose="02020603050405020304" pitchFamily="18" charset="0"/>
-                <a:cs typeface="Courier New" panose="02070309020205020404" pitchFamily="49" charset="0"/>
-              </a:rPr>
-              <a:t/>
             </a:r>
             <a:br>
               <a:rPr kumimoji="0" lang="en-US" altLang="en-US" sz="1200" b="0" i="0" u="none" strike="noStrike" cap="none" normalizeH="0" baseline="0" dirty="0">
